--- a/דוחות/מצגות/מצגת התקדמות.pptx
+++ b/דוחות/מצגות/מצגת התקדמות.pptx
@@ -25,7 +25,7 @@
     <p:sldId id="272" r:id="rId19"/>
     <p:sldId id="273" r:id="rId20"/>
     <p:sldId id="279" r:id="rId21"/>
-    <p:sldId id="268" r:id="rId22"/>
+    <p:sldId id="281" r:id="rId22"/>
   </p:sldIdLst>
   <p:sldSz cx="12192000" cy="6858000"/>
   <p:notesSz cx="6858000" cy="9144000"/>
@@ -153,7 +153,7 @@
             <p14:sldId id="272"/>
             <p14:sldId id="273"/>
             <p14:sldId id="279"/>
-            <p14:sldId id="268"/>
+            <p14:sldId id="281"/>
           </p14:sldIdLst>
         </p14:section>
       </p14:sectionLst>
@@ -15553,7 +15553,7 @@
           <a:p>
             <a:fld id="{2E5861C8-6E59-4B49-805F-F09502E84273}" type="datetimeFigureOut">
               <a:rPr lang="he-IL" smtClean="0"/>
-              <a:t>כ"ט/טבת/תשפ"ב</a:t>
+              <a:t>א'/שבט/תשפ"ב</a:t>
             </a:fld>
             <a:endParaRPr lang="he-IL"/>
           </a:p>
@@ -15774,7 +15774,7 @@
           <a:p>
             <a:fld id="{2E5861C8-6E59-4B49-805F-F09502E84273}" type="datetimeFigureOut">
               <a:rPr lang="he-IL" smtClean="0"/>
-              <a:t>כ"ט/טבת/תשפ"ב</a:t>
+              <a:t>א'/שבט/תשפ"ב</a:t>
             </a:fld>
             <a:endParaRPr lang="he-IL"/>
           </a:p>
@@ -15954,7 +15954,7 @@
           <a:p>
             <a:fld id="{2E5861C8-6E59-4B49-805F-F09502E84273}" type="datetimeFigureOut">
               <a:rPr lang="he-IL" smtClean="0"/>
-              <a:t>כ"ט/טבת/תשפ"ב</a:t>
+              <a:t>א'/שבט/תשפ"ב</a:t>
             </a:fld>
             <a:endParaRPr lang="he-IL"/>
           </a:p>
@@ -16124,7 +16124,7 @@
           <a:p>
             <a:fld id="{2E5861C8-6E59-4B49-805F-F09502E84273}" type="datetimeFigureOut">
               <a:rPr lang="he-IL" smtClean="0"/>
-              <a:t>כ"ט/טבת/תשפ"ב</a:t>
+              <a:t>א'/שבט/תשפ"ב</a:t>
             </a:fld>
             <a:endParaRPr lang="he-IL"/>
           </a:p>
@@ -16375,7 +16375,7 @@
           <a:p>
             <a:fld id="{2E5861C8-6E59-4B49-805F-F09502E84273}" type="datetimeFigureOut">
               <a:rPr lang="he-IL" smtClean="0"/>
-              <a:t>כ"ט/טבת/תשפ"ב</a:t>
+              <a:t>א'/שבט/תשפ"ב</a:t>
             </a:fld>
             <a:endParaRPr lang="he-IL"/>
           </a:p>
@@ -16698,7 +16698,7 @@
           <a:p>
             <a:fld id="{2E5861C8-6E59-4B49-805F-F09502E84273}" type="datetimeFigureOut">
               <a:rPr lang="he-IL" smtClean="0"/>
-              <a:t>כ"ט/טבת/תשפ"ב</a:t>
+              <a:t>א'/שבט/תשפ"ב</a:t>
             </a:fld>
             <a:endParaRPr lang="he-IL"/>
           </a:p>
@@ -17122,7 +17122,7 @@
           <a:p>
             <a:fld id="{2E5861C8-6E59-4B49-805F-F09502E84273}" type="datetimeFigureOut">
               <a:rPr lang="he-IL" smtClean="0"/>
-              <a:t>כ"ט/טבת/תשפ"ב</a:t>
+              <a:t>א'/שבט/תשפ"ב</a:t>
             </a:fld>
             <a:endParaRPr lang="he-IL"/>
           </a:p>
@@ -17240,7 +17240,7 @@
           <a:p>
             <a:fld id="{2E5861C8-6E59-4B49-805F-F09502E84273}" type="datetimeFigureOut">
               <a:rPr lang="he-IL" smtClean="0"/>
-              <a:t>כ"ט/טבת/תשפ"ב</a:t>
+              <a:t>א'/שבט/תשפ"ב</a:t>
             </a:fld>
             <a:endParaRPr lang="he-IL"/>
           </a:p>
@@ -17335,7 +17335,7 @@
           <a:p>
             <a:fld id="{2E5861C8-6E59-4B49-805F-F09502E84273}" type="datetimeFigureOut">
               <a:rPr lang="he-IL" smtClean="0"/>
-              <a:t>כ"ט/טבת/תשפ"ב</a:t>
+              <a:t>א'/שבט/תשפ"ב</a:t>
             </a:fld>
             <a:endParaRPr lang="he-IL"/>
           </a:p>
@@ -17625,7 +17625,7 @@
           <a:p>
             <a:fld id="{2E5861C8-6E59-4B49-805F-F09502E84273}" type="datetimeFigureOut">
               <a:rPr lang="he-IL" smtClean="0"/>
-              <a:t>כ"ט/טבת/תשפ"ב</a:t>
+              <a:t>א'/שבט/תשפ"ב</a:t>
             </a:fld>
             <a:endParaRPr lang="he-IL"/>
           </a:p>
@@ -17897,7 +17897,7 @@
           <a:p>
             <a:fld id="{2E5861C8-6E59-4B49-805F-F09502E84273}" type="datetimeFigureOut">
               <a:rPr lang="he-IL" smtClean="0"/>
-              <a:t>כ"ט/טבת/תשפ"ב</a:t>
+              <a:t>א'/שבט/תשפ"ב</a:t>
             </a:fld>
             <a:endParaRPr lang="he-IL"/>
           </a:p>
@@ -18151,7 +18151,7 @@
           <a:p>
             <a:fld id="{2E5861C8-6E59-4B49-805F-F09502E84273}" type="datetimeFigureOut">
               <a:rPr lang="he-IL" smtClean="0"/>
-              <a:t>כ"ט/טבת/תשפ"ב</a:t>
+              <a:t>א'/שבט/תשפ"ב</a:t>
             </a:fld>
             <a:endParaRPr lang="he-IL"/>
           </a:p>
@@ -22289,10 +22289,10 @@
       </p:grpSpPr>
       <p:sp>
         <p:nvSpPr>
-          <p:cNvPr id="47" name="Rectangle 46">
+          <p:cNvPr id="64" name="Rectangle 63">
             <a:extLst>
               <a:ext uri="{FF2B5EF4-FFF2-40B4-BE49-F238E27FC236}">
-                <a16:creationId xmlns:a16="http://schemas.microsoft.com/office/drawing/2014/main" id="{368A5362-EC3B-4BE3-804B-E6B289AF8A36}"/>
+                <a16:creationId xmlns:a16="http://schemas.microsoft.com/office/drawing/2014/main" id="{6C0DD7BF-8F3D-4D34-A37A-85563D3D62FF}"/>
               </a:ext>
               <a:ext uri="{C183D7F6-B498-43B3-948B-1728B52AA6E4}">
                 <adec:decorative xmlns:adec="http://schemas.microsoft.com/office/drawing/2017/decorative" val="1"/>
@@ -22344,10 +22344,10 @@
       </p:sp>
       <p:sp>
         <p:nvSpPr>
-          <p:cNvPr id="49" name="Rectangle 48">
+          <p:cNvPr id="66" name="Rectangle 65">
             <a:extLst>
               <a:ext uri="{FF2B5EF4-FFF2-40B4-BE49-F238E27FC236}">
-                <a16:creationId xmlns:a16="http://schemas.microsoft.com/office/drawing/2014/main" id="{1D37744E-F5F6-4ED5-9F5F-21183A8FE771}"/>
+                <a16:creationId xmlns:a16="http://schemas.microsoft.com/office/drawing/2014/main" id="{A82C64D9-D855-4343-BB40-3E465EFFA0B6}"/>
               </a:ext>
               <a:ext uri="{C183D7F6-B498-43B3-948B-1728B52AA6E4}">
                 <adec:decorative xmlns:adec="http://schemas.microsoft.com/office/drawing/2017/decorative" val="1"/>
@@ -22401,10 +22401,10 @@
       </p:sp>
       <p:cxnSp>
         <p:nvCxnSpPr>
-          <p:cNvPr id="51" name="Straight Connector 50">
+          <p:cNvPr id="68" name="Straight Connector 67">
             <a:extLst>
               <a:ext uri="{FF2B5EF4-FFF2-40B4-BE49-F238E27FC236}">
-                <a16:creationId xmlns:a16="http://schemas.microsoft.com/office/drawing/2014/main" id="{DD9D7C55-D0C1-4B48-ADC5-A9E322B19608}"/>
+                <a16:creationId xmlns:a16="http://schemas.microsoft.com/office/drawing/2014/main" id="{106D061A-80BB-4A08-8350-176FFFDCC32C}"/>
               </a:ext>
               <a:ext uri="{C183D7F6-B498-43B3-948B-1728B52AA6E4}">
                 <adec:decorative xmlns:adec="http://schemas.microsoft.com/office/drawing/2017/decorative" val="1"/>
@@ -22451,123 +22451,12 @@
           </a:fontRef>
         </p:style>
       </p:cxnSp>
-      <p:sp>
-        <p:nvSpPr>
-          <p:cNvPr id="53" name="Rectangle 52">
+      <p:cxnSp>
+        <p:nvCxnSpPr>
+          <p:cNvPr id="70" name="Straight Connector 69">
             <a:extLst>
               <a:ext uri="{FF2B5EF4-FFF2-40B4-BE49-F238E27FC236}">
-                <a16:creationId xmlns:a16="http://schemas.microsoft.com/office/drawing/2014/main" id="{AF76D8A0-F840-44FD-94A8-A20CBDF8DEC0}"/>
-              </a:ext>
-              <a:ext uri="{C183D7F6-B498-43B3-948B-1728B52AA6E4}">
-                <adec:decorative xmlns:adec="http://schemas.microsoft.com/office/drawing/2017/decorative" val="1"/>
-              </a:ext>
-            </a:extLst>
-          </p:cNvPr>
-          <p:cNvSpPr>
-            <a:spLocks noGrp="1" noRot="1" noChangeAspect="1" noMove="1" noResize="1" noEditPoints="1" noAdjustHandles="1" noChangeArrowheads="1" noChangeShapeType="1" noTextEdit="1"/>
-          </p:cNvSpPr>
-          <p:nvPr>
-            <p:extLst>
-              <p:ext uri="{386F3935-93C4-4BCD-93E2-E3B085C9AB24}">
-                <p16:designElem xmlns:p16="http://schemas.microsoft.com/office/powerpoint/2015/main" val="1"/>
-              </p:ext>
-            </p:extLst>
-          </p:nvPr>
-        </p:nvSpPr>
-        <p:spPr>
-          <a:xfrm>
-            <a:off x="231140" y="243840"/>
-            <a:ext cx="11722100" cy="6377939"/>
-          </a:xfrm>
-          <a:prstGeom prst="rect">
-            <a:avLst/>
-          </a:prstGeom>
-          <a:solidFill>
-            <a:schemeClr val="bg1"/>
-          </a:solidFill>
-          <a:ln w="12700">
-            <a:solidFill>
-              <a:srgbClr val="FFFFFF"/>
-            </a:solidFill>
-          </a:ln>
-        </p:spPr>
-        <p:style>
-          <a:lnRef idx="2">
-            <a:schemeClr val="accent1">
-              <a:shade val="50000"/>
-            </a:schemeClr>
-          </a:lnRef>
-          <a:fillRef idx="1">
-            <a:schemeClr val="accent1"/>
-          </a:fillRef>
-          <a:effectRef idx="0">
-            <a:schemeClr val="accent1"/>
-          </a:effectRef>
-          <a:fontRef idx="minor">
-            <a:schemeClr val="lt1"/>
-          </a:fontRef>
-        </p:style>
-      </p:sp>
-      <p:sp useBgFill="1">
-        <p:nvSpPr>
-          <p:cNvPr id="55" name="Rectangle 54">
-            <a:extLst>
-              <a:ext uri="{FF2B5EF4-FFF2-40B4-BE49-F238E27FC236}">
-                <a16:creationId xmlns:a16="http://schemas.microsoft.com/office/drawing/2014/main" id="{CC844B5A-A65D-41B5-8242-5470C11DC34A}"/>
-              </a:ext>
-              <a:ext uri="{C183D7F6-B498-43B3-948B-1728B52AA6E4}">
-                <adec:decorative xmlns:adec="http://schemas.microsoft.com/office/drawing/2017/decorative" val="1"/>
-              </a:ext>
-            </a:extLst>
-          </p:cNvPr>
-          <p:cNvSpPr>
-            <a:spLocks noGrp="1" noRot="1" noChangeAspect="1" noMove="1" noResize="1" noEditPoints="1" noAdjustHandles="1" noChangeArrowheads="1" noChangeShapeType="1" noTextEdit="1"/>
-          </p:cNvSpPr>
-          <p:nvPr>
-            <p:extLst>
-              <p:ext uri="{386F3935-93C4-4BCD-93E2-E3B085C9AB24}">
-                <p16:designElem xmlns:p16="http://schemas.microsoft.com/office/powerpoint/2015/main" val="1"/>
-              </p:ext>
-            </p:extLst>
-          </p:nvPr>
-        </p:nvSpPr>
-        <p:spPr>
-          <a:xfrm>
-            <a:off x="6089378" y="246887"/>
-            <a:ext cx="5861321" cy="6377939"/>
-          </a:xfrm>
-          <a:prstGeom prst="rect">
-            <a:avLst/>
-          </a:prstGeom>
-          <a:ln w="12700">
-            <a:solidFill>
-              <a:srgbClr val="FFFFFF"/>
-            </a:solidFill>
-          </a:ln>
-        </p:spPr>
-        <p:style>
-          <a:lnRef idx="2">
-            <a:schemeClr val="accent1">
-              <a:shade val="50000"/>
-            </a:schemeClr>
-          </a:lnRef>
-          <a:fillRef idx="1">
-            <a:schemeClr val="accent1"/>
-          </a:fillRef>
-          <a:effectRef idx="0">
-            <a:schemeClr val="accent1"/>
-          </a:effectRef>
-          <a:fontRef idx="minor">
-            <a:schemeClr val="lt1"/>
-          </a:fontRef>
-        </p:style>
-      </p:sp>
-      <p:cxnSp>
-        <p:nvCxnSpPr>
-          <p:cNvPr id="57" name="Straight Connector 56">
-            <a:extLst>
-              <a:ext uri="{FF2B5EF4-FFF2-40B4-BE49-F238E27FC236}">
-                <a16:creationId xmlns:a16="http://schemas.microsoft.com/office/drawing/2014/main" id="{76795CB0-CC14-43E3-9440-AD43DE65E17C}"/>
+                <a16:creationId xmlns:a16="http://schemas.microsoft.com/office/drawing/2014/main" id="{A3E92BB3-3613-4DC5-97E0-299B04C46A6E}"/>
               </a:ext>
               <a:ext uri="{C183D7F6-B498-43B3-948B-1728B52AA6E4}">
                 <adec:decorative xmlns:adec="http://schemas.microsoft.com/office/drawing/2017/decorative" val="1"/>
@@ -22587,8 +22476,8 @@
         </p:nvCxnSpPr>
         <p:spPr>
           <a:xfrm>
-            <a:off x="6736924" y="4220801"/>
-            <a:ext cx="4215939" cy="0"/>
+            <a:off x="1978660" y="5462458"/>
+            <a:ext cx="8229601" cy="0"/>
           </a:xfrm>
           <a:prstGeom prst="line">
             <a:avLst/>
@@ -22616,61 +22505,6 @@
       </p:cxnSp>
       <p:sp>
         <p:nvSpPr>
-          <p:cNvPr id="59" name="Rectangle 58">
-            <a:extLst>
-              <a:ext uri="{FF2B5EF4-FFF2-40B4-BE49-F238E27FC236}">
-                <a16:creationId xmlns:a16="http://schemas.microsoft.com/office/drawing/2014/main" id="{14AE8570-D9D3-44BE-A679-3A4B0F1C2747}"/>
-              </a:ext>
-              <a:ext uri="{C183D7F6-B498-43B3-948B-1728B52AA6E4}">
-                <adec:decorative xmlns:adec="http://schemas.microsoft.com/office/drawing/2017/decorative" val="1"/>
-              </a:ext>
-            </a:extLst>
-          </p:cNvPr>
-          <p:cNvSpPr>
-            <a:spLocks noGrp="1" noRot="1" noChangeAspect="1" noMove="1" noResize="1" noEditPoints="1" noAdjustHandles="1" noChangeArrowheads="1" noChangeShapeType="1" noTextEdit="1"/>
-          </p:cNvSpPr>
-          <p:nvPr>
-            <p:extLst>
-              <p:ext uri="{386F3935-93C4-4BCD-93E2-E3B085C9AB24}">
-                <p16:designElem xmlns:p16="http://schemas.microsoft.com/office/powerpoint/2015/main" val="1"/>
-              </p:ext>
-            </p:extLst>
-          </p:nvPr>
-        </p:nvSpPr>
-        <p:spPr>
-          <a:xfrm>
-            <a:off x="228600" y="246888"/>
-            <a:ext cx="11724640" cy="6377939"/>
-          </a:xfrm>
-          <a:prstGeom prst="rect">
-            <a:avLst/>
-          </a:prstGeom>
-          <a:noFill/>
-          <a:ln w="12700">
-            <a:solidFill>
-              <a:srgbClr val="FFFFFF"/>
-            </a:solidFill>
-          </a:ln>
-        </p:spPr>
-        <p:style>
-          <a:lnRef idx="2">
-            <a:schemeClr val="accent1">
-              <a:shade val="50000"/>
-            </a:schemeClr>
-          </a:lnRef>
-          <a:fillRef idx="1">
-            <a:schemeClr val="accent1"/>
-          </a:fillRef>
-          <a:effectRef idx="0">
-            <a:schemeClr val="accent1"/>
-          </a:effectRef>
-          <a:fontRef idx="minor">
-            <a:schemeClr val="lt1"/>
-          </a:fontRef>
-        </p:style>
-      </p:sp>
-      <p:sp>
-        <p:nvSpPr>
           <p:cNvPr id="2" name="Title 1">
             <a:extLst>
               <a:ext uri="{FF2B5EF4-FFF2-40B4-BE49-F238E27FC236}">
@@ -22687,8 +22521,8 @@
         </p:nvSpPr>
         <p:spPr>
           <a:xfrm>
-            <a:off x="6736924" y="857675"/>
-            <a:ext cx="4566230" cy="3437782"/>
+            <a:off x="992777" y="296827"/>
+            <a:ext cx="9966960" cy="1325880"/>
           </a:xfrm>
         </p:spPr>
         <p:txBody>
@@ -22703,22 +22537,86 @@
               </a:lnSpc>
             </a:pPr>
             <a:r>
-              <a:rPr lang="en-US" sz="7200" b="1" cap="all">
+              <a:rPr lang="en-US" sz="6600" b="1" cap="all" dirty="0" err="1">
                 <a:solidFill>
                   <a:srgbClr val="FFFFFF"/>
                 </a:solidFill>
               </a:rPr>
-              <a:t>לוח זמנים</a:t>
+              <a:t>לוח</a:t>
             </a:r>
+            <a:r>
+              <a:rPr lang="en-US" sz="6600" b="1" cap="all" dirty="0">
+                <a:solidFill>
+                  <a:srgbClr val="FFFFFF"/>
+                </a:solidFill>
+              </a:rPr>
+              <a:t> </a:t>
+            </a:r>
+            <a:r>
+              <a:rPr lang="en-US" sz="6600" b="1" cap="all" dirty="0" err="1">
+                <a:solidFill>
+                  <a:srgbClr val="FFFFFF"/>
+                </a:solidFill>
+              </a:rPr>
+              <a:t>זמנים</a:t>
+            </a:r>
+            <a:endParaRPr lang="en-US" sz="6600" b="1" cap="all" dirty="0">
+              <a:solidFill>
+                <a:srgbClr val="FFFFFF"/>
+              </a:solidFill>
+            </a:endParaRPr>
           </a:p>
         </p:txBody>
       </p:sp>
+      <p:cxnSp>
+        <p:nvCxnSpPr>
+          <p:cNvPr id="11" name="מחבר ישר 10">
+            <a:extLst>
+              <a:ext uri="{FF2B5EF4-FFF2-40B4-BE49-F238E27FC236}">
+                <a16:creationId xmlns:a16="http://schemas.microsoft.com/office/drawing/2014/main" id="{EFFEE7FF-23D7-412C-97A9-00ED21D468D7}"/>
+              </a:ext>
+            </a:extLst>
+          </p:cNvPr>
+          <p:cNvCxnSpPr>
+            <a:cxnSpLocks/>
+          </p:cNvCxnSpPr>
+          <p:nvPr/>
+        </p:nvCxnSpPr>
+        <p:spPr>
+          <a:xfrm>
+            <a:off x="2186758" y="1622707"/>
+            <a:ext cx="7813404" cy="0"/>
+          </a:xfrm>
+          <a:prstGeom prst="line">
+            <a:avLst/>
+          </a:prstGeom>
+          <a:ln>
+            <a:solidFill>
+              <a:schemeClr val="bg1"/>
+            </a:solidFill>
+          </a:ln>
+        </p:spPr>
+        <p:style>
+          <a:lnRef idx="1">
+            <a:schemeClr val="accent1"/>
+          </a:lnRef>
+          <a:fillRef idx="0">
+            <a:schemeClr val="accent1"/>
+          </a:fillRef>
+          <a:effectRef idx="0">
+            <a:schemeClr val="accent1"/>
+          </a:effectRef>
+          <a:fontRef idx="minor">
+            <a:schemeClr val="tx1"/>
+          </a:fontRef>
+        </p:style>
+      </p:cxnSp>
       <p:pic>
         <p:nvPicPr>
-          <p:cNvPr id="20" name="Content Placeholder 19">
+          <p:cNvPr id="16" name="מציין מיקום תוכן 15">
             <a:extLst>
               <a:ext uri="{FF2B5EF4-FFF2-40B4-BE49-F238E27FC236}">
-                <a16:creationId xmlns:a16="http://schemas.microsoft.com/office/drawing/2014/main" id="{56ADAA21-A34B-41CB-88FA-4B9F2DA91DD1}"/>
+                <a16:creationId xmlns:a16="http://schemas.microsoft.com/office/drawing/2014/main" id="{CBB03B1A-AA9C-4425-AF7C-134865F16AFD}"/>
               </a:ext>
             </a:extLst>
           </p:cNvPr>
@@ -22730,37 +22628,7 @@
           </p:nvPr>
         </p:nvPicPr>
         <p:blipFill>
-          <a:blip r:embed="rId2"/>
-          <a:stretch>
-            <a:fillRect/>
-          </a:stretch>
-        </p:blipFill>
-        <p:spPr>
-          <a:xfrm>
-            <a:off x="226060" y="240792"/>
-            <a:ext cx="5961380" cy="6426707"/>
-          </a:xfrm>
-          <a:prstGeom prst="rect">
-            <a:avLst/>
-          </a:prstGeom>
-        </p:spPr>
-      </p:pic>
-      <p:pic>
-        <p:nvPicPr>
-          <p:cNvPr id="4" name="תמונה 3" descr="תמונה שמכילה שעון&#10;&#10;התיאור נוצר באופן אוטומטי">
-            <a:extLst>
-              <a:ext uri="{FF2B5EF4-FFF2-40B4-BE49-F238E27FC236}">
-                <a16:creationId xmlns:a16="http://schemas.microsoft.com/office/drawing/2014/main" id="{6894BC4A-9491-4A79-8011-88801E2A4041}"/>
-              </a:ext>
-            </a:extLst>
-          </p:cNvPr>
-          <p:cNvPicPr>
-            <a:picLocks noChangeAspect="1"/>
-          </p:cNvPicPr>
-          <p:nvPr/>
-        </p:nvPicPr>
-        <p:blipFill>
-          <a:blip r:embed="rId3">
+          <a:blip r:embed="rId2">
             <a:extLst>
               <a:ext uri="{28A0092B-C50C-407E-A947-70E740481C1C}">
                 <a14:useLocalDpi xmlns:a14="http://schemas.microsoft.com/office/drawing/2010/main" val="0"/>
@@ -22773,18 +22641,15 @@
         </p:blipFill>
         <p:spPr>
           <a:xfrm>
-            <a:off x="7520998" y="653604"/>
-            <a:ext cx="2777160" cy="2314300"/>
+            <a:off x="389827" y="1943644"/>
+            <a:ext cx="11407266" cy="3505197"/>
           </a:xfrm>
-          <a:prstGeom prst="rect">
-            <a:avLst/>
-          </a:prstGeom>
         </p:spPr>
       </p:pic>
     </p:spTree>
     <p:extLst>
       <p:ext uri="{BB962C8B-B14F-4D97-AF65-F5344CB8AC3E}">
-        <p14:creationId xmlns:p14="http://schemas.microsoft.com/office/powerpoint/2010/main" val="447176048"/>
+        <p14:creationId xmlns:p14="http://schemas.microsoft.com/office/powerpoint/2010/main" val="2753580546"/>
       </p:ext>
     </p:extLst>
   </p:cSld>

--- a/דוחות/מצגות/מצגת התקדמות.pptx
+++ b/דוחות/מצגות/מצגת התקדמות.pptx
@@ -18,14 +18,18 @@
     <p:sldId id="264" r:id="rId12"/>
     <p:sldId id="274" r:id="rId13"/>
     <p:sldId id="275" r:id="rId14"/>
-    <p:sldId id="265" r:id="rId15"/>
-    <p:sldId id="266" r:id="rId16"/>
-    <p:sldId id="267" r:id="rId17"/>
-    <p:sldId id="271" r:id="rId18"/>
-    <p:sldId id="272" r:id="rId19"/>
-    <p:sldId id="273" r:id="rId20"/>
-    <p:sldId id="279" r:id="rId21"/>
-    <p:sldId id="281" r:id="rId22"/>
+    <p:sldId id="282" r:id="rId15"/>
+    <p:sldId id="265" r:id="rId16"/>
+    <p:sldId id="266" r:id="rId17"/>
+    <p:sldId id="267" r:id="rId18"/>
+    <p:sldId id="271" r:id="rId19"/>
+    <p:sldId id="272" r:id="rId20"/>
+    <p:sldId id="273" r:id="rId21"/>
+    <p:sldId id="279" r:id="rId22"/>
+    <p:sldId id="281" r:id="rId23"/>
+    <p:sldId id="284" r:id="rId24"/>
+    <p:sldId id="286" r:id="rId25"/>
+    <p:sldId id="285" r:id="rId26"/>
   </p:sldIdLst>
   <p:sldSz cx="12192000" cy="6858000"/>
   <p:notesSz cx="6858000" cy="9144000"/>
@@ -146,6 +150,7 @@
             <p14:sldId id="264"/>
             <p14:sldId id="274"/>
             <p14:sldId id="275"/>
+            <p14:sldId id="282"/>
             <p14:sldId id="265"/>
             <p14:sldId id="266"/>
             <p14:sldId id="267"/>
@@ -154,6 +159,9 @@
             <p14:sldId id="273"/>
             <p14:sldId id="279"/>
             <p14:sldId id="281"/>
+            <p14:sldId id="284"/>
+            <p14:sldId id="286"/>
+            <p14:sldId id="285"/>
           </p14:sldIdLst>
         </p14:section>
       </p14:sectionLst>
@@ -3208,6 +3216,788 @@
 </file>
 
 <file path=ppt/diagrams/colors5.xml><?xml version="1.0" encoding="utf-8"?>
+<dgm:colorsDef xmlns:dgm="http://schemas.openxmlformats.org/drawingml/2006/diagram" xmlns:a="http://schemas.openxmlformats.org/drawingml/2006/main" uniqueId="urn:microsoft.com/office/officeart/2005/8/colors/colorful2">
+  <dgm:title val=""/>
+  <dgm:desc val=""/>
+  <dgm:catLst>
+    <dgm:cat type="colorful" pri="10200"/>
+  </dgm:catLst>
+  <dgm:styleLbl name="node0">
+    <dgm:fillClrLst meth="repeat">
+      <a:schemeClr val="accent1"/>
+    </dgm:fillClrLst>
+    <dgm:linClrLst meth="repeat">
+      <a:schemeClr val="lt1"/>
+    </dgm:linClrLst>
+    <dgm:effectClrLst/>
+    <dgm:txLinClrLst/>
+    <dgm:txFillClrLst/>
+    <dgm:txEffectClrLst/>
+  </dgm:styleLbl>
+  <dgm:styleLbl name="node1">
+    <dgm:fillClrLst>
+      <a:schemeClr val="accent2"/>
+      <a:schemeClr val="accent3"/>
+    </dgm:fillClrLst>
+    <dgm:linClrLst meth="repeat">
+      <a:schemeClr val="lt1"/>
+    </dgm:linClrLst>
+    <dgm:effectClrLst/>
+    <dgm:txLinClrLst/>
+    <dgm:txFillClrLst/>
+    <dgm:txEffectClrLst/>
+  </dgm:styleLbl>
+  <dgm:styleLbl name="alignNode1">
+    <dgm:fillClrLst>
+      <a:schemeClr val="accent2"/>
+      <a:schemeClr val="accent3"/>
+    </dgm:fillClrLst>
+    <dgm:linClrLst>
+      <a:schemeClr val="accent2"/>
+      <a:schemeClr val="accent3"/>
+    </dgm:linClrLst>
+    <dgm:effectClrLst/>
+    <dgm:txLinClrLst/>
+    <dgm:txFillClrLst/>
+    <dgm:txEffectClrLst/>
+  </dgm:styleLbl>
+  <dgm:styleLbl name="lnNode1">
+    <dgm:fillClrLst>
+      <a:schemeClr val="accent2"/>
+      <a:schemeClr val="accent3"/>
+    </dgm:fillClrLst>
+    <dgm:linClrLst meth="repeat">
+      <a:schemeClr val="lt1"/>
+    </dgm:linClrLst>
+    <dgm:effectClrLst/>
+    <dgm:txLinClrLst/>
+    <dgm:txFillClrLst/>
+    <dgm:txEffectClrLst/>
+  </dgm:styleLbl>
+  <dgm:styleLbl name="vennNode1">
+    <dgm:fillClrLst>
+      <a:schemeClr val="accent2">
+        <a:alpha val="50000"/>
+      </a:schemeClr>
+      <a:schemeClr val="accent3">
+        <a:alpha val="50000"/>
+      </a:schemeClr>
+    </dgm:fillClrLst>
+    <dgm:linClrLst meth="repeat">
+      <a:schemeClr val="lt1"/>
+    </dgm:linClrLst>
+    <dgm:effectClrLst/>
+    <dgm:txLinClrLst/>
+    <dgm:txFillClrLst/>
+    <dgm:txEffectClrLst/>
+  </dgm:styleLbl>
+  <dgm:styleLbl name="node2">
+    <dgm:fillClrLst>
+      <a:schemeClr val="accent3"/>
+    </dgm:fillClrLst>
+    <dgm:linClrLst meth="repeat">
+      <a:schemeClr val="lt1"/>
+    </dgm:linClrLst>
+    <dgm:effectClrLst/>
+    <dgm:txLinClrLst/>
+    <dgm:txFillClrLst/>
+    <dgm:txEffectClrLst/>
+  </dgm:styleLbl>
+  <dgm:styleLbl name="node3">
+    <dgm:fillClrLst>
+      <a:schemeClr val="accent4"/>
+    </dgm:fillClrLst>
+    <dgm:linClrLst meth="repeat">
+      <a:schemeClr val="lt1"/>
+    </dgm:linClrLst>
+    <dgm:effectClrLst/>
+    <dgm:txLinClrLst/>
+    <dgm:txFillClrLst/>
+    <dgm:txEffectClrLst/>
+  </dgm:styleLbl>
+  <dgm:styleLbl name="node4">
+    <dgm:fillClrLst>
+      <a:schemeClr val="accent5"/>
+    </dgm:fillClrLst>
+    <dgm:linClrLst meth="repeat">
+      <a:schemeClr val="lt1"/>
+    </dgm:linClrLst>
+    <dgm:effectClrLst/>
+    <dgm:txLinClrLst/>
+    <dgm:txFillClrLst/>
+    <dgm:txEffectClrLst/>
+  </dgm:styleLbl>
+  <dgm:styleLbl name="fgImgPlace1">
+    <dgm:fillClrLst>
+      <a:schemeClr val="accent2">
+        <a:tint val="50000"/>
+      </a:schemeClr>
+      <a:schemeClr val="accent3">
+        <a:tint val="50000"/>
+      </a:schemeClr>
+    </dgm:fillClrLst>
+    <dgm:linClrLst meth="repeat">
+      <a:schemeClr val="lt1"/>
+    </dgm:linClrLst>
+    <dgm:effectClrLst/>
+    <dgm:txLinClrLst/>
+    <dgm:txFillClrLst meth="repeat">
+      <a:schemeClr val="lt1"/>
+    </dgm:txFillClrLst>
+    <dgm:txEffectClrLst/>
+  </dgm:styleLbl>
+  <dgm:styleLbl name="alignImgPlace1">
+    <dgm:fillClrLst>
+      <a:schemeClr val="accent2">
+        <a:tint val="50000"/>
+      </a:schemeClr>
+      <a:schemeClr val="accent3">
+        <a:tint val="20000"/>
+      </a:schemeClr>
+    </dgm:fillClrLst>
+    <dgm:linClrLst meth="repeat">
+      <a:schemeClr val="lt1"/>
+    </dgm:linClrLst>
+    <dgm:effectClrLst/>
+    <dgm:txLinClrLst/>
+    <dgm:txFillClrLst meth="repeat">
+      <a:schemeClr val="lt1"/>
+    </dgm:txFillClrLst>
+    <dgm:txEffectClrLst/>
+  </dgm:styleLbl>
+  <dgm:styleLbl name="bgImgPlace1">
+    <dgm:fillClrLst>
+      <a:schemeClr val="accent2">
+        <a:tint val="50000"/>
+      </a:schemeClr>
+      <a:schemeClr val="accent3">
+        <a:tint val="20000"/>
+      </a:schemeClr>
+    </dgm:fillClrLst>
+    <dgm:linClrLst meth="repeat">
+      <a:schemeClr val="lt1"/>
+    </dgm:linClrLst>
+    <dgm:effectClrLst/>
+    <dgm:txLinClrLst/>
+    <dgm:txFillClrLst meth="repeat">
+      <a:schemeClr val="lt1"/>
+    </dgm:txFillClrLst>
+    <dgm:txEffectClrLst/>
+  </dgm:styleLbl>
+  <dgm:styleLbl name="sibTrans2D1">
+    <dgm:fillClrLst>
+      <a:schemeClr val="accent2"/>
+      <a:schemeClr val="accent3"/>
+    </dgm:fillClrLst>
+    <dgm:linClrLst meth="repeat">
+      <a:schemeClr val="lt1"/>
+    </dgm:linClrLst>
+    <dgm:effectClrLst/>
+    <dgm:txLinClrLst/>
+    <dgm:txFillClrLst/>
+    <dgm:txEffectClrLst/>
+  </dgm:styleLbl>
+  <dgm:styleLbl name="fgSibTrans2D1">
+    <dgm:fillClrLst>
+      <a:schemeClr val="accent2"/>
+      <a:schemeClr val="accent3"/>
+    </dgm:fillClrLst>
+    <dgm:linClrLst meth="repeat">
+      <a:schemeClr val="lt1"/>
+    </dgm:linClrLst>
+    <dgm:effectClrLst/>
+    <dgm:txLinClrLst/>
+    <dgm:txFillClrLst meth="repeat">
+      <a:schemeClr val="lt1"/>
+    </dgm:txFillClrLst>
+    <dgm:txEffectClrLst/>
+  </dgm:styleLbl>
+  <dgm:styleLbl name="bgSibTrans2D1">
+    <dgm:fillClrLst>
+      <a:schemeClr val="accent2"/>
+      <a:schemeClr val="accent3"/>
+    </dgm:fillClrLst>
+    <dgm:linClrLst meth="repeat">
+      <a:schemeClr val="lt1"/>
+    </dgm:linClrLst>
+    <dgm:effectClrLst/>
+    <dgm:txLinClrLst/>
+    <dgm:txFillClrLst meth="repeat">
+      <a:schemeClr val="lt1"/>
+    </dgm:txFillClrLst>
+    <dgm:txEffectClrLst/>
+  </dgm:styleLbl>
+  <dgm:styleLbl name="sibTrans1D1">
+    <dgm:fillClrLst/>
+    <dgm:linClrLst>
+      <a:schemeClr val="accent2"/>
+      <a:schemeClr val="accent3"/>
+    </dgm:linClrLst>
+    <dgm:effectClrLst/>
+    <dgm:txLinClrLst/>
+    <dgm:txFillClrLst meth="repeat">
+      <a:schemeClr val="tx1"/>
+    </dgm:txFillClrLst>
+    <dgm:txEffectClrLst/>
+  </dgm:styleLbl>
+  <dgm:styleLbl name="callout">
+    <dgm:fillClrLst meth="repeat">
+      <a:schemeClr val="accent2"/>
+    </dgm:fillClrLst>
+    <dgm:linClrLst meth="repeat">
+      <a:schemeClr val="accent2">
+        <a:tint val="50000"/>
+      </a:schemeClr>
+    </dgm:linClrLst>
+    <dgm:effectClrLst/>
+    <dgm:txLinClrLst/>
+    <dgm:txFillClrLst meth="repeat">
+      <a:schemeClr val="tx1"/>
+    </dgm:txFillClrLst>
+    <dgm:txEffectClrLst/>
+  </dgm:styleLbl>
+  <dgm:styleLbl name="asst0">
+    <dgm:fillClrLst meth="repeat">
+      <a:schemeClr val="accent2"/>
+    </dgm:fillClrLst>
+    <dgm:linClrLst meth="repeat">
+      <a:schemeClr val="lt1">
+        <a:shade val="80000"/>
+      </a:schemeClr>
+    </dgm:linClrLst>
+    <dgm:effectClrLst/>
+    <dgm:txLinClrLst/>
+    <dgm:txFillClrLst/>
+    <dgm:txEffectClrLst/>
+  </dgm:styleLbl>
+  <dgm:styleLbl name="asst1">
+    <dgm:fillClrLst meth="repeat">
+      <a:schemeClr val="accent3"/>
+    </dgm:fillClrLst>
+    <dgm:linClrLst meth="repeat">
+      <a:schemeClr val="lt1">
+        <a:shade val="80000"/>
+      </a:schemeClr>
+    </dgm:linClrLst>
+    <dgm:effectClrLst/>
+    <dgm:txLinClrLst/>
+    <dgm:txFillClrLst/>
+    <dgm:txEffectClrLst/>
+  </dgm:styleLbl>
+  <dgm:styleLbl name="asst2">
+    <dgm:fillClrLst>
+      <a:schemeClr val="accent4"/>
+    </dgm:fillClrLst>
+    <dgm:linClrLst meth="repeat">
+      <a:schemeClr val="lt1"/>
+    </dgm:linClrLst>
+    <dgm:effectClrLst/>
+    <dgm:txLinClrLst/>
+    <dgm:txFillClrLst/>
+    <dgm:txEffectClrLst/>
+  </dgm:styleLbl>
+  <dgm:styleLbl name="asst3">
+    <dgm:fillClrLst>
+      <a:schemeClr val="accent5"/>
+    </dgm:fillClrLst>
+    <dgm:linClrLst meth="repeat">
+      <a:schemeClr val="lt1"/>
+    </dgm:linClrLst>
+    <dgm:effectClrLst/>
+    <dgm:txLinClrLst/>
+    <dgm:txFillClrLst/>
+    <dgm:txEffectClrLst/>
+  </dgm:styleLbl>
+  <dgm:styleLbl name="asst4">
+    <dgm:fillClrLst>
+      <a:schemeClr val="accent6"/>
+    </dgm:fillClrLst>
+    <dgm:linClrLst meth="repeat">
+      <a:schemeClr val="lt1"/>
+    </dgm:linClrLst>
+    <dgm:effectClrLst/>
+    <dgm:txLinClrLst/>
+    <dgm:txFillClrLst/>
+    <dgm:txEffectClrLst/>
+  </dgm:styleLbl>
+  <dgm:styleLbl name="parChTrans2D1">
+    <dgm:fillClrLst meth="repeat">
+      <a:schemeClr val="accent2"/>
+    </dgm:fillClrLst>
+    <dgm:linClrLst meth="repeat">
+      <a:schemeClr val="lt1"/>
+    </dgm:linClrLst>
+    <dgm:effectClrLst/>
+    <dgm:txLinClrLst/>
+    <dgm:txFillClrLst meth="repeat">
+      <a:schemeClr val="lt1"/>
+    </dgm:txFillClrLst>
+    <dgm:txEffectClrLst/>
+  </dgm:styleLbl>
+  <dgm:styleLbl name="parChTrans2D2">
+    <dgm:fillClrLst meth="repeat">
+      <a:schemeClr val="accent3"/>
+    </dgm:fillClrLst>
+    <dgm:linClrLst meth="repeat">
+      <a:schemeClr val="lt1"/>
+    </dgm:linClrLst>
+    <dgm:effectClrLst/>
+    <dgm:txLinClrLst/>
+    <dgm:txFillClrLst/>
+    <dgm:txEffectClrLst/>
+  </dgm:styleLbl>
+  <dgm:styleLbl name="parChTrans2D3">
+    <dgm:fillClrLst meth="repeat">
+      <a:schemeClr val="accent4"/>
+    </dgm:fillClrLst>
+    <dgm:linClrLst meth="repeat">
+      <a:schemeClr val="lt1"/>
+    </dgm:linClrLst>
+    <dgm:effectClrLst/>
+    <dgm:txLinClrLst/>
+    <dgm:txFillClrLst/>
+    <dgm:txEffectClrLst/>
+  </dgm:styleLbl>
+  <dgm:styleLbl name="parChTrans2D4">
+    <dgm:fillClrLst meth="repeat">
+      <a:schemeClr val="accent5"/>
+    </dgm:fillClrLst>
+    <dgm:linClrLst meth="repeat">
+      <a:schemeClr val="lt1"/>
+    </dgm:linClrLst>
+    <dgm:effectClrLst/>
+    <dgm:txLinClrLst/>
+    <dgm:txFillClrLst meth="repeat">
+      <a:schemeClr val="lt1"/>
+    </dgm:txFillClrLst>
+    <dgm:txEffectClrLst/>
+  </dgm:styleLbl>
+  <dgm:styleLbl name="parChTrans1D1">
+    <dgm:fillClrLst meth="repeat">
+      <a:schemeClr val="accent2"/>
+    </dgm:fillClrLst>
+    <dgm:linClrLst meth="repeat">
+      <a:schemeClr val="accent2"/>
+    </dgm:linClrLst>
+    <dgm:effectClrLst/>
+    <dgm:txLinClrLst/>
+    <dgm:txFillClrLst meth="repeat">
+      <a:schemeClr val="tx1"/>
+    </dgm:txFillClrLst>
+    <dgm:txEffectClrLst/>
+  </dgm:styleLbl>
+  <dgm:styleLbl name="parChTrans1D2">
+    <dgm:fillClrLst meth="repeat">
+      <a:schemeClr val="accent2">
+        <a:tint val="90000"/>
+      </a:schemeClr>
+    </dgm:fillClrLst>
+    <dgm:linClrLst meth="repeat">
+      <a:schemeClr val="accent3"/>
+    </dgm:linClrLst>
+    <dgm:effectClrLst/>
+    <dgm:txLinClrLst/>
+    <dgm:txFillClrLst meth="repeat">
+      <a:schemeClr val="tx1"/>
+    </dgm:txFillClrLst>
+    <dgm:txEffectClrLst/>
+  </dgm:styleLbl>
+  <dgm:styleLbl name="parChTrans1D3">
+    <dgm:fillClrLst meth="repeat">
+      <a:schemeClr val="accent2">
+        <a:tint val="70000"/>
+      </a:schemeClr>
+    </dgm:fillClrLst>
+    <dgm:linClrLst meth="repeat">
+      <a:schemeClr val="accent4"/>
+    </dgm:linClrLst>
+    <dgm:effectClrLst/>
+    <dgm:txLinClrLst/>
+    <dgm:txFillClrLst meth="repeat">
+      <a:schemeClr val="tx1"/>
+    </dgm:txFillClrLst>
+    <dgm:txEffectClrLst/>
+  </dgm:styleLbl>
+  <dgm:styleLbl name="parChTrans1D4">
+    <dgm:fillClrLst meth="repeat">
+      <a:schemeClr val="accent2">
+        <a:tint val="50000"/>
+      </a:schemeClr>
+    </dgm:fillClrLst>
+    <dgm:linClrLst meth="repeat">
+      <a:schemeClr val="accent5"/>
+    </dgm:linClrLst>
+    <dgm:effectClrLst/>
+    <dgm:txLinClrLst/>
+    <dgm:txFillClrLst meth="repeat">
+      <a:schemeClr val="tx1"/>
+    </dgm:txFillClrLst>
+    <dgm:txEffectClrLst/>
+  </dgm:styleLbl>
+  <dgm:styleLbl name="fgAcc1">
+    <dgm:fillClrLst meth="repeat">
+      <a:schemeClr val="lt1">
+        <a:alpha val="90000"/>
+      </a:schemeClr>
+    </dgm:fillClrLst>
+    <dgm:linClrLst>
+      <a:schemeClr val="accent2"/>
+      <a:schemeClr val="accent3"/>
+    </dgm:linClrLst>
+    <dgm:effectClrLst/>
+    <dgm:txLinClrLst/>
+    <dgm:txFillClrLst meth="repeat">
+      <a:schemeClr val="dk1"/>
+    </dgm:txFillClrLst>
+    <dgm:txEffectClrLst/>
+  </dgm:styleLbl>
+  <dgm:styleLbl name="conFgAcc1">
+    <dgm:fillClrLst meth="repeat">
+      <a:schemeClr val="lt1">
+        <a:alpha val="90000"/>
+      </a:schemeClr>
+    </dgm:fillClrLst>
+    <dgm:linClrLst>
+      <a:schemeClr val="accent2"/>
+      <a:schemeClr val="accent3"/>
+    </dgm:linClrLst>
+    <dgm:effectClrLst/>
+    <dgm:txLinClrLst/>
+    <dgm:txFillClrLst meth="repeat">
+      <a:schemeClr val="dk1"/>
+    </dgm:txFillClrLst>
+    <dgm:txEffectClrLst/>
+  </dgm:styleLbl>
+  <dgm:styleLbl name="alignAcc1">
+    <dgm:fillClrLst meth="repeat">
+      <a:schemeClr val="lt1">
+        <a:alpha val="90000"/>
+      </a:schemeClr>
+    </dgm:fillClrLst>
+    <dgm:linClrLst>
+      <a:schemeClr val="accent2"/>
+      <a:schemeClr val="accent3"/>
+    </dgm:linClrLst>
+    <dgm:effectClrLst/>
+    <dgm:txLinClrLst/>
+    <dgm:txFillClrLst meth="repeat">
+      <a:schemeClr val="dk1"/>
+    </dgm:txFillClrLst>
+    <dgm:txEffectClrLst/>
+  </dgm:styleLbl>
+  <dgm:styleLbl name="trAlignAcc1">
+    <dgm:fillClrLst meth="repeat">
+      <a:schemeClr val="lt1">
+        <a:alpha val="40000"/>
+      </a:schemeClr>
+    </dgm:fillClrLst>
+    <dgm:linClrLst meth="repeat">
+      <a:schemeClr val="accent2"/>
+    </dgm:linClrLst>
+    <dgm:effectClrLst/>
+    <dgm:txLinClrLst/>
+    <dgm:txFillClrLst meth="repeat">
+      <a:schemeClr val="dk1"/>
+    </dgm:txFillClrLst>
+    <dgm:txEffectClrLst/>
+  </dgm:styleLbl>
+  <dgm:styleLbl name="bgAcc1">
+    <dgm:fillClrLst meth="repeat">
+      <a:schemeClr val="lt1">
+        <a:alpha val="90000"/>
+      </a:schemeClr>
+    </dgm:fillClrLst>
+    <dgm:linClrLst>
+      <a:schemeClr val="accent2"/>
+      <a:schemeClr val="accent3"/>
+    </dgm:linClrLst>
+    <dgm:effectClrLst/>
+    <dgm:txLinClrLst/>
+    <dgm:txFillClrLst meth="repeat">
+      <a:schemeClr val="dk1"/>
+    </dgm:txFillClrLst>
+    <dgm:txEffectClrLst/>
+  </dgm:styleLbl>
+  <dgm:styleLbl name="solidFgAcc1">
+    <dgm:fillClrLst meth="repeat">
+      <a:schemeClr val="lt1"/>
+    </dgm:fillClrLst>
+    <dgm:linClrLst>
+      <a:schemeClr val="accent2"/>
+      <a:schemeClr val="accent3"/>
+    </dgm:linClrLst>
+    <dgm:effectClrLst/>
+    <dgm:txLinClrLst/>
+    <dgm:txFillClrLst meth="repeat">
+      <a:schemeClr val="dk1"/>
+    </dgm:txFillClrLst>
+    <dgm:txEffectClrLst/>
+  </dgm:styleLbl>
+  <dgm:styleLbl name="solidAlignAcc1">
+    <dgm:fillClrLst meth="repeat">
+      <a:schemeClr val="lt1"/>
+    </dgm:fillClrLst>
+    <dgm:linClrLst>
+      <a:schemeClr val="accent2"/>
+      <a:schemeClr val="accent3"/>
+    </dgm:linClrLst>
+    <dgm:effectClrLst/>
+    <dgm:txLinClrLst/>
+    <dgm:txFillClrLst meth="repeat">
+      <a:schemeClr val="dk1"/>
+    </dgm:txFillClrLst>
+    <dgm:txEffectClrLst/>
+  </dgm:styleLbl>
+  <dgm:styleLbl name="solidBgAcc1">
+    <dgm:fillClrLst meth="repeat">
+      <a:schemeClr val="lt1"/>
+    </dgm:fillClrLst>
+    <dgm:linClrLst>
+      <a:schemeClr val="accent2"/>
+      <a:schemeClr val="accent3"/>
+    </dgm:linClrLst>
+    <dgm:effectClrLst/>
+    <dgm:txLinClrLst/>
+    <dgm:txFillClrLst meth="repeat">
+      <a:schemeClr val="dk1"/>
+    </dgm:txFillClrLst>
+    <dgm:txEffectClrLst/>
+  </dgm:styleLbl>
+  <dgm:styleLbl name="fgAccFollowNode1">
+    <dgm:fillClrLst>
+      <a:schemeClr val="accent2">
+        <a:tint val="40000"/>
+        <a:alpha val="90000"/>
+      </a:schemeClr>
+      <a:schemeClr val="accent3">
+        <a:tint val="40000"/>
+        <a:alpha val="90000"/>
+      </a:schemeClr>
+    </dgm:fillClrLst>
+    <dgm:linClrLst>
+      <a:schemeClr val="accent2">
+        <a:tint val="40000"/>
+        <a:alpha val="90000"/>
+      </a:schemeClr>
+      <a:schemeClr val="accent3">
+        <a:tint val="40000"/>
+        <a:alpha val="90000"/>
+      </a:schemeClr>
+    </dgm:linClrLst>
+    <dgm:effectClrLst/>
+    <dgm:txLinClrLst/>
+    <dgm:txFillClrLst meth="repeat">
+      <a:schemeClr val="dk1"/>
+    </dgm:txFillClrLst>
+    <dgm:txEffectClrLst/>
+  </dgm:styleLbl>
+  <dgm:styleLbl name="alignAccFollowNode1">
+    <dgm:fillClrLst>
+      <a:schemeClr val="accent2">
+        <a:tint val="40000"/>
+        <a:alpha val="90000"/>
+      </a:schemeClr>
+      <a:schemeClr val="accent3">
+        <a:tint val="40000"/>
+        <a:alpha val="90000"/>
+      </a:schemeClr>
+    </dgm:fillClrLst>
+    <dgm:linClrLst>
+      <a:schemeClr val="accent2">
+        <a:tint val="40000"/>
+        <a:alpha val="90000"/>
+      </a:schemeClr>
+      <a:schemeClr val="accent3">
+        <a:tint val="40000"/>
+        <a:alpha val="90000"/>
+      </a:schemeClr>
+    </dgm:linClrLst>
+    <dgm:effectClrLst/>
+    <dgm:txLinClrLst/>
+    <dgm:txFillClrLst meth="repeat">
+      <a:schemeClr val="dk1"/>
+    </dgm:txFillClrLst>
+    <dgm:txEffectClrLst/>
+  </dgm:styleLbl>
+  <dgm:styleLbl name="bgAccFollowNode1">
+    <dgm:fillClrLst>
+      <a:schemeClr val="accent2">
+        <a:tint val="40000"/>
+        <a:alpha val="90000"/>
+      </a:schemeClr>
+      <a:schemeClr val="accent3">
+        <a:tint val="40000"/>
+        <a:alpha val="90000"/>
+      </a:schemeClr>
+    </dgm:fillClrLst>
+    <dgm:linClrLst>
+      <a:schemeClr val="accent2">
+        <a:tint val="40000"/>
+        <a:alpha val="90000"/>
+      </a:schemeClr>
+      <a:schemeClr val="accent3">
+        <a:tint val="40000"/>
+        <a:alpha val="90000"/>
+      </a:schemeClr>
+    </dgm:linClrLst>
+    <dgm:effectClrLst/>
+    <dgm:txLinClrLst/>
+    <dgm:txFillClrLst meth="repeat">
+      <a:schemeClr val="dk1"/>
+    </dgm:txFillClrLst>
+    <dgm:txEffectClrLst/>
+  </dgm:styleLbl>
+  <dgm:styleLbl name="fgAcc0">
+    <dgm:fillClrLst meth="repeat">
+      <a:schemeClr val="lt1">
+        <a:alpha val="90000"/>
+      </a:schemeClr>
+    </dgm:fillClrLst>
+    <dgm:linClrLst>
+      <a:schemeClr val="accent1"/>
+    </dgm:linClrLst>
+    <dgm:effectClrLst/>
+    <dgm:txLinClrLst/>
+    <dgm:txFillClrLst meth="repeat">
+      <a:schemeClr val="dk1"/>
+    </dgm:txFillClrLst>
+    <dgm:txEffectClrLst/>
+  </dgm:styleLbl>
+  <dgm:styleLbl name="fgAcc2">
+    <dgm:fillClrLst meth="repeat">
+      <a:schemeClr val="lt1">
+        <a:alpha val="90000"/>
+      </a:schemeClr>
+    </dgm:fillClrLst>
+    <dgm:linClrLst>
+      <a:schemeClr val="accent3"/>
+    </dgm:linClrLst>
+    <dgm:effectClrLst/>
+    <dgm:txLinClrLst/>
+    <dgm:txFillClrLst meth="repeat">
+      <a:schemeClr val="dk1"/>
+    </dgm:txFillClrLst>
+    <dgm:txEffectClrLst/>
+  </dgm:styleLbl>
+  <dgm:styleLbl name="fgAcc3">
+    <dgm:fillClrLst meth="repeat">
+      <a:schemeClr val="lt1">
+        <a:alpha val="90000"/>
+      </a:schemeClr>
+    </dgm:fillClrLst>
+    <dgm:linClrLst>
+      <a:schemeClr val="accent4"/>
+    </dgm:linClrLst>
+    <dgm:effectClrLst/>
+    <dgm:txLinClrLst/>
+    <dgm:txFillClrLst meth="repeat">
+      <a:schemeClr val="dk1"/>
+    </dgm:txFillClrLst>
+    <dgm:txEffectClrLst/>
+  </dgm:styleLbl>
+  <dgm:styleLbl name="fgAcc4">
+    <dgm:fillClrLst meth="repeat">
+      <a:schemeClr val="lt1">
+        <a:alpha val="90000"/>
+      </a:schemeClr>
+    </dgm:fillClrLst>
+    <dgm:linClrLst>
+      <a:schemeClr val="accent5"/>
+    </dgm:linClrLst>
+    <dgm:effectClrLst/>
+    <dgm:txLinClrLst/>
+    <dgm:txFillClrLst meth="repeat">
+      <a:schemeClr val="dk1"/>
+    </dgm:txFillClrLst>
+    <dgm:txEffectClrLst/>
+  </dgm:styleLbl>
+  <dgm:styleLbl name="bgShp">
+    <dgm:fillClrLst meth="repeat">
+      <a:schemeClr val="accent2">
+        <a:tint val="40000"/>
+      </a:schemeClr>
+    </dgm:fillClrLst>
+    <dgm:linClrLst meth="repeat">
+      <a:schemeClr val="dk1"/>
+    </dgm:linClrLst>
+    <dgm:effectClrLst/>
+    <dgm:txLinClrLst/>
+    <dgm:txFillClrLst meth="repeat">
+      <a:schemeClr val="dk1"/>
+    </dgm:txFillClrLst>
+    <dgm:txEffectClrLst/>
+  </dgm:styleLbl>
+  <dgm:styleLbl name="dkBgShp">
+    <dgm:fillClrLst meth="repeat">
+      <a:schemeClr val="accent2">
+        <a:shade val="90000"/>
+      </a:schemeClr>
+    </dgm:fillClrLst>
+    <dgm:linClrLst meth="repeat">
+      <a:schemeClr val="dk1"/>
+    </dgm:linClrLst>
+    <dgm:effectClrLst/>
+    <dgm:txLinClrLst/>
+    <dgm:txFillClrLst meth="repeat">
+      <a:schemeClr val="lt1"/>
+    </dgm:txFillClrLst>
+    <dgm:txEffectClrLst/>
+  </dgm:styleLbl>
+  <dgm:styleLbl name="trBgShp">
+    <dgm:fillClrLst meth="repeat">
+      <a:schemeClr val="accent2">
+        <a:tint val="50000"/>
+        <a:alpha val="40000"/>
+      </a:schemeClr>
+    </dgm:fillClrLst>
+    <dgm:linClrLst meth="repeat">
+      <a:schemeClr val="accent2"/>
+    </dgm:linClrLst>
+    <dgm:effectClrLst/>
+    <dgm:txLinClrLst/>
+    <dgm:txFillClrLst meth="repeat">
+      <a:schemeClr val="lt1"/>
+    </dgm:txFillClrLst>
+    <dgm:txEffectClrLst/>
+  </dgm:styleLbl>
+  <dgm:styleLbl name="fgShp">
+    <dgm:fillClrLst meth="repeat">
+      <a:schemeClr val="accent2">
+        <a:tint val="40000"/>
+      </a:schemeClr>
+    </dgm:fillClrLst>
+    <dgm:linClrLst meth="repeat">
+      <a:schemeClr val="lt1"/>
+    </dgm:linClrLst>
+    <dgm:effectClrLst/>
+    <dgm:txLinClrLst/>
+    <dgm:txFillClrLst meth="repeat">
+      <a:schemeClr val="dk1"/>
+    </dgm:txFillClrLst>
+    <dgm:txEffectClrLst/>
+  </dgm:styleLbl>
+  <dgm:styleLbl name="revTx">
+    <dgm:fillClrLst meth="repeat">
+      <a:schemeClr val="lt1">
+        <a:alpha val="0"/>
+      </a:schemeClr>
+    </dgm:fillClrLst>
+    <dgm:linClrLst meth="repeat">
+      <a:schemeClr val="dk1">
+        <a:alpha val="0"/>
+      </a:schemeClr>
+    </dgm:linClrLst>
+    <dgm:effectClrLst/>
+    <dgm:txLinClrLst/>
+    <dgm:txFillClrLst meth="repeat">
+      <a:schemeClr val="tx1"/>
+    </dgm:txFillClrLst>
+    <dgm:txEffectClrLst/>
+  </dgm:styleLbl>
+</dgm:colorsDef>
+</file>
+
+<file path=ppt/diagrams/colors6.xml><?xml version="1.0" encoding="utf-8"?>
 <dgm:colorsDef xmlns:dgm="http://schemas.openxmlformats.org/drawingml/2006/diagram" xmlns:a="http://schemas.openxmlformats.org/drawingml/2006/main" uniqueId="urn:microsoft.com/office/officeart/2018/5/colors/Iconchunking_neutralbg_colorful1">
   <dgm:title val=""/>
   <dgm:desc val=""/>
@@ -4095,6 +4885,753 @@
     <dgm:fillClrLst meth="repeat">
       <a:schemeClr val="accent2">
         <a:tint val="40000"/>
+      </a:schemeClr>
+    </dgm:fillClrLst>
+    <dgm:linClrLst meth="repeat">
+      <a:schemeClr val="lt1"/>
+    </dgm:linClrLst>
+    <dgm:effectClrLst/>
+    <dgm:txLinClrLst/>
+    <dgm:txFillClrLst meth="repeat">
+      <a:schemeClr val="dk1"/>
+    </dgm:txFillClrLst>
+    <dgm:txEffectClrLst/>
+  </dgm:styleLbl>
+  <dgm:styleLbl name="revTx">
+    <dgm:fillClrLst meth="repeat">
+      <a:schemeClr val="lt1">
+        <a:alpha val="0"/>
+      </a:schemeClr>
+    </dgm:fillClrLst>
+    <dgm:linClrLst meth="repeat">
+      <a:schemeClr val="dk1">
+        <a:alpha val="0"/>
+      </a:schemeClr>
+    </dgm:linClrLst>
+    <dgm:effectClrLst/>
+    <dgm:txLinClrLst/>
+    <dgm:txFillClrLst meth="repeat">
+      <a:schemeClr val="tx1"/>
+    </dgm:txFillClrLst>
+    <dgm:txEffectClrLst/>
+  </dgm:styleLbl>
+</dgm:colorsDef>
+</file>
+
+<file path=ppt/diagrams/colors7.xml><?xml version="1.0" encoding="utf-8"?>
+<dgm:colorsDef xmlns:dgm="http://schemas.openxmlformats.org/drawingml/2006/diagram" xmlns:a="http://schemas.openxmlformats.org/drawingml/2006/main" uniqueId="urn:microsoft.com/office/officeart/2005/8/colors/accent1_2">
+  <dgm:title val=""/>
+  <dgm:desc val=""/>
+  <dgm:catLst>
+    <dgm:cat type="accent1" pri="11200"/>
+  </dgm:catLst>
+  <dgm:styleLbl name="node0">
+    <dgm:fillClrLst meth="repeat">
+      <a:schemeClr val="accent1"/>
+    </dgm:fillClrLst>
+    <dgm:linClrLst meth="repeat">
+      <a:schemeClr val="lt1"/>
+    </dgm:linClrLst>
+    <dgm:effectClrLst/>
+    <dgm:txLinClrLst/>
+    <dgm:txFillClrLst/>
+    <dgm:txEffectClrLst/>
+  </dgm:styleLbl>
+  <dgm:styleLbl name="alignNode1">
+    <dgm:fillClrLst meth="repeat">
+      <a:schemeClr val="accent1"/>
+    </dgm:fillClrLst>
+    <dgm:linClrLst meth="repeat">
+      <a:schemeClr val="accent1"/>
+    </dgm:linClrLst>
+    <dgm:effectClrLst/>
+    <dgm:txLinClrLst/>
+    <dgm:txFillClrLst/>
+    <dgm:txEffectClrLst/>
+  </dgm:styleLbl>
+  <dgm:styleLbl name="node1">
+    <dgm:fillClrLst meth="repeat">
+      <a:schemeClr val="accent1"/>
+    </dgm:fillClrLst>
+    <dgm:linClrLst meth="repeat">
+      <a:schemeClr val="lt1"/>
+    </dgm:linClrLst>
+    <dgm:effectClrLst/>
+    <dgm:txLinClrLst/>
+    <dgm:txFillClrLst/>
+    <dgm:txEffectClrLst/>
+  </dgm:styleLbl>
+  <dgm:styleLbl name="lnNode1">
+    <dgm:fillClrLst meth="repeat">
+      <a:schemeClr val="accent1"/>
+    </dgm:fillClrLst>
+    <dgm:linClrLst meth="repeat">
+      <a:schemeClr val="lt1"/>
+    </dgm:linClrLst>
+    <dgm:effectClrLst/>
+    <dgm:txLinClrLst/>
+    <dgm:txFillClrLst/>
+    <dgm:txEffectClrLst/>
+  </dgm:styleLbl>
+  <dgm:styleLbl name="vennNode1">
+    <dgm:fillClrLst meth="repeat">
+      <a:schemeClr val="accent1">
+        <a:alpha val="50000"/>
+      </a:schemeClr>
+    </dgm:fillClrLst>
+    <dgm:linClrLst meth="repeat">
+      <a:schemeClr val="lt1"/>
+    </dgm:linClrLst>
+    <dgm:effectClrLst/>
+    <dgm:txLinClrLst/>
+    <dgm:txFillClrLst/>
+    <dgm:txEffectClrLst/>
+  </dgm:styleLbl>
+  <dgm:styleLbl name="node2">
+    <dgm:fillClrLst meth="repeat">
+      <a:schemeClr val="accent1"/>
+    </dgm:fillClrLst>
+    <dgm:linClrLst meth="repeat">
+      <a:schemeClr val="lt1"/>
+    </dgm:linClrLst>
+    <dgm:effectClrLst/>
+    <dgm:txLinClrLst/>
+    <dgm:txFillClrLst/>
+    <dgm:txEffectClrLst/>
+  </dgm:styleLbl>
+  <dgm:styleLbl name="node3">
+    <dgm:fillClrLst meth="repeat">
+      <a:schemeClr val="accent1"/>
+    </dgm:fillClrLst>
+    <dgm:linClrLst meth="repeat">
+      <a:schemeClr val="lt1"/>
+    </dgm:linClrLst>
+    <dgm:effectClrLst/>
+    <dgm:txLinClrLst/>
+    <dgm:txFillClrLst/>
+    <dgm:txEffectClrLst/>
+  </dgm:styleLbl>
+  <dgm:styleLbl name="node4">
+    <dgm:fillClrLst meth="repeat">
+      <a:schemeClr val="accent1"/>
+    </dgm:fillClrLst>
+    <dgm:linClrLst meth="repeat">
+      <a:schemeClr val="lt1"/>
+    </dgm:linClrLst>
+    <dgm:effectClrLst/>
+    <dgm:txLinClrLst/>
+    <dgm:txFillClrLst/>
+    <dgm:txEffectClrLst/>
+  </dgm:styleLbl>
+  <dgm:styleLbl name="fgImgPlace1">
+    <dgm:fillClrLst meth="repeat">
+      <a:schemeClr val="accent1">
+        <a:tint val="50000"/>
+      </a:schemeClr>
+    </dgm:fillClrLst>
+    <dgm:linClrLst meth="repeat">
+      <a:schemeClr val="lt1"/>
+    </dgm:linClrLst>
+    <dgm:effectClrLst/>
+    <dgm:txLinClrLst/>
+    <dgm:txFillClrLst meth="repeat">
+      <a:schemeClr val="lt1"/>
+    </dgm:txFillClrLst>
+    <dgm:txEffectClrLst/>
+  </dgm:styleLbl>
+  <dgm:styleLbl name="alignImgPlace1">
+    <dgm:fillClrLst meth="repeat">
+      <a:schemeClr val="accent1">
+        <a:tint val="50000"/>
+      </a:schemeClr>
+    </dgm:fillClrLst>
+    <dgm:linClrLst meth="repeat">
+      <a:schemeClr val="lt1"/>
+    </dgm:linClrLst>
+    <dgm:effectClrLst/>
+    <dgm:txLinClrLst/>
+    <dgm:txFillClrLst meth="repeat">
+      <a:schemeClr val="lt1"/>
+    </dgm:txFillClrLst>
+    <dgm:txEffectClrLst/>
+  </dgm:styleLbl>
+  <dgm:styleLbl name="bgImgPlace1">
+    <dgm:fillClrLst meth="repeat">
+      <a:schemeClr val="accent1">
+        <a:tint val="50000"/>
+      </a:schemeClr>
+    </dgm:fillClrLst>
+    <dgm:linClrLst meth="repeat">
+      <a:schemeClr val="lt1"/>
+    </dgm:linClrLst>
+    <dgm:effectClrLst/>
+    <dgm:txLinClrLst/>
+    <dgm:txFillClrLst meth="repeat">
+      <a:schemeClr val="lt1"/>
+    </dgm:txFillClrLst>
+    <dgm:txEffectClrLst/>
+  </dgm:styleLbl>
+  <dgm:styleLbl name="sibTrans2D1">
+    <dgm:fillClrLst meth="repeat">
+      <a:schemeClr val="accent1">
+        <a:tint val="60000"/>
+      </a:schemeClr>
+    </dgm:fillClrLst>
+    <dgm:linClrLst meth="repeat">
+      <a:schemeClr val="accent1">
+        <a:tint val="60000"/>
+      </a:schemeClr>
+    </dgm:linClrLst>
+    <dgm:effectClrLst/>
+    <dgm:txLinClrLst/>
+    <dgm:txFillClrLst/>
+    <dgm:txEffectClrLst/>
+  </dgm:styleLbl>
+  <dgm:styleLbl name="fgSibTrans2D1">
+    <dgm:fillClrLst meth="repeat">
+      <a:schemeClr val="accent1">
+        <a:tint val="60000"/>
+      </a:schemeClr>
+    </dgm:fillClrLst>
+    <dgm:linClrLst meth="repeat">
+      <a:schemeClr val="accent1">
+        <a:tint val="60000"/>
+      </a:schemeClr>
+    </dgm:linClrLst>
+    <dgm:effectClrLst/>
+    <dgm:txLinClrLst/>
+    <dgm:txFillClrLst/>
+    <dgm:txEffectClrLst/>
+  </dgm:styleLbl>
+  <dgm:styleLbl name="bgSibTrans2D1">
+    <dgm:fillClrLst meth="repeat">
+      <a:schemeClr val="accent1">
+        <a:tint val="60000"/>
+      </a:schemeClr>
+    </dgm:fillClrLst>
+    <dgm:linClrLst meth="repeat">
+      <a:schemeClr val="accent1">
+        <a:tint val="60000"/>
+      </a:schemeClr>
+    </dgm:linClrLst>
+    <dgm:effectClrLst/>
+    <dgm:txLinClrLst/>
+    <dgm:txFillClrLst/>
+    <dgm:txEffectClrLst/>
+  </dgm:styleLbl>
+  <dgm:styleLbl name="sibTrans1D1">
+    <dgm:fillClrLst meth="repeat">
+      <a:schemeClr val="accent1"/>
+    </dgm:fillClrLst>
+    <dgm:linClrLst meth="repeat">
+      <a:schemeClr val="accent1"/>
+    </dgm:linClrLst>
+    <dgm:effectClrLst/>
+    <dgm:txLinClrLst/>
+    <dgm:txFillClrLst meth="repeat">
+      <a:schemeClr val="tx1"/>
+    </dgm:txFillClrLst>
+    <dgm:txEffectClrLst/>
+  </dgm:styleLbl>
+  <dgm:styleLbl name="callout">
+    <dgm:fillClrLst meth="repeat">
+      <a:schemeClr val="accent1"/>
+    </dgm:fillClrLst>
+    <dgm:linClrLst meth="repeat">
+      <a:schemeClr val="accent1">
+        <a:tint val="50000"/>
+      </a:schemeClr>
+    </dgm:linClrLst>
+    <dgm:effectClrLst/>
+    <dgm:txLinClrLst/>
+    <dgm:txFillClrLst meth="repeat">
+      <a:schemeClr val="tx1"/>
+    </dgm:txFillClrLst>
+    <dgm:txEffectClrLst/>
+  </dgm:styleLbl>
+  <dgm:styleLbl name="asst0">
+    <dgm:fillClrLst meth="repeat">
+      <a:schemeClr val="accent1"/>
+    </dgm:fillClrLst>
+    <dgm:linClrLst meth="repeat">
+      <a:schemeClr val="lt1"/>
+    </dgm:linClrLst>
+    <dgm:effectClrLst/>
+    <dgm:txLinClrLst/>
+    <dgm:txFillClrLst/>
+    <dgm:txEffectClrLst/>
+  </dgm:styleLbl>
+  <dgm:styleLbl name="asst1">
+    <dgm:fillClrLst meth="repeat">
+      <a:schemeClr val="accent1"/>
+    </dgm:fillClrLst>
+    <dgm:linClrLst meth="repeat">
+      <a:schemeClr val="lt1"/>
+    </dgm:linClrLst>
+    <dgm:effectClrLst/>
+    <dgm:txLinClrLst/>
+    <dgm:txFillClrLst/>
+    <dgm:txEffectClrLst/>
+  </dgm:styleLbl>
+  <dgm:styleLbl name="asst2">
+    <dgm:fillClrLst meth="repeat">
+      <a:schemeClr val="accent1"/>
+    </dgm:fillClrLst>
+    <dgm:linClrLst meth="repeat">
+      <a:schemeClr val="lt1"/>
+    </dgm:linClrLst>
+    <dgm:effectClrLst/>
+    <dgm:txLinClrLst/>
+    <dgm:txFillClrLst/>
+    <dgm:txEffectClrLst/>
+  </dgm:styleLbl>
+  <dgm:styleLbl name="asst3">
+    <dgm:fillClrLst meth="repeat">
+      <a:schemeClr val="accent1"/>
+    </dgm:fillClrLst>
+    <dgm:linClrLst meth="repeat">
+      <a:schemeClr val="lt1"/>
+    </dgm:linClrLst>
+    <dgm:effectClrLst/>
+    <dgm:txLinClrLst/>
+    <dgm:txFillClrLst/>
+    <dgm:txEffectClrLst/>
+  </dgm:styleLbl>
+  <dgm:styleLbl name="asst4">
+    <dgm:fillClrLst meth="repeat">
+      <a:schemeClr val="accent1"/>
+    </dgm:fillClrLst>
+    <dgm:linClrLst meth="repeat">
+      <a:schemeClr val="lt1"/>
+    </dgm:linClrLst>
+    <dgm:effectClrLst/>
+    <dgm:txLinClrLst/>
+    <dgm:txFillClrLst/>
+    <dgm:txEffectClrLst/>
+  </dgm:styleLbl>
+  <dgm:styleLbl name="parChTrans2D1">
+    <dgm:fillClrLst meth="repeat">
+      <a:schemeClr val="accent1">
+        <a:tint val="60000"/>
+      </a:schemeClr>
+    </dgm:fillClrLst>
+    <dgm:linClrLst meth="repeat">
+      <a:schemeClr val="accent1">
+        <a:tint val="60000"/>
+      </a:schemeClr>
+    </dgm:linClrLst>
+    <dgm:effectClrLst/>
+    <dgm:txLinClrLst/>
+    <dgm:txFillClrLst meth="repeat">
+      <a:schemeClr val="lt1"/>
+    </dgm:txFillClrLst>
+    <dgm:txEffectClrLst/>
+  </dgm:styleLbl>
+  <dgm:styleLbl name="parChTrans2D2">
+    <dgm:fillClrLst meth="repeat">
+      <a:schemeClr val="accent1"/>
+    </dgm:fillClrLst>
+    <dgm:linClrLst meth="repeat">
+      <a:schemeClr val="accent1"/>
+    </dgm:linClrLst>
+    <dgm:effectClrLst/>
+    <dgm:txLinClrLst/>
+    <dgm:txFillClrLst meth="repeat">
+      <a:schemeClr val="lt1"/>
+    </dgm:txFillClrLst>
+    <dgm:txEffectClrLst/>
+  </dgm:styleLbl>
+  <dgm:styleLbl name="parChTrans2D3">
+    <dgm:fillClrLst meth="repeat">
+      <a:schemeClr val="accent1"/>
+    </dgm:fillClrLst>
+    <dgm:linClrLst meth="repeat">
+      <a:schemeClr val="accent1"/>
+    </dgm:linClrLst>
+    <dgm:effectClrLst/>
+    <dgm:txLinClrLst/>
+    <dgm:txFillClrLst meth="repeat">
+      <a:schemeClr val="lt1"/>
+    </dgm:txFillClrLst>
+    <dgm:txEffectClrLst/>
+  </dgm:styleLbl>
+  <dgm:styleLbl name="parChTrans2D4">
+    <dgm:fillClrLst meth="repeat">
+      <a:schemeClr val="accent1"/>
+    </dgm:fillClrLst>
+    <dgm:linClrLst meth="repeat">
+      <a:schemeClr val="accent1"/>
+    </dgm:linClrLst>
+    <dgm:effectClrLst/>
+    <dgm:txLinClrLst/>
+    <dgm:txFillClrLst meth="repeat">
+      <a:schemeClr val="lt1"/>
+    </dgm:txFillClrLst>
+    <dgm:txEffectClrLst/>
+  </dgm:styleLbl>
+  <dgm:styleLbl name="parChTrans1D1">
+    <dgm:fillClrLst meth="repeat">
+      <a:schemeClr val="accent1"/>
+    </dgm:fillClrLst>
+    <dgm:linClrLst meth="repeat">
+      <a:schemeClr val="accent1">
+        <a:shade val="60000"/>
+      </a:schemeClr>
+    </dgm:linClrLst>
+    <dgm:effectClrLst/>
+    <dgm:txLinClrLst/>
+    <dgm:txFillClrLst meth="repeat">
+      <a:schemeClr val="tx1"/>
+    </dgm:txFillClrLst>
+    <dgm:txEffectClrLst/>
+  </dgm:styleLbl>
+  <dgm:styleLbl name="parChTrans1D2">
+    <dgm:fillClrLst meth="repeat">
+      <a:schemeClr val="accent1"/>
+    </dgm:fillClrLst>
+    <dgm:linClrLst meth="repeat">
+      <a:schemeClr val="accent1">
+        <a:shade val="60000"/>
+      </a:schemeClr>
+    </dgm:linClrLst>
+    <dgm:effectClrLst/>
+    <dgm:txLinClrLst/>
+    <dgm:txFillClrLst meth="repeat">
+      <a:schemeClr val="tx1"/>
+    </dgm:txFillClrLst>
+    <dgm:txEffectClrLst/>
+  </dgm:styleLbl>
+  <dgm:styleLbl name="parChTrans1D3">
+    <dgm:fillClrLst meth="repeat">
+      <a:schemeClr val="accent1"/>
+    </dgm:fillClrLst>
+    <dgm:linClrLst meth="repeat">
+      <a:schemeClr val="accent1">
+        <a:shade val="80000"/>
+      </a:schemeClr>
+    </dgm:linClrLst>
+    <dgm:effectClrLst/>
+    <dgm:txLinClrLst/>
+    <dgm:txFillClrLst meth="repeat">
+      <a:schemeClr val="tx1"/>
+    </dgm:txFillClrLst>
+    <dgm:txEffectClrLst/>
+  </dgm:styleLbl>
+  <dgm:styleLbl name="parChTrans1D4">
+    <dgm:fillClrLst meth="repeat">
+      <a:schemeClr val="accent1"/>
+    </dgm:fillClrLst>
+    <dgm:linClrLst meth="repeat">
+      <a:schemeClr val="accent1">
+        <a:shade val="80000"/>
+      </a:schemeClr>
+    </dgm:linClrLst>
+    <dgm:effectClrLst/>
+    <dgm:txLinClrLst/>
+    <dgm:txFillClrLst meth="repeat">
+      <a:schemeClr val="tx1"/>
+    </dgm:txFillClrLst>
+    <dgm:txEffectClrLst/>
+  </dgm:styleLbl>
+  <dgm:styleLbl name="fgAcc1">
+    <dgm:fillClrLst meth="repeat">
+      <a:schemeClr val="lt1">
+        <a:alpha val="90000"/>
+      </a:schemeClr>
+    </dgm:fillClrLst>
+    <dgm:linClrLst meth="repeat">
+      <a:schemeClr val="accent1"/>
+    </dgm:linClrLst>
+    <dgm:effectClrLst/>
+    <dgm:txLinClrLst/>
+    <dgm:txFillClrLst meth="repeat">
+      <a:schemeClr val="dk1"/>
+    </dgm:txFillClrLst>
+    <dgm:txEffectClrLst/>
+  </dgm:styleLbl>
+  <dgm:styleLbl name="conFgAcc1">
+    <dgm:fillClrLst meth="repeat">
+      <a:schemeClr val="lt1">
+        <a:alpha val="90000"/>
+      </a:schemeClr>
+    </dgm:fillClrLst>
+    <dgm:linClrLst meth="repeat">
+      <a:schemeClr val="accent1"/>
+    </dgm:linClrLst>
+    <dgm:effectClrLst/>
+    <dgm:txLinClrLst/>
+    <dgm:txFillClrLst meth="repeat">
+      <a:schemeClr val="dk1"/>
+    </dgm:txFillClrLst>
+    <dgm:txEffectClrLst/>
+  </dgm:styleLbl>
+  <dgm:styleLbl name="alignAcc1">
+    <dgm:fillClrLst meth="repeat">
+      <a:schemeClr val="lt1">
+        <a:alpha val="90000"/>
+      </a:schemeClr>
+    </dgm:fillClrLst>
+    <dgm:linClrLst meth="repeat">
+      <a:schemeClr val="accent1"/>
+    </dgm:linClrLst>
+    <dgm:effectClrLst/>
+    <dgm:txLinClrLst/>
+    <dgm:txFillClrLst meth="repeat">
+      <a:schemeClr val="dk1"/>
+    </dgm:txFillClrLst>
+    <dgm:txEffectClrLst/>
+  </dgm:styleLbl>
+  <dgm:styleLbl name="trAlignAcc1">
+    <dgm:fillClrLst meth="repeat">
+      <a:schemeClr val="lt1">
+        <a:alpha val="40000"/>
+      </a:schemeClr>
+    </dgm:fillClrLst>
+    <dgm:linClrLst meth="repeat">
+      <a:schemeClr val="accent1"/>
+    </dgm:linClrLst>
+    <dgm:effectClrLst/>
+    <dgm:txLinClrLst/>
+    <dgm:txFillClrLst meth="repeat">
+      <a:schemeClr val="dk1"/>
+    </dgm:txFillClrLst>
+    <dgm:txEffectClrLst/>
+  </dgm:styleLbl>
+  <dgm:styleLbl name="bgAcc1">
+    <dgm:fillClrLst meth="repeat">
+      <a:schemeClr val="lt1">
+        <a:alpha val="90000"/>
+      </a:schemeClr>
+    </dgm:fillClrLst>
+    <dgm:linClrLst meth="repeat">
+      <a:schemeClr val="accent1"/>
+    </dgm:linClrLst>
+    <dgm:effectClrLst/>
+    <dgm:txLinClrLst/>
+    <dgm:txFillClrLst meth="repeat">
+      <a:schemeClr val="dk1"/>
+    </dgm:txFillClrLst>
+    <dgm:txEffectClrLst/>
+  </dgm:styleLbl>
+  <dgm:styleLbl name="solidFgAcc1">
+    <dgm:fillClrLst meth="repeat">
+      <a:schemeClr val="lt1"/>
+    </dgm:fillClrLst>
+    <dgm:linClrLst meth="repeat">
+      <a:schemeClr val="accent1"/>
+    </dgm:linClrLst>
+    <dgm:effectClrLst/>
+    <dgm:txLinClrLst/>
+    <dgm:txFillClrLst meth="repeat">
+      <a:schemeClr val="dk1"/>
+    </dgm:txFillClrLst>
+    <dgm:txEffectClrLst/>
+  </dgm:styleLbl>
+  <dgm:styleLbl name="solidAlignAcc1">
+    <dgm:fillClrLst meth="repeat">
+      <a:schemeClr val="lt1"/>
+    </dgm:fillClrLst>
+    <dgm:linClrLst meth="repeat">
+      <a:schemeClr val="accent1"/>
+    </dgm:linClrLst>
+    <dgm:effectClrLst/>
+    <dgm:txLinClrLst/>
+    <dgm:txFillClrLst meth="repeat">
+      <a:schemeClr val="dk1"/>
+    </dgm:txFillClrLst>
+    <dgm:txEffectClrLst/>
+  </dgm:styleLbl>
+  <dgm:styleLbl name="solidBgAcc1">
+    <dgm:fillClrLst meth="repeat">
+      <a:schemeClr val="lt1"/>
+    </dgm:fillClrLst>
+    <dgm:linClrLst meth="repeat">
+      <a:schemeClr val="accent1"/>
+    </dgm:linClrLst>
+    <dgm:effectClrLst/>
+    <dgm:txLinClrLst/>
+    <dgm:txFillClrLst meth="repeat">
+      <a:schemeClr val="dk1"/>
+    </dgm:txFillClrLst>
+    <dgm:txEffectClrLst/>
+  </dgm:styleLbl>
+  <dgm:styleLbl name="fgAccFollowNode1">
+    <dgm:fillClrLst meth="repeat">
+      <a:schemeClr val="accent1">
+        <a:alpha val="90000"/>
+        <a:tint val="40000"/>
+      </a:schemeClr>
+    </dgm:fillClrLst>
+    <dgm:linClrLst meth="repeat">
+      <a:schemeClr val="accent1">
+        <a:alpha val="90000"/>
+        <a:tint val="40000"/>
+      </a:schemeClr>
+    </dgm:linClrLst>
+    <dgm:effectClrLst/>
+    <dgm:txLinClrLst/>
+    <dgm:txFillClrLst meth="repeat">
+      <a:schemeClr val="dk1"/>
+    </dgm:txFillClrLst>
+    <dgm:txEffectClrLst/>
+  </dgm:styleLbl>
+  <dgm:styleLbl name="alignAccFollowNode1">
+    <dgm:fillClrLst meth="repeat">
+      <a:schemeClr val="accent1">
+        <a:alpha val="90000"/>
+        <a:tint val="40000"/>
+      </a:schemeClr>
+    </dgm:fillClrLst>
+    <dgm:linClrLst meth="repeat">
+      <a:schemeClr val="accent1">
+        <a:alpha val="90000"/>
+        <a:tint val="40000"/>
+      </a:schemeClr>
+    </dgm:linClrLst>
+    <dgm:effectClrLst/>
+    <dgm:txLinClrLst/>
+    <dgm:txFillClrLst meth="repeat">
+      <a:schemeClr val="dk1"/>
+    </dgm:txFillClrLst>
+    <dgm:txEffectClrLst/>
+  </dgm:styleLbl>
+  <dgm:styleLbl name="bgAccFollowNode1">
+    <dgm:fillClrLst meth="repeat">
+      <a:schemeClr val="accent1">
+        <a:alpha val="90000"/>
+        <a:tint val="40000"/>
+      </a:schemeClr>
+    </dgm:fillClrLst>
+    <dgm:linClrLst meth="repeat">
+      <a:schemeClr val="accent1">
+        <a:alpha val="90000"/>
+        <a:tint val="40000"/>
+      </a:schemeClr>
+    </dgm:linClrLst>
+    <dgm:effectClrLst/>
+    <dgm:txLinClrLst/>
+    <dgm:txFillClrLst meth="repeat">
+      <a:schemeClr val="dk1"/>
+    </dgm:txFillClrLst>
+    <dgm:txEffectClrLst/>
+  </dgm:styleLbl>
+  <dgm:styleLbl name="fgAcc0">
+    <dgm:fillClrLst meth="repeat">
+      <a:schemeClr val="lt1">
+        <a:alpha val="90000"/>
+      </a:schemeClr>
+    </dgm:fillClrLst>
+    <dgm:linClrLst meth="repeat">
+      <a:schemeClr val="accent1"/>
+    </dgm:linClrLst>
+    <dgm:effectClrLst/>
+    <dgm:txLinClrLst/>
+    <dgm:txFillClrLst meth="repeat">
+      <a:schemeClr val="dk1"/>
+    </dgm:txFillClrLst>
+    <dgm:txEffectClrLst/>
+  </dgm:styleLbl>
+  <dgm:styleLbl name="fgAcc2">
+    <dgm:fillClrLst meth="repeat">
+      <a:schemeClr val="lt1">
+        <a:alpha val="90000"/>
+      </a:schemeClr>
+    </dgm:fillClrLst>
+    <dgm:linClrLst meth="repeat">
+      <a:schemeClr val="accent1"/>
+    </dgm:linClrLst>
+    <dgm:effectClrLst/>
+    <dgm:txLinClrLst/>
+    <dgm:txFillClrLst meth="repeat">
+      <a:schemeClr val="dk1"/>
+    </dgm:txFillClrLst>
+    <dgm:txEffectClrLst/>
+  </dgm:styleLbl>
+  <dgm:styleLbl name="fgAcc3">
+    <dgm:fillClrLst meth="repeat">
+      <a:schemeClr val="lt1">
+        <a:alpha val="90000"/>
+      </a:schemeClr>
+    </dgm:fillClrLst>
+    <dgm:linClrLst meth="repeat">
+      <a:schemeClr val="accent1"/>
+    </dgm:linClrLst>
+    <dgm:effectClrLst/>
+    <dgm:txLinClrLst/>
+    <dgm:txFillClrLst meth="repeat">
+      <a:schemeClr val="dk1"/>
+    </dgm:txFillClrLst>
+    <dgm:txEffectClrLst/>
+  </dgm:styleLbl>
+  <dgm:styleLbl name="fgAcc4">
+    <dgm:fillClrLst meth="repeat">
+      <a:schemeClr val="lt1">
+        <a:alpha val="90000"/>
+      </a:schemeClr>
+    </dgm:fillClrLst>
+    <dgm:linClrLst meth="repeat">
+      <a:schemeClr val="accent1"/>
+    </dgm:linClrLst>
+    <dgm:effectClrLst/>
+    <dgm:txLinClrLst/>
+    <dgm:txFillClrLst meth="repeat">
+      <a:schemeClr val="dk1"/>
+    </dgm:txFillClrLst>
+    <dgm:txEffectClrLst/>
+  </dgm:styleLbl>
+  <dgm:styleLbl name="bgShp">
+    <dgm:fillClrLst meth="repeat">
+      <a:schemeClr val="accent1">
+        <a:tint val="40000"/>
+      </a:schemeClr>
+    </dgm:fillClrLst>
+    <dgm:linClrLst meth="repeat">
+      <a:schemeClr val="accent1"/>
+    </dgm:linClrLst>
+    <dgm:effectClrLst/>
+    <dgm:txLinClrLst/>
+    <dgm:txFillClrLst meth="repeat">
+      <a:schemeClr val="dk1"/>
+    </dgm:txFillClrLst>
+    <dgm:txEffectClrLst/>
+  </dgm:styleLbl>
+  <dgm:styleLbl name="dkBgShp">
+    <dgm:fillClrLst meth="repeat">
+      <a:schemeClr val="accent1">
+        <a:shade val="80000"/>
+      </a:schemeClr>
+    </dgm:fillClrLst>
+    <dgm:linClrLst meth="repeat">
+      <a:schemeClr val="accent1"/>
+    </dgm:linClrLst>
+    <dgm:effectClrLst/>
+    <dgm:txLinClrLst/>
+    <dgm:txFillClrLst meth="repeat">
+      <a:schemeClr val="lt1"/>
+    </dgm:txFillClrLst>
+    <dgm:txEffectClrLst/>
+  </dgm:styleLbl>
+  <dgm:styleLbl name="trBgShp">
+    <dgm:fillClrLst meth="repeat">
+      <a:schemeClr val="accent1">
+        <a:tint val="50000"/>
+        <a:alpha val="40000"/>
+      </a:schemeClr>
+    </dgm:fillClrLst>
+    <dgm:linClrLst meth="repeat">
+      <a:schemeClr val="accent1"/>
+    </dgm:linClrLst>
+    <dgm:effectClrLst/>
+    <dgm:txLinClrLst/>
+    <dgm:txFillClrLst meth="repeat">
+      <a:schemeClr val="lt1"/>
+    </dgm:txFillClrLst>
+    <dgm:txEffectClrLst/>
+  </dgm:styleLbl>
+  <dgm:styleLbl name="fgShp">
+    <dgm:fillClrLst meth="repeat">
+      <a:schemeClr val="accent1">
+        <a:tint val="60000"/>
       </a:schemeClr>
     </dgm:fillClrLst>
     <dgm:linClrLst meth="repeat">
@@ -5517,6 +7054,175 @@
 <file path=ppt/diagrams/data5.xml><?xml version="1.0" encoding="utf-8"?>
 <dgm:dataModel xmlns:dgm="http://schemas.openxmlformats.org/drawingml/2006/diagram" xmlns:a="http://schemas.openxmlformats.org/drawingml/2006/main">
   <dgm:ptLst>
+    <dgm:pt modelId="{5FBC72F6-E851-4FED-939D-99395771216A}" type="doc">
+      <dgm:prSet loTypeId="urn:microsoft.com/office/officeart/2008/layout/LinedList" loCatId="list" qsTypeId="urn:microsoft.com/office/officeart/2005/8/quickstyle/simple1" qsCatId="simple" csTypeId="urn:microsoft.com/office/officeart/2005/8/colors/colorful2" csCatId="colorful" phldr="1"/>
+      <dgm:spPr/>
+      <dgm:t>
+        <a:bodyPr/>
+        <a:lstStyle/>
+        <a:p>
+          <a:endParaRPr lang="en-US"/>
+        </a:p>
+      </dgm:t>
+    </dgm:pt>
+    <dgm:pt modelId="{3E46A77D-1BC1-47C9-BB8F-C808DA4D03FA}">
+      <dgm:prSet/>
+      <dgm:spPr/>
+      <dgm:t>
+        <a:bodyPr/>
+        <a:lstStyle/>
+        <a:p>
+          <a:pPr rtl="1"/>
+          <a:r>
+            <a:rPr lang="he-IL" dirty="0"/>
+            <a:t> עבודה בצורת </a:t>
+          </a:r>
+          <a:r>
+            <a:rPr lang="en-US" dirty="0"/>
+            <a:t>Waterfall</a:t>
+          </a:r>
+        </a:p>
+      </dgm:t>
+    </dgm:pt>
+    <dgm:pt modelId="{4820AB96-A6E7-4F28-93DA-85215ACAB00F}" type="parTrans" cxnId="{8E03B046-FFF7-4F47-BD6D-8323EEB264BE}">
+      <dgm:prSet/>
+      <dgm:spPr/>
+      <dgm:t>
+        <a:bodyPr/>
+        <a:lstStyle/>
+        <a:p>
+          <a:endParaRPr lang="en-US"/>
+        </a:p>
+      </dgm:t>
+    </dgm:pt>
+    <dgm:pt modelId="{B1E742B7-ECDB-475B-A3A2-16334AF41914}" type="sibTrans" cxnId="{8E03B046-FFF7-4F47-BD6D-8323EEB264BE}">
+      <dgm:prSet/>
+      <dgm:spPr/>
+      <dgm:t>
+        <a:bodyPr/>
+        <a:lstStyle/>
+        <a:p>
+          <a:endParaRPr lang="en-US"/>
+        </a:p>
+      </dgm:t>
+    </dgm:pt>
+    <dgm:pt modelId="{2772E052-317A-4945-B79E-1ACB1197B628}">
+      <dgm:prSet/>
+      <dgm:spPr/>
+      <dgm:t>
+        <a:bodyPr/>
+        <a:lstStyle/>
+        <a:p>
+          <a:pPr algn="r" rtl="1"/>
+          <a:r>
+            <a:rPr lang="he-IL" dirty="0"/>
+            <a:t>לאחר השקת המשחק נעבור לצורת </a:t>
+          </a:r>
+          <a:r>
+            <a:rPr lang="en-US" dirty="0"/>
+            <a:t>Agile</a:t>
+          </a:r>
+          <a:r>
+            <a:rPr lang="he-IL" dirty="0"/>
+            <a:t> בהתאם  לפידבקים של המשתמשים</a:t>
+          </a:r>
+          <a:endParaRPr lang="en-US" dirty="0"/>
+        </a:p>
+      </dgm:t>
+    </dgm:pt>
+    <dgm:pt modelId="{8A474FAE-11E0-4D7F-8E45-1003780DC321}" type="parTrans" cxnId="{C5F3D762-EC2E-4E95-B639-4B43BD638FD3}">
+      <dgm:prSet/>
+      <dgm:spPr/>
+      <dgm:t>
+        <a:bodyPr/>
+        <a:lstStyle/>
+        <a:p>
+          <a:endParaRPr lang="en-US"/>
+        </a:p>
+      </dgm:t>
+    </dgm:pt>
+    <dgm:pt modelId="{6750EB68-25CF-4621-8338-A7FF1A84DEFC}" type="sibTrans" cxnId="{C5F3D762-EC2E-4E95-B639-4B43BD638FD3}">
+      <dgm:prSet/>
+      <dgm:spPr/>
+      <dgm:t>
+        <a:bodyPr/>
+        <a:lstStyle/>
+        <a:p>
+          <a:endParaRPr lang="en-US"/>
+        </a:p>
+      </dgm:t>
+    </dgm:pt>
+    <dgm:pt modelId="{EA78030A-CA40-498A-B497-434BFE2B41EA}" type="pres">
+      <dgm:prSet presAssocID="{5FBC72F6-E851-4FED-939D-99395771216A}" presName="vert0" presStyleCnt="0">
+        <dgm:presLayoutVars>
+          <dgm:dir/>
+          <dgm:animOne val="branch"/>
+          <dgm:animLvl val="lvl"/>
+        </dgm:presLayoutVars>
+      </dgm:prSet>
+      <dgm:spPr/>
+    </dgm:pt>
+    <dgm:pt modelId="{921FFC6E-0A1C-4216-9948-75BF5BF0DDD7}" type="pres">
+      <dgm:prSet presAssocID="{3E46A77D-1BC1-47C9-BB8F-C808DA4D03FA}" presName="thickLine" presStyleLbl="alignNode1" presStyleIdx="0" presStyleCnt="2"/>
+      <dgm:spPr/>
+    </dgm:pt>
+    <dgm:pt modelId="{782FFFB8-B752-4763-849A-2F255415C30D}" type="pres">
+      <dgm:prSet presAssocID="{3E46A77D-1BC1-47C9-BB8F-C808DA4D03FA}" presName="horz1" presStyleCnt="0"/>
+      <dgm:spPr/>
+    </dgm:pt>
+    <dgm:pt modelId="{CA971CA4-5FD5-464C-B96E-0EE47DD81935}" type="pres">
+      <dgm:prSet presAssocID="{3E46A77D-1BC1-47C9-BB8F-C808DA4D03FA}" presName="tx1" presStyleLbl="revTx" presStyleIdx="0" presStyleCnt="2"/>
+      <dgm:spPr/>
+    </dgm:pt>
+    <dgm:pt modelId="{D21A9BAA-86E9-4A4F-95F0-C53338D5588A}" type="pres">
+      <dgm:prSet presAssocID="{3E46A77D-1BC1-47C9-BB8F-C808DA4D03FA}" presName="vert1" presStyleCnt="0"/>
+      <dgm:spPr/>
+    </dgm:pt>
+    <dgm:pt modelId="{5FAAF331-36F6-4903-B5DA-FF23E5181D6C}" type="pres">
+      <dgm:prSet presAssocID="{2772E052-317A-4945-B79E-1ACB1197B628}" presName="thickLine" presStyleLbl="alignNode1" presStyleIdx="1" presStyleCnt="2"/>
+      <dgm:spPr/>
+    </dgm:pt>
+    <dgm:pt modelId="{2AC1209A-286B-457C-BA5E-FB3C03CA8C49}" type="pres">
+      <dgm:prSet presAssocID="{2772E052-317A-4945-B79E-1ACB1197B628}" presName="horz1" presStyleCnt="0"/>
+      <dgm:spPr/>
+    </dgm:pt>
+    <dgm:pt modelId="{4FA3EE81-3732-4EF6-9E5E-DC255362E072}" type="pres">
+      <dgm:prSet presAssocID="{2772E052-317A-4945-B79E-1ACB1197B628}" presName="tx1" presStyleLbl="revTx" presStyleIdx="1" presStyleCnt="2"/>
+      <dgm:spPr/>
+    </dgm:pt>
+    <dgm:pt modelId="{7D18FC78-EAF7-45AC-B1AD-8E01D3121B53}" type="pres">
+      <dgm:prSet presAssocID="{2772E052-317A-4945-B79E-1ACB1197B628}" presName="vert1" presStyleCnt="0"/>
+      <dgm:spPr/>
+    </dgm:pt>
+  </dgm:ptLst>
+  <dgm:cxnLst>
+    <dgm:cxn modelId="{9F469638-AF18-4B74-987E-19FC8EBE8212}" type="presOf" srcId="{2772E052-317A-4945-B79E-1ACB1197B628}" destId="{4FA3EE81-3732-4EF6-9E5E-DC255362E072}" srcOrd="0" destOrd="0" presId="urn:microsoft.com/office/officeart/2008/layout/LinedList"/>
+    <dgm:cxn modelId="{C5F3D762-EC2E-4E95-B639-4B43BD638FD3}" srcId="{5FBC72F6-E851-4FED-939D-99395771216A}" destId="{2772E052-317A-4945-B79E-1ACB1197B628}" srcOrd="1" destOrd="0" parTransId="{8A474FAE-11E0-4D7F-8E45-1003780DC321}" sibTransId="{6750EB68-25CF-4621-8338-A7FF1A84DEFC}"/>
+    <dgm:cxn modelId="{8E03B046-FFF7-4F47-BD6D-8323EEB264BE}" srcId="{5FBC72F6-E851-4FED-939D-99395771216A}" destId="{3E46A77D-1BC1-47C9-BB8F-C808DA4D03FA}" srcOrd="0" destOrd="0" parTransId="{4820AB96-A6E7-4F28-93DA-85215ACAB00F}" sibTransId="{B1E742B7-ECDB-475B-A3A2-16334AF41914}"/>
+    <dgm:cxn modelId="{0FC7CE89-9783-4051-A17C-43D63C46839C}" type="presOf" srcId="{5FBC72F6-E851-4FED-939D-99395771216A}" destId="{EA78030A-CA40-498A-B497-434BFE2B41EA}" srcOrd="0" destOrd="0" presId="urn:microsoft.com/office/officeart/2008/layout/LinedList"/>
+    <dgm:cxn modelId="{519737EE-E68B-460E-A113-9C8CC289BD42}" type="presOf" srcId="{3E46A77D-1BC1-47C9-BB8F-C808DA4D03FA}" destId="{CA971CA4-5FD5-464C-B96E-0EE47DD81935}" srcOrd="0" destOrd="0" presId="urn:microsoft.com/office/officeart/2008/layout/LinedList"/>
+    <dgm:cxn modelId="{CFE6B651-2AB8-46D8-AD5D-B7B9F886E26C}" type="presParOf" srcId="{EA78030A-CA40-498A-B497-434BFE2B41EA}" destId="{921FFC6E-0A1C-4216-9948-75BF5BF0DDD7}" srcOrd="0" destOrd="0" presId="urn:microsoft.com/office/officeart/2008/layout/LinedList"/>
+    <dgm:cxn modelId="{CC1DE8CC-1B86-474B-AB66-4591A7FEFB3F}" type="presParOf" srcId="{EA78030A-CA40-498A-B497-434BFE2B41EA}" destId="{782FFFB8-B752-4763-849A-2F255415C30D}" srcOrd="1" destOrd="0" presId="urn:microsoft.com/office/officeart/2008/layout/LinedList"/>
+    <dgm:cxn modelId="{D58FAFF6-4B6F-43D5-891A-F9952EABCBB2}" type="presParOf" srcId="{782FFFB8-B752-4763-849A-2F255415C30D}" destId="{CA971CA4-5FD5-464C-B96E-0EE47DD81935}" srcOrd="0" destOrd="0" presId="urn:microsoft.com/office/officeart/2008/layout/LinedList"/>
+    <dgm:cxn modelId="{98BC9430-725E-4271-9134-74A9E0002A75}" type="presParOf" srcId="{782FFFB8-B752-4763-849A-2F255415C30D}" destId="{D21A9BAA-86E9-4A4F-95F0-C53338D5588A}" srcOrd="1" destOrd="0" presId="urn:microsoft.com/office/officeart/2008/layout/LinedList"/>
+    <dgm:cxn modelId="{2FA53354-0AAD-43EE-958A-E3530B044950}" type="presParOf" srcId="{EA78030A-CA40-498A-B497-434BFE2B41EA}" destId="{5FAAF331-36F6-4903-B5DA-FF23E5181D6C}" srcOrd="2" destOrd="0" presId="urn:microsoft.com/office/officeart/2008/layout/LinedList"/>
+    <dgm:cxn modelId="{97C7AB55-7ACE-43CB-AACB-F2E90B93983F}" type="presParOf" srcId="{EA78030A-CA40-498A-B497-434BFE2B41EA}" destId="{2AC1209A-286B-457C-BA5E-FB3C03CA8C49}" srcOrd="3" destOrd="0" presId="urn:microsoft.com/office/officeart/2008/layout/LinedList"/>
+    <dgm:cxn modelId="{C642D162-EC3B-43A3-8BA1-09A90B23FEC2}" type="presParOf" srcId="{2AC1209A-286B-457C-BA5E-FB3C03CA8C49}" destId="{4FA3EE81-3732-4EF6-9E5E-DC255362E072}" srcOrd="0" destOrd="0" presId="urn:microsoft.com/office/officeart/2008/layout/LinedList"/>
+    <dgm:cxn modelId="{018D6001-0E7A-4BE0-9D12-AE0829298A9C}" type="presParOf" srcId="{2AC1209A-286B-457C-BA5E-FB3C03CA8C49}" destId="{7D18FC78-EAF7-45AC-B1AD-8E01D3121B53}" srcOrd="1" destOrd="0" presId="urn:microsoft.com/office/officeart/2008/layout/LinedList"/>
+  </dgm:cxnLst>
+  <dgm:bg/>
+  <dgm:whole/>
+  <dgm:extLst>
+    <a:ext uri="http://schemas.microsoft.com/office/drawing/2008/diagram">
+      <dsp:dataModelExt xmlns:dsp="http://schemas.microsoft.com/office/drawing/2008/diagram" relId="rId6" minVer="http://schemas.openxmlformats.org/drawingml/2006/diagram"/>
+    </a:ext>
+  </dgm:extLst>
+</dgm:dataModel>
+</file>
+
+<file path=ppt/diagrams/data6.xml><?xml version="1.0" encoding="utf-8"?>
+<dgm:dataModel xmlns:dgm="http://schemas.openxmlformats.org/drawingml/2006/diagram" xmlns:a="http://schemas.openxmlformats.org/drawingml/2006/main">
+  <dgm:ptLst>
     <dgm:pt modelId="{9ED07447-C8C2-4CF4-955D-A91A4DDEFD11}" type="doc">
       <dgm:prSet loTypeId="urn:microsoft.com/office/officeart/2018/2/layout/IconVerticalSolidList" loCatId="icon" qsTypeId="urn:microsoft.com/office/officeart/2005/8/quickstyle/simple1" qsCatId="simple" csTypeId="urn:microsoft.com/office/officeart/2018/5/colors/Iconchunking_neutralbg_colorful1" csCatId="colorful" phldr="1"/>
       <dgm:spPr/>
@@ -6050,6 +7756,265 @@
     <dgm:cxn modelId="{6EFE2891-749B-4E85-9CFD-022B0B9A70D4}" type="presParOf" srcId="{DF6B7192-17DB-4613-837D-98C33222DD06}" destId="{C3029BAE-03DD-4522-AA01-AD9D60F1DF96}" srcOrd="1" destOrd="0" presId="urn:microsoft.com/office/officeart/2018/2/layout/IconVerticalSolidList"/>
     <dgm:cxn modelId="{9FC76DFB-4190-4564-B7FB-D5812FDBF467}" type="presParOf" srcId="{DF6B7192-17DB-4613-837D-98C33222DD06}" destId="{B797B2A2-C084-4E98-AD7D-B511E0D20A4D}" srcOrd="2" destOrd="0" presId="urn:microsoft.com/office/officeart/2018/2/layout/IconVerticalSolidList"/>
     <dgm:cxn modelId="{C84B22DA-910B-4C24-98AA-B7C68EDE3164}" type="presParOf" srcId="{DF6B7192-17DB-4613-837D-98C33222DD06}" destId="{0E1F6800-4FF5-4D71-BEB3-D3457C0B2B12}" srcOrd="3" destOrd="0" presId="urn:microsoft.com/office/officeart/2018/2/layout/IconVerticalSolidList"/>
+  </dgm:cxnLst>
+  <dgm:bg/>
+  <dgm:whole/>
+  <dgm:extLst>
+    <a:ext uri="http://schemas.microsoft.com/office/drawing/2008/diagram">
+      <dsp:dataModelExt xmlns:dsp="http://schemas.microsoft.com/office/drawing/2008/diagram" relId="rId6" minVer="http://schemas.openxmlformats.org/drawingml/2006/diagram"/>
+    </a:ext>
+  </dgm:extLst>
+</dgm:dataModel>
+</file>
+
+<file path=ppt/diagrams/data7.xml><?xml version="1.0" encoding="utf-8"?>
+<dgm:dataModel xmlns:dgm="http://schemas.openxmlformats.org/drawingml/2006/diagram" xmlns:a="http://schemas.openxmlformats.org/drawingml/2006/main">
+  <dgm:ptLst>
+    <dgm:pt modelId="{BED2B5B6-6713-4D36-88EC-8BBBC580A67A}" type="doc">
+      <dgm:prSet loTypeId="urn:microsoft.com/office/officeart/2005/8/layout/vList2" loCatId="list" qsTypeId="urn:microsoft.com/office/officeart/2005/8/quickstyle/simple1" qsCatId="simple" csTypeId="urn:microsoft.com/office/officeart/2005/8/colors/accent1_2" csCatId="accent1" phldr="1"/>
+      <dgm:spPr/>
+      <dgm:t>
+        <a:bodyPr/>
+        <a:lstStyle/>
+        <a:p>
+          <a:endParaRPr lang="en-US"/>
+        </a:p>
+      </dgm:t>
+    </dgm:pt>
+    <dgm:pt modelId="{134CCB95-5767-47E6-8606-7AC7BBAD4090}">
+      <dgm:prSet/>
+      <dgm:spPr/>
+      <dgm:t>
+        <a:bodyPr/>
+        <a:lstStyle/>
+        <a:p>
+          <a:r>
+            <a:rPr lang="he-IL"/>
+            <a:t>סיום בניית האינטראקציות הבסיסיות בין האובייקטים השונים</a:t>
+          </a:r>
+          <a:endParaRPr lang="en-US"/>
+        </a:p>
+      </dgm:t>
+    </dgm:pt>
+    <dgm:pt modelId="{C5EC5EF5-FCEC-482C-B6B8-96DB47F5EEF7}" type="parTrans" cxnId="{C091B0CC-28E6-4066-8C9E-F1B80F0B3535}">
+      <dgm:prSet/>
+      <dgm:spPr/>
+      <dgm:t>
+        <a:bodyPr/>
+        <a:lstStyle/>
+        <a:p>
+          <a:endParaRPr lang="en-US"/>
+        </a:p>
+      </dgm:t>
+    </dgm:pt>
+    <dgm:pt modelId="{370544C9-D875-4A54-A1E7-6960015A75C1}" type="sibTrans" cxnId="{C091B0CC-28E6-4066-8C9E-F1B80F0B3535}">
+      <dgm:prSet/>
+      <dgm:spPr/>
+      <dgm:t>
+        <a:bodyPr/>
+        <a:lstStyle/>
+        <a:p>
+          <a:endParaRPr lang="en-US"/>
+        </a:p>
+      </dgm:t>
+    </dgm:pt>
+    <dgm:pt modelId="{F0F72845-C9DB-43C1-8480-1C404959D88F}">
+      <dgm:prSet/>
+      <dgm:spPr/>
+      <dgm:t>
+        <a:bodyPr/>
+        <a:lstStyle/>
+        <a:p>
+          <a:pPr algn="r"/>
+          <a:r>
+            <a:rPr lang="he-IL" dirty="0"/>
+            <a:t>התחלת בניית התקשורת בין השחקנים</a:t>
+          </a:r>
+          <a:endParaRPr lang="en-US" dirty="0"/>
+        </a:p>
+      </dgm:t>
+    </dgm:pt>
+    <dgm:pt modelId="{DF383FCF-AC0A-4077-BF10-98F5924CD07A}" type="parTrans" cxnId="{1A36D858-1669-401F-94E3-21E8F9E000B6}">
+      <dgm:prSet/>
+      <dgm:spPr/>
+      <dgm:t>
+        <a:bodyPr/>
+        <a:lstStyle/>
+        <a:p>
+          <a:endParaRPr lang="en-US"/>
+        </a:p>
+      </dgm:t>
+    </dgm:pt>
+    <dgm:pt modelId="{1F007A45-046C-400E-8D4A-98B69ACF8CE2}" type="sibTrans" cxnId="{1A36D858-1669-401F-94E3-21E8F9E000B6}">
+      <dgm:prSet/>
+      <dgm:spPr/>
+      <dgm:t>
+        <a:bodyPr/>
+        <a:lstStyle/>
+        <a:p>
+          <a:endParaRPr lang="en-US"/>
+        </a:p>
+      </dgm:t>
+    </dgm:pt>
+    <dgm:pt modelId="{2EA76C30-502D-457B-B3AD-8F1EDECFF656}">
+      <dgm:prSet/>
+      <dgm:spPr/>
+      <dgm:t>
+        <a:bodyPr/>
+        <a:lstStyle/>
+        <a:p>
+          <a:pPr algn="r"/>
+          <a:r>
+            <a:rPr lang="he-IL" dirty="0"/>
+            <a:t>בניית השלבים השונים</a:t>
+          </a:r>
+          <a:endParaRPr lang="en-US" dirty="0"/>
+        </a:p>
+      </dgm:t>
+    </dgm:pt>
+    <dgm:pt modelId="{357CB5F6-EE57-44D9-896E-70FE54ECA2C6}" type="parTrans" cxnId="{C2F174B1-D85F-4F9D-ABB4-84FAF9EF1B9E}">
+      <dgm:prSet/>
+      <dgm:spPr/>
+      <dgm:t>
+        <a:bodyPr/>
+        <a:lstStyle/>
+        <a:p>
+          <a:endParaRPr lang="en-US"/>
+        </a:p>
+      </dgm:t>
+    </dgm:pt>
+    <dgm:pt modelId="{A163020E-F576-497C-BB0B-EFA23D767FDF}" type="sibTrans" cxnId="{C2F174B1-D85F-4F9D-ABB4-84FAF9EF1B9E}">
+      <dgm:prSet/>
+      <dgm:spPr/>
+      <dgm:t>
+        <a:bodyPr/>
+        <a:lstStyle/>
+        <a:p>
+          <a:endParaRPr lang="en-US"/>
+        </a:p>
+      </dgm:t>
+    </dgm:pt>
+    <dgm:pt modelId="{389EA197-0751-4573-B3BB-5246680AAD83}">
+      <dgm:prSet/>
+      <dgm:spPr/>
+      <dgm:t>
+        <a:bodyPr/>
+        <a:lstStyle/>
+        <a:p>
+          <a:pPr algn="r" rtl="1"/>
+          <a:r>
+            <a:rPr lang="he-IL" dirty="0"/>
+            <a:t>מציאת </a:t>
+          </a:r>
+          <a:r>
+            <a:rPr lang="en-US" dirty="0"/>
+            <a:t>Assets</a:t>
+          </a:r>
+          <a:r>
+            <a:rPr lang="he-IL" dirty="0"/>
+            <a:t>  חסרים למפה ולבניינים</a:t>
+          </a:r>
+          <a:endParaRPr lang="en-US" dirty="0"/>
+        </a:p>
+      </dgm:t>
+    </dgm:pt>
+    <dgm:pt modelId="{81503798-D3A4-426A-A2C9-5AC8CCE44542}" type="parTrans" cxnId="{3B4380CB-4BAB-46D6-9B2E-BCBBD5420BD2}">
+      <dgm:prSet/>
+      <dgm:spPr/>
+      <dgm:t>
+        <a:bodyPr/>
+        <a:lstStyle/>
+        <a:p>
+          <a:endParaRPr lang="en-US"/>
+        </a:p>
+      </dgm:t>
+    </dgm:pt>
+    <dgm:pt modelId="{8AE9B239-10BE-4EE7-81AC-0FDC46A72660}" type="sibTrans" cxnId="{3B4380CB-4BAB-46D6-9B2E-BCBBD5420BD2}">
+      <dgm:prSet/>
+      <dgm:spPr/>
+      <dgm:t>
+        <a:bodyPr/>
+        <a:lstStyle/>
+        <a:p>
+          <a:endParaRPr lang="en-US"/>
+        </a:p>
+      </dgm:t>
+    </dgm:pt>
+    <dgm:pt modelId="{2BFFD8E5-9F56-4C43-8EC0-767960479034}" type="pres">
+      <dgm:prSet presAssocID="{BED2B5B6-6713-4D36-88EC-8BBBC580A67A}" presName="linear" presStyleCnt="0">
+        <dgm:presLayoutVars>
+          <dgm:animLvl val="lvl"/>
+          <dgm:resizeHandles val="exact"/>
+        </dgm:presLayoutVars>
+      </dgm:prSet>
+      <dgm:spPr/>
+    </dgm:pt>
+    <dgm:pt modelId="{8870D8B3-28E9-47F1-BA01-1F115CEE7B83}" type="pres">
+      <dgm:prSet presAssocID="{134CCB95-5767-47E6-8606-7AC7BBAD4090}" presName="parentText" presStyleLbl="node1" presStyleIdx="0" presStyleCnt="4">
+        <dgm:presLayoutVars>
+          <dgm:chMax val="0"/>
+          <dgm:bulletEnabled val="1"/>
+        </dgm:presLayoutVars>
+      </dgm:prSet>
+      <dgm:spPr/>
+    </dgm:pt>
+    <dgm:pt modelId="{485C19F5-D692-4A83-8E6F-27F89CF7B5DA}" type="pres">
+      <dgm:prSet presAssocID="{370544C9-D875-4A54-A1E7-6960015A75C1}" presName="spacer" presStyleCnt="0"/>
+      <dgm:spPr/>
+    </dgm:pt>
+    <dgm:pt modelId="{143EA75E-B245-425F-82B4-F2A131406115}" type="pres">
+      <dgm:prSet presAssocID="{F0F72845-C9DB-43C1-8480-1C404959D88F}" presName="parentText" presStyleLbl="node1" presStyleIdx="1" presStyleCnt="4">
+        <dgm:presLayoutVars>
+          <dgm:chMax val="0"/>
+          <dgm:bulletEnabled val="1"/>
+        </dgm:presLayoutVars>
+      </dgm:prSet>
+      <dgm:spPr/>
+    </dgm:pt>
+    <dgm:pt modelId="{F65E75B1-D2E5-47B2-B022-6BF8A60E49A2}" type="pres">
+      <dgm:prSet presAssocID="{1F007A45-046C-400E-8D4A-98B69ACF8CE2}" presName="spacer" presStyleCnt="0"/>
+      <dgm:spPr/>
+    </dgm:pt>
+    <dgm:pt modelId="{3C82A479-FDCC-4AA0-B04A-1701C20B6ACA}" type="pres">
+      <dgm:prSet presAssocID="{2EA76C30-502D-457B-B3AD-8F1EDECFF656}" presName="parentText" presStyleLbl="node1" presStyleIdx="2" presStyleCnt="4">
+        <dgm:presLayoutVars>
+          <dgm:chMax val="0"/>
+          <dgm:bulletEnabled val="1"/>
+        </dgm:presLayoutVars>
+      </dgm:prSet>
+      <dgm:spPr/>
+    </dgm:pt>
+    <dgm:pt modelId="{8453D252-3381-4369-BF4A-5CEAC76DBFE5}" type="pres">
+      <dgm:prSet presAssocID="{A163020E-F576-497C-BB0B-EFA23D767FDF}" presName="spacer" presStyleCnt="0"/>
+      <dgm:spPr/>
+    </dgm:pt>
+    <dgm:pt modelId="{753903F7-1D95-4B8F-B5A2-DE15FB983E52}" type="pres">
+      <dgm:prSet presAssocID="{389EA197-0751-4573-B3BB-5246680AAD83}" presName="parentText" presStyleLbl="node1" presStyleIdx="3" presStyleCnt="4">
+        <dgm:presLayoutVars>
+          <dgm:chMax val="0"/>
+          <dgm:bulletEnabled val="1"/>
+        </dgm:presLayoutVars>
+      </dgm:prSet>
+      <dgm:spPr/>
+    </dgm:pt>
+  </dgm:ptLst>
+  <dgm:cxnLst>
+    <dgm:cxn modelId="{E210D337-B269-4E47-9C80-23E2308B5BFB}" type="presOf" srcId="{2EA76C30-502D-457B-B3AD-8F1EDECFF656}" destId="{3C82A479-FDCC-4AA0-B04A-1701C20B6ACA}" srcOrd="0" destOrd="0" presId="urn:microsoft.com/office/officeart/2005/8/layout/vList2"/>
+    <dgm:cxn modelId="{E70DC660-0363-4225-BD54-EDFD2357E2A5}" type="presOf" srcId="{389EA197-0751-4573-B3BB-5246680AAD83}" destId="{753903F7-1D95-4B8F-B5A2-DE15FB983E52}" srcOrd="0" destOrd="0" presId="urn:microsoft.com/office/officeart/2005/8/layout/vList2"/>
+    <dgm:cxn modelId="{1A36D858-1669-401F-94E3-21E8F9E000B6}" srcId="{BED2B5B6-6713-4D36-88EC-8BBBC580A67A}" destId="{F0F72845-C9DB-43C1-8480-1C404959D88F}" srcOrd="1" destOrd="0" parTransId="{DF383FCF-AC0A-4077-BF10-98F5924CD07A}" sibTransId="{1F007A45-046C-400E-8D4A-98B69ACF8CE2}"/>
+    <dgm:cxn modelId="{55EA5289-327D-48D8-9269-199083B023FB}" type="presOf" srcId="{BED2B5B6-6713-4D36-88EC-8BBBC580A67A}" destId="{2BFFD8E5-9F56-4C43-8EC0-767960479034}" srcOrd="0" destOrd="0" presId="urn:microsoft.com/office/officeart/2005/8/layout/vList2"/>
+    <dgm:cxn modelId="{C2F174B1-D85F-4F9D-ABB4-84FAF9EF1B9E}" srcId="{BED2B5B6-6713-4D36-88EC-8BBBC580A67A}" destId="{2EA76C30-502D-457B-B3AD-8F1EDECFF656}" srcOrd="2" destOrd="0" parTransId="{357CB5F6-EE57-44D9-896E-70FE54ECA2C6}" sibTransId="{A163020E-F576-497C-BB0B-EFA23D767FDF}"/>
+    <dgm:cxn modelId="{8C4DB5BB-9D9A-4976-9AC7-36394FA959B8}" type="presOf" srcId="{134CCB95-5767-47E6-8606-7AC7BBAD4090}" destId="{8870D8B3-28E9-47F1-BA01-1F115CEE7B83}" srcOrd="0" destOrd="0" presId="urn:microsoft.com/office/officeart/2005/8/layout/vList2"/>
+    <dgm:cxn modelId="{3B4380CB-4BAB-46D6-9B2E-BCBBD5420BD2}" srcId="{BED2B5B6-6713-4D36-88EC-8BBBC580A67A}" destId="{389EA197-0751-4573-B3BB-5246680AAD83}" srcOrd="3" destOrd="0" parTransId="{81503798-D3A4-426A-A2C9-5AC8CCE44542}" sibTransId="{8AE9B239-10BE-4EE7-81AC-0FDC46A72660}"/>
+    <dgm:cxn modelId="{C091B0CC-28E6-4066-8C9E-F1B80F0B3535}" srcId="{BED2B5B6-6713-4D36-88EC-8BBBC580A67A}" destId="{134CCB95-5767-47E6-8606-7AC7BBAD4090}" srcOrd="0" destOrd="0" parTransId="{C5EC5EF5-FCEC-482C-B6B8-96DB47F5EEF7}" sibTransId="{370544C9-D875-4A54-A1E7-6960015A75C1}"/>
+    <dgm:cxn modelId="{5971D3D9-2AF7-4231-BF3C-8CF2FE286A93}" type="presOf" srcId="{F0F72845-C9DB-43C1-8480-1C404959D88F}" destId="{143EA75E-B245-425F-82B4-F2A131406115}" srcOrd="0" destOrd="0" presId="urn:microsoft.com/office/officeart/2005/8/layout/vList2"/>
+    <dgm:cxn modelId="{CD870EE6-50AC-4736-A71A-9B1F9EB52029}" type="presParOf" srcId="{2BFFD8E5-9F56-4C43-8EC0-767960479034}" destId="{8870D8B3-28E9-47F1-BA01-1F115CEE7B83}" srcOrd="0" destOrd="0" presId="urn:microsoft.com/office/officeart/2005/8/layout/vList2"/>
+    <dgm:cxn modelId="{064D770F-4344-4713-932E-CA01B22F3BD7}" type="presParOf" srcId="{2BFFD8E5-9F56-4C43-8EC0-767960479034}" destId="{485C19F5-D692-4A83-8E6F-27F89CF7B5DA}" srcOrd="1" destOrd="0" presId="urn:microsoft.com/office/officeart/2005/8/layout/vList2"/>
+    <dgm:cxn modelId="{313FBDE2-2DFF-4AE8-8E39-7285157F1C27}" type="presParOf" srcId="{2BFFD8E5-9F56-4C43-8EC0-767960479034}" destId="{143EA75E-B245-425F-82B4-F2A131406115}" srcOrd="2" destOrd="0" presId="urn:microsoft.com/office/officeart/2005/8/layout/vList2"/>
+    <dgm:cxn modelId="{A339CDB4-0927-4DFF-84F3-D7282B08058E}" type="presParOf" srcId="{2BFFD8E5-9F56-4C43-8EC0-767960479034}" destId="{F65E75B1-D2E5-47B2-B022-6BF8A60E49A2}" srcOrd="3" destOrd="0" presId="urn:microsoft.com/office/officeart/2005/8/layout/vList2"/>
+    <dgm:cxn modelId="{12326A85-2FF9-4165-94DB-777167C0E3D7}" type="presParOf" srcId="{2BFFD8E5-9F56-4C43-8EC0-767960479034}" destId="{3C82A479-FDCC-4AA0-B04A-1701C20B6ACA}" srcOrd="4" destOrd="0" presId="urn:microsoft.com/office/officeart/2005/8/layout/vList2"/>
+    <dgm:cxn modelId="{BAB5E76F-935A-4405-99E7-B1E56C5D0F74}" type="presParOf" srcId="{2BFFD8E5-9F56-4C43-8EC0-767960479034}" destId="{8453D252-3381-4369-BF4A-5CEAC76DBFE5}" srcOrd="5" destOrd="0" presId="urn:microsoft.com/office/officeart/2005/8/layout/vList2"/>
+    <dgm:cxn modelId="{EB6C29F2-5E72-455D-A55C-2C721D7EAEA9}" type="presParOf" srcId="{2BFFD8E5-9F56-4C43-8EC0-767960479034}" destId="{753903F7-1D95-4B8F-B5A2-DE15FB983E52}" srcOrd="6" destOrd="0" presId="urn:microsoft.com/office/officeart/2005/8/layout/vList2"/>
   </dgm:cxnLst>
   <dgm:bg/>
   <dgm:whole/>
@@ -7869,6 +9834,249 @@
       <dsp:cNvGrpSpPr/>
     </dsp:nvGrpSpPr>
     <dsp:grpSpPr/>
+    <dsp:sp modelId="{921FFC6E-0A1C-4216-9948-75BF5BF0DDD7}">
+      <dsp:nvSpPr>
+        <dsp:cNvPr id="0" name=""/>
+        <dsp:cNvSpPr/>
+      </dsp:nvSpPr>
+      <dsp:spPr>
+        <a:xfrm>
+          <a:off x="0" y="0"/>
+          <a:ext cx="6451943" cy="0"/>
+        </a:xfrm>
+        <a:prstGeom prst="line">
+          <a:avLst/>
+        </a:prstGeom>
+        <a:solidFill>
+          <a:schemeClr val="accent2">
+            <a:hueOff val="0"/>
+            <a:satOff val="0"/>
+            <a:lumOff val="0"/>
+            <a:alphaOff val="0"/>
+          </a:schemeClr>
+        </a:solidFill>
+        <a:ln w="19050" cap="flat" cmpd="sng" algn="ctr">
+          <a:solidFill>
+            <a:schemeClr val="accent2">
+              <a:hueOff val="0"/>
+              <a:satOff val="0"/>
+              <a:lumOff val="0"/>
+              <a:alphaOff val="0"/>
+            </a:schemeClr>
+          </a:solidFill>
+          <a:prstDash val="solid"/>
+        </a:ln>
+        <a:effectLst/>
+      </dsp:spPr>
+      <dsp:style>
+        <a:lnRef idx="2">
+          <a:scrgbClr r="0" g="0" b="0"/>
+        </a:lnRef>
+        <a:fillRef idx="1">
+          <a:scrgbClr r="0" g="0" b="0"/>
+        </a:fillRef>
+        <a:effectRef idx="0">
+          <a:scrgbClr r="0" g="0" b="0"/>
+        </a:effectRef>
+        <a:fontRef idx="minor">
+          <a:schemeClr val="lt1"/>
+        </a:fontRef>
+      </dsp:style>
+    </dsp:sp>
+    <dsp:sp modelId="{CA971CA4-5FD5-464C-B96E-0EE47DD81935}">
+      <dsp:nvSpPr>
+        <dsp:cNvPr id="0" name=""/>
+        <dsp:cNvSpPr/>
+      </dsp:nvSpPr>
+      <dsp:spPr>
+        <a:xfrm>
+          <a:off x="0" y="0"/>
+          <a:ext cx="6451943" cy="2233943"/>
+        </a:xfrm>
+        <a:prstGeom prst="rect">
+          <a:avLst/>
+        </a:prstGeom>
+        <a:noFill/>
+        <a:ln>
+          <a:noFill/>
+        </a:ln>
+        <a:effectLst/>
+      </dsp:spPr>
+      <dsp:style>
+        <a:lnRef idx="0">
+          <a:scrgbClr r="0" g="0" b="0"/>
+        </a:lnRef>
+        <a:fillRef idx="0">
+          <a:scrgbClr r="0" g="0" b="0"/>
+        </a:fillRef>
+        <a:effectRef idx="0">
+          <a:scrgbClr r="0" g="0" b="0"/>
+        </a:effectRef>
+        <a:fontRef idx="minor"/>
+      </dsp:style>
+      <dsp:txBody>
+        <a:bodyPr spcFirstLastPara="0" vert="horz" wrap="square" lIns="167640" tIns="167640" rIns="167640" bIns="167640" numCol="1" spcCol="1270" anchor="t" anchorCtr="0">
+          <a:noAutofit/>
+        </a:bodyPr>
+        <a:lstStyle/>
+        <a:p>
+          <a:pPr marL="0" lvl="0" indent="0" algn="r" defTabSz="1955800" rtl="1">
+            <a:lnSpc>
+              <a:spcPct val="90000"/>
+            </a:lnSpc>
+            <a:spcBef>
+              <a:spcPct val="0"/>
+            </a:spcBef>
+            <a:spcAft>
+              <a:spcPct val="35000"/>
+            </a:spcAft>
+            <a:buNone/>
+          </a:pPr>
+          <a:r>
+            <a:rPr lang="he-IL" sz="4400" kern="1200" dirty="0"/>
+            <a:t> עבודה בצורת </a:t>
+          </a:r>
+          <a:r>
+            <a:rPr lang="en-US" sz="4400" kern="1200" dirty="0"/>
+            <a:t>Waterfall</a:t>
+          </a:r>
+        </a:p>
+      </dsp:txBody>
+      <dsp:txXfrm>
+        <a:off x="0" y="0"/>
+        <a:ext cx="6451943" cy="2233943"/>
+      </dsp:txXfrm>
+    </dsp:sp>
+    <dsp:sp modelId="{5FAAF331-36F6-4903-B5DA-FF23E5181D6C}">
+      <dsp:nvSpPr>
+        <dsp:cNvPr id="0" name=""/>
+        <dsp:cNvSpPr/>
+      </dsp:nvSpPr>
+      <dsp:spPr>
+        <a:xfrm>
+          <a:off x="0" y="2233943"/>
+          <a:ext cx="6451943" cy="0"/>
+        </a:xfrm>
+        <a:prstGeom prst="line">
+          <a:avLst/>
+        </a:prstGeom>
+        <a:solidFill>
+          <a:schemeClr val="accent2">
+            <a:hueOff val="-1323373"/>
+            <a:satOff val="1492"/>
+            <a:lumOff val="3530"/>
+            <a:alphaOff val="0"/>
+          </a:schemeClr>
+        </a:solidFill>
+        <a:ln w="19050" cap="flat" cmpd="sng" algn="ctr">
+          <a:solidFill>
+            <a:schemeClr val="accent2">
+              <a:hueOff val="-1323373"/>
+              <a:satOff val="1492"/>
+              <a:lumOff val="3530"/>
+              <a:alphaOff val="0"/>
+            </a:schemeClr>
+          </a:solidFill>
+          <a:prstDash val="solid"/>
+        </a:ln>
+        <a:effectLst/>
+      </dsp:spPr>
+      <dsp:style>
+        <a:lnRef idx="2">
+          <a:scrgbClr r="0" g="0" b="0"/>
+        </a:lnRef>
+        <a:fillRef idx="1">
+          <a:scrgbClr r="0" g="0" b="0"/>
+        </a:fillRef>
+        <a:effectRef idx="0">
+          <a:scrgbClr r="0" g="0" b="0"/>
+        </a:effectRef>
+        <a:fontRef idx="minor">
+          <a:schemeClr val="lt1"/>
+        </a:fontRef>
+      </dsp:style>
+    </dsp:sp>
+    <dsp:sp modelId="{4FA3EE81-3732-4EF6-9E5E-DC255362E072}">
+      <dsp:nvSpPr>
+        <dsp:cNvPr id="0" name=""/>
+        <dsp:cNvSpPr/>
+      </dsp:nvSpPr>
+      <dsp:spPr>
+        <a:xfrm>
+          <a:off x="0" y="2233943"/>
+          <a:ext cx="6451943" cy="2233943"/>
+        </a:xfrm>
+        <a:prstGeom prst="rect">
+          <a:avLst/>
+        </a:prstGeom>
+        <a:noFill/>
+        <a:ln>
+          <a:noFill/>
+        </a:ln>
+        <a:effectLst/>
+      </dsp:spPr>
+      <dsp:style>
+        <a:lnRef idx="0">
+          <a:scrgbClr r="0" g="0" b="0"/>
+        </a:lnRef>
+        <a:fillRef idx="0">
+          <a:scrgbClr r="0" g="0" b="0"/>
+        </a:fillRef>
+        <a:effectRef idx="0">
+          <a:scrgbClr r="0" g="0" b="0"/>
+        </a:effectRef>
+        <a:fontRef idx="minor"/>
+      </dsp:style>
+      <dsp:txBody>
+        <a:bodyPr spcFirstLastPara="0" vert="horz" wrap="square" lIns="167640" tIns="167640" rIns="167640" bIns="167640" numCol="1" spcCol="1270" anchor="t" anchorCtr="0">
+          <a:noAutofit/>
+        </a:bodyPr>
+        <a:lstStyle/>
+        <a:p>
+          <a:pPr marL="0" lvl="0" indent="0" algn="r" defTabSz="1955800" rtl="1">
+            <a:lnSpc>
+              <a:spcPct val="90000"/>
+            </a:lnSpc>
+            <a:spcBef>
+              <a:spcPct val="0"/>
+            </a:spcBef>
+            <a:spcAft>
+              <a:spcPct val="35000"/>
+            </a:spcAft>
+            <a:buNone/>
+          </a:pPr>
+          <a:r>
+            <a:rPr lang="he-IL" sz="4400" kern="1200" dirty="0"/>
+            <a:t>לאחר השקת המשחק נעבור לצורת </a:t>
+          </a:r>
+          <a:r>
+            <a:rPr lang="en-US" sz="4400" kern="1200" dirty="0"/>
+            <a:t>Agile</a:t>
+          </a:r>
+          <a:r>
+            <a:rPr lang="he-IL" sz="4400" kern="1200" dirty="0"/>
+            <a:t> בהתאם  לפידבקים של המשתמשים</a:t>
+          </a:r>
+          <a:endParaRPr lang="en-US" sz="4400" kern="1200" dirty="0"/>
+        </a:p>
+      </dsp:txBody>
+      <dsp:txXfrm>
+        <a:off x="0" y="2233943"/>
+        <a:ext cx="6451943" cy="2233943"/>
+      </dsp:txXfrm>
+    </dsp:sp>
+  </dsp:spTree>
+</dsp:drawing>
+</file>
+
+<file path=ppt/diagrams/drawing6.xml><?xml version="1.0" encoding="utf-8"?>
+<dsp:drawing xmlns:dgm="http://schemas.openxmlformats.org/drawingml/2006/diagram" xmlns:dsp="http://schemas.microsoft.com/office/drawing/2008/diagram" xmlns:a="http://schemas.openxmlformats.org/drawingml/2006/main">
+  <dsp:spTree>
+    <dsp:nvGrpSpPr>
+      <dsp:cNvPr id="0" name=""/>
+      <dsp:cNvGrpSpPr/>
+    </dsp:nvGrpSpPr>
+    <dsp:grpSpPr/>
     <dsp:sp modelId="{CF98267A-1190-455D-A3D8-E28356A6FCA7}">
       <dsp:nvSpPr>
         <dsp:cNvPr id="0" name=""/>
@@ -8627,6 +10835,338 @@
       <dsp:txXfrm>
         <a:off x="858724" y="3720912"/>
         <a:ext cx="5593218" cy="743484"/>
+      </dsp:txXfrm>
+    </dsp:sp>
+  </dsp:spTree>
+</dsp:drawing>
+</file>
+
+<file path=ppt/diagrams/drawing7.xml><?xml version="1.0" encoding="utf-8"?>
+<dsp:drawing xmlns:dgm="http://schemas.openxmlformats.org/drawingml/2006/diagram" xmlns:dsp="http://schemas.microsoft.com/office/drawing/2008/diagram" xmlns:a="http://schemas.openxmlformats.org/drawingml/2006/main">
+  <dsp:spTree>
+    <dsp:nvGrpSpPr>
+      <dsp:cNvPr id="0" name=""/>
+      <dsp:cNvGrpSpPr/>
+    </dsp:nvGrpSpPr>
+    <dsp:grpSpPr/>
+    <dsp:sp modelId="{8870D8B3-28E9-47F1-BA01-1F115CEE7B83}">
+      <dsp:nvSpPr>
+        <dsp:cNvPr id="0" name=""/>
+        <dsp:cNvSpPr/>
+      </dsp:nvSpPr>
+      <dsp:spPr>
+        <a:xfrm>
+          <a:off x="0" y="398309"/>
+          <a:ext cx="9872871" cy="743535"/>
+        </a:xfrm>
+        <a:prstGeom prst="roundRect">
+          <a:avLst/>
+        </a:prstGeom>
+        <a:solidFill>
+          <a:schemeClr val="accent1">
+            <a:hueOff val="0"/>
+            <a:satOff val="0"/>
+            <a:lumOff val="0"/>
+            <a:alphaOff val="0"/>
+          </a:schemeClr>
+        </a:solidFill>
+        <a:ln w="19050" cap="flat" cmpd="sng" algn="ctr">
+          <a:solidFill>
+            <a:schemeClr val="lt1">
+              <a:hueOff val="0"/>
+              <a:satOff val="0"/>
+              <a:lumOff val="0"/>
+              <a:alphaOff val="0"/>
+            </a:schemeClr>
+          </a:solidFill>
+          <a:prstDash val="solid"/>
+        </a:ln>
+        <a:effectLst/>
+      </dsp:spPr>
+      <dsp:style>
+        <a:lnRef idx="2">
+          <a:scrgbClr r="0" g="0" b="0"/>
+        </a:lnRef>
+        <a:fillRef idx="1">
+          <a:scrgbClr r="0" g="0" b="0"/>
+        </a:fillRef>
+        <a:effectRef idx="0">
+          <a:scrgbClr r="0" g="0" b="0"/>
+        </a:effectRef>
+        <a:fontRef idx="minor">
+          <a:schemeClr val="lt1"/>
+        </a:fontRef>
+      </dsp:style>
+      <dsp:txBody>
+        <a:bodyPr spcFirstLastPara="0" vert="horz" wrap="square" lIns="118110" tIns="118110" rIns="118110" bIns="118110" numCol="1" spcCol="1270" anchor="ctr" anchorCtr="0">
+          <a:noAutofit/>
+        </a:bodyPr>
+        <a:lstStyle/>
+        <a:p>
+          <a:pPr marL="0" lvl="0" indent="0" algn="l" defTabSz="1377950">
+            <a:lnSpc>
+              <a:spcPct val="90000"/>
+            </a:lnSpc>
+            <a:spcBef>
+              <a:spcPct val="0"/>
+            </a:spcBef>
+            <a:spcAft>
+              <a:spcPct val="35000"/>
+            </a:spcAft>
+            <a:buNone/>
+          </a:pPr>
+          <a:r>
+            <a:rPr lang="he-IL" sz="3100" kern="1200"/>
+            <a:t>סיום בניית האינטראקציות הבסיסיות בין האובייקטים השונים</a:t>
+          </a:r>
+          <a:endParaRPr lang="en-US" sz="3100" kern="1200"/>
+        </a:p>
+      </dsp:txBody>
+      <dsp:txXfrm>
+        <a:off x="36296" y="434605"/>
+        <a:ext cx="9800279" cy="670943"/>
+      </dsp:txXfrm>
+    </dsp:sp>
+    <dsp:sp modelId="{143EA75E-B245-425F-82B4-F2A131406115}">
+      <dsp:nvSpPr>
+        <dsp:cNvPr id="0" name=""/>
+        <dsp:cNvSpPr/>
+      </dsp:nvSpPr>
+      <dsp:spPr>
+        <a:xfrm>
+          <a:off x="0" y="1231125"/>
+          <a:ext cx="9872871" cy="743535"/>
+        </a:xfrm>
+        <a:prstGeom prst="roundRect">
+          <a:avLst/>
+        </a:prstGeom>
+        <a:solidFill>
+          <a:schemeClr val="accent1">
+            <a:hueOff val="0"/>
+            <a:satOff val="0"/>
+            <a:lumOff val="0"/>
+            <a:alphaOff val="0"/>
+          </a:schemeClr>
+        </a:solidFill>
+        <a:ln w="19050" cap="flat" cmpd="sng" algn="ctr">
+          <a:solidFill>
+            <a:schemeClr val="lt1">
+              <a:hueOff val="0"/>
+              <a:satOff val="0"/>
+              <a:lumOff val="0"/>
+              <a:alphaOff val="0"/>
+            </a:schemeClr>
+          </a:solidFill>
+          <a:prstDash val="solid"/>
+        </a:ln>
+        <a:effectLst/>
+      </dsp:spPr>
+      <dsp:style>
+        <a:lnRef idx="2">
+          <a:scrgbClr r="0" g="0" b="0"/>
+        </a:lnRef>
+        <a:fillRef idx="1">
+          <a:scrgbClr r="0" g="0" b="0"/>
+        </a:fillRef>
+        <a:effectRef idx="0">
+          <a:scrgbClr r="0" g="0" b="0"/>
+        </a:effectRef>
+        <a:fontRef idx="minor">
+          <a:schemeClr val="lt1"/>
+        </a:fontRef>
+      </dsp:style>
+      <dsp:txBody>
+        <a:bodyPr spcFirstLastPara="0" vert="horz" wrap="square" lIns="118110" tIns="118110" rIns="118110" bIns="118110" numCol="1" spcCol="1270" anchor="ctr" anchorCtr="0">
+          <a:noAutofit/>
+        </a:bodyPr>
+        <a:lstStyle/>
+        <a:p>
+          <a:pPr marL="0" lvl="0" indent="0" algn="r" defTabSz="1377950">
+            <a:lnSpc>
+              <a:spcPct val="90000"/>
+            </a:lnSpc>
+            <a:spcBef>
+              <a:spcPct val="0"/>
+            </a:spcBef>
+            <a:spcAft>
+              <a:spcPct val="35000"/>
+            </a:spcAft>
+            <a:buNone/>
+          </a:pPr>
+          <a:r>
+            <a:rPr lang="he-IL" sz="3100" kern="1200" dirty="0"/>
+            <a:t>התחלת בניית התקשורת בין השחקנים</a:t>
+          </a:r>
+          <a:endParaRPr lang="en-US" sz="3100" kern="1200" dirty="0"/>
+        </a:p>
+      </dsp:txBody>
+      <dsp:txXfrm>
+        <a:off x="36296" y="1267421"/>
+        <a:ext cx="9800279" cy="670943"/>
+      </dsp:txXfrm>
+    </dsp:sp>
+    <dsp:sp modelId="{3C82A479-FDCC-4AA0-B04A-1701C20B6ACA}">
+      <dsp:nvSpPr>
+        <dsp:cNvPr id="0" name=""/>
+        <dsp:cNvSpPr/>
+      </dsp:nvSpPr>
+      <dsp:spPr>
+        <a:xfrm>
+          <a:off x="0" y="2063940"/>
+          <a:ext cx="9872871" cy="743535"/>
+        </a:xfrm>
+        <a:prstGeom prst="roundRect">
+          <a:avLst/>
+        </a:prstGeom>
+        <a:solidFill>
+          <a:schemeClr val="accent1">
+            <a:hueOff val="0"/>
+            <a:satOff val="0"/>
+            <a:lumOff val="0"/>
+            <a:alphaOff val="0"/>
+          </a:schemeClr>
+        </a:solidFill>
+        <a:ln w="19050" cap="flat" cmpd="sng" algn="ctr">
+          <a:solidFill>
+            <a:schemeClr val="lt1">
+              <a:hueOff val="0"/>
+              <a:satOff val="0"/>
+              <a:lumOff val="0"/>
+              <a:alphaOff val="0"/>
+            </a:schemeClr>
+          </a:solidFill>
+          <a:prstDash val="solid"/>
+        </a:ln>
+        <a:effectLst/>
+      </dsp:spPr>
+      <dsp:style>
+        <a:lnRef idx="2">
+          <a:scrgbClr r="0" g="0" b="0"/>
+        </a:lnRef>
+        <a:fillRef idx="1">
+          <a:scrgbClr r="0" g="0" b="0"/>
+        </a:fillRef>
+        <a:effectRef idx="0">
+          <a:scrgbClr r="0" g="0" b="0"/>
+        </a:effectRef>
+        <a:fontRef idx="minor">
+          <a:schemeClr val="lt1"/>
+        </a:fontRef>
+      </dsp:style>
+      <dsp:txBody>
+        <a:bodyPr spcFirstLastPara="0" vert="horz" wrap="square" lIns="118110" tIns="118110" rIns="118110" bIns="118110" numCol="1" spcCol="1270" anchor="ctr" anchorCtr="0">
+          <a:noAutofit/>
+        </a:bodyPr>
+        <a:lstStyle/>
+        <a:p>
+          <a:pPr marL="0" lvl="0" indent="0" algn="r" defTabSz="1377950">
+            <a:lnSpc>
+              <a:spcPct val="90000"/>
+            </a:lnSpc>
+            <a:spcBef>
+              <a:spcPct val="0"/>
+            </a:spcBef>
+            <a:spcAft>
+              <a:spcPct val="35000"/>
+            </a:spcAft>
+            <a:buNone/>
+          </a:pPr>
+          <a:r>
+            <a:rPr lang="he-IL" sz="3100" kern="1200" dirty="0"/>
+            <a:t>בניית השלבים השונים</a:t>
+          </a:r>
+          <a:endParaRPr lang="en-US" sz="3100" kern="1200" dirty="0"/>
+        </a:p>
+      </dsp:txBody>
+      <dsp:txXfrm>
+        <a:off x="36296" y="2100236"/>
+        <a:ext cx="9800279" cy="670943"/>
+      </dsp:txXfrm>
+    </dsp:sp>
+    <dsp:sp modelId="{753903F7-1D95-4B8F-B5A2-DE15FB983E52}">
+      <dsp:nvSpPr>
+        <dsp:cNvPr id="0" name=""/>
+        <dsp:cNvSpPr/>
+      </dsp:nvSpPr>
+      <dsp:spPr>
+        <a:xfrm>
+          <a:off x="0" y="2896755"/>
+          <a:ext cx="9872871" cy="743535"/>
+        </a:xfrm>
+        <a:prstGeom prst="roundRect">
+          <a:avLst/>
+        </a:prstGeom>
+        <a:solidFill>
+          <a:schemeClr val="accent1">
+            <a:hueOff val="0"/>
+            <a:satOff val="0"/>
+            <a:lumOff val="0"/>
+            <a:alphaOff val="0"/>
+          </a:schemeClr>
+        </a:solidFill>
+        <a:ln w="19050" cap="flat" cmpd="sng" algn="ctr">
+          <a:solidFill>
+            <a:schemeClr val="lt1">
+              <a:hueOff val="0"/>
+              <a:satOff val="0"/>
+              <a:lumOff val="0"/>
+              <a:alphaOff val="0"/>
+            </a:schemeClr>
+          </a:solidFill>
+          <a:prstDash val="solid"/>
+        </a:ln>
+        <a:effectLst/>
+      </dsp:spPr>
+      <dsp:style>
+        <a:lnRef idx="2">
+          <a:scrgbClr r="0" g="0" b="0"/>
+        </a:lnRef>
+        <a:fillRef idx="1">
+          <a:scrgbClr r="0" g="0" b="0"/>
+        </a:fillRef>
+        <a:effectRef idx="0">
+          <a:scrgbClr r="0" g="0" b="0"/>
+        </a:effectRef>
+        <a:fontRef idx="minor">
+          <a:schemeClr val="lt1"/>
+        </a:fontRef>
+      </dsp:style>
+      <dsp:txBody>
+        <a:bodyPr spcFirstLastPara="0" vert="horz" wrap="square" lIns="118110" tIns="118110" rIns="118110" bIns="118110" numCol="1" spcCol="1270" anchor="ctr" anchorCtr="0">
+          <a:noAutofit/>
+        </a:bodyPr>
+        <a:lstStyle/>
+        <a:p>
+          <a:pPr marL="0" lvl="0" indent="0" algn="r" defTabSz="1377950" rtl="1">
+            <a:lnSpc>
+              <a:spcPct val="90000"/>
+            </a:lnSpc>
+            <a:spcBef>
+              <a:spcPct val="0"/>
+            </a:spcBef>
+            <a:spcAft>
+              <a:spcPct val="35000"/>
+            </a:spcAft>
+            <a:buNone/>
+          </a:pPr>
+          <a:r>
+            <a:rPr lang="he-IL" sz="3100" kern="1200" dirty="0"/>
+            <a:t>מציאת </a:t>
+          </a:r>
+          <a:r>
+            <a:rPr lang="en-US" sz="3100" kern="1200" dirty="0"/>
+            <a:t>Assets</a:t>
+          </a:r>
+          <a:r>
+            <a:rPr lang="he-IL" sz="3100" kern="1200" dirty="0"/>
+            <a:t>  חסרים למפה ולבניינים</a:t>
+          </a:r>
+          <a:endParaRPr lang="en-US" sz="3100" kern="1200" dirty="0"/>
+        </a:p>
+      </dsp:txBody>
+      <dsp:txXfrm>
+        <a:off x="36296" y="2933051"/>
+        <a:ext cx="9800279" cy="670943"/>
       </dsp:txXfrm>
     </dsp:sp>
   </dsp:spTree>
@@ -9894,6 +12434,472 @@
 </file>
 
 <file path=ppt/diagrams/layout5.xml><?xml version="1.0" encoding="utf-8"?>
+<dgm:layoutDef xmlns:dgm="http://schemas.openxmlformats.org/drawingml/2006/diagram" xmlns:a="http://schemas.openxmlformats.org/drawingml/2006/main" uniqueId="urn:microsoft.com/office/officeart/2008/layout/LinedList">
+  <dgm:title val=""/>
+  <dgm:desc val=""/>
+  <dgm:catLst>
+    <dgm:cat type="hierarchy" pri="8000"/>
+    <dgm:cat type="list" pri="2500"/>
+  </dgm:catLst>
+  <dgm:sampData>
+    <dgm:dataModel>
+      <dgm:ptLst>
+        <dgm:pt modelId="0" type="doc"/>
+        <dgm:pt modelId="1">
+          <dgm:prSet phldr="1"/>
+        </dgm:pt>
+        <dgm:pt modelId="11">
+          <dgm:prSet phldr="1"/>
+        </dgm:pt>
+        <dgm:pt modelId="12">
+          <dgm:prSet phldr="1"/>
+        </dgm:pt>
+        <dgm:pt modelId="13">
+          <dgm:prSet phldr="1"/>
+        </dgm:pt>
+      </dgm:ptLst>
+      <dgm:cxnLst>
+        <dgm:cxn modelId="2" srcId="0" destId="1" srcOrd="0" destOrd="0"/>
+        <dgm:cxn modelId="3" srcId="1" destId="11" srcOrd="0" destOrd="0"/>
+        <dgm:cxn modelId="4" srcId="1" destId="12" srcOrd="1" destOrd="0"/>
+        <dgm:cxn modelId="5" srcId="1" destId="13" srcOrd="2" destOrd="0"/>
+      </dgm:cxnLst>
+      <dgm:bg/>
+      <dgm:whole/>
+    </dgm:dataModel>
+  </dgm:sampData>
+  <dgm:styleData>
+    <dgm:dataModel>
+      <dgm:ptLst>
+        <dgm:pt modelId="0" type="doc"/>
+        <dgm:pt modelId="1">
+          <dgm:prSet phldr="1"/>
+        </dgm:pt>
+        <dgm:pt modelId="11">
+          <dgm:prSet phldr="1"/>
+        </dgm:pt>
+        <dgm:pt modelId="12">
+          <dgm:prSet phldr="1"/>
+        </dgm:pt>
+      </dgm:ptLst>
+      <dgm:cxnLst>
+        <dgm:cxn modelId="2" srcId="0" destId="1" srcOrd="0" destOrd="0"/>
+        <dgm:cxn modelId="3" srcId="1" destId="11" srcOrd="0" destOrd="0"/>
+        <dgm:cxn modelId="4" srcId="1" destId="12" srcOrd="1" destOrd="0"/>
+      </dgm:cxnLst>
+      <dgm:bg/>
+      <dgm:whole/>
+    </dgm:dataModel>
+  </dgm:styleData>
+  <dgm:clrData>
+    <dgm:dataModel>
+      <dgm:ptLst>
+        <dgm:pt modelId="0" type="doc"/>
+        <dgm:pt modelId="1">
+          <dgm:prSet phldr="1"/>
+        </dgm:pt>
+        <dgm:pt modelId="11">
+          <dgm:prSet phldr="1"/>
+        </dgm:pt>
+        <dgm:pt modelId="12">
+          <dgm:prSet phldr="1"/>
+        </dgm:pt>
+      </dgm:ptLst>
+      <dgm:cxnLst>
+        <dgm:cxn modelId="2" srcId="0" destId="1" srcOrd="0" destOrd="0"/>
+        <dgm:cxn modelId="3" srcId="1" destId="11" srcOrd="0" destOrd="0"/>
+        <dgm:cxn modelId="4" srcId="1" destId="12" srcOrd="1" destOrd="0"/>
+      </dgm:cxnLst>
+      <dgm:bg/>
+      <dgm:whole/>
+    </dgm:dataModel>
+  </dgm:clrData>
+  <dgm:layoutNode name="vert0">
+    <dgm:varLst>
+      <dgm:dir/>
+      <dgm:animOne val="branch"/>
+      <dgm:animLvl val="lvl"/>
+    </dgm:varLst>
+    <dgm:choose name="Name0">
+      <dgm:if name="Name1" func="var" arg="dir" op="equ" val="norm">
+        <dgm:alg type="lin">
+          <dgm:param type="linDir" val="fromT"/>
+          <dgm:param type="nodeHorzAlign" val="l"/>
+        </dgm:alg>
+      </dgm:if>
+      <dgm:else name="Name2">
+        <dgm:alg type="lin">
+          <dgm:param type="linDir" val="fromT"/>
+          <dgm:param type="nodeHorzAlign" val="r"/>
+        </dgm:alg>
+      </dgm:else>
+    </dgm:choose>
+    <dgm:shape xmlns:r="http://schemas.openxmlformats.org/officeDocument/2006/relationships" r:blip="">
+      <dgm:adjLst/>
+    </dgm:shape>
+    <dgm:presOf/>
+    <dgm:constrLst>
+      <dgm:constr type="w" for="ch" forName="horz1" refType="w"/>
+      <dgm:constr type="h" for="ch" forName="horz1" refType="h"/>
+      <dgm:constr type="h" for="des" forName="vert1" refType="h"/>
+      <dgm:constr type="h" for="des" forName="tx1" refType="h"/>
+      <dgm:constr type="h" for="des" forName="horz2" refType="h"/>
+      <dgm:constr type="h" for="des" forName="vert2" refType="h"/>
+      <dgm:constr type="h" for="des" forName="horz3" refType="h"/>
+      <dgm:constr type="h" for="des" forName="vert3" refType="h"/>
+      <dgm:constr type="h" for="des" forName="horz4" refType="h"/>
+      <dgm:constr type="h" for="des" ptType="node" refType="h"/>
+      <dgm:constr type="primFontSz" for="des" forName="tx1" op="equ" val="65"/>
+      <dgm:constr type="primFontSz" for="des" forName="tx2" op="equ" val="65"/>
+      <dgm:constr type="primFontSz" for="des" forName="tx3" op="equ" val="65"/>
+      <dgm:constr type="primFontSz" for="des" forName="tx4" op="equ" val="65"/>
+      <dgm:constr type="w" for="des" forName="thickLine" refType="w"/>
+      <dgm:constr type="h" for="des" forName="thickLine"/>
+      <dgm:constr type="h" for="des" forName="thinLine1"/>
+      <dgm:constr type="h" for="des" forName="thinLine2b"/>
+      <dgm:constr type="h" for="des" forName="thinLine3"/>
+      <dgm:constr type="h" for="des" forName="vertSpace2a" refType="h" fact="0.05"/>
+      <dgm:constr type="h" for="des" forName="vertSpace2b" refType="h" refFor="des" refForName="vertSpace2a"/>
+    </dgm:constrLst>
+    <dgm:forEach name="Name3" axis="ch" ptType="node">
+      <dgm:layoutNode name="thickLine" styleLbl="alignNode1">
+        <dgm:alg type="sp"/>
+        <dgm:shape xmlns:r="http://schemas.openxmlformats.org/officeDocument/2006/relationships" type="line" r:blip="">
+          <dgm:adjLst/>
+        </dgm:shape>
+        <dgm:presOf/>
+      </dgm:layoutNode>
+      <dgm:layoutNode name="horz1">
+        <dgm:choose name="Name4">
+          <dgm:if name="Name5" func="var" arg="dir" op="equ" val="norm">
+            <dgm:alg type="lin">
+              <dgm:param type="linDir" val="fromL"/>
+              <dgm:param type="nodeVertAlign" val="t"/>
+            </dgm:alg>
+          </dgm:if>
+          <dgm:else name="Name6">
+            <dgm:alg type="lin">
+              <dgm:param type="linDir" val="fromR"/>
+              <dgm:param type="nodeVertAlign" val="t"/>
+            </dgm:alg>
+          </dgm:else>
+        </dgm:choose>
+        <dgm:shape xmlns:r="http://schemas.openxmlformats.org/officeDocument/2006/relationships" r:blip="">
+          <dgm:adjLst/>
+        </dgm:shape>
+        <dgm:presOf/>
+        <dgm:choose name="Name7">
+          <dgm:if name="Name8" axis="root des" func="maxDepth" op="equ" val="1">
+            <dgm:constrLst>
+              <dgm:constr type="w" for="ch" forName="tx1" refType="w"/>
+            </dgm:constrLst>
+          </dgm:if>
+          <dgm:if name="Name9" axis="root des" func="maxDepth" op="equ" val="2">
+            <dgm:constrLst>
+              <dgm:constr type="w" for="ch" forName="tx1" refType="w" fact="0.2"/>
+              <dgm:constr type="w" for="des" forName="tx2" refType="w" fact="0.785"/>
+              <dgm:constr type="w" for="des" forName="horzSpace2" refType="w" fact="0.015"/>
+              <dgm:constr type="w" for="des" forName="thinLine2b" refType="w" fact="0.8"/>
+            </dgm:constrLst>
+          </dgm:if>
+          <dgm:if name="Name10" axis="root des" func="maxDepth" op="equ" val="3">
+            <dgm:constrLst>
+              <dgm:constr type="w" for="ch" forName="tx1" refType="w" fact="0.2"/>
+              <dgm:constr type="w" for="des" forName="tx2" refType="w" fact="0.385"/>
+              <dgm:constr type="w" for="des" forName="tx3" refType="w" fact="0.385"/>
+              <dgm:constr type="w" for="des" forName="horzSpace2" refType="w" fact="0.015"/>
+              <dgm:constr type="w" for="des" forName="horzSpace3" refType="w" fact="0.015"/>
+              <dgm:constr type="w" for="des" forName="thinLine2b" refType="w" fact="0.8"/>
+              <dgm:constr type="w" for="des" forName="thinLine3" refType="w" fact="0.385"/>
+            </dgm:constrLst>
+          </dgm:if>
+          <dgm:if name="Name11" axis="root des" func="maxDepth" op="gte" val="4">
+            <dgm:constrLst>
+              <dgm:constr type="w" for="ch" forName="tx1" refType="w" fact="0.2"/>
+              <dgm:constr type="w" for="des" forName="tx2" refType="w" fact="0.2516"/>
+              <dgm:constr type="w" for="des" forName="tx3" refType="w" fact="0.2516"/>
+              <dgm:constr type="w" for="des" forName="tx4" refType="w" fact="0.2516"/>
+              <dgm:constr type="w" for="des" forName="horzSpace2" refType="w" fact="0.015"/>
+              <dgm:constr type="w" for="des" forName="horzSpace3" refType="w" fact="0.015"/>
+              <dgm:constr type="w" for="des" forName="horzSpace4" refType="w" fact="0.015"/>
+              <dgm:constr type="w" for="des" forName="thinLine2b" refType="w" fact="0.8"/>
+              <dgm:constr type="w" for="des" forName="thinLine3" refType="w" fact="0.5332"/>
+            </dgm:constrLst>
+          </dgm:if>
+          <dgm:else name="Name12"/>
+        </dgm:choose>
+        <dgm:layoutNode name="tx1" styleLbl="revTx">
+          <dgm:alg type="tx">
+            <dgm:param type="parTxLTRAlign" val="l"/>
+            <dgm:param type="parTxRTLAlign" val="r"/>
+            <dgm:param type="txAnchorVert" val="t"/>
+          </dgm:alg>
+          <dgm:shape xmlns:r="http://schemas.openxmlformats.org/officeDocument/2006/relationships" type="rect" r:blip="">
+            <dgm:adjLst/>
+          </dgm:shape>
+          <dgm:presOf axis="self"/>
+          <dgm:constrLst>
+            <dgm:constr type="tMarg" refType="primFontSz" fact="0.3"/>
+            <dgm:constr type="bMarg" refType="primFontSz" fact="0.3"/>
+            <dgm:constr type="lMarg" refType="primFontSz" fact="0.3"/>
+            <dgm:constr type="rMarg" refType="primFontSz" fact="0.3"/>
+          </dgm:constrLst>
+          <dgm:ruleLst>
+            <dgm:rule type="primFontSz" val="5" fact="NaN" max="NaN"/>
+          </dgm:ruleLst>
+        </dgm:layoutNode>
+        <dgm:layoutNode name="vert1">
+          <dgm:choose name="Name13">
+            <dgm:if name="Name14" func="var" arg="dir" op="equ" val="norm">
+              <dgm:alg type="lin">
+                <dgm:param type="linDir" val="fromT"/>
+                <dgm:param type="nodeHorzAlign" val="l"/>
+              </dgm:alg>
+            </dgm:if>
+            <dgm:else name="Name15">
+              <dgm:alg type="lin">
+                <dgm:param type="linDir" val="fromT"/>
+                <dgm:param type="nodeHorzAlign" val="r"/>
+              </dgm:alg>
+            </dgm:else>
+          </dgm:choose>
+          <dgm:shape xmlns:r="http://schemas.openxmlformats.org/officeDocument/2006/relationships" r:blip="">
+            <dgm:adjLst/>
+          </dgm:shape>
+          <dgm:presOf/>
+          <dgm:forEach name="Name16" axis="ch" ptType="node">
+            <dgm:choose name="Name17">
+              <dgm:if name="Name18" axis="self" ptType="node" func="pos" op="equ" val="1">
+                <dgm:layoutNode name="vertSpace2a">
+                  <dgm:alg type="sp"/>
+                  <dgm:shape xmlns:r="http://schemas.openxmlformats.org/officeDocument/2006/relationships" r:blip="">
+                    <dgm:adjLst/>
+                  </dgm:shape>
+                  <dgm:presOf/>
+                </dgm:layoutNode>
+              </dgm:if>
+              <dgm:else name="Name19"/>
+            </dgm:choose>
+            <dgm:layoutNode name="horz2">
+              <dgm:choose name="Name20">
+                <dgm:if name="Name21" func="var" arg="dir" op="equ" val="norm">
+                  <dgm:alg type="lin">
+                    <dgm:param type="linDir" val="fromL"/>
+                    <dgm:param type="nodeVertAlign" val="t"/>
+                  </dgm:alg>
+                </dgm:if>
+                <dgm:else name="Name22">
+                  <dgm:alg type="lin">
+                    <dgm:param type="linDir" val="fromR"/>
+                    <dgm:param type="nodeVertAlign" val="t"/>
+                  </dgm:alg>
+                </dgm:else>
+              </dgm:choose>
+              <dgm:shape xmlns:r="http://schemas.openxmlformats.org/officeDocument/2006/relationships" r:blip="">
+                <dgm:adjLst/>
+              </dgm:shape>
+              <dgm:presOf/>
+              <dgm:layoutNode name="horzSpace2">
+                <dgm:alg type="sp"/>
+                <dgm:shape xmlns:r="http://schemas.openxmlformats.org/officeDocument/2006/relationships" r:blip="">
+                  <dgm:adjLst/>
+                </dgm:shape>
+                <dgm:presOf/>
+              </dgm:layoutNode>
+              <dgm:layoutNode name="tx2" styleLbl="revTx">
+                <dgm:alg type="tx">
+                  <dgm:param type="parTxLTRAlign" val="l"/>
+                  <dgm:param type="parTxRTLAlign" val="r"/>
+                  <dgm:param type="txAnchorVert" val="t"/>
+                </dgm:alg>
+                <dgm:shape xmlns:r="http://schemas.openxmlformats.org/officeDocument/2006/relationships" type="rect" r:blip="">
+                  <dgm:adjLst/>
+                </dgm:shape>
+                <dgm:presOf axis="self"/>
+                <dgm:constrLst>
+                  <dgm:constr type="tMarg" refType="primFontSz" fact="0.3"/>
+                  <dgm:constr type="bMarg" refType="primFontSz" fact="0.3"/>
+                  <dgm:constr type="lMarg" refType="primFontSz" fact="0.3"/>
+                  <dgm:constr type="rMarg" refType="primFontSz" fact="0.3"/>
+                </dgm:constrLst>
+                <dgm:ruleLst>
+                  <dgm:rule type="primFontSz" val="5" fact="NaN" max="NaN"/>
+                </dgm:ruleLst>
+              </dgm:layoutNode>
+              <dgm:layoutNode name="vert2">
+                <dgm:choose name="Name23">
+                  <dgm:if name="Name24" func="var" arg="dir" op="equ" val="norm">
+                    <dgm:alg type="lin">
+                      <dgm:param type="linDir" val="fromT"/>
+                      <dgm:param type="nodeHorzAlign" val="l"/>
+                    </dgm:alg>
+                  </dgm:if>
+                  <dgm:else name="Name25">
+                    <dgm:alg type="lin">
+                      <dgm:param type="linDir" val="fromT"/>
+                      <dgm:param type="nodeHorzAlign" val="r"/>
+                    </dgm:alg>
+                  </dgm:else>
+                </dgm:choose>
+                <dgm:shape xmlns:r="http://schemas.openxmlformats.org/officeDocument/2006/relationships" r:blip="">
+                  <dgm:adjLst/>
+                </dgm:shape>
+                <dgm:presOf/>
+                <dgm:forEach name="Name26" axis="ch" ptType="node">
+                  <dgm:layoutNode name="horz3">
+                    <dgm:choose name="Name27">
+                      <dgm:if name="Name28" func="var" arg="dir" op="equ" val="norm">
+                        <dgm:alg type="lin">
+                          <dgm:param type="linDir" val="fromL"/>
+                          <dgm:param type="nodeVertAlign" val="t"/>
+                        </dgm:alg>
+                      </dgm:if>
+                      <dgm:else name="Name29">
+                        <dgm:alg type="lin">
+                          <dgm:param type="linDir" val="fromR"/>
+                          <dgm:param type="nodeVertAlign" val="t"/>
+                        </dgm:alg>
+                      </dgm:else>
+                    </dgm:choose>
+                    <dgm:shape xmlns:r="http://schemas.openxmlformats.org/officeDocument/2006/relationships" r:blip="">
+                      <dgm:adjLst/>
+                    </dgm:shape>
+                    <dgm:presOf/>
+                    <dgm:layoutNode name="horzSpace3">
+                      <dgm:alg type="sp"/>
+                      <dgm:shape xmlns:r="http://schemas.openxmlformats.org/officeDocument/2006/relationships" r:blip="">
+                        <dgm:adjLst/>
+                      </dgm:shape>
+                      <dgm:presOf/>
+                    </dgm:layoutNode>
+                    <dgm:layoutNode name="tx3" styleLbl="revTx">
+                      <dgm:alg type="tx">
+                        <dgm:param type="parTxLTRAlign" val="l"/>
+                        <dgm:param type="parTxRTLAlign" val="r"/>
+                        <dgm:param type="txAnchorVert" val="t"/>
+                      </dgm:alg>
+                      <dgm:shape xmlns:r="http://schemas.openxmlformats.org/officeDocument/2006/relationships" type="rect" r:blip="">
+                        <dgm:adjLst/>
+                      </dgm:shape>
+                      <dgm:presOf axis="self"/>
+                      <dgm:constrLst>
+                        <dgm:constr type="tMarg" refType="primFontSz" fact="0.3"/>
+                        <dgm:constr type="bMarg" refType="primFontSz" fact="0.3"/>
+                        <dgm:constr type="lMarg" refType="primFontSz" fact="0.3"/>
+                        <dgm:constr type="rMarg" refType="primFontSz" fact="0.3"/>
+                      </dgm:constrLst>
+                      <dgm:ruleLst>
+                        <dgm:rule type="primFontSz" val="5" fact="NaN" max="NaN"/>
+                      </dgm:ruleLst>
+                    </dgm:layoutNode>
+                    <dgm:layoutNode name="vert3">
+                      <dgm:choose name="Name30">
+                        <dgm:if name="Name31" func="var" arg="dir" op="equ" val="norm">
+                          <dgm:alg type="lin">
+                            <dgm:param type="linDir" val="fromT"/>
+                            <dgm:param type="nodeHorzAlign" val="l"/>
+                          </dgm:alg>
+                        </dgm:if>
+                        <dgm:else name="Name32">
+                          <dgm:alg type="lin">
+                            <dgm:param type="linDir" val="fromT"/>
+                            <dgm:param type="nodeHorzAlign" val="r"/>
+                          </dgm:alg>
+                        </dgm:else>
+                      </dgm:choose>
+                      <dgm:shape xmlns:r="http://schemas.openxmlformats.org/officeDocument/2006/relationships" r:blip="">
+                        <dgm:adjLst/>
+                      </dgm:shape>
+                      <dgm:presOf/>
+                      <dgm:forEach name="Name33" axis="ch" ptType="node">
+                        <dgm:layoutNode name="horz4">
+                          <dgm:choose name="Name34">
+                            <dgm:if name="Name35" func="var" arg="dir" op="equ" val="norm">
+                              <dgm:alg type="lin">
+                                <dgm:param type="linDir" val="fromL"/>
+                                <dgm:param type="nodeVertAlign" val="t"/>
+                              </dgm:alg>
+                            </dgm:if>
+                            <dgm:else name="Name36">
+                              <dgm:alg type="lin">
+                                <dgm:param type="linDir" val="fromR"/>
+                                <dgm:param type="nodeVertAlign" val="t"/>
+                              </dgm:alg>
+                            </dgm:else>
+                          </dgm:choose>
+                          <dgm:shape xmlns:r="http://schemas.openxmlformats.org/officeDocument/2006/relationships" r:blip="">
+                            <dgm:adjLst/>
+                          </dgm:shape>
+                          <dgm:presOf/>
+                          <dgm:layoutNode name="horzSpace4">
+                            <dgm:alg type="sp"/>
+                            <dgm:shape xmlns:r="http://schemas.openxmlformats.org/officeDocument/2006/relationships" r:blip="">
+                              <dgm:adjLst/>
+                            </dgm:shape>
+                            <dgm:presOf/>
+                          </dgm:layoutNode>
+                          <dgm:layoutNode name="tx4" styleLbl="revTx">
+                            <dgm:varLst>
+                              <dgm:bulletEnabled val="1"/>
+                            </dgm:varLst>
+                            <dgm:alg type="tx">
+                              <dgm:param type="parTxLTRAlign" val="l"/>
+                              <dgm:param type="parTxRTLAlign" val="r"/>
+                              <dgm:param type="txAnchorVert" val="t"/>
+                            </dgm:alg>
+                            <dgm:shape xmlns:r="http://schemas.openxmlformats.org/officeDocument/2006/relationships" type="rect" r:blip="">
+                              <dgm:adjLst/>
+                            </dgm:shape>
+                            <dgm:presOf axis="desOrSelf" ptType="node"/>
+                            <dgm:constrLst>
+                              <dgm:constr type="tMarg" refType="primFontSz" fact="0.3"/>
+                              <dgm:constr type="bMarg" refType="primFontSz" fact="0.3"/>
+                              <dgm:constr type="lMarg" refType="primFontSz" fact="0.3"/>
+                              <dgm:constr type="rMarg" refType="primFontSz" fact="0.3"/>
+                            </dgm:constrLst>
+                            <dgm:ruleLst>
+                              <dgm:rule type="primFontSz" val="5" fact="NaN" max="NaN"/>
+                            </dgm:ruleLst>
+                          </dgm:layoutNode>
+                        </dgm:layoutNode>
+                      </dgm:forEach>
+                    </dgm:layoutNode>
+                  </dgm:layoutNode>
+                  <dgm:forEach name="Name37" axis="followSib" ptType="sibTrans" cnt="1">
+                    <dgm:layoutNode name="thinLine3" styleLbl="callout">
+                      <dgm:alg type="sp"/>
+                      <dgm:shape xmlns:r="http://schemas.openxmlformats.org/officeDocument/2006/relationships" type="line" r:blip="">
+                        <dgm:adjLst/>
+                      </dgm:shape>
+                      <dgm:presOf/>
+                    </dgm:layoutNode>
+                  </dgm:forEach>
+                </dgm:forEach>
+              </dgm:layoutNode>
+            </dgm:layoutNode>
+            <dgm:layoutNode name="thinLine2b" styleLbl="callout">
+              <dgm:alg type="sp"/>
+              <dgm:shape xmlns:r="http://schemas.openxmlformats.org/officeDocument/2006/relationships" type="line" r:blip="">
+                <dgm:adjLst/>
+              </dgm:shape>
+              <dgm:presOf/>
+            </dgm:layoutNode>
+            <dgm:layoutNode name="vertSpace2b">
+              <dgm:alg type="sp"/>
+              <dgm:shape xmlns:r="http://schemas.openxmlformats.org/officeDocument/2006/relationships" r:blip="">
+                <dgm:adjLst/>
+              </dgm:shape>
+              <dgm:presOf/>
+            </dgm:layoutNode>
+          </dgm:forEach>
+        </dgm:layoutNode>
+      </dgm:layoutNode>
+    </dgm:forEach>
+  </dgm:layoutNode>
+</dgm:layoutDef>
+</file>
+
+<file path=ppt/diagrams/layout6.xml><?xml version="1.0" encoding="utf-8"?>
 <dgm:layoutDef xmlns:dgm="http://schemas.openxmlformats.org/drawingml/2006/diagram" xmlns:a="http://schemas.openxmlformats.org/drawingml/2006/main" uniqueId="urn:microsoft.com/office/officeart/2018/2/layout/IconVerticalSolidList">
   <dgm:title val="Icon Vertical Solid List"/>
   <dgm:desc val="Use to show a series of visuals from top to bottom with Level 1 or Level 1 and Level 2 text grouped in a shape. Works best with icons or small pictures with lengthier descriptions."/>
@@ -10187,6 +13193,173 @@
 </dgm:layoutDef>
 </file>
 
+<file path=ppt/diagrams/layout7.xml><?xml version="1.0" encoding="utf-8"?>
+<dgm:layoutDef xmlns:dgm="http://schemas.openxmlformats.org/drawingml/2006/diagram" xmlns:a="http://schemas.openxmlformats.org/drawingml/2006/main" uniqueId="urn:microsoft.com/office/officeart/2005/8/layout/vList2">
+  <dgm:title val=""/>
+  <dgm:desc val=""/>
+  <dgm:catLst>
+    <dgm:cat type="list" pri="3000"/>
+    <dgm:cat type="convert" pri="1000"/>
+  </dgm:catLst>
+  <dgm:sampData>
+    <dgm:dataModel>
+      <dgm:ptLst>
+        <dgm:pt modelId="0" type="doc"/>
+        <dgm:pt modelId="1">
+          <dgm:prSet phldr="1"/>
+        </dgm:pt>
+        <dgm:pt modelId="11">
+          <dgm:prSet phldr="1"/>
+        </dgm:pt>
+        <dgm:pt modelId="2">
+          <dgm:prSet phldr="1"/>
+        </dgm:pt>
+        <dgm:pt modelId="21">
+          <dgm:prSet phldr="1"/>
+        </dgm:pt>
+      </dgm:ptLst>
+      <dgm:cxnLst>
+        <dgm:cxn modelId="4" srcId="0" destId="1" srcOrd="0" destOrd="0"/>
+        <dgm:cxn modelId="5" srcId="0" destId="2" srcOrd="1" destOrd="0"/>
+        <dgm:cxn modelId="12" srcId="1" destId="11" srcOrd="0" destOrd="0"/>
+        <dgm:cxn modelId="23" srcId="2" destId="21" srcOrd="0" destOrd="0"/>
+      </dgm:cxnLst>
+      <dgm:bg/>
+      <dgm:whole/>
+    </dgm:dataModel>
+  </dgm:sampData>
+  <dgm:styleData>
+    <dgm:dataModel>
+      <dgm:ptLst>
+        <dgm:pt modelId="0" type="doc"/>
+        <dgm:pt modelId="1"/>
+        <dgm:pt modelId="2"/>
+      </dgm:ptLst>
+      <dgm:cxnLst>
+        <dgm:cxn modelId="3" srcId="0" destId="1" srcOrd="0" destOrd="0"/>
+        <dgm:cxn modelId="4" srcId="0" destId="2" srcOrd="1" destOrd="0"/>
+      </dgm:cxnLst>
+      <dgm:bg/>
+      <dgm:whole/>
+    </dgm:dataModel>
+  </dgm:styleData>
+  <dgm:clrData>
+    <dgm:dataModel>
+      <dgm:ptLst>
+        <dgm:pt modelId="0" type="doc"/>
+        <dgm:pt modelId="1"/>
+        <dgm:pt modelId="2"/>
+        <dgm:pt modelId="3"/>
+        <dgm:pt modelId="4"/>
+      </dgm:ptLst>
+      <dgm:cxnLst>
+        <dgm:cxn modelId="5" srcId="0" destId="1" srcOrd="0" destOrd="0"/>
+        <dgm:cxn modelId="6" srcId="0" destId="2" srcOrd="1" destOrd="0"/>
+        <dgm:cxn modelId="7" srcId="0" destId="3" srcOrd="2" destOrd="0"/>
+        <dgm:cxn modelId="8" srcId="0" destId="4" srcOrd="3" destOrd="0"/>
+      </dgm:cxnLst>
+      <dgm:bg/>
+      <dgm:whole/>
+    </dgm:dataModel>
+  </dgm:clrData>
+  <dgm:layoutNode name="linear">
+    <dgm:varLst>
+      <dgm:animLvl val="lvl"/>
+      <dgm:resizeHandles val="exact"/>
+    </dgm:varLst>
+    <dgm:alg type="lin">
+      <dgm:param type="linDir" val="fromT"/>
+      <dgm:param type="vertAlign" val="mid"/>
+    </dgm:alg>
+    <dgm:shape xmlns:r="http://schemas.openxmlformats.org/officeDocument/2006/relationships" r:blip="">
+      <dgm:adjLst/>
+    </dgm:shape>
+    <dgm:presOf/>
+    <dgm:constrLst>
+      <dgm:constr type="w" for="ch" forName="parentText" refType="w"/>
+      <dgm:constr type="h" for="ch" forName="parentText" refType="primFontSz" refFor="ch" refForName="parentText" fact="0.52"/>
+      <dgm:constr type="w" for="ch" forName="childText" refType="w"/>
+      <dgm:constr type="h" for="ch" forName="childText" refType="primFontSz" refFor="ch" refForName="parentText" fact="0.46"/>
+      <dgm:constr type="h" for="ch" forName="parentText" op="equ"/>
+      <dgm:constr type="primFontSz" for="ch" forName="parentText" op="equ" val="65"/>
+      <dgm:constr type="primFontSz" for="ch" forName="childText" refType="primFontSz" refFor="ch" refForName="parentText" op="equ"/>
+      <dgm:constr type="h" for="ch" forName="spacer" refType="primFontSz" refFor="ch" refForName="parentText" fact="0.08"/>
+    </dgm:constrLst>
+    <dgm:ruleLst>
+      <dgm:rule type="primFontSz" for="ch" forName="parentText" val="5" fact="NaN" max="NaN"/>
+    </dgm:ruleLst>
+    <dgm:forEach name="Name0" axis="ch" ptType="node">
+      <dgm:layoutNode name="parentText" styleLbl="node1">
+        <dgm:varLst>
+          <dgm:chMax val="0"/>
+          <dgm:bulletEnabled val="1"/>
+        </dgm:varLst>
+        <dgm:alg type="tx">
+          <dgm:param type="parTxLTRAlign" val="l"/>
+          <dgm:param type="parTxRTLAlign" val="r"/>
+        </dgm:alg>
+        <dgm:shape xmlns:r="http://schemas.openxmlformats.org/officeDocument/2006/relationships" type="roundRect" r:blip="">
+          <dgm:adjLst/>
+        </dgm:shape>
+        <dgm:presOf axis="self"/>
+        <dgm:constrLst>
+          <dgm:constr type="tMarg" refType="primFontSz" fact="0.3"/>
+          <dgm:constr type="bMarg" refType="primFontSz" fact="0.3"/>
+          <dgm:constr type="lMarg" refType="primFontSz" fact="0.3"/>
+          <dgm:constr type="rMarg" refType="primFontSz" fact="0.3"/>
+        </dgm:constrLst>
+        <dgm:ruleLst>
+          <dgm:rule type="h" val="INF" fact="NaN" max="NaN"/>
+        </dgm:ruleLst>
+      </dgm:layoutNode>
+      <dgm:choose name="Name1">
+        <dgm:if name="Name2" axis="ch" ptType="node" func="cnt" op="gte" val="1">
+          <dgm:layoutNode name="childText" styleLbl="revTx">
+            <dgm:varLst>
+              <dgm:bulletEnabled val="1"/>
+            </dgm:varLst>
+            <dgm:alg type="tx">
+              <dgm:param type="stBulletLvl" val="1"/>
+              <dgm:param type="lnSpAfChP" val="20"/>
+            </dgm:alg>
+            <dgm:shape xmlns:r="http://schemas.openxmlformats.org/officeDocument/2006/relationships" type="rect" r:blip="">
+              <dgm:adjLst/>
+            </dgm:shape>
+            <dgm:presOf axis="des" ptType="node"/>
+            <dgm:constrLst>
+              <dgm:constr type="tMarg" refType="primFontSz" fact="0.1"/>
+              <dgm:constr type="bMarg" refType="primFontSz" fact="0.1"/>
+              <dgm:constr type="lMarg" refType="w" fact="0.09"/>
+            </dgm:constrLst>
+            <dgm:ruleLst>
+              <dgm:rule type="h" val="INF" fact="NaN" max="NaN"/>
+            </dgm:ruleLst>
+          </dgm:layoutNode>
+        </dgm:if>
+        <dgm:else name="Name3">
+          <dgm:choose name="Name4">
+            <dgm:if name="Name5" axis="par ch" ptType="doc node" func="cnt" op="gte" val="2">
+              <dgm:forEach name="Name6" axis="followSib" ptType="sibTrans" cnt="1">
+                <dgm:layoutNode name="spacer">
+                  <dgm:alg type="sp"/>
+                  <dgm:shape xmlns:r="http://schemas.openxmlformats.org/officeDocument/2006/relationships" r:blip="">
+                    <dgm:adjLst/>
+                  </dgm:shape>
+                  <dgm:presOf/>
+                  <dgm:constrLst/>
+                  <dgm:ruleLst/>
+                </dgm:layoutNode>
+              </dgm:forEach>
+            </dgm:if>
+            <dgm:else name="Name7"/>
+          </dgm:choose>
+        </dgm:else>
+      </dgm:choose>
+    </dgm:forEach>
+  </dgm:layoutNode>
+</dgm:layoutDef>
+</file>
+
 <file path=ppt/diagrams/quickStyle1.xml><?xml version="1.0" encoding="utf-8"?>
 <dgm:styleDef xmlns:dgm="http://schemas.openxmlformats.org/drawingml/2006/diagram" xmlns:a="http://schemas.openxmlformats.org/drawingml/2006/main" uniqueId="urn:microsoft.com/office/officeart/2005/8/quickstyle/simple1">
   <dgm:title val=""/>
@@ -14324,6 +17497,2074 @@
 </file>
 
 <file path=ppt/diagrams/quickStyle5.xml><?xml version="1.0" encoding="utf-8"?>
+<dgm:styleDef xmlns:dgm="http://schemas.openxmlformats.org/drawingml/2006/diagram" xmlns:a="http://schemas.openxmlformats.org/drawingml/2006/main" uniqueId="urn:microsoft.com/office/officeart/2005/8/quickstyle/simple1">
+  <dgm:title val=""/>
+  <dgm:desc val=""/>
+  <dgm:catLst>
+    <dgm:cat type="simple" pri="10100"/>
+  </dgm:catLst>
+  <dgm:scene3d>
+    <a:camera prst="orthographicFront"/>
+    <a:lightRig rig="threePt" dir="t"/>
+  </dgm:scene3d>
+  <dgm:styleLbl name="node0">
+    <dgm:scene3d>
+      <a:camera prst="orthographicFront"/>
+      <a:lightRig rig="threePt" dir="t"/>
+    </dgm:scene3d>
+    <dgm:sp3d/>
+    <dgm:txPr/>
+    <dgm:style>
+      <a:lnRef idx="2">
+        <a:scrgbClr r="0" g="0" b="0"/>
+      </a:lnRef>
+      <a:fillRef idx="1">
+        <a:scrgbClr r="0" g="0" b="0"/>
+      </a:fillRef>
+      <a:effectRef idx="0">
+        <a:scrgbClr r="0" g="0" b="0"/>
+      </a:effectRef>
+      <a:fontRef idx="minor">
+        <a:schemeClr val="lt1"/>
+      </a:fontRef>
+    </dgm:style>
+  </dgm:styleLbl>
+  <dgm:styleLbl name="lnNode1">
+    <dgm:scene3d>
+      <a:camera prst="orthographicFront"/>
+      <a:lightRig rig="threePt" dir="t"/>
+    </dgm:scene3d>
+    <dgm:sp3d/>
+    <dgm:txPr/>
+    <dgm:style>
+      <a:lnRef idx="2">
+        <a:scrgbClr r="0" g="0" b="0"/>
+      </a:lnRef>
+      <a:fillRef idx="1">
+        <a:scrgbClr r="0" g="0" b="0"/>
+      </a:fillRef>
+      <a:effectRef idx="0">
+        <a:scrgbClr r="0" g="0" b="0"/>
+      </a:effectRef>
+      <a:fontRef idx="minor">
+        <a:schemeClr val="lt1"/>
+      </a:fontRef>
+    </dgm:style>
+  </dgm:styleLbl>
+  <dgm:styleLbl name="vennNode1">
+    <dgm:scene3d>
+      <a:camera prst="orthographicFront"/>
+      <a:lightRig rig="threePt" dir="t"/>
+    </dgm:scene3d>
+    <dgm:sp3d/>
+    <dgm:txPr/>
+    <dgm:style>
+      <a:lnRef idx="2">
+        <a:scrgbClr r="0" g="0" b="0"/>
+      </a:lnRef>
+      <a:fillRef idx="1">
+        <a:scrgbClr r="0" g="0" b="0"/>
+      </a:fillRef>
+      <a:effectRef idx="0">
+        <a:scrgbClr r="0" g="0" b="0"/>
+      </a:effectRef>
+      <a:fontRef idx="minor">
+        <a:schemeClr val="tx1"/>
+      </a:fontRef>
+    </dgm:style>
+  </dgm:styleLbl>
+  <dgm:styleLbl name="alignNode1">
+    <dgm:scene3d>
+      <a:camera prst="orthographicFront"/>
+      <a:lightRig rig="threePt" dir="t"/>
+    </dgm:scene3d>
+    <dgm:sp3d/>
+    <dgm:txPr/>
+    <dgm:style>
+      <a:lnRef idx="2">
+        <a:scrgbClr r="0" g="0" b="0"/>
+      </a:lnRef>
+      <a:fillRef idx="1">
+        <a:scrgbClr r="0" g="0" b="0"/>
+      </a:fillRef>
+      <a:effectRef idx="0">
+        <a:scrgbClr r="0" g="0" b="0"/>
+      </a:effectRef>
+      <a:fontRef idx="minor">
+        <a:schemeClr val="lt1"/>
+      </a:fontRef>
+    </dgm:style>
+  </dgm:styleLbl>
+  <dgm:styleLbl name="node1">
+    <dgm:scene3d>
+      <a:camera prst="orthographicFront"/>
+      <a:lightRig rig="threePt" dir="t"/>
+    </dgm:scene3d>
+    <dgm:sp3d/>
+    <dgm:txPr/>
+    <dgm:style>
+      <a:lnRef idx="2">
+        <a:scrgbClr r="0" g="0" b="0"/>
+      </a:lnRef>
+      <a:fillRef idx="1">
+        <a:scrgbClr r="0" g="0" b="0"/>
+      </a:fillRef>
+      <a:effectRef idx="0">
+        <a:scrgbClr r="0" g="0" b="0"/>
+      </a:effectRef>
+      <a:fontRef idx="minor">
+        <a:schemeClr val="lt1"/>
+      </a:fontRef>
+    </dgm:style>
+  </dgm:styleLbl>
+  <dgm:styleLbl name="node2">
+    <dgm:scene3d>
+      <a:camera prst="orthographicFront"/>
+      <a:lightRig rig="threePt" dir="t"/>
+    </dgm:scene3d>
+    <dgm:sp3d/>
+    <dgm:txPr/>
+    <dgm:style>
+      <a:lnRef idx="2">
+        <a:scrgbClr r="0" g="0" b="0"/>
+      </a:lnRef>
+      <a:fillRef idx="1">
+        <a:scrgbClr r="0" g="0" b="0"/>
+      </a:fillRef>
+      <a:effectRef idx="0">
+        <a:scrgbClr r="0" g="0" b="0"/>
+      </a:effectRef>
+      <a:fontRef idx="minor">
+        <a:schemeClr val="lt1"/>
+      </a:fontRef>
+    </dgm:style>
+  </dgm:styleLbl>
+  <dgm:styleLbl name="node3">
+    <dgm:scene3d>
+      <a:camera prst="orthographicFront"/>
+      <a:lightRig rig="threePt" dir="t"/>
+    </dgm:scene3d>
+    <dgm:sp3d/>
+    <dgm:txPr/>
+    <dgm:style>
+      <a:lnRef idx="2">
+        <a:scrgbClr r="0" g="0" b="0"/>
+      </a:lnRef>
+      <a:fillRef idx="1">
+        <a:scrgbClr r="0" g="0" b="0"/>
+      </a:fillRef>
+      <a:effectRef idx="0">
+        <a:scrgbClr r="0" g="0" b="0"/>
+      </a:effectRef>
+      <a:fontRef idx="minor">
+        <a:schemeClr val="lt1"/>
+      </a:fontRef>
+    </dgm:style>
+  </dgm:styleLbl>
+  <dgm:styleLbl name="node4">
+    <dgm:scene3d>
+      <a:camera prst="orthographicFront"/>
+      <a:lightRig rig="threePt" dir="t"/>
+    </dgm:scene3d>
+    <dgm:sp3d/>
+    <dgm:txPr/>
+    <dgm:style>
+      <a:lnRef idx="2">
+        <a:scrgbClr r="0" g="0" b="0"/>
+      </a:lnRef>
+      <a:fillRef idx="1">
+        <a:scrgbClr r="0" g="0" b="0"/>
+      </a:fillRef>
+      <a:effectRef idx="0">
+        <a:scrgbClr r="0" g="0" b="0"/>
+      </a:effectRef>
+      <a:fontRef idx="minor">
+        <a:schemeClr val="lt1"/>
+      </a:fontRef>
+    </dgm:style>
+  </dgm:styleLbl>
+  <dgm:styleLbl name="fgImgPlace1">
+    <dgm:scene3d>
+      <a:camera prst="orthographicFront"/>
+      <a:lightRig rig="threePt" dir="t"/>
+    </dgm:scene3d>
+    <dgm:sp3d/>
+    <dgm:txPr/>
+    <dgm:style>
+      <a:lnRef idx="2">
+        <a:scrgbClr r="0" g="0" b="0"/>
+      </a:lnRef>
+      <a:fillRef idx="1">
+        <a:scrgbClr r="0" g="0" b="0"/>
+      </a:fillRef>
+      <a:effectRef idx="0">
+        <a:scrgbClr r="0" g="0" b="0"/>
+      </a:effectRef>
+      <a:fontRef idx="minor"/>
+    </dgm:style>
+  </dgm:styleLbl>
+  <dgm:styleLbl name="alignImgPlace1">
+    <dgm:scene3d>
+      <a:camera prst="orthographicFront"/>
+      <a:lightRig rig="threePt" dir="t"/>
+    </dgm:scene3d>
+    <dgm:sp3d/>
+    <dgm:txPr/>
+    <dgm:style>
+      <a:lnRef idx="2">
+        <a:scrgbClr r="0" g="0" b="0"/>
+      </a:lnRef>
+      <a:fillRef idx="1">
+        <a:scrgbClr r="0" g="0" b="0"/>
+      </a:fillRef>
+      <a:effectRef idx="0">
+        <a:scrgbClr r="0" g="0" b="0"/>
+      </a:effectRef>
+      <a:fontRef idx="minor"/>
+    </dgm:style>
+  </dgm:styleLbl>
+  <dgm:styleLbl name="bgImgPlace1">
+    <dgm:scene3d>
+      <a:camera prst="orthographicFront"/>
+      <a:lightRig rig="threePt" dir="t"/>
+    </dgm:scene3d>
+    <dgm:sp3d/>
+    <dgm:txPr/>
+    <dgm:style>
+      <a:lnRef idx="2">
+        <a:scrgbClr r="0" g="0" b="0"/>
+      </a:lnRef>
+      <a:fillRef idx="1">
+        <a:scrgbClr r="0" g="0" b="0"/>
+      </a:fillRef>
+      <a:effectRef idx="0">
+        <a:scrgbClr r="0" g="0" b="0"/>
+      </a:effectRef>
+      <a:fontRef idx="minor"/>
+    </dgm:style>
+  </dgm:styleLbl>
+  <dgm:styleLbl name="sibTrans2D1">
+    <dgm:scene3d>
+      <a:camera prst="orthographicFront"/>
+      <a:lightRig rig="threePt" dir="t"/>
+    </dgm:scene3d>
+    <dgm:sp3d/>
+    <dgm:txPr/>
+    <dgm:style>
+      <a:lnRef idx="0">
+        <a:scrgbClr r="0" g="0" b="0"/>
+      </a:lnRef>
+      <a:fillRef idx="1">
+        <a:scrgbClr r="0" g="0" b="0"/>
+      </a:fillRef>
+      <a:effectRef idx="0">
+        <a:scrgbClr r="0" g="0" b="0"/>
+      </a:effectRef>
+      <a:fontRef idx="minor">
+        <a:schemeClr val="lt1"/>
+      </a:fontRef>
+    </dgm:style>
+  </dgm:styleLbl>
+  <dgm:styleLbl name="fgSibTrans2D1">
+    <dgm:scene3d>
+      <a:camera prst="orthographicFront"/>
+      <a:lightRig rig="threePt" dir="t"/>
+    </dgm:scene3d>
+    <dgm:sp3d/>
+    <dgm:txPr/>
+    <dgm:style>
+      <a:lnRef idx="0">
+        <a:scrgbClr r="0" g="0" b="0"/>
+      </a:lnRef>
+      <a:fillRef idx="1">
+        <a:scrgbClr r="0" g="0" b="0"/>
+      </a:fillRef>
+      <a:effectRef idx="0">
+        <a:scrgbClr r="0" g="0" b="0"/>
+      </a:effectRef>
+      <a:fontRef idx="minor">
+        <a:schemeClr val="lt1"/>
+      </a:fontRef>
+    </dgm:style>
+  </dgm:styleLbl>
+  <dgm:styleLbl name="bgSibTrans2D1">
+    <dgm:scene3d>
+      <a:camera prst="orthographicFront"/>
+      <a:lightRig rig="threePt" dir="t"/>
+    </dgm:scene3d>
+    <dgm:sp3d/>
+    <dgm:txPr/>
+    <dgm:style>
+      <a:lnRef idx="0">
+        <a:scrgbClr r="0" g="0" b="0"/>
+      </a:lnRef>
+      <a:fillRef idx="1">
+        <a:scrgbClr r="0" g="0" b="0"/>
+      </a:fillRef>
+      <a:effectRef idx="0">
+        <a:scrgbClr r="0" g="0" b="0"/>
+      </a:effectRef>
+      <a:fontRef idx="minor">
+        <a:schemeClr val="lt1"/>
+      </a:fontRef>
+    </dgm:style>
+  </dgm:styleLbl>
+  <dgm:styleLbl name="sibTrans1D1">
+    <dgm:scene3d>
+      <a:camera prst="orthographicFront"/>
+      <a:lightRig rig="threePt" dir="t"/>
+    </dgm:scene3d>
+    <dgm:sp3d/>
+    <dgm:txPr/>
+    <dgm:style>
+      <a:lnRef idx="1">
+        <a:scrgbClr r="0" g="0" b="0"/>
+      </a:lnRef>
+      <a:fillRef idx="0">
+        <a:scrgbClr r="0" g="0" b="0"/>
+      </a:fillRef>
+      <a:effectRef idx="0">
+        <a:scrgbClr r="0" g="0" b="0"/>
+      </a:effectRef>
+      <a:fontRef idx="minor"/>
+    </dgm:style>
+  </dgm:styleLbl>
+  <dgm:styleLbl name="callout">
+    <dgm:scene3d>
+      <a:camera prst="orthographicFront"/>
+      <a:lightRig rig="threePt" dir="t"/>
+    </dgm:scene3d>
+    <dgm:sp3d/>
+    <dgm:txPr/>
+    <dgm:style>
+      <a:lnRef idx="2">
+        <a:scrgbClr r="0" g="0" b="0"/>
+      </a:lnRef>
+      <a:fillRef idx="1">
+        <a:scrgbClr r="0" g="0" b="0"/>
+      </a:fillRef>
+      <a:effectRef idx="0">
+        <a:scrgbClr r="0" g="0" b="0"/>
+      </a:effectRef>
+      <a:fontRef idx="minor"/>
+    </dgm:style>
+  </dgm:styleLbl>
+  <dgm:styleLbl name="asst0">
+    <dgm:scene3d>
+      <a:camera prst="orthographicFront"/>
+      <a:lightRig rig="threePt" dir="t"/>
+    </dgm:scene3d>
+    <dgm:sp3d/>
+    <dgm:txPr/>
+    <dgm:style>
+      <a:lnRef idx="2">
+        <a:scrgbClr r="0" g="0" b="0"/>
+      </a:lnRef>
+      <a:fillRef idx="1">
+        <a:scrgbClr r="0" g="0" b="0"/>
+      </a:fillRef>
+      <a:effectRef idx="0">
+        <a:scrgbClr r="0" g="0" b="0"/>
+      </a:effectRef>
+      <a:fontRef idx="minor">
+        <a:schemeClr val="lt1"/>
+      </a:fontRef>
+    </dgm:style>
+  </dgm:styleLbl>
+  <dgm:styleLbl name="asst1">
+    <dgm:scene3d>
+      <a:camera prst="orthographicFront"/>
+      <a:lightRig rig="threePt" dir="t"/>
+    </dgm:scene3d>
+    <dgm:sp3d/>
+    <dgm:txPr/>
+    <dgm:style>
+      <a:lnRef idx="2">
+        <a:scrgbClr r="0" g="0" b="0"/>
+      </a:lnRef>
+      <a:fillRef idx="1">
+        <a:scrgbClr r="0" g="0" b="0"/>
+      </a:fillRef>
+      <a:effectRef idx="0">
+        <a:scrgbClr r="0" g="0" b="0"/>
+      </a:effectRef>
+      <a:fontRef idx="minor">
+        <a:schemeClr val="lt1"/>
+      </a:fontRef>
+    </dgm:style>
+  </dgm:styleLbl>
+  <dgm:styleLbl name="asst2">
+    <dgm:scene3d>
+      <a:camera prst="orthographicFront"/>
+      <a:lightRig rig="threePt" dir="t"/>
+    </dgm:scene3d>
+    <dgm:sp3d/>
+    <dgm:txPr/>
+    <dgm:style>
+      <a:lnRef idx="2">
+        <a:scrgbClr r="0" g="0" b="0"/>
+      </a:lnRef>
+      <a:fillRef idx="1">
+        <a:scrgbClr r="0" g="0" b="0"/>
+      </a:fillRef>
+      <a:effectRef idx="0">
+        <a:scrgbClr r="0" g="0" b="0"/>
+      </a:effectRef>
+      <a:fontRef idx="minor">
+        <a:schemeClr val="lt1"/>
+      </a:fontRef>
+    </dgm:style>
+  </dgm:styleLbl>
+  <dgm:styleLbl name="asst3">
+    <dgm:scene3d>
+      <a:camera prst="orthographicFront"/>
+      <a:lightRig rig="threePt" dir="t"/>
+    </dgm:scene3d>
+    <dgm:sp3d/>
+    <dgm:txPr/>
+    <dgm:style>
+      <a:lnRef idx="2">
+        <a:scrgbClr r="0" g="0" b="0"/>
+      </a:lnRef>
+      <a:fillRef idx="1">
+        <a:scrgbClr r="0" g="0" b="0"/>
+      </a:fillRef>
+      <a:effectRef idx="0">
+        <a:scrgbClr r="0" g="0" b="0"/>
+      </a:effectRef>
+      <a:fontRef idx="minor">
+        <a:schemeClr val="lt1"/>
+      </a:fontRef>
+    </dgm:style>
+  </dgm:styleLbl>
+  <dgm:styleLbl name="asst4">
+    <dgm:scene3d>
+      <a:camera prst="orthographicFront"/>
+      <a:lightRig rig="threePt" dir="t"/>
+    </dgm:scene3d>
+    <dgm:sp3d/>
+    <dgm:txPr/>
+    <dgm:style>
+      <a:lnRef idx="2">
+        <a:scrgbClr r="0" g="0" b="0"/>
+      </a:lnRef>
+      <a:fillRef idx="1">
+        <a:scrgbClr r="0" g="0" b="0"/>
+      </a:fillRef>
+      <a:effectRef idx="0">
+        <a:scrgbClr r="0" g="0" b="0"/>
+      </a:effectRef>
+      <a:fontRef idx="minor">
+        <a:schemeClr val="lt1"/>
+      </a:fontRef>
+    </dgm:style>
+  </dgm:styleLbl>
+  <dgm:styleLbl name="parChTrans2D1">
+    <dgm:scene3d>
+      <a:camera prst="orthographicFront"/>
+      <a:lightRig rig="threePt" dir="t"/>
+    </dgm:scene3d>
+    <dgm:sp3d/>
+    <dgm:txPr/>
+    <dgm:style>
+      <a:lnRef idx="2">
+        <a:scrgbClr r="0" g="0" b="0"/>
+      </a:lnRef>
+      <a:fillRef idx="1">
+        <a:scrgbClr r="0" g="0" b="0"/>
+      </a:fillRef>
+      <a:effectRef idx="0">
+        <a:scrgbClr r="0" g="0" b="0"/>
+      </a:effectRef>
+      <a:fontRef idx="minor">
+        <a:schemeClr val="lt1"/>
+      </a:fontRef>
+    </dgm:style>
+  </dgm:styleLbl>
+  <dgm:styleLbl name="parChTrans2D2">
+    <dgm:scene3d>
+      <a:camera prst="orthographicFront"/>
+      <a:lightRig rig="threePt" dir="t"/>
+    </dgm:scene3d>
+    <dgm:sp3d/>
+    <dgm:txPr/>
+    <dgm:style>
+      <a:lnRef idx="2">
+        <a:scrgbClr r="0" g="0" b="0"/>
+      </a:lnRef>
+      <a:fillRef idx="1">
+        <a:scrgbClr r="0" g="0" b="0"/>
+      </a:fillRef>
+      <a:effectRef idx="0">
+        <a:scrgbClr r="0" g="0" b="0"/>
+      </a:effectRef>
+      <a:fontRef idx="minor">
+        <a:schemeClr val="lt1"/>
+      </a:fontRef>
+    </dgm:style>
+  </dgm:styleLbl>
+  <dgm:styleLbl name="parChTrans2D3">
+    <dgm:scene3d>
+      <a:camera prst="orthographicFront"/>
+      <a:lightRig rig="threePt" dir="t"/>
+    </dgm:scene3d>
+    <dgm:sp3d/>
+    <dgm:txPr/>
+    <dgm:style>
+      <a:lnRef idx="2">
+        <a:scrgbClr r="0" g="0" b="0"/>
+      </a:lnRef>
+      <a:fillRef idx="1">
+        <a:scrgbClr r="0" g="0" b="0"/>
+      </a:fillRef>
+      <a:effectRef idx="0">
+        <a:scrgbClr r="0" g="0" b="0"/>
+      </a:effectRef>
+      <a:fontRef idx="minor">
+        <a:schemeClr val="lt1"/>
+      </a:fontRef>
+    </dgm:style>
+  </dgm:styleLbl>
+  <dgm:styleLbl name="parChTrans2D4">
+    <dgm:scene3d>
+      <a:camera prst="orthographicFront"/>
+      <a:lightRig rig="threePt" dir="t"/>
+    </dgm:scene3d>
+    <dgm:sp3d/>
+    <dgm:txPr/>
+    <dgm:style>
+      <a:lnRef idx="2">
+        <a:scrgbClr r="0" g="0" b="0"/>
+      </a:lnRef>
+      <a:fillRef idx="1">
+        <a:scrgbClr r="0" g="0" b="0"/>
+      </a:fillRef>
+      <a:effectRef idx="0">
+        <a:scrgbClr r="0" g="0" b="0"/>
+      </a:effectRef>
+      <a:fontRef idx="minor">
+        <a:schemeClr val="lt1"/>
+      </a:fontRef>
+    </dgm:style>
+  </dgm:styleLbl>
+  <dgm:styleLbl name="parChTrans1D1">
+    <dgm:scene3d>
+      <a:camera prst="orthographicFront"/>
+      <a:lightRig rig="threePt" dir="t"/>
+    </dgm:scene3d>
+    <dgm:sp3d/>
+    <dgm:txPr/>
+    <dgm:style>
+      <a:lnRef idx="2">
+        <a:scrgbClr r="0" g="0" b="0"/>
+      </a:lnRef>
+      <a:fillRef idx="0">
+        <a:scrgbClr r="0" g="0" b="0"/>
+      </a:fillRef>
+      <a:effectRef idx="0">
+        <a:scrgbClr r="0" g="0" b="0"/>
+      </a:effectRef>
+      <a:fontRef idx="minor"/>
+    </dgm:style>
+  </dgm:styleLbl>
+  <dgm:styleLbl name="parChTrans1D2">
+    <dgm:scene3d>
+      <a:camera prst="orthographicFront"/>
+      <a:lightRig rig="threePt" dir="t"/>
+    </dgm:scene3d>
+    <dgm:sp3d/>
+    <dgm:txPr/>
+    <dgm:style>
+      <a:lnRef idx="2">
+        <a:scrgbClr r="0" g="0" b="0"/>
+      </a:lnRef>
+      <a:fillRef idx="0">
+        <a:scrgbClr r="0" g="0" b="0"/>
+      </a:fillRef>
+      <a:effectRef idx="0">
+        <a:scrgbClr r="0" g="0" b="0"/>
+      </a:effectRef>
+      <a:fontRef idx="minor"/>
+    </dgm:style>
+  </dgm:styleLbl>
+  <dgm:styleLbl name="parChTrans1D3">
+    <dgm:scene3d>
+      <a:camera prst="orthographicFront"/>
+      <a:lightRig rig="threePt" dir="t"/>
+    </dgm:scene3d>
+    <dgm:sp3d/>
+    <dgm:txPr/>
+    <dgm:style>
+      <a:lnRef idx="2">
+        <a:scrgbClr r="0" g="0" b="0"/>
+      </a:lnRef>
+      <a:fillRef idx="0">
+        <a:scrgbClr r="0" g="0" b="0"/>
+      </a:fillRef>
+      <a:effectRef idx="0">
+        <a:scrgbClr r="0" g="0" b="0"/>
+      </a:effectRef>
+      <a:fontRef idx="minor"/>
+    </dgm:style>
+  </dgm:styleLbl>
+  <dgm:styleLbl name="parChTrans1D4">
+    <dgm:scene3d>
+      <a:camera prst="orthographicFront"/>
+      <a:lightRig rig="threePt" dir="t"/>
+    </dgm:scene3d>
+    <dgm:sp3d/>
+    <dgm:txPr/>
+    <dgm:style>
+      <a:lnRef idx="2">
+        <a:scrgbClr r="0" g="0" b="0"/>
+      </a:lnRef>
+      <a:fillRef idx="0">
+        <a:scrgbClr r="0" g="0" b="0"/>
+      </a:fillRef>
+      <a:effectRef idx="0">
+        <a:scrgbClr r="0" g="0" b="0"/>
+      </a:effectRef>
+      <a:fontRef idx="minor"/>
+    </dgm:style>
+  </dgm:styleLbl>
+  <dgm:styleLbl name="fgAcc1">
+    <dgm:scene3d>
+      <a:camera prst="orthographicFront"/>
+      <a:lightRig rig="threePt" dir="t"/>
+    </dgm:scene3d>
+    <dgm:sp3d/>
+    <dgm:txPr/>
+    <dgm:style>
+      <a:lnRef idx="2">
+        <a:scrgbClr r="0" g="0" b="0"/>
+      </a:lnRef>
+      <a:fillRef idx="1">
+        <a:scrgbClr r="0" g="0" b="0"/>
+      </a:fillRef>
+      <a:effectRef idx="0">
+        <a:scrgbClr r="0" g="0" b="0"/>
+      </a:effectRef>
+      <a:fontRef idx="minor"/>
+    </dgm:style>
+  </dgm:styleLbl>
+  <dgm:styleLbl name="conFgAcc1">
+    <dgm:scene3d>
+      <a:camera prst="orthographicFront"/>
+      <a:lightRig rig="threePt" dir="t"/>
+    </dgm:scene3d>
+    <dgm:sp3d/>
+    <dgm:txPr/>
+    <dgm:style>
+      <a:lnRef idx="2">
+        <a:scrgbClr r="0" g="0" b="0"/>
+      </a:lnRef>
+      <a:fillRef idx="1">
+        <a:scrgbClr r="0" g="0" b="0"/>
+      </a:fillRef>
+      <a:effectRef idx="0">
+        <a:scrgbClr r="0" g="0" b="0"/>
+      </a:effectRef>
+      <a:fontRef idx="minor"/>
+    </dgm:style>
+  </dgm:styleLbl>
+  <dgm:styleLbl name="alignAcc1">
+    <dgm:scene3d>
+      <a:camera prst="orthographicFront"/>
+      <a:lightRig rig="threePt" dir="t"/>
+    </dgm:scene3d>
+    <dgm:sp3d/>
+    <dgm:txPr/>
+    <dgm:style>
+      <a:lnRef idx="2">
+        <a:scrgbClr r="0" g="0" b="0"/>
+      </a:lnRef>
+      <a:fillRef idx="1">
+        <a:scrgbClr r="0" g="0" b="0"/>
+      </a:fillRef>
+      <a:effectRef idx="0">
+        <a:scrgbClr r="0" g="0" b="0"/>
+      </a:effectRef>
+      <a:fontRef idx="minor"/>
+    </dgm:style>
+  </dgm:styleLbl>
+  <dgm:styleLbl name="trAlignAcc1">
+    <dgm:scene3d>
+      <a:camera prst="orthographicFront"/>
+      <a:lightRig rig="threePt" dir="t"/>
+    </dgm:scene3d>
+    <dgm:sp3d/>
+    <dgm:txPr/>
+    <dgm:style>
+      <a:lnRef idx="1">
+        <a:scrgbClr r="0" g="0" b="0"/>
+      </a:lnRef>
+      <a:fillRef idx="1">
+        <a:scrgbClr r="0" g="0" b="0"/>
+      </a:fillRef>
+      <a:effectRef idx="0">
+        <a:scrgbClr r="0" g="0" b="0"/>
+      </a:effectRef>
+      <a:fontRef idx="minor"/>
+    </dgm:style>
+  </dgm:styleLbl>
+  <dgm:styleLbl name="bgAcc1">
+    <dgm:scene3d>
+      <a:camera prst="orthographicFront"/>
+      <a:lightRig rig="threePt" dir="t"/>
+    </dgm:scene3d>
+    <dgm:sp3d/>
+    <dgm:txPr/>
+    <dgm:style>
+      <a:lnRef idx="2">
+        <a:scrgbClr r="0" g="0" b="0"/>
+      </a:lnRef>
+      <a:fillRef idx="1">
+        <a:scrgbClr r="0" g="0" b="0"/>
+      </a:fillRef>
+      <a:effectRef idx="0">
+        <a:scrgbClr r="0" g="0" b="0"/>
+      </a:effectRef>
+      <a:fontRef idx="minor"/>
+    </dgm:style>
+  </dgm:styleLbl>
+  <dgm:styleLbl name="solidFgAcc1">
+    <dgm:scene3d>
+      <a:camera prst="orthographicFront"/>
+      <a:lightRig rig="threePt" dir="t"/>
+    </dgm:scene3d>
+    <dgm:sp3d/>
+    <dgm:txPr/>
+    <dgm:style>
+      <a:lnRef idx="2">
+        <a:scrgbClr r="0" g="0" b="0"/>
+      </a:lnRef>
+      <a:fillRef idx="1">
+        <a:scrgbClr r="0" g="0" b="0"/>
+      </a:fillRef>
+      <a:effectRef idx="0">
+        <a:scrgbClr r="0" g="0" b="0"/>
+      </a:effectRef>
+      <a:fontRef idx="minor"/>
+    </dgm:style>
+  </dgm:styleLbl>
+  <dgm:styleLbl name="solidAlignAcc1">
+    <dgm:scene3d>
+      <a:camera prst="orthographicFront"/>
+      <a:lightRig rig="threePt" dir="t"/>
+    </dgm:scene3d>
+    <dgm:sp3d/>
+    <dgm:txPr/>
+    <dgm:style>
+      <a:lnRef idx="2">
+        <a:scrgbClr r="0" g="0" b="0"/>
+      </a:lnRef>
+      <a:fillRef idx="1">
+        <a:scrgbClr r="0" g="0" b="0"/>
+      </a:fillRef>
+      <a:effectRef idx="0">
+        <a:scrgbClr r="0" g="0" b="0"/>
+      </a:effectRef>
+      <a:fontRef idx="minor"/>
+    </dgm:style>
+  </dgm:styleLbl>
+  <dgm:styleLbl name="solidBgAcc1">
+    <dgm:scene3d>
+      <a:camera prst="orthographicFront"/>
+      <a:lightRig rig="threePt" dir="t"/>
+    </dgm:scene3d>
+    <dgm:sp3d/>
+    <dgm:txPr/>
+    <dgm:style>
+      <a:lnRef idx="2">
+        <a:scrgbClr r="0" g="0" b="0"/>
+      </a:lnRef>
+      <a:fillRef idx="1">
+        <a:scrgbClr r="0" g="0" b="0"/>
+      </a:fillRef>
+      <a:effectRef idx="0">
+        <a:scrgbClr r="0" g="0" b="0"/>
+      </a:effectRef>
+      <a:fontRef idx="minor"/>
+    </dgm:style>
+  </dgm:styleLbl>
+  <dgm:styleLbl name="fgAccFollowNode1">
+    <dgm:scene3d>
+      <a:camera prst="orthographicFront"/>
+      <a:lightRig rig="threePt" dir="t"/>
+    </dgm:scene3d>
+    <dgm:sp3d/>
+    <dgm:txPr/>
+    <dgm:style>
+      <a:lnRef idx="2">
+        <a:scrgbClr r="0" g="0" b="0"/>
+      </a:lnRef>
+      <a:fillRef idx="1">
+        <a:scrgbClr r="0" g="0" b="0"/>
+      </a:fillRef>
+      <a:effectRef idx="0">
+        <a:scrgbClr r="0" g="0" b="0"/>
+      </a:effectRef>
+      <a:fontRef idx="minor"/>
+    </dgm:style>
+  </dgm:styleLbl>
+  <dgm:styleLbl name="alignAccFollowNode1">
+    <dgm:scene3d>
+      <a:camera prst="orthographicFront"/>
+      <a:lightRig rig="threePt" dir="t"/>
+    </dgm:scene3d>
+    <dgm:sp3d/>
+    <dgm:txPr/>
+    <dgm:style>
+      <a:lnRef idx="2">
+        <a:scrgbClr r="0" g="0" b="0"/>
+      </a:lnRef>
+      <a:fillRef idx="1">
+        <a:scrgbClr r="0" g="0" b="0"/>
+      </a:fillRef>
+      <a:effectRef idx="0">
+        <a:scrgbClr r="0" g="0" b="0"/>
+      </a:effectRef>
+      <a:fontRef idx="minor"/>
+    </dgm:style>
+  </dgm:styleLbl>
+  <dgm:styleLbl name="bgAccFollowNode1">
+    <dgm:scene3d>
+      <a:camera prst="orthographicFront"/>
+      <a:lightRig rig="threePt" dir="t"/>
+    </dgm:scene3d>
+    <dgm:sp3d/>
+    <dgm:txPr/>
+    <dgm:style>
+      <a:lnRef idx="2">
+        <a:scrgbClr r="0" g="0" b="0"/>
+      </a:lnRef>
+      <a:fillRef idx="1">
+        <a:scrgbClr r="0" g="0" b="0"/>
+      </a:fillRef>
+      <a:effectRef idx="0">
+        <a:scrgbClr r="0" g="0" b="0"/>
+      </a:effectRef>
+      <a:fontRef idx="minor"/>
+    </dgm:style>
+  </dgm:styleLbl>
+  <dgm:styleLbl name="fgAcc0">
+    <dgm:scene3d>
+      <a:camera prst="orthographicFront"/>
+      <a:lightRig rig="threePt" dir="t"/>
+    </dgm:scene3d>
+    <dgm:sp3d/>
+    <dgm:txPr/>
+    <dgm:style>
+      <a:lnRef idx="2">
+        <a:scrgbClr r="0" g="0" b="0"/>
+      </a:lnRef>
+      <a:fillRef idx="1">
+        <a:scrgbClr r="0" g="0" b="0"/>
+      </a:fillRef>
+      <a:effectRef idx="0">
+        <a:scrgbClr r="0" g="0" b="0"/>
+      </a:effectRef>
+      <a:fontRef idx="minor"/>
+    </dgm:style>
+  </dgm:styleLbl>
+  <dgm:styleLbl name="fgAcc2">
+    <dgm:scene3d>
+      <a:camera prst="orthographicFront"/>
+      <a:lightRig rig="threePt" dir="t"/>
+    </dgm:scene3d>
+    <dgm:sp3d/>
+    <dgm:txPr/>
+    <dgm:style>
+      <a:lnRef idx="2">
+        <a:scrgbClr r="0" g="0" b="0"/>
+      </a:lnRef>
+      <a:fillRef idx="1">
+        <a:scrgbClr r="0" g="0" b="0"/>
+      </a:fillRef>
+      <a:effectRef idx="0">
+        <a:scrgbClr r="0" g="0" b="0"/>
+      </a:effectRef>
+      <a:fontRef idx="minor"/>
+    </dgm:style>
+  </dgm:styleLbl>
+  <dgm:styleLbl name="fgAcc3">
+    <dgm:scene3d>
+      <a:camera prst="orthographicFront"/>
+      <a:lightRig rig="threePt" dir="t"/>
+    </dgm:scene3d>
+    <dgm:sp3d/>
+    <dgm:txPr/>
+    <dgm:style>
+      <a:lnRef idx="2">
+        <a:scrgbClr r="0" g="0" b="0"/>
+      </a:lnRef>
+      <a:fillRef idx="1">
+        <a:scrgbClr r="0" g="0" b="0"/>
+      </a:fillRef>
+      <a:effectRef idx="0">
+        <a:scrgbClr r="0" g="0" b="0"/>
+      </a:effectRef>
+      <a:fontRef idx="minor"/>
+    </dgm:style>
+  </dgm:styleLbl>
+  <dgm:styleLbl name="fgAcc4">
+    <dgm:scene3d>
+      <a:camera prst="orthographicFront"/>
+      <a:lightRig rig="threePt" dir="t"/>
+    </dgm:scene3d>
+    <dgm:sp3d/>
+    <dgm:txPr/>
+    <dgm:style>
+      <a:lnRef idx="2">
+        <a:scrgbClr r="0" g="0" b="0"/>
+      </a:lnRef>
+      <a:fillRef idx="1">
+        <a:scrgbClr r="0" g="0" b="0"/>
+      </a:fillRef>
+      <a:effectRef idx="0">
+        <a:scrgbClr r="0" g="0" b="0"/>
+      </a:effectRef>
+      <a:fontRef idx="minor"/>
+    </dgm:style>
+  </dgm:styleLbl>
+  <dgm:styleLbl name="bgShp">
+    <dgm:scene3d>
+      <a:camera prst="orthographicFront"/>
+      <a:lightRig rig="threePt" dir="t"/>
+    </dgm:scene3d>
+    <dgm:sp3d/>
+    <dgm:txPr/>
+    <dgm:style>
+      <a:lnRef idx="0">
+        <a:scrgbClr r="0" g="0" b="0"/>
+      </a:lnRef>
+      <a:fillRef idx="1">
+        <a:scrgbClr r="0" g="0" b="0"/>
+      </a:fillRef>
+      <a:effectRef idx="0">
+        <a:scrgbClr r="0" g="0" b="0"/>
+      </a:effectRef>
+      <a:fontRef idx="minor"/>
+    </dgm:style>
+  </dgm:styleLbl>
+  <dgm:styleLbl name="dkBgShp">
+    <dgm:scene3d>
+      <a:camera prst="orthographicFront"/>
+      <a:lightRig rig="threePt" dir="t"/>
+    </dgm:scene3d>
+    <dgm:sp3d/>
+    <dgm:txPr/>
+    <dgm:style>
+      <a:lnRef idx="0">
+        <a:scrgbClr r="0" g="0" b="0"/>
+      </a:lnRef>
+      <a:fillRef idx="1">
+        <a:scrgbClr r="0" g="0" b="0"/>
+      </a:fillRef>
+      <a:effectRef idx="0">
+        <a:scrgbClr r="0" g="0" b="0"/>
+      </a:effectRef>
+      <a:fontRef idx="minor"/>
+    </dgm:style>
+  </dgm:styleLbl>
+  <dgm:styleLbl name="trBgShp">
+    <dgm:scene3d>
+      <a:camera prst="orthographicFront"/>
+      <a:lightRig rig="threePt" dir="t"/>
+    </dgm:scene3d>
+    <dgm:sp3d/>
+    <dgm:txPr/>
+    <dgm:style>
+      <a:lnRef idx="0">
+        <a:scrgbClr r="0" g="0" b="0"/>
+      </a:lnRef>
+      <a:fillRef idx="1">
+        <a:scrgbClr r="0" g="0" b="0"/>
+      </a:fillRef>
+      <a:effectRef idx="0">
+        <a:scrgbClr r="0" g="0" b="0"/>
+      </a:effectRef>
+      <a:fontRef idx="minor"/>
+    </dgm:style>
+  </dgm:styleLbl>
+  <dgm:styleLbl name="fgShp">
+    <dgm:scene3d>
+      <a:camera prst="orthographicFront"/>
+      <a:lightRig rig="threePt" dir="t"/>
+    </dgm:scene3d>
+    <dgm:sp3d/>
+    <dgm:txPr/>
+    <dgm:style>
+      <a:lnRef idx="2">
+        <a:scrgbClr r="0" g="0" b="0"/>
+      </a:lnRef>
+      <a:fillRef idx="1">
+        <a:scrgbClr r="0" g="0" b="0"/>
+      </a:fillRef>
+      <a:effectRef idx="0">
+        <a:scrgbClr r="0" g="0" b="0"/>
+      </a:effectRef>
+      <a:fontRef idx="minor"/>
+    </dgm:style>
+  </dgm:styleLbl>
+  <dgm:styleLbl name="revTx">
+    <dgm:scene3d>
+      <a:camera prst="orthographicFront"/>
+      <a:lightRig rig="threePt" dir="t"/>
+    </dgm:scene3d>
+    <dgm:sp3d/>
+    <dgm:txPr/>
+    <dgm:style>
+      <a:lnRef idx="0">
+        <a:scrgbClr r="0" g="0" b="0"/>
+      </a:lnRef>
+      <a:fillRef idx="0">
+        <a:scrgbClr r="0" g="0" b="0"/>
+      </a:fillRef>
+      <a:effectRef idx="0">
+        <a:scrgbClr r="0" g="0" b="0"/>
+      </a:effectRef>
+      <a:fontRef idx="minor"/>
+    </dgm:style>
+  </dgm:styleLbl>
+</dgm:styleDef>
+</file>
+
+<file path=ppt/diagrams/quickStyle6.xml><?xml version="1.0" encoding="utf-8"?>
+<dgm:styleDef xmlns:dgm="http://schemas.openxmlformats.org/drawingml/2006/diagram" xmlns:a="http://schemas.openxmlformats.org/drawingml/2006/main" uniqueId="urn:microsoft.com/office/officeart/2005/8/quickstyle/simple1">
+  <dgm:title val=""/>
+  <dgm:desc val=""/>
+  <dgm:catLst>
+    <dgm:cat type="simple" pri="10100"/>
+  </dgm:catLst>
+  <dgm:scene3d>
+    <a:camera prst="orthographicFront"/>
+    <a:lightRig rig="threePt" dir="t"/>
+  </dgm:scene3d>
+  <dgm:styleLbl name="node0">
+    <dgm:scene3d>
+      <a:camera prst="orthographicFront"/>
+      <a:lightRig rig="threePt" dir="t"/>
+    </dgm:scene3d>
+    <dgm:sp3d/>
+    <dgm:txPr/>
+    <dgm:style>
+      <a:lnRef idx="2">
+        <a:scrgbClr r="0" g="0" b="0"/>
+      </a:lnRef>
+      <a:fillRef idx="1">
+        <a:scrgbClr r="0" g="0" b="0"/>
+      </a:fillRef>
+      <a:effectRef idx="0">
+        <a:scrgbClr r="0" g="0" b="0"/>
+      </a:effectRef>
+      <a:fontRef idx="minor">
+        <a:schemeClr val="lt1"/>
+      </a:fontRef>
+    </dgm:style>
+  </dgm:styleLbl>
+  <dgm:styleLbl name="lnNode1">
+    <dgm:scene3d>
+      <a:camera prst="orthographicFront"/>
+      <a:lightRig rig="threePt" dir="t"/>
+    </dgm:scene3d>
+    <dgm:sp3d/>
+    <dgm:txPr/>
+    <dgm:style>
+      <a:lnRef idx="2">
+        <a:scrgbClr r="0" g="0" b="0"/>
+      </a:lnRef>
+      <a:fillRef idx="1">
+        <a:scrgbClr r="0" g="0" b="0"/>
+      </a:fillRef>
+      <a:effectRef idx="0">
+        <a:scrgbClr r="0" g="0" b="0"/>
+      </a:effectRef>
+      <a:fontRef idx="minor">
+        <a:schemeClr val="lt1"/>
+      </a:fontRef>
+    </dgm:style>
+  </dgm:styleLbl>
+  <dgm:styleLbl name="vennNode1">
+    <dgm:scene3d>
+      <a:camera prst="orthographicFront"/>
+      <a:lightRig rig="threePt" dir="t"/>
+    </dgm:scene3d>
+    <dgm:sp3d/>
+    <dgm:txPr/>
+    <dgm:style>
+      <a:lnRef idx="2">
+        <a:scrgbClr r="0" g="0" b="0"/>
+      </a:lnRef>
+      <a:fillRef idx="1">
+        <a:scrgbClr r="0" g="0" b="0"/>
+      </a:fillRef>
+      <a:effectRef idx="0">
+        <a:scrgbClr r="0" g="0" b="0"/>
+      </a:effectRef>
+      <a:fontRef idx="minor">
+        <a:schemeClr val="tx1"/>
+      </a:fontRef>
+    </dgm:style>
+  </dgm:styleLbl>
+  <dgm:styleLbl name="alignNode1">
+    <dgm:scene3d>
+      <a:camera prst="orthographicFront"/>
+      <a:lightRig rig="threePt" dir="t"/>
+    </dgm:scene3d>
+    <dgm:sp3d/>
+    <dgm:txPr/>
+    <dgm:style>
+      <a:lnRef idx="2">
+        <a:scrgbClr r="0" g="0" b="0"/>
+      </a:lnRef>
+      <a:fillRef idx="1">
+        <a:scrgbClr r="0" g="0" b="0"/>
+      </a:fillRef>
+      <a:effectRef idx="0">
+        <a:scrgbClr r="0" g="0" b="0"/>
+      </a:effectRef>
+      <a:fontRef idx="minor">
+        <a:schemeClr val="lt1"/>
+      </a:fontRef>
+    </dgm:style>
+  </dgm:styleLbl>
+  <dgm:styleLbl name="node1">
+    <dgm:scene3d>
+      <a:camera prst="orthographicFront"/>
+      <a:lightRig rig="threePt" dir="t"/>
+    </dgm:scene3d>
+    <dgm:sp3d/>
+    <dgm:txPr/>
+    <dgm:style>
+      <a:lnRef idx="2">
+        <a:scrgbClr r="0" g="0" b="0"/>
+      </a:lnRef>
+      <a:fillRef idx="1">
+        <a:scrgbClr r="0" g="0" b="0"/>
+      </a:fillRef>
+      <a:effectRef idx="0">
+        <a:scrgbClr r="0" g="0" b="0"/>
+      </a:effectRef>
+      <a:fontRef idx="minor">
+        <a:schemeClr val="lt1"/>
+      </a:fontRef>
+    </dgm:style>
+  </dgm:styleLbl>
+  <dgm:styleLbl name="node2">
+    <dgm:scene3d>
+      <a:camera prst="orthographicFront"/>
+      <a:lightRig rig="threePt" dir="t"/>
+    </dgm:scene3d>
+    <dgm:sp3d/>
+    <dgm:txPr/>
+    <dgm:style>
+      <a:lnRef idx="2">
+        <a:scrgbClr r="0" g="0" b="0"/>
+      </a:lnRef>
+      <a:fillRef idx="1">
+        <a:scrgbClr r="0" g="0" b="0"/>
+      </a:fillRef>
+      <a:effectRef idx="0">
+        <a:scrgbClr r="0" g="0" b="0"/>
+      </a:effectRef>
+      <a:fontRef idx="minor">
+        <a:schemeClr val="lt1"/>
+      </a:fontRef>
+    </dgm:style>
+  </dgm:styleLbl>
+  <dgm:styleLbl name="node3">
+    <dgm:scene3d>
+      <a:camera prst="orthographicFront"/>
+      <a:lightRig rig="threePt" dir="t"/>
+    </dgm:scene3d>
+    <dgm:sp3d/>
+    <dgm:txPr/>
+    <dgm:style>
+      <a:lnRef idx="2">
+        <a:scrgbClr r="0" g="0" b="0"/>
+      </a:lnRef>
+      <a:fillRef idx="1">
+        <a:scrgbClr r="0" g="0" b="0"/>
+      </a:fillRef>
+      <a:effectRef idx="0">
+        <a:scrgbClr r="0" g="0" b="0"/>
+      </a:effectRef>
+      <a:fontRef idx="minor">
+        <a:schemeClr val="lt1"/>
+      </a:fontRef>
+    </dgm:style>
+  </dgm:styleLbl>
+  <dgm:styleLbl name="node4">
+    <dgm:scene3d>
+      <a:camera prst="orthographicFront"/>
+      <a:lightRig rig="threePt" dir="t"/>
+    </dgm:scene3d>
+    <dgm:sp3d/>
+    <dgm:txPr/>
+    <dgm:style>
+      <a:lnRef idx="2">
+        <a:scrgbClr r="0" g="0" b="0"/>
+      </a:lnRef>
+      <a:fillRef idx="1">
+        <a:scrgbClr r="0" g="0" b="0"/>
+      </a:fillRef>
+      <a:effectRef idx="0">
+        <a:scrgbClr r="0" g="0" b="0"/>
+      </a:effectRef>
+      <a:fontRef idx="minor">
+        <a:schemeClr val="lt1"/>
+      </a:fontRef>
+    </dgm:style>
+  </dgm:styleLbl>
+  <dgm:styleLbl name="fgImgPlace1">
+    <dgm:scene3d>
+      <a:camera prst="orthographicFront"/>
+      <a:lightRig rig="threePt" dir="t"/>
+    </dgm:scene3d>
+    <dgm:sp3d/>
+    <dgm:txPr/>
+    <dgm:style>
+      <a:lnRef idx="2">
+        <a:scrgbClr r="0" g="0" b="0"/>
+      </a:lnRef>
+      <a:fillRef idx="1">
+        <a:scrgbClr r="0" g="0" b="0"/>
+      </a:fillRef>
+      <a:effectRef idx="0">
+        <a:scrgbClr r="0" g="0" b="0"/>
+      </a:effectRef>
+      <a:fontRef idx="minor"/>
+    </dgm:style>
+  </dgm:styleLbl>
+  <dgm:styleLbl name="alignImgPlace1">
+    <dgm:scene3d>
+      <a:camera prst="orthographicFront"/>
+      <a:lightRig rig="threePt" dir="t"/>
+    </dgm:scene3d>
+    <dgm:sp3d/>
+    <dgm:txPr/>
+    <dgm:style>
+      <a:lnRef idx="2">
+        <a:scrgbClr r="0" g="0" b="0"/>
+      </a:lnRef>
+      <a:fillRef idx="1">
+        <a:scrgbClr r="0" g="0" b="0"/>
+      </a:fillRef>
+      <a:effectRef idx="0">
+        <a:scrgbClr r="0" g="0" b="0"/>
+      </a:effectRef>
+      <a:fontRef idx="minor"/>
+    </dgm:style>
+  </dgm:styleLbl>
+  <dgm:styleLbl name="bgImgPlace1">
+    <dgm:scene3d>
+      <a:camera prst="orthographicFront"/>
+      <a:lightRig rig="threePt" dir="t"/>
+    </dgm:scene3d>
+    <dgm:sp3d/>
+    <dgm:txPr/>
+    <dgm:style>
+      <a:lnRef idx="2">
+        <a:scrgbClr r="0" g="0" b="0"/>
+      </a:lnRef>
+      <a:fillRef idx="1">
+        <a:scrgbClr r="0" g="0" b="0"/>
+      </a:fillRef>
+      <a:effectRef idx="0">
+        <a:scrgbClr r="0" g="0" b="0"/>
+      </a:effectRef>
+      <a:fontRef idx="minor"/>
+    </dgm:style>
+  </dgm:styleLbl>
+  <dgm:styleLbl name="sibTrans2D1">
+    <dgm:scene3d>
+      <a:camera prst="orthographicFront"/>
+      <a:lightRig rig="threePt" dir="t"/>
+    </dgm:scene3d>
+    <dgm:sp3d/>
+    <dgm:txPr/>
+    <dgm:style>
+      <a:lnRef idx="0">
+        <a:scrgbClr r="0" g="0" b="0"/>
+      </a:lnRef>
+      <a:fillRef idx="1">
+        <a:scrgbClr r="0" g="0" b="0"/>
+      </a:fillRef>
+      <a:effectRef idx="0">
+        <a:scrgbClr r="0" g="0" b="0"/>
+      </a:effectRef>
+      <a:fontRef idx="minor">
+        <a:schemeClr val="lt1"/>
+      </a:fontRef>
+    </dgm:style>
+  </dgm:styleLbl>
+  <dgm:styleLbl name="fgSibTrans2D1">
+    <dgm:scene3d>
+      <a:camera prst="orthographicFront"/>
+      <a:lightRig rig="threePt" dir="t"/>
+    </dgm:scene3d>
+    <dgm:sp3d/>
+    <dgm:txPr/>
+    <dgm:style>
+      <a:lnRef idx="0">
+        <a:scrgbClr r="0" g="0" b="0"/>
+      </a:lnRef>
+      <a:fillRef idx="1">
+        <a:scrgbClr r="0" g="0" b="0"/>
+      </a:fillRef>
+      <a:effectRef idx="0">
+        <a:scrgbClr r="0" g="0" b="0"/>
+      </a:effectRef>
+      <a:fontRef idx="minor">
+        <a:schemeClr val="lt1"/>
+      </a:fontRef>
+    </dgm:style>
+  </dgm:styleLbl>
+  <dgm:styleLbl name="bgSibTrans2D1">
+    <dgm:scene3d>
+      <a:camera prst="orthographicFront"/>
+      <a:lightRig rig="threePt" dir="t"/>
+    </dgm:scene3d>
+    <dgm:sp3d/>
+    <dgm:txPr/>
+    <dgm:style>
+      <a:lnRef idx="0">
+        <a:scrgbClr r="0" g="0" b="0"/>
+      </a:lnRef>
+      <a:fillRef idx="1">
+        <a:scrgbClr r="0" g="0" b="0"/>
+      </a:fillRef>
+      <a:effectRef idx="0">
+        <a:scrgbClr r="0" g="0" b="0"/>
+      </a:effectRef>
+      <a:fontRef idx="minor">
+        <a:schemeClr val="lt1"/>
+      </a:fontRef>
+    </dgm:style>
+  </dgm:styleLbl>
+  <dgm:styleLbl name="sibTrans1D1">
+    <dgm:scene3d>
+      <a:camera prst="orthographicFront"/>
+      <a:lightRig rig="threePt" dir="t"/>
+    </dgm:scene3d>
+    <dgm:sp3d/>
+    <dgm:txPr/>
+    <dgm:style>
+      <a:lnRef idx="1">
+        <a:scrgbClr r="0" g="0" b="0"/>
+      </a:lnRef>
+      <a:fillRef idx="0">
+        <a:scrgbClr r="0" g="0" b="0"/>
+      </a:fillRef>
+      <a:effectRef idx="0">
+        <a:scrgbClr r="0" g="0" b="0"/>
+      </a:effectRef>
+      <a:fontRef idx="minor"/>
+    </dgm:style>
+  </dgm:styleLbl>
+  <dgm:styleLbl name="callout">
+    <dgm:scene3d>
+      <a:camera prst="orthographicFront"/>
+      <a:lightRig rig="threePt" dir="t"/>
+    </dgm:scene3d>
+    <dgm:sp3d/>
+    <dgm:txPr/>
+    <dgm:style>
+      <a:lnRef idx="2">
+        <a:scrgbClr r="0" g="0" b="0"/>
+      </a:lnRef>
+      <a:fillRef idx="1">
+        <a:scrgbClr r="0" g="0" b="0"/>
+      </a:fillRef>
+      <a:effectRef idx="0">
+        <a:scrgbClr r="0" g="0" b="0"/>
+      </a:effectRef>
+      <a:fontRef idx="minor"/>
+    </dgm:style>
+  </dgm:styleLbl>
+  <dgm:styleLbl name="asst0">
+    <dgm:scene3d>
+      <a:camera prst="orthographicFront"/>
+      <a:lightRig rig="threePt" dir="t"/>
+    </dgm:scene3d>
+    <dgm:sp3d/>
+    <dgm:txPr/>
+    <dgm:style>
+      <a:lnRef idx="2">
+        <a:scrgbClr r="0" g="0" b="0"/>
+      </a:lnRef>
+      <a:fillRef idx="1">
+        <a:scrgbClr r="0" g="0" b="0"/>
+      </a:fillRef>
+      <a:effectRef idx="0">
+        <a:scrgbClr r="0" g="0" b="0"/>
+      </a:effectRef>
+      <a:fontRef idx="minor">
+        <a:schemeClr val="lt1"/>
+      </a:fontRef>
+    </dgm:style>
+  </dgm:styleLbl>
+  <dgm:styleLbl name="asst1">
+    <dgm:scene3d>
+      <a:camera prst="orthographicFront"/>
+      <a:lightRig rig="threePt" dir="t"/>
+    </dgm:scene3d>
+    <dgm:sp3d/>
+    <dgm:txPr/>
+    <dgm:style>
+      <a:lnRef idx="2">
+        <a:scrgbClr r="0" g="0" b="0"/>
+      </a:lnRef>
+      <a:fillRef idx="1">
+        <a:scrgbClr r="0" g="0" b="0"/>
+      </a:fillRef>
+      <a:effectRef idx="0">
+        <a:scrgbClr r="0" g="0" b="0"/>
+      </a:effectRef>
+      <a:fontRef idx="minor">
+        <a:schemeClr val="lt1"/>
+      </a:fontRef>
+    </dgm:style>
+  </dgm:styleLbl>
+  <dgm:styleLbl name="asst2">
+    <dgm:scene3d>
+      <a:camera prst="orthographicFront"/>
+      <a:lightRig rig="threePt" dir="t"/>
+    </dgm:scene3d>
+    <dgm:sp3d/>
+    <dgm:txPr/>
+    <dgm:style>
+      <a:lnRef idx="2">
+        <a:scrgbClr r="0" g="0" b="0"/>
+      </a:lnRef>
+      <a:fillRef idx="1">
+        <a:scrgbClr r="0" g="0" b="0"/>
+      </a:fillRef>
+      <a:effectRef idx="0">
+        <a:scrgbClr r="0" g="0" b="0"/>
+      </a:effectRef>
+      <a:fontRef idx="minor">
+        <a:schemeClr val="lt1"/>
+      </a:fontRef>
+    </dgm:style>
+  </dgm:styleLbl>
+  <dgm:styleLbl name="asst3">
+    <dgm:scene3d>
+      <a:camera prst="orthographicFront"/>
+      <a:lightRig rig="threePt" dir="t"/>
+    </dgm:scene3d>
+    <dgm:sp3d/>
+    <dgm:txPr/>
+    <dgm:style>
+      <a:lnRef idx="2">
+        <a:scrgbClr r="0" g="0" b="0"/>
+      </a:lnRef>
+      <a:fillRef idx="1">
+        <a:scrgbClr r="0" g="0" b="0"/>
+      </a:fillRef>
+      <a:effectRef idx="0">
+        <a:scrgbClr r="0" g="0" b="0"/>
+      </a:effectRef>
+      <a:fontRef idx="minor">
+        <a:schemeClr val="lt1"/>
+      </a:fontRef>
+    </dgm:style>
+  </dgm:styleLbl>
+  <dgm:styleLbl name="asst4">
+    <dgm:scene3d>
+      <a:camera prst="orthographicFront"/>
+      <a:lightRig rig="threePt" dir="t"/>
+    </dgm:scene3d>
+    <dgm:sp3d/>
+    <dgm:txPr/>
+    <dgm:style>
+      <a:lnRef idx="2">
+        <a:scrgbClr r="0" g="0" b="0"/>
+      </a:lnRef>
+      <a:fillRef idx="1">
+        <a:scrgbClr r="0" g="0" b="0"/>
+      </a:fillRef>
+      <a:effectRef idx="0">
+        <a:scrgbClr r="0" g="0" b="0"/>
+      </a:effectRef>
+      <a:fontRef idx="minor">
+        <a:schemeClr val="lt1"/>
+      </a:fontRef>
+    </dgm:style>
+  </dgm:styleLbl>
+  <dgm:styleLbl name="parChTrans2D1">
+    <dgm:scene3d>
+      <a:camera prst="orthographicFront"/>
+      <a:lightRig rig="threePt" dir="t"/>
+    </dgm:scene3d>
+    <dgm:sp3d/>
+    <dgm:txPr/>
+    <dgm:style>
+      <a:lnRef idx="2">
+        <a:scrgbClr r="0" g="0" b="0"/>
+      </a:lnRef>
+      <a:fillRef idx="1">
+        <a:scrgbClr r="0" g="0" b="0"/>
+      </a:fillRef>
+      <a:effectRef idx="0">
+        <a:scrgbClr r="0" g="0" b="0"/>
+      </a:effectRef>
+      <a:fontRef idx="minor">
+        <a:schemeClr val="lt1"/>
+      </a:fontRef>
+    </dgm:style>
+  </dgm:styleLbl>
+  <dgm:styleLbl name="parChTrans2D2">
+    <dgm:scene3d>
+      <a:camera prst="orthographicFront"/>
+      <a:lightRig rig="threePt" dir="t"/>
+    </dgm:scene3d>
+    <dgm:sp3d/>
+    <dgm:txPr/>
+    <dgm:style>
+      <a:lnRef idx="2">
+        <a:scrgbClr r="0" g="0" b="0"/>
+      </a:lnRef>
+      <a:fillRef idx="1">
+        <a:scrgbClr r="0" g="0" b="0"/>
+      </a:fillRef>
+      <a:effectRef idx="0">
+        <a:scrgbClr r="0" g="0" b="0"/>
+      </a:effectRef>
+      <a:fontRef idx="minor">
+        <a:schemeClr val="lt1"/>
+      </a:fontRef>
+    </dgm:style>
+  </dgm:styleLbl>
+  <dgm:styleLbl name="parChTrans2D3">
+    <dgm:scene3d>
+      <a:camera prst="orthographicFront"/>
+      <a:lightRig rig="threePt" dir="t"/>
+    </dgm:scene3d>
+    <dgm:sp3d/>
+    <dgm:txPr/>
+    <dgm:style>
+      <a:lnRef idx="2">
+        <a:scrgbClr r="0" g="0" b="0"/>
+      </a:lnRef>
+      <a:fillRef idx="1">
+        <a:scrgbClr r="0" g="0" b="0"/>
+      </a:fillRef>
+      <a:effectRef idx="0">
+        <a:scrgbClr r="0" g="0" b="0"/>
+      </a:effectRef>
+      <a:fontRef idx="minor">
+        <a:schemeClr val="lt1"/>
+      </a:fontRef>
+    </dgm:style>
+  </dgm:styleLbl>
+  <dgm:styleLbl name="parChTrans2D4">
+    <dgm:scene3d>
+      <a:camera prst="orthographicFront"/>
+      <a:lightRig rig="threePt" dir="t"/>
+    </dgm:scene3d>
+    <dgm:sp3d/>
+    <dgm:txPr/>
+    <dgm:style>
+      <a:lnRef idx="2">
+        <a:scrgbClr r="0" g="0" b="0"/>
+      </a:lnRef>
+      <a:fillRef idx="1">
+        <a:scrgbClr r="0" g="0" b="0"/>
+      </a:fillRef>
+      <a:effectRef idx="0">
+        <a:scrgbClr r="0" g="0" b="0"/>
+      </a:effectRef>
+      <a:fontRef idx="minor">
+        <a:schemeClr val="lt1"/>
+      </a:fontRef>
+    </dgm:style>
+  </dgm:styleLbl>
+  <dgm:styleLbl name="parChTrans1D1">
+    <dgm:scene3d>
+      <a:camera prst="orthographicFront"/>
+      <a:lightRig rig="threePt" dir="t"/>
+    </dgm:scene3d>
+    <dgm:sp3d/>
+    <dgm:txPr/>
+    <dgm:style>
+      <a:lnRef idx="2">
+        <a:scrgbClr r="0" g="0" b="0"/>
+      </a:lnRef>
+      <a:fillRef idx="0">
+        <a:scrgbClr r="0" g="0" b="0"/>
+      </a:fillRef>
+      <a:effectRef idx="0">
+        <a:scrgbClr r="0" g="0" b="0"/>
+      </a:effectRef>
+      <a:fontRef idx="minor"/>
+    </dgm:style>
+  </dgm:styleLbl>
+  <dgm:styleLbl name="parChTrans1D2">
+    <dgm:scene3d>
+      <a:camera prst="orthographicFront"/>
+      <a:lightRig rig="threePt" dir="t"/>
+    </dgm:scene3d>
+    <dgm:sp3d/>
+    <dgm:txPr/>
+    <dgm:style>
+      <a:lnRef idx="2">
+        <a:scrgbClr r="0" g="0" b="0"/>
+      </a:lnRef>
+      <a:fillRef idx="0">
+        <a:scrgbClr r="0" g="0" b="0"/>
+      </a:fillRef>
+      <a:effectRef idx="0">
+        <a:scrgbClr r="0" g="0" b="0"/>
+      </a:effectRef>
+      <a:fontRef idx="minor"/>
+    </dgm:style>
+  </dgm:styleLbl>
+  <dgm:styleLbl name="parChTrans1D3">
+    <dgm:scene3d>
+      <a:camera prst="orthographicFront"/>
+      <a:lightRig rig="threePt" dir="t"/>
+    </dgm:scene3d>
+    <dgm:sp3d/>
+    <dgm:txPr/>
+    <dgm:style>
+      <a:lnRef idx="2">
+        <a:scrgbClr r="0" g="0" b="0"/>
+      </a:lnRef>
+      <a:fillRef idx="0">
+        <a:scrgbClr r="0" g="0" b="0"/>
+      </a:fillRef>
+      <a:effectRef idx="0">
+        <a:scrgbClr r="0" g="0" b="0"/>
+      </a:effectRef>
+      <a:fontRef idx="minor"/>
+    </dgm:style>
+  </dgm:styleLbl>
+  <dgm:styleLbl name="parChTrans1D4">
+    <dgm:scene3d>
+      <a:camera prst="orthographicFront"/>
+      <a:lightRig rig="threePt" dir="t"/>
+    </dgm:scene3d>
+    <dgm:sp3d/>
+    <dgm:txPr/>
+    <dgm:style>
+      <a:lnRef idx="2">
+        <a:scrgbClr r="0" g="0" b="0"/>
+      </a:lnRef>
+      <a:fillRef idx="0">
+        <a:scrgbClr r="0" g="0" b="0"/>
+      </a:fillRef>
+      <a:effectRef idx="0">
+        <a:scrgbClr r="0" g="0" b="0"/>
+      </a:effectRef>
+      <a:fontRef idx="minor"/>
+    </dgm:style>
+  </dgm:styleLbl>
+  <dgm:styleLbl name="fgAcc1">
+    <dgm:scene3d>
+      <a:camera prst="orthographicFront"/>
+      <a:lightRig rig="threePt" dir="t"/>
+    </dgm:scene3d>
+    <dgm:sp3d/>
+    <dgm:txPr/>
+    <dgm:style>
+      <a:lnRef idx="2">
+        <a:scrgbClr r="0" g="0" b="0"/>
+      </a:lnRef>
+      <a:fillRef idx="1">
+        <a:scrgbClr r="0" g="0" b="0"/>
+      </a:fillRef>
+      <a:effectRef idx="0">
+        <a:scrgbClr r="0" g="0" b="0"/>
+      </a:effectRef>
+      <a:fontRef idx="minor"/>
+    </dgm:style>
+  </dgm:styleLbl>
+  <dgm:styleLbl name="conFgAcc1">
+    <dgm:scene3d>
+      <a:camera prst="orthographicFront"/>
+      <a:lightRig rig="threePt" dir="t"/>
+    </dgm:scene3d>
+    <dgm:sp3d/>
+    <dgm:txPr/>
+    <dgm:style>
+      <a:lnRef idx="2">
+        <a:scrgbClr r="0" g="0" b="0"/>
+      </a:lnRef>
+      <a:fillRef idx="1">
+        <a:scrgbClr r="0" g="0" b="0"/>
+      </a:fillRef>
+      <a:effectRef idx="0">
+        <a:scrgbClr r="0" g="0" b="0"/>
+      </a:effectRef>
+      <a:fontRef idx="minor"/>
+    </dgm:style>
+  </dgm:styleLbl>
+  <dgm:styleLbl name="alignAcc1">
+    <dgm:scene3d>
+      <a:camera prst="orthographicFront"/>
+      <a:lightRig rig="threePt" dir="t"/>
+    </dgm:scene3d>
+    <dgm:sp3d/>
+    <dgm:txPr/>
+    <dgm:style>
+      <a:lnRef idx="2">
+        <a:scrgbClr r="0" g="0" b="0"/>
+      </a:lnRef>
+      <a:fillRef idx="1">
+        <a:scrgbClr r="0" g="0" b="0"/>
+      </a:fillRef>
+      <a:effectRef idx="0">
+        <a:scrgbClr r="0" g="0" b="0"/>
+      </a:effectRef>
+      <a:fontRef idx="minor"/>
+    </dgm:style>
+  </dgm:styleLbl>
+  <dgm:styleLbl name="trAlignAcc1">
+    <dgm:scene3d>
+      <a:camera prst="orthographicFront"/>
+      <a:lightRig rig="threePt" dir="t"/>
+    </dgm:scene3d>
+    <dgm:sp3d/>
+    <dgm:txPr/>
+    <dgm:style>
+      <a:lnRef idx="1">
+        <a:scrgbClr r="0" g="0" b="0"/>
+      </a:lnRef>
+      <a:fillRef idx="1">
+        <a:scrgbClr r="0" g="0" b="0"/>
+      </a:fillRef>
+      <a:effectRef idx="0">
+        <a:scrgbClr r="0" g="0" b="0"/>
+      </a:effectRef>
+      <a:fontRef idx="minor"/>
+    </dgm:style>
+  </dgm:styleLbl>
+  <dgm:styleLbl name="bgAcc1">
+    <dgm:scene3d>
+      <a:camera prst="orthographicFront"/>
+      <a:lightRig rig="threePt" dir="t"/>
+    </dgm:scene3d>
+    <dgm:sp3d/>
+    <dgm:txPr/>
+    <dgm:style>
+      <a:lnRef idx="2">
+        <a:scrgbClr r="0" g="0" b="0"/>
+      </a:lnRef>
+      <a:fillRef idx="1">
+        <a:scrgbClr r="0" g="0" b="0"/>
+      </a:fillRef>
+      <a:effectRef idx="0">
+        <a:scrgbClr r="0" g="0" b="0"/>
+      </a:effectRef>
+      <a:fontRef idx="minor"/>
+    </dgm:style>
+  </dgm:styleLbl>
+  <dgm:styleLbl name="solidFgAcc1">
+    <dgm:scene3d>
+      <a:camera prst="orthographicFront"/>
+      <a:lightRig rig="threePt" dir="t"/>
+    </dgm:scene3d>
+    <dgm:sp3d/>
+    <dgm:txPr/>
+    <dgm:style>
+      <a:lnRef idx="2">
+        <a:scrgbClr r="0" g="0" b="0"/>
+      </a:lnRef>
+      <a:fillRef idx="1">
+        <a:scrgbClr r="0" g="0" b="0"/>
+      </a:fillRef>
+      <a:effectRef idx="0">
+        <a:scrgbClr r="0" g="0" b="0"/>
+      </a:effectRef>
+      <a:fontRef idx="minor"/>
+    </dgm:style>
+  </dgm:styleLbl>
+  <dgm:styleLbl name="solidAlignAcc1">
+    <dgm:scene3d>
+      <a:camera prst="orthographicFront"/>
+      <a:lightRig rig="threePt" dir="t"/>
+    </dgm:scene3d>
+    <dgm:sp3d/>
+    <dgm:txPr/>
+    <dgm:style>
+      <a:lnRef idx="2">
+        <a:scrgbClr r="0" g="0" b="0"/>
+      </a:lnRef>
+      <a:fillRef idx="1">
+        <a:scrgbClr r="0" g="0" b="0"/>
+      </a:fillRef>
+      <a:effectRef idx="0">
+        <a:scrgbClr r="0" g="0" b="0"/>
+      </a:effectRef>
+      <a:fontRef idx="minor"/>
+    </dgm:style>
+  </dgm:styleLbl>
+  <dgm:styleLbl name="solidBgAcc1">
+    <dgm:scene3d>
+      <a:camera prst="orthographicFront"/>
+      <a:lightRig rig="threePt" dir="t"/>
+    </dgm:scene3d>
+    <dgm:sp3d/>
+    <dgm:txPr/>
+    <dgm:style>
+      <a:lnRef idx="2">
+        <a:scrgbClr r="0" g="0" b="0"/>
+      </a:lnRef>
+      <a:fillRef idx="1">
+        <a:scrgbClr r="0" g="0" b="0"/>
+      </a:fillRef>
+      <a:effectRef idx="0">
+        <a:scrgbClr r="0" g="0" b="0"/>
+      </a:effectRef>
+      <a:fontRef idx="minor"/>
+    </dgm:style>
+  </dgm:styleLbl>
+  <dgm:styleLbl name="fgAccFollowNode1">
+    <dgm:scene3d>
+      <a:camera prst="orthographicFront"/>
+      <a:lightRig rig="threePt" dir="t"/>
+    </dgm:scene3d>
+    <dgm:sp3d/>
+    <dgm:txPr/>
+    <dgm:style>
+      <a:lnRef idx="2">
+        <a:scrgbClr r="0" g="0" b="0"/>
+      </a:lnRef>
+      <a:fillRef idx="1">
+        <a:scrgbClr r="0" g="0" b="0"/>
+      </a:fillRef>
+      <a:effectRef idx="0">
+        <a:scrgbClr r="0" g="0" b="0"/>
+      </a:effectRef>
+      <a:fontRef idx="minor"/>
+    </dgm:style>
+  </dgm:styleLbl>
+  <dgm:styleLbl name="alignAccFollowNode1">
+    <dgm:scene3d>
+      <a:camera prst="orthographicFront"/>
+      <a:lightRig rig="threePt" dir="t"/>
+    </dgm:scene3d>
+    <dgm:sp3d/>
+    <dgm:txPr/>
+    <dgm:style>
+      <a:lnRef idx="2">
+        <a:scrgbClr r="0" g="0" b="0"/>
+      </a:lnRef>
+      <a:fillRef idx="1">
+        <a:scrgbClr r="0" g="0" b="0"/>
+      </a:fillRef>
+      <a:effectRef idx="0">
+        <a:scrgbClr r="0" g="0" b="0"/>
+      </a:effectRef>
+      <a:fontRef idx="minor"/>
+    </dgm:style>
+  </dgm:styleLbl>
+  <dgm:styleLbl name="bgAccFollowNode1">
+    <dgm:scene3d>
+      <a:camera prst="orthographicFront"/>
+      <a:lightRig rig="threePt" dir="t"/>
+    </dgm:scene3d>
+    <dgm:sp3d/>
+    <dgm:txPr/>
+    <dgm:style>
+      <a:lnRef idx="2">
+        <a:scrgbClr r="0" g="0" b="0"/>
+      </a:lnRef>
+      <a:fillRef idx="1">
+        <a:scrgbClr r="0" g="0" b="0"/>
+      </a:fillRef>
+      <a:effectRef idx="0">
+        <a:scrgbClr r="0" g="0" b="0"/>
+      </a:effectRef>
+      <a:fontRef idx="minor"/>
+    </dgm:style>
+  </dgm:styleLbl>
+  <dgm:styleLbl name="fgAcc0">
+    <dgm:scene3d>
+      <a:camera prst="orthographicFront"/>
+      <a:lightRig rig="threePt" dir="t"/>
+    </dgm:scene3d>
+    <dgm:sp3d/>
+    <dgm:txPr/>
+    <dgm:style>
+      <a:lnRef idx="2">
+        <a:scrgbClr r="0" g="0" b="0"/>
+      </a:lnRef>
+      <a:fillRef idx="1">
+        <a:scrgbClr r="0" g="0" b="0"/>
+      </a:fillRef>
+      <a:effectRef idx="0">
+        <a:scrgbClr r="0" g="0" b="0"/>
+      </a:effectRef>
+      <a:fontRef idx="minor"/>
+    </dgm:style>
+  </dgm:styleLbl>
+  <dgm:styleLbl name="fgAcc2">
+    <dgm:scene3d>
+      <a:camera prst="orthographicFront"/>
+      <a:lightRig rig="threePt" dir="t"/>
+    </dgm:scene3d>
+    <dgm:sp3d/>
+    <dgm:txPr/>
+    <dgm:style>
+      <a:lnRef idx="2">
+        <a:scrgbClr r="0" g="0" b="0"/>
+      </a:lnRef>
+      <a:fillRef idx="1">
+        <a:scrgbClr r="0" g="0" b="0"/>
+      </a:fillRef>
+      <a:effectRef idx="0">
+        <a:scrgbClr r="0" g="0" b="0"/>
+      </a:effectRef>
+      <a:fontRef idx="minor"/>
+    </dgm:style>
+  </dgm:styleLbl>
+  <dgm:styleLbl name="fgAcc3">
+    <dgm:scene3d>
+      <a:camera prst="orthographicFront"/>
+      <a:lightRig rig="threePt" dir="t"/>
+    </dgm:scene3d>
+    <dgm:sp3d/>
+    <dgm:txPr/>
+    <dgm:style>
+      <a:lnRef idx="2">
+        <a:scrgbClr r="0" g="0" b="0"/>
+      </a:lnRef>
+      <a:fillRef idx="1">
+        <a:scrgbClr r="0" g="0" b="0"/>
+      </a:fillRef>
+      <a:effectRef idx="0">
+        <a:scrgbClr r="0" g="0" b="0"/>
+      </a:effectRef>
+      <a:fontRef idx="minor"/>
+    </dgm:style>
+  </dgm:styleLbl>
+  <dgm:styleLbl name="fgAcc4">
+    <dgm:scene3d>
+      <a:camera prst="orthographicFront"/>
+      <a:lightRig rig="threePt" dir="t"/>
+    </dgm:scene3d>
+    <dgm:sp3d/>
+    <dgm:txPr/>
+    <dgm:style>
+      <a:lnRef idx="2">
+        <a:scrgbClr r="0" g="0" b="0"/>
+      </a:lnRef>
+      <a:fillRef idx="1">
+        <a:scrgbClr r="0" g="0" b="0"/>
+      </a:fillRef>
+      <a:effectRef idx="0">
+        <a:scrgbClr r="0" g="0" b="0"/>
+      </a:effectRef>
+      <a:fontRef idx="minor"/>
+    </dgm:style>
+  </dgm:styleLbl>
+  <dgm:styleLbl name="bgShp">
+    <dgm:scene3d>
+      <a:camera prst="orthographicFront"/>
+      <a:lightRig rig="threePt" dir="t"/>
+    </dgm:scene3d>
+    <dgm:sp3d/>
+    <dgm:txPr/>
+    <dgm:style>
+      <a:lnRef idx="0">
+        <a:scrgbClr r="0" g="0" b="0"/>
+      </a:lnRef>
+      <a:fillRef idx="1">
+        <a:scrgbClr r="0" g="0" b="0"/>
+      </a:fillRef>
+      <a:effectRef idx="0">
+        <a:scrgbClr r="0" g="0" b="0"/>
+      </a:effectRef>
+      <a:fontRef idx="minor"/>
+    </dgm:style>
+  </dgm:styleLbl>
+  <dgm:styleLbl name="dkBgShp">
+    <dgm:scene3d>
+      <a:camera prst="orthographicFront"/>
+      <a:lightRig rig="threePt" dir="t"/>
+    </dgm:scene3d>
+    <dgm:sp3d/>
+    <dgm:txPr/>
+    <dgm:style>
+      <a:lnRef idx="0">
+        <a:scrgbClr r="0" g="0" b="0"/>
+      </a:lnRef>
+      <a:fillRef idx="1">
+        <a:scrgbClr r="0" g="0" b="0"/>
+      </a:fillRef>
+      <a:effectRef idx="0">
+        <a:scrgbClr r="0" g="0" b="0"/>
+      </a:effectRef>
+      <a:fontRef idx="minor"/>
+    </dgm:style>
+  </dgm:styleLbl>
+  <dgm:styleLbl name="trBgShp">
+    <dgm:scene3d>
+      <a:camera prst="orthographicFront"/>
+      <a:lightRig rig="threePt" dir="t"/>
+    </dgm:scene3d>
+    <dgm:sp3d/>
+    <dgm:txPr/>
+    <dgm:style>
+      <a:lnRef idx="0">
+        <a:scrgbClr r="0" g="0" b="0"/>
+      </a:lnRef>
+      <a:fillRef idx="1">
+        <a:scrgbClr r="0" g="0" b="0"/>
+      </a:fillRef>
+      <a:effectRef idx="0">
+        <a:scrgbClr r="0" g="0" b="0"/>
+      </a:effectRef>
+      <a:fontRef idx="minor"/>
+    </dgm:style>
+  </dgm:styleLbl>
+  <dgm:styleLbl name="fgShp">
+    <dgm:scene3d>
+      <a:camera prst="orthographicFront"/>
+      <a:lightRig rig="threePt" dir="t"/>
+    </dgm:scene3d>
+    <dgm:sp3d/>
+    <dgm:txPr/>
+    <dgm:style>
+      <a:lnRef idx="2">
+        <a:scrgbClr r="0" g="0" b="0"/>
+      </a:lnRef>
+      <a:fillRef idx="1">
+        <a:scrgbClr r="0" g="0" b="0"/>
+      </a:fillRef>
+      <a:effectRef idx="0">
+        <a:scrgbClr r="0" g="0" b="0"/>
+      </a:effectRef>
+      <a:fontRef idx="minor"/>
+    </dgm:style>
+  </dgm:styleLbl>
+  <dgm:styleLbl name="revTx">
+    <dgm:scene3d>
+      <a:camera prst="orthographicFront"/>
+      <a:lightRig rig="threePt" dir="t"/>
+    </dgm:scene3d>
+    <dgm:sp3d/>
+    <dgm:txPr/>
+    <dgm:style>
+      <a:lnRef idx="0">
+        <a:scrgbClr r="0" g="0" b="0"/>
+      </a:lnRef>
+      <a:fillRef idx="0">
+        <a:scrgbClr r="0" g="0" b="0"/>
+      </a:fillRef>
+      <a:effectRef idx="0">
+        <a:scrgbClr r="0" g="0" b="0"/>
+      </a:effectRef>
+      <a:fontRef idx="minor"/>
+    </dgm:style>
+  </dgm:styleLbl>
+</dgm:styleDef>
+</file>
+
+<file path=ppt/diagrams/quickStyle7.xml><?xml version="1.0" encoding="utf-8"?>
 <dgm:styleDef xmlns:dgm="http://schemas.openxmlformats.org/drawingml/2006/diagram" xmlns:a="http://schemas.openxmlformats.org/drawingml/2006/main" uniqueId="urn:microsoft.com/office/officeart/2005/8/quickstyle/simple1">
   <dgm:title val=""/>
   <dgm:desc val=""/>
@@ -19874,7 +25115,7 @@
             </a:r>
             <a:r>
               <a:rPr lang="he-IL" sz="2400" dirty="0"/>
-              <a:t>(</a:t>
+              <a:t> (</a:t>
             </a:r>
             <a:r>
               <a:rPr lang="en-US" sz="2400" dirty="0">
@@ -20259,6 +25500,111 @@
           <p:cNvPr id="2" name="Title 1">
             <a:extLst>
               <a:ext uri="{FF2B5EF4-FFF2-40B4-BE49-F238E27FC236}">
+                <a16:creationId xmlns:a16="http://schemas.microsoft.com/office/drawing/2014/main" id="{6C8B9385-8123-4F84-9FEC-A3DBF0E0AC7C}"/>
+              </a:ext>
+            </a:extLst>
+          </p:cNvPr>
+          <p:cNvSpPr>
+            <a:spLocks noGrp="1"/>
+          </p:cNvSpPr>
+          <p:nvPr>
+            <p:ph type="title"/>
+          </p:nvPr>
+        </p:nvSpPr>
+        <p:spPr>
+          <a:xfrm>
+            <a:off x="7837714" y="625928"/>
+            <a:ext cx="3952210" cy="5606143"/>
+          </a:xfrm>
+        </p:spPr>
+        <p:txBody>
+          <a:bodyPr>
+            <a:normAutofit/>
+          </a:bodyPr>
+          <a:lstStyle/>
+          <a:p>
+            <a:r>
+              <a:rPr lang="he-IL" sz="6000" b="1" dirty="0" err="1"/>
+              <a:t>מתודולגיה</a:t>
+            </a:r>
+            <a:endParaRPr lang="LID4096" sz="6000" b="1" dirty="0"/>
+          </a:p>
+        </p:txBody>
+      </p:sp>
+      <p:graphicFrame>
+        <p:nvGraphicFramePr>
+          <p:cNvPr id="5" name="Content Placeholder 2">
+            <a:extLst>
+              <a:ext uri="{FF2B5EF4-FFF2-40B4-BE49-F238E27FC236}">
+                <a16:creationId xmlns:a16="http://schemas.microsoft.com/office/drawing/2014/main" id="{77E780B9-A54C-48DF-BC9D-BCEA711B14E3}"/>
+              </a:ext>
+            </a:extLst>
+          </p:cNvPr>
+          <p:cNvGraphicFramePr>
+            <a:graphicFrameLocks noGrp="1"/>
+          </p:cNvGraphicFramePr>
+          <p:nvPr>
+            <p:ph idx="1"/>
+            <p:extLst>
+              <p:ext uri="{D42A27DB-BD31-4B8C-83A1-F6EECF244321}">
+                <p14:modId xmlns:p14="http://schemas.microsoft.com/office/powerpoint/2010/main" val="617243079"/>
+              </p:ext>
+            </p:extLst>
+          </p:nvPr>
+        </p:nvGraphicFramePr>
+        <p:xfrm>
+          <a:off x="735013" y="1195056"/>
+          <a:ext cx="6451943" cy="4467887"/>
+        </p:xfrm>
+        <a:graphic>
+          <a:graphicData uri="http://schemas.openxmlformats.org/drawingml/2006/diagram">
+            <dgm:relIds xmlns:dgm="http://schemas.openxmlformats.org/drawingml/2006/diagram" xmlns:r="http://schemas.openxmlformats.org/officeDocument/2006/relationships" r:dm="rId2" r:lo="rId3" r:qs="rId4" r:cs="rId5"/>
+          </a:graphicData>
+        </a:graphic>
+      </p:graphicFrame>
+    </p:spTree>
+    <p:extLst>
+      <p:ext uri="{BB962C8B-B14F-4D97-AF65-F5344CB8AC3E}">
+        <p14:creationId xmlns:p14="http://schemas.microsoft.com/office/powerpoint/2010/main" val="3032185035"/>
+      </p:ext>
+    </p:extLst>
+  </p:cSld>
+  <p:clrMapOvr>
+    <a:masterClrMapping/>
+  </p:clrMapOvr>
+</p:sld>
+</file>
+
+<file path=ppt/slides/slide15.xml><?xml version="1.0" encoding="utf-8"?>
+<p:sld xmlns:a="http://schemas.openxmlformats.org/drawingml/2006/main" xmlns:r="http://schemas.openxmlformats.org/officeDocument/2006/relationships" xmlns:p="http://schemas.openxmlformats.org/presentationml/2006/main">
+  <p:cSld>
+    <p:bg>
+      <p:bgPr>
+        <a:solidFill>
+          <a:schemeClr val="accent1"/>
+        </a:solidFill>
+        <a:effectLst/>
+      </p:bgPr>
+    </p:bg>
+    <p:spTree>
+      <p:nvGrpSpPr>
+        <p:cNvPr id="1" name=""/>
+        <p:cNvGrpSpPr/>
+        <p:nvPr/>
+      </p:nvGrpSpPr>
+      <p:grpSpPr>
+        <a:xfrm>
+          <a:off x="0" y="0"/>
+          <a:ext cx="0" cy="0"/>
+          <a:chOff x="0" y="0"/>
+          <a:chExt cx="0" cy="0"/>
+        </a:xfrm>
+      </p:grpSpPr>
+      <p:sp>
+        <p:nvSpPr>
+          <p:cNvPr id="2" name="Title 1">
+            <a:extLst>
+              <a:ext uri="{FF2B5EF4-FFF2-40B4-BE49-F238E27FC236}">
                 <a16:creationId xmlns:a16="http://schemas.microsoft.com/office/drawing/2014/main" id="{B183DC09-5BF1-48D8-B3A4-2D635AD4D66A}"/>
               </a:ext>
             </a:extLst>
@@ -20393,7 +25739,7 @@
 </p:sld>
 </file>
 
-<file path=ppt/slides/slide15.xml><?xml version="1.0" encoding="utf-8"?>
+<file path=ppt/slides/slide16.xml><?xml version="1.0" encoding="utf-8"?>
 <p:sld xmlns:a="http://schemas.openxmlformats.org/drawingml/2006/main" xmlns:r="http://schemas.openxmlformats.org/officeDocument/2006/relationships" xmlns:p="http://schemas.openxmlformats.org/presentationml/2006/main">
   <p:cSld>
     <p:spTree>
@@ -20749,7 +26095,7 @@
 </p:sld>
 </file>
 
-<file path=ppt/slides/slide16.xml><?xml version="1.0" encoding="utf-8"?>
+<file path=ppt/slides/slide17.xml><?xml version="1.0" encoding="utf-8"?>
 <p:sld xmlns:a="http://schemas.openxmlformats.org/drawingml/2006/main" xmlns:r="http://schemas.openxmlformats.org/officeDocument/2006/relationships" xmlns:p="http://schemas.openxmlformats.org/presentationml/2006/main">
   <p:cSld>
     <p:bg>
@@ -21079,7 +26425,7 @@
 </p:sld>
 </file>
 
-<file path=ppt/slides/slide17.xml><?xml version="1.0" encoding="utf-8"?>
+<file path=ppt/slides/slide18.xml><?xml version="1.0" encoding="utf-8"?>
 <p:sld xmlns:a="http://schemas.openxmlformats.org/drawingml/2006/main" xmlns:r="http://schemas.openxmlformats.org/officeDocument/2006/relationships" xmlns:p="http://schemas.openxmlformats.org/presentationml/2006/main">
   <p:cSld>
     <p:spTree>
@@ -21145,7 +26491,7 @@
         <p:spPr/>
         <p:txBody>
           <a:bodyPr>
-            <a:normAutofit fontScale="85000" lnSpcReduction="20000"/>
+            <a:normAutofit/>
           </a:bodyPr>
           <a:lstStyle/>
           <a:p>
@@ -21154,31 +26500,31 @@
               <a:buAutoNum type="arabicPeriod"/>
             </a:pPr>
             <a:r>
-              <a:rPr lang="he-IL" dirty="0"/>
+              <a:rPr lang="he-IL" sz="2400" dirty="0"/>
               <a:t>מערכת ה-</a:t>
             </a:r>
             <a:r>
-              <a:rPr lang="en-US" dirty="0" err="1"/>
+              <a:rPr lang="en-US" sz="2400" dirty="0" err="1"/>
               <a:t>NavMesh</a:t>
             </a:r>
             <a:r>
-              <a:rPr lang="he-IL" dirty="0"/>
+              <a:rPr lang="he-IL" sz="2400" dirty="0"/>
               <a:t> (לניתוב הדמויות) יוצרת בעיות שונות שכל הזמן לעקוף נובע מכך שהיא אינה נתמכת רשמית ע"י המנוע </a:t>
             </a:r>
             <a:r>
-              <a:rPr lang="en-US" dirty="0"/>
+              <a:rPr lang="en-US" sz="2400" dirty="0"/>
               <a:t>Unity</a:t>
             </a:r>
             <a:r>
-              <a:rPr lang="he-IL" dirty="0"/>
+              <a:rPr lang="he-IL" sz="2400" dirty="0"/>
               <a:t> </a:t>
             </a:r>
             <a:r>
-              <a:rPr lang="en-US" dirty="0"/>
+              <a:rPr lang="en-US" sz="2400" dirty="0"/>
               <a:t>,</a:t>
             </a:r>
             <a:r>
-              <a:rPr lang="he-IL" dirty="0"/>
+              <a:rPr lang="he-IL" sz="2400" dirty="0"/>
               <a:t>כמו כן המערכת די כבידה.</a:t>
             </a:r>
           </a:p>
@@ -21187,31 +26533,24 @@
               <a:buFont typeface="+mj-lt"/>
               <a:buAutoNum type="arabicPeriod"/>
             </a:pPr>
-            <a:endParaRPr lang="he-IL" dirty="0"/>
-          </a:p>
-          <a:p>
-            <a:pPr marL="502920" indent="-457200">
-              <a:buFont typeface="+mj-lt"/>
-              <a:buAutoNum type="arabicPeriod"/>
-            </a:pPr>
             <a:r>
-              <a:rPr lang="he-IL" dirty="0"/>
+              <a:rPr lang="he-IL" sz="2400" dirty="0"/>
               <a:t>מורכב לאסוף </a:t>
             </a:r>
             <a:r>
-              <a:rPr lang="en-US" dirty="0"/>
+              <a:rPr lang="en-US" sz="2400" dirty="0"/>
               <a:t>Assets</a:t>
             </a:r>
             <a:r>
-              <a:rPr lang="he-IL" dirty="0"/>
+              <a:rPr lang="he-IL" sz="2400" dirty="0"/>
               <a:t> שונים לא כחבילה אחת כך שנוצרת בעיה של חוסר עקביות מבחינת העיצוב</a:t>
             </a:r>
             <a:r>
-              <a:rPr lang="en-US" dirty="0"/>
+              <a:rPr lang="en-US" sz="2400" dirty="0"/>
               <a:t>,</a:t>
             </a:r>
             <a:r>
-              <a:rPr lang="he-IL" dirty="0"/>
+              <a:rPr lang="he-IL" sz="2400" dirty="0"/>
               <a:t>הגדלים וסגנון.</a:t>
             </a:r>
           </a:p>
@@ -21220,40 +26559,26 @@
               <a:buFont typeface="+mj-lt"/>
               <a:buAutoNum type="arabicPeriod"/>
             </a:pPr>
-            <a:endParaRPr lang="he-IL" dirty="0"/>
-          </a:p>
-          <a:p>
-            <a:pPr marL="502920" indent="-457200">
-              <a:buFont typeface="+mj-lt"/>
-              <a:buAutoNum type="arabicPeriod"/>
-            </a:pPr>
             <a:r>
-              <a:rPr lang="he-IL" dirty="0"/>
+              <a:rPr lang="he-IL" sz="2400" dirty="0"/>
               <a:t>בעיית איחוד </a:t>
             </a:r>
             <a:r>
-              <a:rPr lang="he-IL" dirty="0" err="1"/>
+              <a:rPr lang="he-IL" sz="2400" dirty="0" err="1"/>
               <a:t>בגיטאב</a:t>
             </a:r>
             <a:r>
-              <a:rPr lang="he-IL" dirty="0"/>
+              <a:rPr lang="he-IL" sz="2400" dirty="0"/>
               <a:t> במקרה של התנגשויות (בא לידי ביטוי ב</a:t>
             </a:r>
             <a:r>
-              <a:rPr lang="en-US" dirty="0"/>
+              <a:rPr lang="en-US" sz="2400" dirty="0"/>
               <a:t>Prefab</a:t>
             </a:r>
             <a:r>
-              <a:rPr lang="he-IL" dirty="0"/>
+              <a:rPr lang="he-IL" sz="2400" dirty="0"/>
               <a:t>)</a:t>
             </a:r>
-          </a:p>
-          <a:p>
-            <a:pPr marL="502920" indent="-457200">
-              <a:buFont typeface="+mj-lt"/>
-              <a:buAutoNum type="arabicPeriod"/>
-            </a:pPr>
-            <a:endParaRPr lang="he-IL" dirty="0"/>
           </a:p>
           <a:p>
             <a:pPr marL="457200" indent="-457200" algn="r" rtl="1">
@@ -21261,7 +26586,7 @@
               <a:buAutoNum type="arabicPeriod"/>
             </a:pPr>
             <a:r>
-              <a:rPr lang="he-IL" dirty="0"/>
+              <a:rPr lang="he-IL" sz="2400" dirty="0"/>
               <a:t>קשיים עם המנוע בחלוקת הקוד למחלקות שונות</a:t>
             </a:r>
           </a:p>
@@ -21270,15 +26595,8 @@
               <a:buFont typeface="+mj-lt"/>
               <a:buAutoNum type="arabicPeriod"/>
             </a:pPr>
-            <a:endParaRPr lang="he-IL" dirty="0"/>
-          </a:p>
-          <a:p>
-            <a:pPr marL="457200" indent="-457200" algn="r" rtl="1">
-              <a:buFont typeface="+mj-lt"/>
-              <a:buAutoNum type="arabicPeriod"/>
-            </a:pPr>
             <a:r>
-              <a:rPr lang="he-IL" dirty="0"/>
+              <a:rPr lang="he-IL" sz="2400" dirty="0"/>
               <a:t>חלוקת תפקידים שגוייה למטלות גדולות מדי שגם חופפות אחת לשנייה.</a:t>
             </a:r>
           </a:p>
@@ -21309,7 +26627,7 @@
 </p:sld>
 </file>
 
-<file path=ppt/slides/slide18.xml><?xml version="1.0" encoding="utf-8"?>
+<file path=ppt/slides/slide19.xml><?xml version="1.0" encoding="utf-8"?>
 <p:sld xmlns:a="http://schemas.openxmlformats.org/drawingml/2006/main" xmlns:r="http://schemas.openxmlformats.org/officeDocument/2006/relationships" xmlns:p="http://schemas.openxmlformats.org/presentationml/2006/main">
   <p:cSld>
     <p:spTree>
@@ -21344,15 +26662,17 @@
         </p:nvSpPr>
         <p:spPr/>
         <p:txBody>
-          <a:bodyPr/>
+          <a:bodyPr>
+            <a:normAutofit/>
+          </a:bodyPr>
           <a:lstStyle/>
           <a:p>
             <a:pPr algn="ctr"/>
             <a:r>
-              <a:rPr lang="he-IL" dirty="0"/>
+              <a:rPr lang="he-IL" sz="4800" b="1" dirty="0"/>
               <a:t>פתרונות עדכניים</a:t>
             </a:r>
-            <a:endParaRPr lang="LID4096" dirty="0"/>
+            <a:endParaRPr lang="LID4096" sz="4800" b="1" dirty="0"/>
           </a:p>
         </p:txBody>
       </p:sp>
@@ -21375,7 +26695,7 @@
         <p:spPr/>
         <p:txBody>
           <a:bodyPr>
-            <a:normAutofit fontScale="85000" lnSpcReduction="20000"/>
+            <a:normAutofit lnSpcReduction="10000"/>
           </a:bodyPr>
           <a:lstStyle/>
           <a:p>
@@ -21384,24 +26704,24 @@
               <a:buAutoNum type="arabicPeriod"/>
             </a:pPr>
             <a:r>
-              <a:rPr lang="he-IL" dirty="0"/>
+              <a:rPr lang="he-IL" sz="2400" dirty="0"/>
               <a:t>ב-</a:t>
             </a:r>
             <a:r>
-              <a:rPr lang="en-US" dirty="0" err="1"/>
+              <a:rPr lang="en-US" sz="2400" dirty="0" err="1"/>
               <a:t>NavMesh</a:t>
             </a:r>
             <a:r>
-              <a:rPr lang="he-IL" dirty="0"/>
+              <a:rPr lang="he-IL" sz="2400" dirty="0"/>
               <a:t> אנחנו מתגברים על הבעיות באופן הדרגתי.</a:t>
             </a:r>
             <a:r>
-              <a:rPr lang="en-US" dirty="0"/>
+              <a:rPr lang="en-US" sz="2400" dirty="0"/>
               <a:t> </a:t>
             </a:r>
             <a:r>
-              <a:rPr lang="he-IL" dirty="0"/>
-              <a:t>ועל הכובד של המערכת נתגבר בעזרת צמצום הלוח(מבחינת פיקסלים).</a:t>
+              <a:rPr lang="he-IL" sz="2400" dirty="0"/>
+              <a:t>ועל הכובד של המערכת נתגבר בעזרת צמצום הלוח (מבחינת פיקסלים).</a:t>
             </a:r>
           </a:p>
           <a:p>
@@ -21409,7 +26729,31 @@
               <a:buFont typeface="+mj-lt"/>
               <a:buAutoNum type="arabicPeriod"/>
             </a:pPr>
-            <a:endParaRPr lang="he-IL" dirty="0"/>
+            <a:r>
+              <a:rPr lang="he-IL" sz="2400" dirty="0"/>
+              <a:t>מבחינת ה</a:t>
+            </a:r>
+            <a:r>
+              <a:rPr lang="en-US" sz="2400" dirty="0"/>
+              <a:t>Assets</a:t>
+            </a:r>
+            <a:r>
+              <a:rPr lang="he-IL" sz="2400" dirty="0"/>
+              <a:t> אנחנו מתמקדים בלמצוא חבילות אחידות . כרגע מצאנו חבילה לייצור דמויות</a:t>
+            </a:r>
+            <a:r>
+              <a:rPr lang="en-US" sz="2400" dirty="0"/>
+              <a:t>,</a:t>
+            </a:r>
+            <a:r>
+              <a:rPr lang="he-IL" sz="2400" dirty="0"/>
+              <a:t> שבעזרתה אנחנו ניצור את כל היחידות שתכננו</a:t>
+            </a:r>
+            <a:r>
+              <a:rPr lang="en-US" sz="2400" dirty="0"/>
+              <a:t>.</a:t>
+            </a:r>
+            <a:endParaRPr lang="he-IL" sz="2400" dirty="0"/>
           </a:p>
           <a:p>
             <a:pPr marL="502920" indent="-457200">
@@ -21417,73 +26761,35 @@
               <a:buAutoNum type="arabicPeriod"/>
             </a:pPr>
             <a:r>
-              <a:rPr lang="he-IL" dirty="0"/>
-              <a:t>מבחינת ה</a:t>
+              <a:rPr lang="he-IL" sz="2400" dirty="0"/>
+              <a:t>בעניין </a:t>
             </a:r>
             <a:r>
-              <a:rPr lang="en-US" dirty="0"/>
-              <a:t>Assets</a:t>
+              <a:rPr lang="he-IL" sz="2400" dirty="0" err="1"/>
+              <a:t>הגיטאב</a:t>
             </a:r>
             <a:r>
-              <a:rPr lang="he-IL" dirty="0"/>
-              <a:t> אנחנו מתמקדים בלמצוא חבילות אחידות . כרגע מצאנו חבילה לייצור דמויות</a:t>
-            </a:r>
-            <a:r>
-              <a:rPr lang="en-US" dirty="0"/>
+              <a:rPr lang="en-US" sz="2400" dirty="0"/>
               <a:t>,</a:t>
             </a:r>
             <a:r>
-              <a:rPr lang="he-IL" dirty="0"/>
-              <a:t> שבעזרתה אנחנו ניצור את כל היחידות שתכננו</a:t>
+              <a:rPr lang="he-IL" sz="2400" dirty="0"/>
+              <a:t> העבודה נעשית בצורה משותפת בחלק מהדברים החופפים</a:t>
             </a:r>
             <a:r>
-              <a:rPr lang="en-US" dirty="0"/>
-              <a:t>.</a:t>
-            </a:r>
-            <a:endParaRPr lang="he-IL" dirty="0"/>
-          </a:p>
-          <a:p>
-            <a:pPr marL="502920" indent="-457200">
-              <a:buFont typeface="+mj-lt"/>
-              <a:buAutoNum type="arabicPeriod"/>
-            </a:pPr>
-            <a:endParaRPr lang="he-IL" dirty="0"/>
-          </a:p>
-          <a:p>
-            <a:pPr marL="502920" indent="-457200">
-              <a:buFont typeface="+mj-lt"/>
-              <a:buAutoNum type="arabicPeriod"/>
-            </a:pPr>
-            <a:r>
-              <a:rPr lang="he-IL" dirty="0"/>
-              <a:t>בעניין </a:t>
-            </a:r>
-            <a:r>
-              <a:rPr lang="he-IL" dirty="0" err="1"/>
-              <a:t>הגיטאב</a:t>
-            </a:r>
-            <a:r>
-              <a:rPr lang="en-US" dirty="0"/>
+              <a:rPr lang="en-US" sz="2400" dirty="0"/>
               <a:t>,</a:t>
             </a:r>
             <a:r>
-              <a:rPr lang="he-IL" dirty="0"/>
-              <a:t> העבודה נעשית בצורה משותפת בחלק מהדברים החופפים</a:t>
-            </a:r>
-            <a:r>
-              <a:rPr lang="en-US" dirty="0"/>
-              <a:t>,</a:t>
-            </a:r>
-            <a:r>
-              <a:rPr lang="he-IL" dirty="0"/>
+              <a:rPr lang="he-IL" sz="2400" dirty="0"/>
               <a:t> תזמון העלאות ועדכון לעיתים קרובות יותר של ה-</a:t>
             </a:r>
             <a:r>
-              <a:rPr lang="en-US" dirty="0"/>
+              <a:rPr lang="en-US" sz="2400" dirty="0"/>
               <a:t>repository</a:t>
             </a:r>
             <a:r>
-              <a:rPr lang="he-IL" dirty="0"/>
+              <a:rPr lang="he-IL" sz="2400" dirty="0"/>
               <a:t>.</a:t>
             </a:r>
           </a:p>
@@ -21492,15 +26798,8 @@
               <a:buFont typeface="+mj-lt"/>
               <a:buAutoNum type="arabicPeriod"/>
             </a:pPr>
-            <a:endParaRPr lang="he-IL" dirty="0"/>
-          </a:p>
-          <a:p>
-            <a:pPr marL="502920" indent="-457200">
-              <a:buFont typeface="+mj-lt"/>
-              <a:buAutoNum type="arabicPeriod"/>
-            </a:pPr>
             <a:r>
-              <a:rPr lang="he-IL" dirty="0"/>
+              <a:rPr lang="he-IL" sz="2400" dirty="0"/>
               <a:t>חלוקת הקוד נעשית באופן פונקציונאלי בהתאם לפעולות הנדרשות עבור אובייקט מסוים.</a:t>
             </a:r>
           </a:p>
@@ -21509,16 +26808,17 @@
               <a:buFont typeface="+mj-lt"/>
               <a:buAutoNum type="arabicPeriod"/>
             </a:pPr>
-            <a:endParaRPr lang="he-IL" dirty="0"/>
-          </a:p>
-          <a:p>
-            <a:pPr marL="502920" indent="-457200">
-              <a:buFont typeface="+mj-lt"/>
-              <a:buAutoNum type="arabicPeriod"/>
-            </a:pPr>
             <a:r>
-              <a:rPr lang="he-IL" dirty="0"/>
-              <a:t>פיצול עבודה בצורה קטנה ומפורטת יותר של הדברים.</a:t>
+              <a:rPr lang="he-IL" sz="2400" dirty="0"/>
+              <a:t>פיצול עבודה בצורה קטנה ומפורטת יותר של הדברים. נעזרים ב </a:t>
+            </a:r>
+            <a:r>
+              <a:rPr lang="en-US" sz="2400" dirty="0"/>
+              <a:t>Trello</a:t>
+            </a:r>
+            <a:r>
+              <a:rPr lang="he-IL" sz="2400" dirty="0"/>
+              <a:t> לצורך תיאום עבודה</a:t>
             </a:r>
           </a:p>
           <a:p>
@@ -21545,126 +26845,6 @@
     <p:extLst>
       <p:ext uri="{BB962C8B-B14F-4D97-AF65-F5344CB8AC3E}">
         <p14:creationId xmlns:p14="http://schemas.microsoft.com/office/powerpoint/2010/main" val="1356618161"/>
-      </p:ext>
-    </p:extLst>
-  </p:cSld>
-  <p:clrMapOvr>
-    <a:masterClrMapping/>
-  </p:clrMapOvr>
-</p:sld>
-</file>
-
-<file path=ppt/slides/slide19.xml><?xml version="1.0" encoding="utf-8"?>
-<p:sld xmlns:a="http://schemas.openxmlformats.org/drawingml/2006/main" xmlns:r="http://schemas.openxmlformats.org/officeDocument/2006/relationships" xmlns:p="http://schemas.openxmlformats.org/presentationml/2006/main">
-  <p:cSld>
-    <p:spTree>
-      <p:nvGrpSpPr>
-        <p:cNvPr id="1" name=""/>
-        <p:cNvGrpSpPr/>
-        <p:nvPr/>
-      </p:nvGrpSpPr>
-      <p:grpSpPr>
-        <a:xfrm>
-          <a:off x="0" y="0"/>
-          <a:ext cx="0" cy="0"/>
-          <a:chOff x="0" y="0"/>
-          <a:chExt cx="0" cy="0"/>
-        </a:xfrm>
-      </p:grpSpPr>
-      <p:sp>
-        <p:nvSpPr>
-          <p:cNvPr id="2" name="Title 1">
-            <a:extLst>
-              <a:ext uri="{FF2B5EF4-FFF2-40B4-BE49-F238E27FC236}">
-                <a16:creationId xmlns:a16="http://schemas.microsoft.com/office/drawing/2014/main" id="{E324F535-E61F-4B56-9587-CCC5B0130789}"/>
-              </a:ext>
-            </a:extLst>
-          </p:cNvPr>
-          <p:cNvSpPr>
-            <a:spLocks noGrp="1"/>
-          </p:cNvSpPr>
-          <p:nvPr>
-            <p:ph type="title"/>
-          </p:nvPr>
-        </p:nvSpPr>
-        <p:spPr/>
-        <p:txBody>
-          <a:bodyPr/>
-          <a:lstStyle/>
-          <a:p>
-            <a:pPr algn="ctr"/>
-            <a:r>
-              <a:rPr lang="he-IL" dirty="0"/>
-              <a:t>תכנון עדכני</a:t>
-            </a:r>
-            <a:endParaRPr lang="LID4096" dirty="0"/>
-          </a:p>
-        </p:txBody>
-      </p:sp>
-      <p:sp>
-        <p:nvSpPr>
-          <p:cNvPr id="3" name="Content Placeholder 2">
-            <a:extLst>
-              <a:ext uri="{FF2B5EF4-FFF2-40B4-BE49-F238E27FC236}">
-                <a16:creationId xmlns:a16="http://schemas.microsoft.com/office/drawing/2014/main" id="{821CEB37-B6A7-400E-B7E7-D01B136ADF52}"/>
-              </a:ext>
-            </a:extLst>
-          </p:cNvPr>
-          <p:cNvSpPr>
-            <a:spLocks noGrp="1"/>
-          </p:cNvSpPr>
-          <p:nvPr>
-            <p:ph idx="1"/>
-          </p:nvPr>
-        </p:nvSpPr>
-        <p:spPr/>
-        <p:txBody>
-          <a:bodyPr/>
-          <a:lstStyle/>
-          <a:p>
-            <a:r>
-              <a:rPr lang="he-IL" dirty="0"/>
-              <a:t>סיום בניית האינטראקציות הבסיסיות בין האובייקטים השונים</a:t>
-            </a:r>
-          </a:p>
-          <a:p>
-            <a:r>
-              <a:rPr lang="he-IL" dirty="0"/>
-              <a:t>התחלת בניית התקשורת בין השחקנים</a:t>
-            </a:r>
-          </a:p>
-          <a:p>
-            <a:r>
-              <a:rPr lang="he-IL" dirty="0"/>
-              <a:t>בניית השלבים השונים</a:t>
-            </a:r>
-          </a:p>
-          <a:p>
-            <a:r>
-              <a:rPr lang="he-IL" dirty="0"/>
-              <a:t>מציאת </a:t>
-            </a:r>
-            <a:r>
-              <a:rPr lang="en-US" dirty="0"/>
-              <a:t>Assets</a:t>
-            </a:r>
-            <a:r>
-              <a:rPr lang="he-IL"/>
-              <a:t> חסרים למפה ולבניינים</a:t>
-            </a:r>
-          </a:p>
-          <a:p>
-            <a:pPr marL="45720" indent="0">
-              <a:buNone/>
-            </a:pPr>
-            <a:endParaRPr lang="LID4096" dirty="0"/>
-          </a:p>
-        </p:txBody>
-      </p:sp>
-    </p:spTree>
-    <p:extLst>
-      <p:ext uri="{BB962C8B-B14F-4D97-AF65-F5344CB8AC3E}">
-        <p14:creationId xmlns:p14="http://schemas.microsoft.com/office/powerpoint/2010/main" val="2054299624"/>
       </p:ext>
     </p:extLst>
   </p:cSld>
@@ -22156,6 +27336,99 @@
           <a:chExt cx="0" cy="0"/>
         </a:xfrm>
       </p:grpSpPr>
+      <p:sp>
+        <p:nvSpPr>
+          <p:cNvPr id="2" name="Title 1">
+            <a:extLst>
+              <a:ext uri="{FF2B5EF4-FFF2-40B4-BE49-F238E27FC236}">
+                <a16:creationId xmlns:a16="http://schemas.microsoft.com/office/drawing/2014/main" id="{E324F535-E61F-4B56-9587-CCC5B0130789}"/>
+              </a:ext>
+            </a:extLst>
+          </p:cNvPr>
+          <p:cNvSpPr>
+            <a:spLocks noGrp="1"/>
+          </p:cNvSpPr>
+          <p:nvPr>
+            <p:ph type="title"/>
+          </p:nvPr>
+        </p:nvSpPr>
+        <p:spPr/>
+        <p:txBody>
+          <a:bodyPr>
+            <a:normAutofit/>
+          </a:bodyPr>
+          <a:lstStyle/>
+          <a:p>
+            <a:pPr algn="ctr"/>
+            <a:r>
+              <a:rPr lang="he-IL" sz="5400" b="1" dirty="0"/>
+              <a:t>תכנון עדכני</a:t>
+            </a:r>
+            <a:endParaRPr lang="LID4096" sz="5400" b="1" dirty="0"/>
+          </a:p>
+        </p:txBody>
+      </p:sp>
+      <p:graphicFrame>
+        <p:nvGraphicFramePr>
+          <p:cNvPr id="5" name="Content Placeholder 2">
+            <a:extLst>
+              <a:ext uri="{FF2B5EF4-FFF2-40B4-BE49-F238E27FC236}">
+                <a16:creationId xmlns:a16="http://schemas.microsoft.com/office/drawing/2014/main" id="{1443E1A9-8C0C-4F41-97E7-9C28AC3C4CFE}"/>
+              </a:ext>
+            </a:extLst>
+          </p:cNvPr>
+          <p:cNvGraphicFramePr>
+            <a:graphicFrameLocks noGrp="1"/>
+          </p:cNvGraphicFramePr>
+          <p:nvPr>
+            <p:ph idx="1"/>
+            <p:extLst>
+              <p:ext uri="{D42A27DB-BD31-4B8C-83A1-F6EECF244321}">
+                <p14:modId xmlns:p14="http://schemas.microsoft.com/office/powerpoint/2010/main" val="3446292422"/>
+              </p:ext>
+            </p:extLst>
+          </p:nvPr>
+        </p:nvGraphicFramePr>
+        <p:xfrm>
+          <a:off x="1143000" y="2057400"/>
+          <a:ext cx="9872871" cy="4038600"/>
+        </p:xfrm>
+        <a:graphic>
+          <a:graphicData uri="http://schemas.openxmlformats.org/drawingml/2006/diagram">
+            <dgm:relIds xmlns:dgm="http://schemas.openxmlformats.org/drawingml/2006/diagram" xmlns:r="http://schemas.openxmlformats.org/officeDocument/2006/relationships" r:dm="rId2" r:lo="rId3" r:qs="rId4" r:cs="rId5"/>
+          </a:graphicData>
+        </a:graphic>
+      </p:graphicFrame>
+    </p:spTree>
+    <p:extLst>
+      <p:ext uri="{BB962C8B-B14F-4D97-AF65-F5344CB8AC3E}">
+        <p14:creationId xmlns:p14="http://schemas.microsoft.com/office/powerpoint/2010/main" val="2054299624"/>
+      </p:ext>
+    </p:extLst>
+  </p:cSld>
+  <p:clrMapOvr>
+    <a:masterClrMapping/>
+  </p:clrMapOvr>
+</p:sld>
+</file>
+
+<file path=ppt/slides/slide21.xml><?xml version="1.0" encoding="utf-8"?>
+<p:sld xmlns:a="http://schemas.openxmlformats.org/drawingml/2006/main" xmlns:r="http://schemas.openxmlformats.org/officeDocument/2006/relationships" xmlns:p="http://schemas.openxmlformats.org/presentationml/2006/main">
+  <p:cSld>
+    <p:spTree>
+      <p:nvGrpSpPr>
+        <p:cNvPr id="1" name=""/>
+        <p:cNvGrpSpPr/>
+        <p:nvPr/>
+      </p:nvGrpSpPr>
+      <p:grpSpPr>
+        <a:xfrm>
+          <a:off x="0" y="0"/>
+          <a:ext cx="0" cy="0"/>
+          <a:chOff x="0" y="0"/>
+          <a:chExt cx="0" cy="0"/>
+        </a:xfrm>
+      </p:grpSpPr>
       <p:pic>
         <p:nvPicPr>
           <p:cNvPr id="9" name="Content Placeholder 8" descr="A picture containing graphical user interface&#10;&#10;Description automatically generated">
@@ -22262,7 +27535,7 @@
 </p:sld>
 </file>
 
-<file path=ppt/slides/slide21.xml><?xml version="1.0" encoding="utf-8"?>
+<file path=ppt/slides/slide22.xml><?xml version="1.0" encoding="utf-8"?>
 <p:sld xmlns:a="http://schemas.openxmlformats.org/drawingml/2006/main" xmlns:r="http://schemas.openxmlformats.org/officeDocument/2006/relationships" xmlns:p="http://schemas.openxmlformats.org/presentationml/2006/main">
   <p:cSld>
     <p:bg>
@@ -22656,6 +27929,1097 @@
   <p:clrMapOvr>
     <a:masterClrMapping/>
   </p:clrMapOvr>
+</p:sld>
+</file>
+
+<file path=ppt/slides/slide23.xml><?xml version="1.0" encoding="utf-8"?>
+<p:sld xmlns:a="http://schemas.openxmlformats.org/drawingml/2006/main" xmlns:r="http://schemas.openxmlformats.org/officeDocument/2006/relationships" xmlns:p="http://schemas.openxmlformats.org/presentationml/2006/main">
+  <p:cSld>
+    <p:spTree>
+      <p:nvGrpSpPr>
+        <p:cNvPr id="1" name=""/>
+        <p:cNvGrpSpPr/>
+        <p:nvPr/>
+      </p:nvGrpSpPr>
+      <p:grpSpPr>
+        <a:xfrm>
+          <a:off x="0" y="0"/>
+          <a:ext cx="0" cy="0"/>
+          <a:chOff x="0" y="0"/>
+          <a:chExt cx="0" cy="0"/>
+        </a:xfrm>
+      </p:grpSpPr>
+      <p:sp>
+        <p:nvSpPr>
+          <p:cNvPr id="2" name="Title 1">
+            <a:extLst>
+              <a:ext uri="{FF2B5EF4-FFF2-40B4-BE49-F238E27FC236}">
+                <a16:creationId xmlns:a16="http://schemas.microsoft.com/office/drawing/2014/main" id="{934B3E86-CF56-456B-908A-4017426A63D0}"/>
+              </a:ext>
+            </a:extLst>
+          </p:cNvPr>
+          <p:cNvSpPr>
+            <a:spLocks noGrp="1"/>
+          </p:cNvSpPr>
+          <p:nvPr>
+            <p:ph type="title"/>
+          </p:nvPr>
+        </p:nvSpPr>
+        <p:spPr>
+          <a:xfrm>
+            <a:off x="1158240" y="328669"/>
+            <a:ext cx="9875520" cy="1356360"/>
+          </a:xfrm>
+        </p:spPr>
+        <p:txBody>
+          <a:bodyPr/>
+          <a:lstStyle/>
+          <a:p>
+            <a:pPr algn="ctr"/>
+            <a:r>
+              <a:rPr lang="he-IL" dirty="0"/>
+              <a:t>ביבליוגרפיה</a:t>
+            </a:r>
+            <a:endParaRPr lang="LID4096" dirty="0"/>
+          </a:p>
+        </p:txBody>
+      </p:sp>
+      <p:sp>
+        <p:nvSpPr>
+          <p:cNvPr id="3" name="Content Placeholder 2">
+            <a:extLst>
+              <a:ext uri="{FF2B5EF4-FFF2-40B4-BE49-F238E27FC236}">
+                <a16:creationId xmlns:a16="http://schemas.microsoft.com/office/drawing/2014/main" id="{49E8D7F8-0C6E-4752-914D-4C2C8EEE2990}"/>
+              </a:ext>
+            </a:extLst>
+          </p:cNvPr>
+          <p:cNvSpPr>
+            <a:spLocks noGrp="1"/>
+          </p:cNvSpPr>
+          <p:nvPr>
+            <p:ph idx="1"/>
+          </p:nvPr>
+        </p:nvSpPr>
+        <p:spPr>
+          <a:xfrm>
+            <a:off x="1158240" y="1357043"/>
+            <a:ext cx="9906000" cy="5078776"/>
+          </a:xfrm>
+        </p:spPr>
+        <p:txBody>
+          <a:bodyPr>
+            <a:normAutofit fontScale="92500" lnSpcReduction="10000"/>
+          </a:bodyPr>
+          <a:lstStyle/>
+          <a:p>
+            <a:pPr marL="342900" lvl="0" indent="-342900" algn="r" rtl="1">
+              <a:lnSpc>
+                <a:spcPct val="107000"/>
+              </a:lnSpc>
+              <a:spcAft>
+                <a:spcPts val="800"/>
+              </a:spcAft>
+              <a:buFont typeface="Symbol" panose="05050102010706020507" pitchFamily="18" charset="2"/>
+              <a:buChar char=""/>
+            </a:pPr>
+            <a:r>
+              <a:rPr lang="en-US" sz="2400" dirty="0">
+                <a:solidFill>
+                  <a:schemeClr val="accent1">
+                    <a:lumMod val="75000"/>
+                  </a:schemeClr>
+                </a:solidFill>
+                <a:effectLst/>
+                <a:latin typeface="Arial" panose="020B0604020202020204" pitchFamily="34" charset="0"/>
+                <a:ea typeface="Times New Roman" panose="02020603050405020304" pitchFamily="18" charset="0"/>
+                <a:cs typeface="David" panose="020E0502060401010101" pitchFamily="34" charset="-79"/>
+              </a:rPr>
+              <a:t>Unity Documentation</a:t>
+            </a:r>
+            <a:endParaRPr lang="en-US" sz="2400" dirty="0">
+              <a:solidFill>
+                <a:schemeClr val="accent1">
+                  <a:lumMod val="75000"/>
+                </a:schemeClr>
+              </a:solidFill>
+              <a:effectLst/>
+              <a:latin typeface="Times New Roman" panose="02020603050405020304" pitchFamily="18" charset="0"/>
+              <a:ea typeface="Times New Roman" panose="02020603050405020304" pitchFamily="18" charset="0"/>
+              <a:cs typeface="David" panose="020E0502060401010101" pitchFamily="34" charset="-79"/>
+            </a:endParaRPr>
+          </a:p>
+          <a:p>
+            <a:pPr marL="342900" lvl="0" indent="-342900" algn="r" rtl="1">
+              <a:lnSpc>
+                <a:spcPct val="107000"/>
+              </a:lnSpc>
+              <a:spcAft>
+                <a:spcPts val="800"/>
+              </a:spcAft>
+              <a:buFont typeface="Symbol" panose="05050102010706020507" pitchFamily="18" charset="2"/>
+              <a:buChar char=""/>
+            </a:pPr>
+            <a:r>
+              <a:rPr lang="en-US" sz="2400" dirty="0">
+                <a:solidFill>
+                  <a:schemeClr val="accent1">
+                    <a:lumMod val="75000"/>
+                  </a:schemeClr>
+                </a:solidFill>
+                <a:effectLst/>
+                <a:latin typeface="Arial" panose="020B0604020202020204" pitchFamily="34" charset="0"/>
+                <a:ea typeface="Times New Roman" panose="02020603050405020304" pitchFamily="18" charset="0"/>
+                <a:cs typeface="David" panose="020E0502060401010101" pitchFamily="34" charset="-79"/>
+              </a:rPr>
+              <a:t>Unity Forums</a:t>
+            </a:r>
+            <a:endParaRPr lang="en-US" sz="2400" dirty="0">
+              <a:solidFill>
+                <a:schemeClr val="accent1">
+                  <a:lumMod val="75000"/>
+                </a:schemeClr>
+              </a:solidFill>
+              <a:effectLst/>
+              <a:latin typeface="Times New Roman" panose="02020603050405020304" pitchFamily="18" charset="0"/>
+              <a:ea typeface="Times New Roman" panose="02020603050405020304" pitchFamily="18" charset="0"/>
+              <a:cs typeface="David" panose="020E0502060401010101" pitchFamily="34" charset="-79"/>
+            </a:endParaRPr>
+          </a:p>
+          <a:p>
+            <a:pPr marL="342900" lvl="0" indent="-342900" algn="r" rtl="1">
+              <a:lnSpc>
+                <a:spcPct val="107000"/>
+              </a:lnSpc>
+              <a:spcAft>
+                <a:spcPts val="800"/>
+              </a:spcAft>
+              <a:buFont typeface="Symbol" panose="05050102010706020507" pitchFamily="18" charset="2"/>
+              <a:buChar char=""/>
+            </a:pPr>
+            <a:r>
+              <a:rPr lang="en-US" sz="2400" dirty="0">
+                <a:solidFill>
+                  <a:schemeClr val="accent1">
+                    <a:lumMod val="75000"/>
+                  </a:schemeClr>
+                </a:solidFill>
+                <a:effectLst/>
+                <a:latin typeface="Arial" panose="020B0604020202020204" pitchFamily="34" charset="0"/>
+                <a:ea typeface="Times New Roman" panose="02020603050405020304" pitchFamily="18" charset="0"/>
+                <a:cs typeface="David" panose="020E0502060401010101" pitchFamily="34" charset="-79"/>
+              </a:rPr>
+              <a:t>Udemy</a:t>
+            </a:r>
+            <a:endParaRPr lang="en-US" sz="2400" dirty="0">
+              <a:solidFill>
+                <a:schemeClr val="accent1">
+                  <a:lumMod val="75000"/>
+                </a:schemeClr>
+              </a:solidFill>
+              <a:effectLst/>
+              <a:latin typeface="Times New Roman" panose="02020603050405020304" pitchFamily="18" charset="0"/>
+              <a:ea typeface="Times New Roman" panose="02020603050405020304" pitchFamily="18" charset="0"/>
+              <a:cs typeface="David" panose="020E0502060401010101" pitchFamily="34" charset="-79"/>
+            </a:endParaRPr>
+          </a:p>
+          <a:p>
+            <a:pPr marL="342900" lvl="0" indent="-342900" algn="r" rtl="1">
+              <a:lnSpc>
+                <a:spcPct val="107000"/>
+              </a:lnSpc>
+              <a:spcAft>
+                <a:spcPts val="800"/>
+              </a:spcAft>
+              <a:buFont typeface="Symbol" panose="05050102010706020507" pitchFamily="18" charset="2"/>
+              <a:buChar char=""/>
+            </a:pPr>
+            <a:r>
+              <a:rPr lang="en-US" sz="2400" dirty="0">
+                <a:solidFill>
+                  <a:schemeClr val="accent1">
+                    <a:lumMod val="75000"/>
+                  </a:schemeClr>
+                </a:solidFill>
+                <a:effectLst/>
+                <a:latin typeface="Arial" panose="020B0604020202020204" pitchFamily="34" charset="0"/>
+                <a:ea typeface="Times New Roman" panose="02020603050405020304" pitchFamily="18" charset="0"/>
+                <a:cs typeface="David" panose="020E0502060401010101" pitchFamily="34" charset="-79"/>
+              </a:rPr>
+              <a:t>Mirror Documentation</a:t>
+            </a:r>
+            <a:endParaRPr lang="en-US" sz="2400" dirty="0">
+              <a:solidFill>
+                <a:schemeClr val="accent1">
+                  <a:lumMod val="75000"/>
+                </a:schemeClr>
+              </a:solidFill>
+              <a:effectLst/>
+              <a:latin typeface="Times New Roman" panose="02020603050405020304" pitchFamily="18" charset="0"/>
+              <a:ea typeface="Times New Roman" panose="02020603050405020304" pitchFamily="18" charset="0"/>
+              <a:cs typeface="David" panose="020E0502060401010101" pitchFamily="34" charset="-79"/>
+            </a:endParaRPr>
+          </a:p>
+          <a:p>
+            <a:pPr marL="342900" lvl="0" indent="-342900" algn="r" rtl="1">
+              <a:lnSpc>
+                <a:spcPct val="107000"/>
+              </a:lnSpc>
+              <a:spcAft>
+                <a:spcPts val="800"/>
+              </a:spcAft>
+              <a:buFont typeface="Symbol" panose="05050102010706020507" pitchFamily="18" charset="2"/>
+              <a:buChar char=""/>
+            </a:pPr>
+            <a:r>
+              <a:rPr lang="he-IL" sz="2400" dirty="0">
+                <a:solidFill>
+                  <a:schemeClr val="accent1">
+                    <a:lumMod val="75000"/>
+                  </a:schemeClr>
+                </a:solidFill>
+                <a:effectLst/>
+                <a:latin typeface="Times New Roman" panose="02020603050405020304" pitchFamily="18" charset="0"/>
+                <a:ea typeface="Times New Roman" panose="02020603050405020304" pitchFamily="18" charset="0"/>
+                <a:cs typeface="Arial" panose="020B0604020202020204" pitchFamily="34" charset="0"/>
+              </a:rPr>
+              <a:t>מדריכים שונים באינטרנט</a:t>
+            </a:r>
+            <a:endParaRPr lang="en-US" sz="2400" dirty="0">
+              <a:solidFill>
+                <a:schemeClr val="accent1">
+                  <a:lumMod val="75000"/>
+                </a:schemeClr>
+              </a:solidFill>
+              <a:effectLst/>
+              <a:latin typeface="Times New Roman" panose="02020603050405020304" pitchFamily="18" charset="0"/>
+              <a:ea typeface="Times New Roman" panose="02020603050405020304" pitchFamily="18" charset="0"/>
+              <a:cs typeface="David" panose="020E0502060401010101" pitchFamily="34" charset="-79"/>
+            </a:endParaRPr>
+          </a:p>
+          <a:p>
+            <a:pPr marL="342900" lvl="0" indent="-342900" algn="r" rtl="1">
+              <a:lnSpc>
+                <a:spcPct val="107000"/>
+              </a:lnSpc>
+              <a:spcAft>
+                <a:spcPts val="800"/>
+              </a:spcAft>
+              <a:buFont typeface="Symbol" panose="05050102010706020507" pitchFamily="18" charset="2"/>
+              <a:buChar char=""/>
+            </a:pPr>
+            <a:r>
+              <a:rPr lang="en-US" sz="2400" u="sng" dirty="0">
+                <a:solidFill>
+                  <a:schemeClr val="accent1">
+                    <a:lumMod val="75000"/>
+                  </a:schemeClr>
+                </a:solidFill>
+                <a:effectLst/>
+                <a:latin typeface="Arial" panose="020B0604020202020204" pitchFamily="34" charset="0"/>
+                <a:ea typeface="Times New Roman" panose="02020603050405020304" pitchFamily="18" charset="0"/>
+                <a:cs typeface="David" panose="020E0502060401010101" pitchFamily="34" charset="-79"/>
+                <a:hlinkClick r:id="rId2">
+                  <a:extLst>
+                    <a:ext uri="{A12FA001-AC4F-418D-AE19-62706E023703}">
+                      <ahyp:hlinkClr xmlns:ahyp="http://schemas.microsoft.com/office/drawing/2018/hyperlinkcolor" val="tx"/>
+                    </a:ext>
+                  </a:extLst>
+                </a:hlinkClick>
+              </a:rPr>
+              <a:t>https://gamedev.stackexchange.com/</a:t>
+            </a:r>
+            <a:endParaRPr lang="en-US" sz="2400" dirty="0">
+              <a:solidFill>
+                <a:schemeClr val="accent1">
+                  <a:lumMod val="75000"/>
+                </a:schemeClr>
+              </a:solidFill>
+              <a:effectLst/>
+              <a:latin typeface="Times New Roman" panose="02020603050405020304" pitchFamily="18" charset="0"/>
+              <a:ea typeface="Times New Roman" panose="02020603050405020304" pitchFamily="18" charset="0"/>
+              <a:cs typeface="David" panose="020E0502060401010101" pitchFamily="34" charset="-79"/>
+            </a:endParaRPr>
+          </a:p>
+          <a:p>
+            <a:pPr marL="342900" lvl="0" indent="-342900" algn="r" rtl="1">
+              <a:lnSpc>
+                <a:spcPct val="107000"/>
+              </a:lnSpc>
+              <a:spcAft>
+                <a:spcPts val="800"/>
+              </a:spcAft>
+              <a:buFont typeface="Symbol" panose="05050102010706020507" pitchFamily="18" charset="2"/>
+              <a:buChar char=""/>
+            </a:pPr>
+            <a:r>
+              <a:rPr lang="en-US" sz="2400" dirty="0">
+                <a:solidFill>
+                  <a:schemeClr val="accent1">
+                    <a:lumMod val="75000"/>
+                  </a:schemeClr>
+                </a:solidFill>
+                <a:effectLst/>
+                <a:latin typeface="Times New Roman" panose="02020603050405020304" pitchFamily="18" charset="0"/>
+                <a:ea typeface="Times New Roman" panose="02020603050405020304" pitchFamily="18" charset="0"/>
+                <a:cs typeface="David" panose="020E0502060401010101" pitchFamily="34" charset="-79"/>
+              </a:rPr>
+              <a:t>Development of a Real-Time Strategy Game</a:t>
+            </a:r>
+            <a:r>
+              <a:rPr lang="en-US" sz="2400" dirty="0">
+                <a:solidFill>
+                  <a:schemeClr val="accent1">
+                    <a:lumMod val="75000"/>
+                  </a:schemeClr>
+                </a:solidFill>
+                <a:effectLst/>
+                <a:latin typeface="Arial" panose="020B0604020202020204" pitchFamily="34" charset="0"/>
+                <a:ea typeface="Times New Roman" panose="02020603050405020304" pitchFamily="18" charset="0"/>
+                <a:cs typeface="David" panose="020E0502060401010101" pitchFamily="34" charset="-79"/>
+              </a:rPr>
+              <a:t>, by: </a:t>
+            </a:r>
+            <a:r>
+              <a:rPr lang="en-US" sz="2400" dirty="0">
+                <a:solidFill>
+                  <a:schemeClr val="accent1">
+                    <a:lumMod val="75000"/>
+                  </a:schemeClr>
+                </a:solidFill>
+                <a:effectLst/>
+                <a:latin typeface="Times New Roman" panose="02020603050405020304" pitchFamily="18" charset="0"/>
+                <a:ea typeface="Times New Roman" panose="02020603050405020304" pitchFamily="18" charset="0"/>
+                <a:cs typeface="David" panose="020E0502060401010101" pitchFamily="34" charset="-79"/>
+              </a:rPr>
+              <a:t>Oluwafemi J. </a:t>
+            </a:r>
+            <a:r>
+              <a:rPr lang="en-US" sz="2400" dirty="0" err="1">
+                <a:solidFill>
+                  <a:schemeClr val="accent1">
+                    <a:lumMod val="75000"/>
+                  </a:schemeClr>
+                </a:solidFill>
+                <a:effectLst/>
+                <a:latin typeface="Times New Roman" panose="02020603050405020304" pitchFamily="18" charset="0"/>
+                <a:ea typeface="Times New Roman" panose="02020603050405020304" pitchFamily="18" charset="0"/>
+                <a:cs typeface="David" panose="020E0502060401010101" pitchFamily="34" charset="-79"/>
+              </a:rPr>
+              <a:t>Ayangbekun</a:t>
+            </a:r>
+            <a:r>
+              <a:rPr lang="en-US" sz="2400" dirty="0">
+                <a:solidFill>
+                  <a:schemeClr val="accent1">
+                    <a:lumMod val="75000"/>
+                  </a:schemeClr>
+                </a:solidFill>
+                <a:effectLst/>
+                <a:latin typeface="Times New Roman" panose="02020603050405020304" pitchFamily="18" charset="0"/>
+                <a:ea typeface="Times New Roman" panose="02020603050405020304" pitchFamily="18" charset="0"/>
+                <a:cs typeface="David" panose="020E0502060401010101" pitchFamily="34" charset="-79"/>
+              </a:rPr>
+              <a:t> , Ibrahim O. </a:t>
+            </a:r>
+            <a:r>
+              <a:rPr lang="en-US" sz="2400" dirty="0" err="1">
+                <a:solidFill>
+                  <a:schemeClr val="accent1">
+                    <a:lumMod val="75000"/>
+                  </a:schemeClr>
+                </a:solidFill>
+                <a:effectLst/>
+                <a:latin typeface="Times New Roman" panose="02020603050405020304" pitchFamily="18" charset="0"/>
+                <a:ea typeface="Times New Roman" panose="02020603050405020304" pitchFamily="18" charset="0"/>
+                <a:cs typeface="David" panose="020E0502060401010101" pitchFamily="34" charset="-79"/>
+              </a:rPr>
+              <a:t>Akinde</a:t>
+            </a:r>
+            <a:r>
+              <a:rPr lang="en-US" sz="2400" dirty="0">
+                <a:solidFill>
+                  <a:schemeClr val="accent1">
+                    <a:lumMod val="75000"/>
+                  </a:schemeClr>
+                </a:solidFill>
+                <a:effectLst/>
+                <a:latin typeface="Times New Roman" panose="02020603050405020304" pitchFamily="18" charset="0"/>
+                <a:ea typeface="Times New Roman" panose="02020603050405020304" pitchFamily="18" charset="0"/>
+                <a:cs typeface="David" panose="020E0502060401010101" pitchFamily="34" charset="-79"/>
+              </a:rPr>
+              <a:t>, August 2014</a:t>
+            </a:r>
+          </a:p>
+          <a:p>
+            <a:pPr marL="342900" lvl="0" indent="-342900" algn="r" rtl="1">
+              <a:lnSpc>
+                <a:spcPct val="107000"/>
+              </a:lnSpc>
+              <a:spcAft>
+                <a:spcPts val="800"/>
+              </a:spcAft>
+              <a:buFont typeface="Symbol" panose="05050102010706020507" pitchFamily="18" charset="2"/>
+              <a:buChar char=""/>
+            </a:pPr>
+            <a:r>
+              <a:rPr lang="en-US" sz="2400" dirty="0">
+                <a:solidFill>
+                  <a:schemeClr val="accent1">
+                    <a:lumMod val="75000"/>
+                  </a:schemeClr>
+                </a:solidFill>
+                <a:effectLst/>
+                <a:latin typeface="Arial" panose="020B0604020202020204" pitchFamily="34" charset="0"/>
+                <a:ea typeface="Times New Roman" panose="02020603050405020304" pitchFamily="18" charset="0"/>
+                <a:cs typeface="David" panose="020E0502060401010101" pitchFamily="34" charset="-79"/>
+              </a:rPr>
+              <a:t>https://unity.com/how-to/how-architect-code-your-project-scales</a:t>
+            </a:r>
+            <a:endParaRPr lang="en-US" sz="2400" dirty="0">
+              <a:solidFill>
+                <a:schemeClr val="accent1">
+                  <a:lumMod val="75000"/>
+                </a:schemeClr>
+              </a:solidFill>
+              <a:effectLst/>
+              <a:latin typeface="Times New Roman" panose="02020603050405020304" pitchFamily="18" charset="0"/>
+              <a:ea typeface="Times New Roman" panose="02020603050405020304" pitchFamily="18" charset="0"/>
+              <a:cs typeface="David" panose="020E0502060401010101" pitchFamily="34" charset="-79"/>
+            </a:endParaRPr>
+          </a:p>
+        </p:txBody>
+      </p:sp>
+    </p:spTree>
+    <p:extLst>
+      <p:ext uri="{BB962C8B-B14F-4D97-AF65-F5344CB8AC3E}">
+        <p14:creationId xmlns:p14="http://schemas.microsoft.com/office/powerpoint/2010/main" val="3899235386"/>
+      </p:ext>
+    </p:extLst>
+  </p:cSld>
+  <p:clrMapOvr>
+    <a:masterClrMapping/>
+  </p:clrMapOvr>
+</p:sld>
+</file>
+
+<file path=ppt/slides/slide24.xml><?xml version="1.0" encoding="utf-8"?>
+<p:sld xmlns:a="http://schemas.openxmlformats.org/drawingml/2006/main" xmlns:r="http://schemas.openxmlformats.org/officeDocument/2006/relationships" xmlns:p="http://schemas.openxmlformats.org/presentationml/2006/main">
+  <p:cSld>
+    <p:spTree>
+      <p:nvGrpSpPr>
+        <p:cNvPr id="1" name=""/>
+        <p:cNvGrpSpPr/>
+        <p:nvPr/>
+      </p:nvGrpSpPr>
+      <p:grpSpPr>
+        <a:xfrm>
+          <a:off x="0" y="0"/>
+          <a:ext cx="0" cy="0"/>
+          <a:chOff x="0" y="0"/>
+          <a:chExt cx="0" cy="0"/>
+        </a:xfrm>
+      </p:grpSpPr>
+      <p:sp>
+        <p:nvSpPr>
+          <p:cNvPr id="2" name="Title 1">
+            <a:extLst>
+              <a:ext uri="{FF2B5EF4-FFF2-40B4-BE49-F238E27FC236}">
+                <a16:creationId xmlns:a16="http://schemas.microsoft.com/office/drawing/2014/main" id="{934B3E86-CF56-456B-908A-4017426A63D0}"/>
+              </a:ext>
+            </a:extLst>
+          </p:cNvPr>
+          <p:cNvSpPr>
+            <a:spLocks noGrp="1"/>
+          </p:cNvSpPr>
+          <p:nvPr>
+            <p:ph type="title"/>
+          </p:nvPr>
+        </p:nvSpPr>
+        <p:spPr>
+          <a:xfrm>
+            <a:off x="1158240" y="1852669"/>
+            <a:ext cx="9875520" cy="1356360"/>
+          </a:xfrm>
+        </p:spPr>
+        <p:txBody>
+          <a:bodyPr>
+            <a:normAutofit/>
+          </a:bodyPr>
+          <a:lstStyle/>
+          <a:p>
+            <a:pPr algn="ctr"/>
+            <a:r>
+              <a:rPr lang="he-IL" sz="6000" b="1" dirty="0"/>
+              <a:t>הדגמה ב- </a:t>
+            </a:r>
+            <a:r>
+              <a:rPr lang="en-US" sz="6000" b="1" dirty="0"/>
+              <a:t>Unity</a:t>
+            </a:r>
+            <a:endParaRPr lang="LID4096" sz="6000" b="1" dirty="0"/>
+          </a:p>
+        </p:txBody>
+      </p:sp>
+    </p:spTree>
+    <p:extLst>
+      <p:ext uri="{BB962C8B-B14F-4D97-AF65-F5344CB8AC3E}">
+        <p14:creationId xmlns:p14="http://schemas.microsoft.com/office/powerpoint/2010/main" val="3711405231"/>
+      </p:ext>
+    </p:extLst>
+  </p:cSld>
+  <p:clrMapOvr>
+    <a:masterClrMapping/>
+  </p:clrMapOvr>
+</p:sld>
+</file>
+
+<file path=ppt/slides/slide25.xml><?xml version="1.0" encoding="utf-8"?>
+<p:sld xmlns:a="http://schemas.openxmlformats.org/drawingml/2006/main" xmlns:r="http://schemas.openxmlformats.org/officeDocument/2006/relationships" xmlns:p="http://schemas.openxmlformats.org/presentationml/2006/main">
+  <p:cSld>
+    <p:bg>
+      <p:bgPr>
+        <a:solidFill>
+          <a:schemeClr val="accent1"/>
+        </a:solidFill>
+        <a:effectLst/>
+      </p:bgPr>
+    </p:bg>
+    <p:spTree>
+      <p:nvGrpSpPr>
+        <p:cNvPr id="1" name=""/>
+        <p:cNvGrpSpPr/>
+        <p:nvPr/>
+      </p:nvGrpSpPr>
+      <p:grpSpPr>
+        <a:xfrm>
+          <a:off x="0" y="0"/>
+          <a:ext cx="0" cy="0"/>
+          <a:chOff x="0" y="0"/>
+          <a:chExt cx="0" cy="0"/>
+        </a:xfrm>
+      </p:grpSpPr>
+      <p:sp>
+        <p:nvSpPr>
+          <p:cNvPr id="8" name="Rectangle 7">
+            <a:extLst>
+              <a:ext uri="{FF2B5EF4-FFF2-40B4-BE49-F238E27FC236}">
+                <a16:creationId xmlns:a16="http://schemas.microsoft.com/office/drawing/2014/main" id="{6C0DD7BF-8F3D-4D34-A37A-85563D3D62FF}"/>
+              </a:ext>
+              <a:ext uri="{C183D7F6-B498-43B3-948B-1728B52AA6E4}">
+                <adec:decorative xmlns:adec="http://schemas.microsoft.com/office/drawing/2017/decorative" val="1"/>
+              </a:ext>
+            </a:extLst>
+          </p:cNvPr>
+          <p:cNvSpPr>
+            <a:spLocks noGrp="1" noRot="1" noChangeAspect="1" noMove="1" noResize="1" noEditPoints="1" noAdjustHandles="1" noChangeArrowheads="1" noChangeShapeType="1" noTextEdit="1"/>
+          </p:cNvSpPr>
+          <p:nvPr>
+            <p:extLst>
+              <p:ext uri="{386F3935-93C4-4BCD-93E2-E3B085C9AB24}">
+                <p16:designElem xmlns:p16="http://schemas.microsoft.com/office/powerpoint/2015/main" val="1"/>
+              </p:ext>
+            </p:extLst>
+          </p:nvPr>
+        </p:nvSpPr>
+        <p:spPr>
+          <a:xfrm>
+            <a:off x="231140" y="243840"/>
+            <a:ext cx="11724640" cy="6377939"/>
+          </a:xfrm>
+          <a:prstGeom prst="rect">
+            <a:avLst/>
+          </a:prstGeom>
+          <a:solidFill>
+            <a:schemeClr val="bg1"/>
+          </a:solidFill>
+          <a:ln w="12700">
+            <a:noFill/>
+          </a:ln>
+        </p:spPr>
+        <p:style>
+          <a:lnRef idx="2">
+            <a:schemeClr val="accent1">
+              <a:shade val="50000"/>
+            </a:schemeClr>
+          </a:lnRef>
+          <a:fillRef idx="1">
+            <a:schemeClr val="accent1"/>
+          </a:fillRef>
+          <a:effectRef idx="0">
+            <a:schemeClr val="accent1"/>
+          </a:effectRef>
+          <a:fontRef idx="minor">
+            <a:schemeClr val="lt1"/>
+          </a:fontRef>
+        </p:style>
+      </p:sp>
+      <p:sp>
+        <p:nvSpPr>
+          <p:cNvPr id="10" name="Rectangle 9">
+            <a:extLst>
+              <a:ext uri="{FF2B5EF4-FFF2-40B4-BE49-F238E27FC236}">
+                <a16:creationId xmlns:a16="http://schemas.microsoft.com/office/drawing/2014/main" id="{A82C64D9-D855-4343-BB40-3E465EFFA0B6}"/>
+              </a:ext>
+              <a:ext uri="{C183D7F6-B498-43B3-948B-1728B52AA6E4}">
+                <adec:decorative xmlns:adec="http://schemas.microsoft.com/office/drawing/2017/decorative" val="1"/>
+              </a:ext>
+            </a:extLst>
+          </p:cNvPr>
+          <p:cNvSpPr>
+            <a:spLocks noGrp="1" noRot="1" noChangeAspect="1" noMove="1" noResize="1" noEditPoints="1" noAdjustHandles="1" noChangeArrowheads="1" noChangeShapeType="1" noTextEdit="1"/>
+          </p:cNvSpPr>
+          <p:nvPr>
+            <p:extLst>
+              <p:ext uri="{386F3935-93C4-4BCD-93E2-E3B085C9AB24}">
+                <p16:designElem xmlns:p16="http://schemas.microsoft.com/office/powerpoint/2015/main" val="1"/>
+              </p:ext>
+            </p:extLst>
+          </p:nvPr>
+        </p:nvSpPr>
+        <p:spPr>
+          <a:xfrm>
+            <a:off x="231140" y="243840"/>
+            <a:ext cx="11724640" cy="6377939"/>
+          </a:xfrm>
+          <a:prstGeom prst="rect">
+            <a:avLst/>
+          </a:prstGeom>
+          <a:solidFill>
+            <a:schemeClr val="accent1"/>
+          </a:solidFill>
+          <a:ln w="12700">
+            <a:solidFill>
+              <a:srgbClr val="FFFFFF"/>
+            </a:solidFill>
+          </a:ln>
+        </p:spPr>
+        <p:style>
+          <a:lnRef idx="2">
+            <a:schemeClr val="accent1">
+              <a:shade val="50000"/>
+            </a:schemeClr>
+          </a:lnRef>
+          <a:fillRef idx="1">
+            <a:schemeClr val="accent1"/>
+          </a:fillRef>
+          <a:effectRef idx="0">
+            <a:schemeClr val="accent1"/>
+          </a:effectRef>
+          <a:fontRef idx="minor">
+            <a:schemeClr val="lt1"/>
+          </a:fontRef>
+        </p:style>
+      </p:sp>
+      <p:cxnSp>
+        <p:nvCxnSpPr>
+          <p:cNvPr id="12" name="Straight Connector 11">
+            <a:extLst>
+              <a:ext uri="{FF2B5EF4-FFF2-40B4-BE49-F238E27FC236}">
+                <a16:creationId xmlns:a16="http://schemas.microsoft.com/office/drawing/2014/main" id="{106D061A-80BB-4A08-8350-176FFFDCC32C}"/>
+              </a:ext>
+              <a:ext uri="{C183D7F6-B498-43B3-948B-1728B52AA6E4}">
+                <adec:decorative xmlns:adec="http://schemas.microsoft.com/office/drawing/2017/decorative" val="1"/>
+              </a:ext>
+            </a:extLst>
+          </p:cNvPr>
+          <p:cNvCxnSpPr>
+            <a:cxnSpLocks noGrp="1" noRot="1" noChangeAspect="1" noMove="1" noResize="1" noEditPoints="1" noAdjustHandles="1" noChangeArrowheads="1" noChangeShapeType="1"/>
+          </p:cNvCxnSpPr>
+          <p:nvPr>
+            <p:extLst>
+              <p:ext uri="{386F3935-93C4-4BCD-93E2-E3B085C9AB24}">
+                <p16:designElem xmlns:p16="http://schemas.microsoft.com/office/powerpoint/2015/main" val="1"/>
+              </p:ext>
+            </p:extLst>
+          </p:nvPr>
+        </p:nvCxnSpPr>
+        <p:spPr>
+          <a:xfrm>
+            <a:off x="1978660" y="3733800"/>
+            <a:ext cx="8229601" cy="0"/>
+          </a:xfrm>
+          <a:prstGeom prst="line">
+            <a:avLst/>
+          </a:prstGeom>
+          <a:ln>
+            <a:solidFill>
+              <a:srgbClr val="FFFFFF"/>
+            </a:solidFill>
+          </a:ln>
+        </p:spPr>
+        <p:style>
+          <a:lnRef idx="1">
+            <a:schemeClr val="accent1"/>
+          </a:lnRef>
+          <a:fillRef idx="0">
+            <a:schemeClr val="accent1"/>
+          </a:fillRef>
+          <a:effectRef idx="0">
+            <a:schemeClr val="accent1"/>
+          </a:effectRef>
+          <a:fontRef idx="minor">
+            <a:schemeClr val="tx1"/>
+          </a:fontRef>
+        </p:style>
+      </p:cxnSp>
+      <p:sp>
+        <p:nvSpPr>
+          <p:cNvPr id="14" name="Rectangle 13">
+            <a:extLst>
+              <a:ext uri="{FF2B5EF4-FFF2-40B4-BE49-F238E27FC236}">
+                <a16:creationId xmlns:a16="http://schemas.microsoft.com/office/drawing/2014/main" id="{0AE913A7-2CA0-4B64-A25F-C0648DBC33FE}"/>
+              </a:ext>
+              <a:ext uri="{C183D7F6-B498-43B3-948B-1728B52AA6E4}">
+                <adec:decorative xmlns:adec="http://schemas.microsoft.com/office/drawing/2017/decorative" val="1"/>
+              </a:ext>
+            </a:extLst>
+          </p:cNvPr>
+          <p:cNvSpPr>
+            <a:spLocks noGrp="1" noRot="1" noChangeAspect="1" noMove="1" noResize="1" noEditPoints="1" noAdjustHandles="1" noChangeArrowheads="1" noChangeShapeType="1" noTextEdit="1"/>
+          </p:cNvSpPr>
+          <p:nvPr>
+            <p:extLst>
+              <p:ext uri="{386F3935-93C4-4BCD-93E2-E3B085C9AB24}">
+                <p16:designElem xmlns:p16="http://schemas.microsoft.com/office/powerpoint/2015/main" val="1"/>
+              </p:ext>
+            </p:extLst>
+          </p:nvPr>
+        </p:nvSpPr>
+        <p:spPr>
+          <a:xfrm>
+            <a:off x="231140" y="243840"/>
+            <a:ext cx="11724640" cy="6377939"/>
+          </a:xfrm>
+          <a:prstGeom prst="rect">
+            <a:avLst/>
+          </a:prstGeom>
+          <a:solidFill>
+            <a:schemeClr val="accent1">
+              <a:lumMod val="75000"/>
+            </a:schemeClr>
+          </a:solidFill>
+          <a:ln w="12700">
+            <a:solidFill>
+              <a:srgbClr val="FFFFFF"/>
+            </a:solidFill>
+          </a:ln>
+        </p:spPr>
+        <p:style>
+          <a:lnRef idx="2">
+            <a:schemeClr val="accent1">
+              <a:shade val="50000"/>
+            </a:schemeClr>
+          </a:lnRef>
+          <a:fillRef idx="1">
+            <a:schemeClr val="accent1"/>
+          </a:fillRef>
+          <a:effectRef idx="0">
+            <a:schemeClr val="accent1"/>
+          </a:effectRef>
+          <a:fontRef idx="minor">
+            <a:schemeClr val="lt1"/>
+          </a:fontRef>
+        </p:style>
+      </p:sp>
+      <p:pic>
+        <p:nvPicPr>
+          <p:cNvPr id="4" name="Picture 3" descr="סימן שאלה צהוב">
+            <a:extLst>
+              <a:ext uri="{FF2B5EF4-FFF2-40B4-BE49-F238E27FC236}">
+                <a16:creationId xmlns:a16="http://schemas.microsoft.com/office/drawing/2014/main" id="{22D81228-1D7B-4DFD-B482-F3BDC8F92E05}"/>
+              </a:ext>
+            </a:extLst>
+          </p:cNvPr>
+          <p:cNvPicPr>
+            <a:picLocks noChangeAspect="1"/>
+          </p:cNvPicPr>
+          <p:nvPr/>
+        </p:nvPicPr>
+        <p:blipFill rotWithShape="1">
+          <a:blip r:embed="rId2">
+            <a:duotone>
+              <a:schemeClr val="accent1">
+                <a:shade val="45000"/>
+                <a:satMod val="135000"/>
+              </a:schemeClr>
+              <a:prstClr val="white"/>
+            </a:duotone>
+            <a:alphaModFix amt="60000"/>
+          </a:blip>
+          <a:srcRect b="6250"/>
+          <a:stretch/>
+        </p:blipFill>
+        <p:spPr>
+          <a:xfrm>
+            <a:off x="20" y="-1"/>
+            <a:ext cx="12191980" cy="6858001"/>
+          </a:xfrm>
+          <a:prstGeom prst="rect">
+            <a:avLst/>
+          </a:prstGeom>
+        </p:spPr>
+      </p:pic>
+      <p:cxnSp>
+        <p:nvCxnSpPr>
+          <p:cNvPr id="16" name="Straight Connector 15">
+            <a:extLst>
+              <a:ext uri="{FF2B5EF4-FFF2-40B4-BE49-F238E27FC236}">
+                <a16:creationId xmlns:a16="http://schemas.microsoft.com/office/drawing/2014/main" id="{F711F046-5997-46AF-8E8D-F3DE223E444D}"/>
+              </a:ext>
+              <a:ext uri="{C183D7F6-B498-43B3-948B-1728B52AA6E4}">
+                <adec:decorative xmlns:adec="http://schemas.microsoft.com/office/drawing/2017/decorative" val="1"/>
+              </a:ext>
+            </a:extLst>
+          </p:cNvPr>
+          <p:cNvCxnSpPr>
+            <a:cxnSpLocks noGrp="1" noRot="1" noChangeAspect="1" noMove="1" noResize="1" noEditPoints="1" noAdjustHandles="1" noChangeArrowheads="1" noChangeShapeType="1"/>
+          </p:cNvCxnSpPr>
+          <p:nvPr>
+            <p:extLst>
+              <p:ext uri="{386F3935-93C4-4BCD-93E2-E3B085C9AB24}">
+                <p16:designElem xmlns:p16="http://schemas.microsoft.com/office/powerpoint/2015/main" val="1"/>
+              </p:ext>
+            </p:extLst>
+          </p:nvPr>
+        </p:nvCxnSpPr>
+        <p:spPr>
+          <a:xfrm>
+            <a:off x="1978660" y="3733800"/>
+            <a:ext cx="8229601" cy="0"/>
+          </a:xfrm>
+          <a:prstGeom prst="line">
+            <a:avLst/>
+          </a:prstGeom>
+          <a:ln>
+            <a:solidFill>
+              <a:srgbClr val="FFFFFF"/>
+            </a:solidFill>
+          </a:ln>
+        </p:spPr>
+        <p:style>
+          <a:lnRef idx="1">
+            <a:schemeClr val="accent1"/>
+          </a:lnRef>
+          <a:fillRef idx="0">
+            <a:schemeClr val="accent1"/>
+          </a:fillRef>
+          <a:effectRef idx="0">
+            <a:schemeClr val="accent1"/>
+          </a:effectRef>
+          <a:fontRef idx="minor">
+            <a:schemeClr val="tx1"/>
+          </a:fontRef>
+        </p:style>
+      </p:cxnSp>
+      <p:sp>
+        <p:nvSpPr>
+          <p:cNvPr id="18" name="Rectangle 17">
+            <a:extLst>
+              <a:ext uri="{FF2B5EF4-FFF2-40B4-BE49-F238E27FC236}">
+                <a16:creationId xmlns:a16="http://schemas.microsoft.com/office/drawing/2014/main" id="{83E5F85C-576B-4095-B465-6B09F9E09915}"/>
+              </a:ext>
+              <a:ext uri="{C183D7F6-B498-43B3-948B-1728B52AA6E4}">
+                <adec:decorative xmlns:adec="http://schemas.microsoft.com/office/drawing/2017/decorative" val="1"/>
+              </a:ext>
+            </a:extLst>
+          </p:cNvPr>
+          <p:cNvSpPr>
+            <a:spLocks noGrp="1" noRot="1" noChangeAspect="1" noMove="1" noResize="1" noEditPoints="1" noAdjustHandles="1" noChangeArrowheads="1" noChangeShapeType="1" noTextEdit="1"/>
+          </p:cNvSpPr>
+          <p:nvPr>
+            <p:extLst>
+              <p:ext uri="{386F3935-93C4-4BCD-93E2-E3B085C9AB24}">
+                <p16:designElem xmlns:p16="http://schemas.microsoft.com/office/powerpoint/2015/main" val="1"/>
+              </p:ext>
+            </p:extLst>
+          </p:nvPr>
+        </p:nvSpPr>
+        <p:spPr>
+          <a:xfrm>
+            <a:off x="228600" y="246888"/>
+            <a:ext cx="11724640" cy="6377939"/>
+          </a:xfrm>
+          <a:prstGeom prst="rect">
+            <a:avLst/>
+          </a:prstGeom>
+          <a:noFill/>
+          <a:ln w="12700">
+            <a:solidFill>
+              <a:srgbClr val="FFFFFF"/>
+            </a:solidFill>
+          </a:ln>
+        </p:spPr>
+        <p:style>
+          <a:lnRef idx="2">
+            <a:schemeClr val="accent1">
+              <a:shade val="50000"/>
+            </a:schemeClr>
+          </a:lnRef>
+          <a:fillRef idx="1">
+            <a:schemeClr val="accent1"/>
+          </a:fillRef>
+          <a:effectRef idx="0">
+            <a:schemeClr val="accent1"/>
+          </a:effectRef>
+          <a:fontRef idx="minor">
+            <a:schemeClr val="lt1"/>
+          </a:fontRef>
+        </p:style>
+      </p:sp>
+      <p:sp>
+        <p:nvSpPr>
+          <p:cNvPr id="2" name="Title 1">
+            <a:extLst>
+              <a:ext uri="{FF2B5EF4-FFF2-40B4-BE49-F238E27FC236}">
+                <a16:creationId xmlns:a16="http://schemas.microsoft.com/office/drawing/2014/main" id="{934B3E86-CF56-456B-908A-4017426A63D0}"/>
+              </a:ext>
+            </a:extLst>
+          </p:cNvPr>
+          <p:cNvSpPr>
+            <a:spLocks noGrp="1"/>
+          </p:cNvSpPr>
+          <p:nvPr>
+            <p:ph type="title"/>
+          </p:nvPr>
+        </p:nvSpPr>
+        <p:spPr>
+          <a:xfrm>
+            <a:off x="1109980" y="882376"/>
+            <a:ext cx="9966960" cy="2926080"/>
+          </a:xfrm>
+        </p:spPr>
+        <p:txBody>
+          <a:bodyPr vert="horz" lIns="91440" tIns="45720" rIns="91440" bIns="45720" rtlCol="0" anchor="b">
+            <a:normAutofit/>
+          </a:bodyPr>
+          <a:lstStyle/>
+          <a:p>
+            <a:pPr algn="ctr">
+              <a:lnSpc>
+                <a:spcPct val="85000"/>
+              </a:lnSpc>
+            </a:pPr>
+            <a:r>
+              <a:rPr lang="en-US" sz="7200" b="1" cap="all" dirty="0" err="1">
+                <a:solidFill>
+                  <a:srgbClr val="FFFFFF"/>
+                </a:solidFill>
+              </a:rPr>
+              <a:t>שאלות</a:t>
+            </a:r>
+            <a:r>
+              <a:rPr lang="en-US" sz="7200" b="1" cap="all" dirty="0">
+                <a:solidFill>
+                  <a:srgbClr val="FFFFFF"/>
+                </a:solidFill>
+              </a:rPr>
+              <a:t>?</a:t>
+            </a:r>
+          </a:p>
+        </p:txBody>
+      </p:sp>
+    </p:spTree>
+    <p:extLst>
+      <p:ext uri="{BB962C8B-B14F-4D97-AF65-F5344CB8AC3E}">
+        <p14:creationId xmlns:p14="http://schemas.microsoft.com/office/powerpoint/2010/main" val="2897268881"/>
+      </p:ext>
+    </p:extLst>
+  </p:cSld>
+  <p:clrMapOvr>
+    <a:masterClrMapping/>
+  </p:clrMapOvr>
+  <p:timing>
+    <p:tnLst>
+      <p:par>
+        <p:cTn id="1" dur="indefinite" restart="never" nodeType="tmRoot">
+          <p:childTnLst>
+            <p:seq concurrent="1" nextAc="seek">
+              <p:cTn id="2" dur="indefinite" nodeType="mainSeq">
+                <p:childTnLst>
+                  <p:par>
+                    <p:cTn id="3" fill="hold">
+                      <p:stCondLst>
+                        <p:cond delay="indefinite"/>
+                        <p:cond evt="onBegin" delay="0">
+                          <p:tn val="2"/>
+                        </p:cond>
+                      </p:stCondLst>
+                      <p:childTnLst>
+                        <p:par>
+                          <p:cTn id="4" fill="hold">
+                            <p:stCondLst>
+                              <p:cond delay="0"/>
+                            </p:stCondLst>
+                            <p:childTnLst>
+                              <p:par>
+                                <p:cTn id="5" presetID="10" presetClass="entr" presetSubtype="0" fill="hold" grpId="0" nodeType="withEffect">
+                                  <p:stCondLst>
+                                    <p:cond delay="1000"/>
+                                  </p:stCondLst>
+                                  <p:iterate type="lt">
+                                    <p:tmPct val="10000"/>
+                                  </p:iterate>
+                                  <p:childTnLst>
+                                    <p:set>
+                                      <p:cBhvr>
+                                        <p:cTn id="6" dur="1" fill="hold">
+                                          <p:stCondLst>
+                                            <p:cond delay="0"/>
+                                          </p:stCondLst>
+                                        </p:cTn>
+                                        <p:tgtEl>
+                                          <p:spTgt spid="2"/>
+                                        </p:tgtEl>
+                                        <p:attrNameLst>
+                                          <p:attrName>style.visibility</p:attrName>
+                                        </p:attrNameLst>
+                                      </p:cBhvr>
+                                      <p:to>
+                                        <p:strVal val="visible"/>
+                                      </p:to>
+                                    </p:set>
+                                    <p:animEffect transition="in" filter="fade">
+                                      <p:cBhvr>
+                                        <p:cTn id="7" dur="400"/>
+                                        <p:tgtEl>
+                                          <p:spTgt spid="2"/>
+                                        </p:tgtEl>
+                                      </p:cBhvr>
+                                    </p:animEffect>
+                                  </p:childTnLst>
+                                </p:cTn>
+                              </p:par>
+                            </p:childTnLst>
+                          </p:cTn>
+                        </p:par>
+                      </p:childTnLst>
+                    </p:cTn>
+                  </p:par>
+                </p:childTnLst>
+              </p:cTn>
+              <p:prevCondLst>
+                <p:cond evt="onPrev" delay="0">
+                  <p:tgtEl>
+                    <p:sldTgt/>
+                  </p:tgtEl>
+                </p:cond>
+              </p:prevCondLst>
+              <p:nextCondLst>
+                <p:cond evt="onNext" delay="0">
+                  <p:tgtEl>
+                    <p:sldTgt/>
+                  </p:tgtEl>
+                </p:cond>
+              </p:nextCondLst>
+            </p:seq>
+          </p:childTnLst>
+        </p:cTn>
+      </p:par>
+    </p:tnLst>
+    <p:bldLst>
+      <p:bldP spid="2" grpId="0"/>
+    </p:bldLst>
+  </p:timing>
 </p:sld>
 </file>
 

--- a/דוחות/מצגות/מצגת התקדמות.pptx
+++ b/דוחות/מצגות/מצגת התקדמות.pptx
@@ -20794,7 +20794,7 @@
           <a:p>
             <a:fld id="{2E5861C8-6E59-4B49-805F-F09502E84273}" type="datetimeFigureOut">
               <a:rPr lang="he-IL" smtClean="0"/>
-              <a:t>א'/שבט/תשפ"ב</a:t>
+              <a:t>ד'/שבט/תשפ"ב</a:t>
             </a:fld>
             <a:endParaRPr lang="he-IL"/>
           </a:p>
@@ -21015,7 +21015,7 @@
           <a:p>
             <a:fld id="{2E5861C8-6E59-4B49-805F-F09502E84273}" type="datetimeFigureOut">
               <a:rPr lang="he-IL" smtClean="0"/>
-              <a:t>א'/שבט/תשפ"ב</a:t>
+              <a:t>ד'/שבט/תשפ"ב</a:t>
             </a:fld>
             <a:endParaRPr lang="he-IL"/>
           </a:p>
@@ -21195,7 +21195,7 @@
           <a:p>
             <a:fld id="{2E5861C8-6E59-4B49-805F-F09502E84273}" type="datetimeFigureOut">
               <a:rPr lang="he-IL" smtClean="0"/>
-              <a:t>א'/שבט/תשפ"ב</a:t>
+              <a:t>ד'/שבט/תשפ"ב</a:t>
             </a:fld>
             <a:endParaRPr lang="he-IL"/>
           </a:p>
@@ -21365,7 +21365,7 @@
           <a:p>
             <a:fld id="{2E5861C8-6E59-4B49-805F-F09502E84273}" type="datetimeFigureOut">
               <a:rPr lang="he-IL" smtClean="0"/>
-              <a:t>א'/שבט/תשפ"ב</a:t>
+              <a:t>ד'/שבט/תשפ"ב</a:t>
             </a:fld>
             <a:endParaRPr lang="he-IL"/>
           </a:p>
@@ -21616,7 +21616,7 @@
           <a:p>
             <a:fld id="{2E5861C8-6E59-4B49-805F-F09502E84273}" type="datetimeFigureOut">
               <a:rPr lang="he-IL" smtClean="0"/>
-              <a:t>א'/שבט/תשפ"ב</a:t>
+              <a:t>ד'/שבט/תשפ"ב</a:t>
             </a:fld>
             <a:endParaRPr lang="he-IL"/>
           </a:p>
@@ -21939,7 +21939,7 @@
           <a:p>
             <a:fld id="{2E5861C8-6E59-4B49-805F-F09502E84273}" type="datetimeFigureOut">
               <a:rPr lang="he-IL" smtClean="0"/>
-              <a:t>א'/שבט/תשפ"ב</a:t>
+              <a:t>ד'/שבט/תשפ"ב</a:t>
             </a:fld>
             <a:endParaRPr lang="he-IL"/>
           </a:p>
@@ -22363,7 +22363,7 @@
           <a:p>
             <a:fld id="{2E5861C8-6E59-4B49-805F-F09502E84273}" type="datetimeFigureOut">
               <a:rPr lang="he-IL" smtClean="0"/>
-              <a:t>א'/שבט/תשפ"ב</a:t>
+              <a:t>ד'/שבט/תשפ"ב</a:t>
             </a:fld>
             <a:endParaRPr lang="he-IL"/>
           </a:p>
@@ -22481,7 +22481,7 @@
           <a:p>
             <a:fld id="{2E5861C8-6E59-4B49-805F-F09502E84273}" type="datetimeFigureOut">
               <a:rPr lang="he-IL" smtClean="0"/>
-              <a:t>א'/שבט/תשפ"ב</a:t>
+              <a:t>ד'/שבט/תשפ"ב</a:t>
             </a:fld>
             <a:endParaRPr lang="he-IL"/>
           </a:p>
@@ -22576,7 +22576,7 @@
           <a:p>
             <a:fld id="{2E5861C8-6E59-4B49-805F-F09502E84273}" type="datetimeFigureOut">
               <a:rPr lang="he-IL" smtClean="0"/>
-              <a:t>א'/שבט/תשפ"ב</a:t>
+              <a:t>ד'/שבט/תשפ"ב</a:t>
             </a:fld>
             <a:endParaRPr lang="he-IL"/>
           </a:p>
@@ -22866,7 +22866,7 @@
           <a:p>
             <a:fld id="{2E5861C8-6E59-4B49-805F-F09502E84273}" type="datetimeFigureOut">
               <a:rPr lang="he-IL" smtClean="0"/>
-              <a:t>א'/שבט/תשפ"ב</a:t>
+              <a:t>ד'/שבט/תשפ"ב</a:t>
             </a:fld>
             <a:endParaRPr lang="he-IL"/>
           </a:p>
@@ -23138,7 +23138,7 @@
           <a:p>
             <a:fld id="{2E5861C8-6E59-4B49-805F-F09502E84273}" type="datetimeFigureOut">
               <a:rPr lang="he-IL" smtClean="0"/>
-              <a:t>א'/שבט/תשפ"ב</a:t>
+              <a:t>ד'/שבט/תשפ"ב</a:t>
             </a:fld>
             <a:endParaRPr lang="he-IL"/>
           </a:p>
@@ -23392,7 +23392,7 @@
           <a:p>
             <a:fld id="{2E5861C8-6E59-4B49-805F-F09502E84273}" type="datetimeFigureOut">
               <a:rPr lang="he-IL" smtClean="0"/>
-              <a:t>א'/שבט/תשפ"ב</a:t>
+              <a:t>ד'/שבט/תשפ"ב</a:t>
             </a:fld>
             <a:endParaRPr lang="he-IL"/>
           </a:p>
@@ -25023,14 +25023,14 @@
           <a:p>
             <a:pPr algn="ctr"/>
             <a:r>
-              <a:rPr lang="he-IL"/>
+              <a:rPr lang="he-IL" b="1" dirty="0"/>
               <a:t>קצת על </a:t>
             </a:r>
             <a:r>
-              <a:rPr lang="en-US"/>
+              <a:rPr lang="en-US" b="1" dirty="0"/>
               <a:t>Unity</a:t>
             </a:r>
-            <a:endParaRPr lang="LID4096" dirty="0"/>
+            <a:endParaRPr lang="LID4096" b="1" dirty="0"/>
           </a:p>
         </p:txBody>
       </p:sp>
@@ -25295,14 +25295,14 @@
           <a:p>
             <a:pPr algn="r"/>
             <a:r>
-              <a:rPr lang="he-IL" dirty="0"/>
+              <a:rPr lang="he-IL" b="1" dirty="0"/>
               <a:t>קצת על </a:t>
             </a:r>
             <a:r>
-              <a:rPr lang="en-US" dirty="0"/>
+              <a:rPr lang="en-US" b="1" dirty="0"/>
               <a:t>Mirror</a:t>
             </a:r>
-            <a:endParaRPr lang="LID4096" dirty="0"/>
+            <a:endParaRPr lang="LID4096" b="1" dirty="0"/>
           </a:p>
         </p:txBody>
       </p:sp>
@@ -26460,15 +26460,17 @@
         </p:nvSpPr>
         <p:spPr/>
         <p:txBody>
-          <a:bodyPr/>
+          <a:bodyPr>
+            <a:normAutofit/>
+          </a:bodyPr>
           <a:lstStyle/>
           <a:p>
             <a:pPr algn="ctr"/>
             <a:r>
-              <a:rPr lang="he-IL" dirty="0"/>
+              <a:rPr lang="he-IL" sz="5400" b="1" dirty="0"/>
               <a:t>ניתוח בעיות</a:t>
             </a:r>
-            <a:endParaRPr lang="LID4096" dirty="0"/>
+            <a:endParaRPr lang="LID4096" sz="5400" b="1" dirty="0"/>
           </a:p>
         </p:txBody>
       </p:sp>
@@ -27459,8 +27461,8 @@
         </p:blipFill>
         <p:spPr>
           <a:xfrm>
-            <a:off x="1143000" y="2009869"/>
-            <a:ext cx="9872663" cy="3741963"/>
+            <a:off x="558265" y="1788241"/>
+            <a:ext cx="11153813" cy="4227548"/>
           </a:xfrm>
         </p:spPr>
       </p:pic>
@@ -27501,7 +27503,7 @@
               </a:spcBef>
             </a:pPr>
             <a:r>
-              <a:rPr lang="he-IL" sz="4400" dirty="0">
+              <a:rPr lang="he-IL" sz="4400" b="1" dirty="0">
                 <a:solidFill>
                   <a:schemeClr val="accent1"/>
                 </a:solidFill>
@@ -27511,7 +27513,7 @@
               </a:rPr>
               <a:t>מבנה כללי</a:t>
             </a:r>
-            <a:endParaRPr lang="LID4096" sz="4400" dirty="0">
+            <a:endParaRPr lang="LID4096" sz="4400" b="1" dirty="0">
               <a:solidFill>
                 <a:schemeClr val="accent1"/>
               </a:solidFill>
@@ -27977,10 +27979,10 @@
           <a:p>
             <a:pPr algn="ctr"/>
             <a:r>
-              <a:rPr lang="he-IL" dirty="0"/>
+              <a:rPr lang="he-IL" b="1" dirty="0"/>
               <a:t>ביבליוגרפיה</a:t>
             </a:r>
-            <a:endParaRPr lang="LID4096" dirty="0"/>
+            <a:endParaRPr lang="LID4096" b="1" dirty="0"/>
           </a:p>
         </p:txBody>
       </p:sp>
@@ -28405,6 +28407,14 @@
 <file path=ppt/slides/slide24.xml><?xml version="1.0" encoding="utf-8"?>
 <p:sld xmlns:a="http://schemas.openxmlformats.org/drawingml/2006/main" xmlns:r="http://schemas.openxmlformats.org/officeDocument/2006/relationships" xmlns:p="http://schemas.openxmlformats.org/presentationml/2006/main">
   <p:cSld>
+    <p:bg>
+      <p:bgPr>
+        <a:solidFill>
+          <a:schemeClr val="accent1"/>
+        </a:solidFill>
+        <a:effectLst/>
+      </p:bgPr>
+    </p:bg>
     <p:spTree>
       <p:nvGrpSpPr>
         <p:cNvPr id="1" name=""/>
@@ -28419,6 +28429,388 @@
           <a:chExt cx="0" cy="0"/>
         </a:xfrm>
       </p:grpSpPr>
+      <p:sp>
+        <p:nvSpPr>
+          <p:cNvPr id="9" name="Rectangle 8">
+            <a:extLst>
+              <a:ext uri="{FF2B5EF4-FFF2-40B4-BE49-F238E27FC236}">
+                <a16:creationId xmlns:a16="http://schemas.microsoft.com/office/drawing/2014/main" id="{368A5362-EC3B-4BE3-804B-E6B289AF8A36}"/>
+              </a:ext>
+              <a:ext uri="{C183D7F6-B498-43B3-948B-1728B52AA6E4}">
+                <adec:decorative xmlns:adec="http://schemas.microsoft.com/office/drawing/2017/decorative" val="1"/>
+              </a:ext>
+            </a:extLst>
+          </p:cNvPr>
+          <p:cNvSpPr>
+            <a:spLocks noGrp="1" noRot="1" noChangeAspect="1" noMove="1" noResize="1" noEditPoints="1" noAdjustHandles="1" noChangeArrowheads="1" noChangeShapeType="1" noTextEdit="1"/>
+          </p:cNvSpPr>
+          <p:nvPr>
+            <p:extLst>
+              <p:ext uri="{386F3935-93C4-4BCD-93E2-E3B085C9AB24}">
+                <p16:designElem xmlns:p16="http://schemas.microsoft.com/office/powerpoint/2015/main" val="1"/>
+              </p:ext>
+            </p:extLst>
+          </p:nvPr>
+        </p:nvSpPr>
+        <p:spPr>
+          <a:xfrm>
+            <a:off x="231140" y="243840"/>
+            <a:ext cx="11724640" cy="6377939"/>
+          </a:xfrm>
+          <a:prstGeom prst="rect">
+            <a:avLst/>
+          </a:prstGeom>
+          <a:solidFill>
+            <a:schemeClr val="bg1"/>
+          </a:solidFill>
+          <a:ln w="12700">
+            <a:noFill/>
+          </a:ln>
+        </p:spPr>
+        <p:style>
+          <a:lnRef idx="2">
+            <a:schemeClr val="accent1">
+              <a:shade val="50000"/>
+            </a:schemeClr>
+          </a:lnRef>
+          <a:fillRef idx="1">
+            <a:schemeClr val="accent1"/>
+          </a:fillRef>
+          <a:effectRef idx="0">
+            <a:schemeClr val="accent1"/>
+          </a:effectRef>
+          <a:fontRef idx="minor">
+            <a:schemeClr val="lt1"/>
+          </a:fontRef>
+        </p:style>
+      </p:sp>
+      <p:sp>
+        <p:nvSpPr>
+          <p:cNvPr id="11" name="Rectangle 10">
+            <a:extLst>
+              <a:ext uri="{FF2B5EF4-FFF2-40B4-BE49-F238E27FC236}">
+                <a16:creationId xmlns:a16="http://schemas.microsoft.com/office/drawing/2014/main" id="{1D37744E-F5F6-4ED5-9F5F-21183A8FE771}"/>
+              </a:ext>
+              <a:ext uri="{C183D7F6-B498-43B3-948B-1728B52AA6E4}">
+                <adec:decorative xmlns:adec="http://schemas.microsoft.com/office/drawing/2017/decorative" val="1"/>
+              </a:ext>
+            </a:extLst>
+          </p:cNvPr>
+          <p:cNvSpPr>
+            <a:spLocks noGrp="1" noRot="1" noChangeAspect="1" noMove="1" noResize="1" noEditPoints="1" noAdjustHandles="1" noChangeArrowheads="1" noChangeShapeType="1" noTextEdit="1"/>
+          </p:cNvSpPr>
+          <p:nvPr>
+            <p:extLst>
+              <p:ext uri="{386F3935-93C4-4BCD-93E2-E3B085C9AB24}">
+                <p16:designElem xmlns:p16="http://schemas.microsoft.com/office/powerpoint/2015/main" val="1"/>
+              </p:ext>
+            </p:extLst>
+          </p:nvPr>
+        </p:nvSpPr>
+        <p:spPr>
+          <a:xfrm>
+            <a:off x="231140" y="243840"/>
+            <a:ext cx="11724640" cy="6377939"/>
+          </a:xfrm>
+          <a:prstGeom prst="rect">
+            <a:avLst/>
+          </a:prstGeom>
+          <a:solidFill>
+            <a:schemeClr val="accent1"/>
+          </a:solidFill>
+          <a:ln w="12700">
+            <a:solidFill>
+              <a:srgbClr val="FFFFFF"/>
+            </a:solidFill>
+          </a:ln>
+        </p:spPr>
+        <p:style>
+          <a:lnRef idx="2">
+            <a:schemeClr val="accent1">
+              <a:shade val="50000"/>
+            </a:schemeClr>
+          </a:lnRef>
+          <a:fillRef idx="1">
+            <a:schemeClr val="accent1"/>
+          </a:fillRef>
+          <a:effectRef idx="0">
+            <a:schemeClr val="accent1"/>
+          </a:effectRef>
+          <a:fontRef idx="minor">
+            <a:schemeClr val="lt1"/>
+          </a:fontRef>
+        </p:style>
+      </p:sp>
+      <p:cxnSp>
+        <p:nvCxnSpPr>
+          <p:cNvPr id="13" name="Straight Connector 12">
+            <a:extLst>
+              <a:ext uri="{FF2B5EF4-FFF2-40B4-BE49-F238E27FC236}">
+                <a16:creationId xmlns:a16="http://schemas.microsoft.com/office/drawing/2014/main" id="{DD9D7C55-D0C1-4B48-ADC5-A9E322B19608}"/>
+              </a:ext>
+              <a:ext uri="{C183D7F6-B498-43B3-948B-1728B52AA6E4}">
+                <adec:decorative xmlns:adec="http://schemas.microsoft.com/office/drawing/2017/decorative" val="1"/>
+              </a:ext>
+            </a:extLst>
+          </p:cNvPr>
+          <p:cNvCxnSpPr>
+            <a:cxnSpLocks noGrp="1" noRot="1" noChangeAspect="1" noMove="1" noResize="1" noEditPoints="1" noAdjustHandles="1" noChangeArrowheads="1" noChangeShapeType="1"/>
+          </p:cNvCxnSpPr>
+          <p:nvPr>
+            <p:extLst>
+              <p:ext uri="{386F3935-93C4-4BCD-93E2-E3B085C9AB24}">
+                <p16:designElem xmlns:p16="http://schemas.microsoft.com/office/powerpoint/2015/main" val="1"/>
+              </p:ext>
+            </p:extLst>
+          </p:nvPr>
+        </p:nvCxnSpPr>
+        <p:spPr>
+          <a:xfrm>
+            <a:off x="1978660" y="3733800"/>
+            <a:ext cx="8229601" cy="0"/>
+          </a:xfrm>
+          <a:prstGeom prst="line">
+            <a:avLst/>
+          </a:prstGeom>
+          <a:ln>
+            <a:solidFill>
+              <a:srgbClr val="FFFFFF"/>
+            </a:solidFill>
+          </a:ln>
+        </p:spPr>
+        <p:style>
+          <a:lnRef idx="1">
+            <a:schemeClr val="accent1"/>
+          </a:lnRef>
+          <a:fillRef idx="0">
+            <a:schemeClr val="accent1"/>
+          </a:fillRef>
+          <a:effectRef idx="0">
+            <a:schemeClr val="accent1"/>
+          </a:effectRef>
+          <a:fontRef idx="minor">
+            <a:schemeClr val="tx1"/>
+          </a:fontRef>
+        </p:style>
+      </p:cxnSp>
+      <p:sp>
+        <p:nvSpPr>
+          <p:cNvPr id="15" name="Rectangle 14">
+            <a:extLst>
+              <a:ext uri="{FF2B5EF4-FFF2-40B4-BE49-F238E27FC236}">
+                <a16:creationId xmlns:a16="http://schemas.microsoft.com/office/drawing/2014/main" id="{0BCB6D3E-2815-49BC-A13F-4EFD1750965D}"/>
+              </a:ext>
+              <a:ext uri="{C183D7F6-B498-43B3-948B-1728B52AA6E4}">
+                <adec:decorative xmlns:adec="http://schemas.microsoft.com/office/drawing/2017/decorative" val="1"/>
+              </a:ext>
+            </a:extLst>
+          </p:cNvPr>
+          <p:cNvSpPr>
+            <a:spLocks noGrp="1" noRot="1" noChangeAspect="1" noMove="1" noResize="1" noEditPoints="1" noAdjustHandles="1" noChangeArrowheads="1" noChangeShapeType="1" noTextEdit="1"/>
+          </p:cNvSpPr>
+          <p:nvPr>
+            <p:extLst>
+              <p:ext uri="{386F3935-93C4-4BCD-93E2-E3B085C9AB24}">
+                <p16:designElem xmlns:p16="http://schemas.microsoft.com/office/powerpoint/2015/main" val="1"/>
+              </p:ext>
+            </p:extLst>
+          </p:nvPr>
+        </p:nvSpPr>
+        <p:spPr>
+          <a:xfrm>
+            <a:off x="231140" y="243840"/>
+            <a:ext cx="11722100" cy="6377939"/>
+          </a:xfrm>
+          <a:prstGeom prst="rect">
+            <a:avLst/>
+          </a:prstGeom>
+          <a:solidFill>
+            <a:schemeClr val="bg1"/>
+          </a:solidFill>
+          <a:ln w="12700">
+            <a:solidFill>
+              <a:srgbClr val="FFFFFF"/>
+            </a:solidFill>
+          </a:ln>
+        </p:spPr>
+        <p:style>
+          <a:lnRef idx="2">
+            <a:schemeClr val="accent1">
+              <a:shade val="50000"/>
+            </a:schemeClr>
+          </a:lnRef>
+          <a:fillRef idx="1">
+            <a:schemeClr val="accent1"/>
+          </a:fillRef>
+          <a:effectRef idx="0">
+            <a:schemeClr val="accent1"/>
+          </a:effectRef>
+          <a:fontRef idx="minor">
+            <a:schemeClr val="lt1"/>
+          </a:fontRef>
+        </p:style>
+      </p:sp>
+      <p:sp useBgFill="1">
+        <p:nvSpPr>
+          <p:cNvPr id="17" name="Rectangle 16">
+            <a:extLst>
+              <a:ext uri="{FF2B5EF4-FFF2-40B4-BE49-F238E27FC236}">
+                <a16:creationId xmlns:a16="http://schemas.microsoft.com/office/drawing/2014/main" id="{C77A9593-26A9-4234-8351-9339ABF91361}"/>
+              </a:ext>
+              <a:ext uri="{C183D7F6-B498-43B3-948B-1728B52AA6E4}">
+                <adec:decorative xmlns:adec="http://schemas.microsoft.com/office/drawing/2017/decorative" val="1"/>
+              </a:ext>
+            </a:extLst>
+          </p:cNvPr>
+          <p:cNvSpPr>
+            <a:spLocks noGrp="1" noRot="1" noChangeAspect="1" noMove="1" noResize="1" noEditPoints="1" noAdjustHandles="1" noChangeArrowheads="1" noChangeShapeType="1" noTextEdit="1"/>
+          </p:cNvSpPr>
+          <p:nvPr>
+            <p:extLst>
+              <p:ext uri="{386F3935-93C4-4BCD-93E2-E3B085C9AB24}">
+                <p16:designElem xmlns:p16="http://schemas.microsoft.com/office/powerpoint/2015/main" val="1"/>
+              </p:ext>
+            </p:extLst>
+          </p:nvPr>
+        </p:nvSpPr>
+        <p:spPr>
+          <a:xfrm>
+            <a:off x="7552944" y="246887"/>
+            <a:ext cx="4397755" cy="6377939"/>
+          </a:xfrm>
+          <a:prstGeom prst="rect">
+            <a:avLst/>
+          </a:prstGeom>
+          <a:ln w="12700">
+            <a:solidFill>
+              <a:srgbClr val="FFFFFF"/>
+            </a:solidFill>
+          </a:ln>
+        </p:spPr>
+        <p:style>
+          <a:lnRef idx="2">
+            <a:schemeClr val="accent1">
+              <a:shade val="50000"/>
+            </a:schemeClr>
+          </a:lnRef>
+          <a:fillRef idx="1">
+            <a:schemeClr val="accent1"/>
+          </a:fillRef>
+          <a:effectRef idx="0">
+            <a:schemeClr val="accent1"/>
+          </a:effectRef>
+          <a:fontRef idx="minor">
+            <a:schemeClr val="lt1"/>
+          </a:fontRef>
+        </p:style>
+      </p:sp>
+      <p:cxnSp>
+        <p:nvCxnSpPr>
+          <p:cNvPr id="19" name="Straight Connector 18">
+            <a:extLst>
+              <a:ext uri="{FF2B5EF4-FFF2-40B4-BE49-F238E27FC236}">
+                <a16:creationId xmlns:a16="http://schemas.microsoft.com/office/drawing/2014/main" id="{6E1AD3BD-190E-448E-9100-7E7AAB9BB996}"/>
+              </a:ext>
+              <a:ext uri="{C183D7F6-B498-43B3-948B-1728B52AA6E4}">
+                <adec:decorative xmlns:adec="http://schemas.microsoft.com/office/drawing/2017/decorative" val="1"/>
+              </a:ext>
+            </a:extLst>
+          </p:cNvPr>
+          <p:cNvCxnSpPr>
+            <a:cxnSpLocks noGrp="1" noRot="1" noChangeAspect="1" noMove="1" noResize="1" noEditPoints="1" noAdjustHandles="1" noChangeArrowheads="1" noChangeShapeType="1"/>
+          </p:cNvCxnSpPr>
+          <p:nvPr>
+            <p:extLst>
+              <p:ext uri="{386F3935-93C4-4BCD-93E2-E3B085C9AB24}">
+                <p16:designElem xmlns:p16="http://schemas.microsoft.com/office/powerpoint/2015/main" val="1"/>
+              </p:ext>
+            </p:extLst>
+          </p:nvPr>
+        </p:nvCxnSpPr>
+        <p:spPr>
+          <a:xfrm>
+            <a:off x="8370284" y="4405863"/>
+            <a:ext cx="2763075" cy="0"/>
+          </a:xfrm>
+          <a:prstGeom prst="line">
+            <a:avLst/>
+          </a:prstGeom>
+          <a:ln>
+            <a:solidFill>
+              <a:srgbClr val="FFFFFF"/>
+            </a:solidFill>
+          </a:ln>
+        </p:spPr>
+        <p:style>
+          <a:lnRef idx="1">
+            <a:schemeClr val="accent1"/>
+          </a:lnRef>
+          <a:fillRef idx="0">
+            <a:schemeClr val="accent1"/>
+          </a:fillRef>
+          <a:effectRef idx="0">
+            <a:schemeClr val="accent1"/>
+          </a:effectRef>
+          <a:fontRef idx="minor">
+            <a:schemeClr val="tx1"/>
+          </a:fontRef>
+        </p:style>
+      </p:cxnSp>
+      <p:sp>
+        <p:nvSpPr>
+          <p:cNvPr id="21" name="Rectangle 20">
+            <a:extLst>
+              <a:ext uri="{FF2B5EF4-FFF2-40B4-BE49-F238E27FC236}">
+                <a16:creationId xmlns:a16="http://schemas.microsoft.com/office/drawing/2014/main" id="{7723AC0F-348F-4B67-BAC9-F3049BD209A9}"/>
+              </a:ext>
+              <a:ext uri="{C183D7F6-B498-43B3-948B-1728B52AA6E4}">
+                <adec:decorative xmlns:adec="http://schemas.microsoft.com/office/drawing/2017/decorative" val="1"/>
+              </a:ext>
+            </a:extLst>
+          </p:cNvPr>
+          <p:cNvSpPr>
+            <a:spLocks noGrp="1" noRot="1" noChangeAspect="1" noMove="1" noResize="1" noEditPoints="1" noAdjustHandles="1" noChangeArrowheads="1" noChangeShapeType="1" noTextEdit="1"/>
+          </p:cNvSpPr>
+          <p:nvPr>
+            <p:extLst>
+              <p:ext uri="{386F3935-93C4-4BCD-93E2-E3B085C9AB24}">
+                <p16:designElem xmlns:p16="http://schemas.microsoft.com/office/powerpoint/2015/main" val="1"/>
+              </p:ext>
+            </p:extLst>
+          </p:nvPr>
+        </p:nvSpPr>
+        <p:spPr>
+          <a:xfrm>
+            <a:off x="228600" y="246888"/>
+            <a:ext cx="11724640" cy="6377939"/>
+          </a:xfrm>
+          <a:prstGeom prst="rect">
+            <a:avLst/>
+          </a:prstGeom>
+          <a:noFill/>
+          <a:ln w="12700">
+            <a:solidFill>
+              <a:srgbClr val="FFFFFF"/>
+            </a:solidFill>
+          </a:ln>
+        </p:spPr>
+        <p:style>
+          <a:lnRef idx="2">
+            <a:schemeClr val="accent1">
+              <a:shade val="50000"/>
+            </a:schemeClr>
+          </a:lnRef>
+          <a:fillRef idx="1">
+            <a:schemeClr val="accent1"/>
+          </a:fillRef>
+          <a:effectRef idx="0">
+            <a:schemeClr val="accent1"/>
+          </a:effectRef>
+          <a:fontRef idx="minor">
+            <a:schemeClr val="lt1"/>
+          </a:fontRef>
+        </p:style>
+      </p:sp>
       <p:sp>
         <p:nvSpPr>
           <p:cNvPr id="2" name="Title 1">
@@ -28437,29 +28829,79 @@
         </p:nvSpPr>
         <p:spPr>
           <a:xfrm>
-            <a:off x="1158240" y="1852669"/>
-            <a:ext cx="9875520" cy="1356360"/>
+            <a:off x="8195138" y="857675"/>
+            <a:ext cx="3113366" cy="3622844"/>
           </a:xfrm>
         </p:spPr>
         <p:txBody>
-          <a:bodyPr>
+          <a:bodyPr vert="horz" lIns="91440" tIns="45720" rIns="91440" bIns="45720" rtlCol="0" anchor="b">
             <a:normAutofit/>
           </a:bodyPr>
           <a:lstStyle/>
           <a:p>
-            <a:pPr algn="ctr"/>
+            <a:pPr algn="ctr">
+              <a:lnSpc>
+                <a:spcPct val="85000"/>
+              </a:lnSpc>
+            </a:pPr>
             <a:r>
-              <a:rPr lang="he-IL" sz="6000" b="1" dirty="0"/>
-              <a:t>הדגמה ב- </a:t>
+              <a:rPr lang="en-US" sz="5400" b="1" cap="all" dirty="0" err="1">
+                <a:solidFill>
+                  <a:srgbClr val="FFFFFF"/>
+                </a:solidFill>
+              </a:rPr>
+              <a:t>הדגמה</a:t>
             </a:r>
             <a:r>
-              <a:rPr lang="en-US" sz="6000" b="1" dirty="0"/>
-              <a:t>Unity</a:t>
+              <a:rPr lang="en-US" sz="5400" b="1" cap="all" dirty="0">
+                <a:solidFill>
+                  <a:srgbClr val="FFFFFF"/>
+                </a:solidFill>
+              </a:rPr>
+              <a:t> ב- Unity</a:t>
             </a:r>
-            <a:endParaRPr lang="LID4096" sz="6000" b="1" dirty="0"/>
           </a:p>
         </p:txBody>
       </p:sp>
+      <p:pic>
+        <p:nvPicPr>
+          <p:cNvPr id="6" name="Graphic 5" descr="מורה">
+            <a:extLst>
+              <a:ext uri="{FF2B5EF4-FFF2-40B4-BE49-F238E27FC236}">
+                <a16:creationId xmlns:a16="http://schemas.microsoft.com/office/drawing/2014/main" id="{C867B9DA-E640-47AA-AD39-9DDAD78A548C}"/>
+              </a:ext>
+            </a:extLst>
+          </p:cNvPr>
+          <p:cNvPicPr>
+            <a:picLocks noChangeAspect="1"/>
+          </p:cNvPicPr>
+          <p:nvPr/>
+        </p:nvPicPr>
+        <p:blipFill>
+          <a:blip r:embed="rId2">
+            <a:extLst>
+              <a:ext uri="{28A0092B-C50C-407E-A947-70E740481C1C}">
+                <a14:useLocalDpi xmlns:a14="http://schemas.microsoft.com/office/drawing/2010/main" val="0"/>
+              </a:ext>
+              <a:ext uri="{96DAC541-7B7A-43D3-8B79-37D633B846F1}">
+                <asvg:svgBlip xmlns:asvg="http://schemas.microsoft.com/office/drawing/2016/SVG/main" r:embed="rId3"/>
+              </a:ext>
+            </a:extLst>
+          </a:blip>
+          <a:stretch>
+            <a:fillRect/>
+          </a:stretch>
+        </p:blipFill>
+        <p:spPr>
+          <a:xfrm>
+            <a:off x="1324517" y="857675"/>
+            <a:ext cx="5140669" cy="5140669"/>
+          </a:xfrm>
+          <a:prstGeom prst="rect">
+            <a:avLst/>
+          </a:prstGeom>
+        </p:spPr>
+      </p:pic>
     </p:spTree>
     <p:extLst>
       <p:ext uri="{BB962C8B-B14F-4D97-AF65-F5344CB8AC3E}">
@@ -30433,7 +30875,12 @@
             <p:ph idx="1"/>
           </p:nvPr>
         </p:nvSpPr>
-        <p:spPr/>
+        <p:spPr>
+          <a:xfrm>
+            <a:off x="1143000" y="2057400"/>
+            <a:ext cx="10243686" cy="4038600"/>
+          </a:xfrm>
+        </p:spPr>
         <p:txBody>
           <a:bodyPr/>
           <a:lstStyle/>
@@ -30464,14 +30911,14 @@
           <p:nvPr>
             <p:extLst>
               <p:ext uri="{D42A27DB-BD31-4B8C-83A1-F6EECF244321}">
-                <p14:modId xmlns:p14="http://schemas.microsoft.com/office/powerpoint/2010/main" val="2979644082"/>
+                <p14:modId xmlns:p14="http://schemas.microsoft.com/office/powerpoint/2010/main" val="2009136598"/>
               </p:ext>
             </p:extLst>
           </p:nvPr>
         </p:nvGraphicFramePr>
         <p:xfrm>
-          <a:off x="7063731" y="2586181"/>
-          <a:ext cx="3952140" cy="2576947"/>
+          <a:off x="7063730" y="2586181"/>
+          <a:ext cx="4322955" cy="2746216"/>
         </p:xfrm>
         <a:graphic>
           <a:graphicData uri="http://schemas.openxmlformats.org/drawingml/2006/table">
@@ -30480,21 +30927,21 @@
                 <a:tableStyleId>{5C22544A-7EE6-4342-B048-85BDC9FD1C3A}</a:tableStyleId>
               </a:tblPr>
               <a:tblGrid>
-                <a:gridCol w="1317380">
+                <a:gridCol w="1440985">
                   <a:extLst>
                     <a:ext uri="{9D8B030D-6E8A-4147-A177-3AD203B41FA5}">
                       <a16:colId xmlns:a16="http://schemas.microsoft.com/office/drawing/2014/main" val="618924478"/>
                     </a:ext>
                   </a:extLst>
                 </a:gridCol>
-                <a:gridCol w="1317380">
+                <a:gridCol w="1440985">
                   <a:extLst>
                     <a:ext uri="{9D8B030D-6E8A-4147-A177-3AD203B41FA5}">
                       <a16:colId xmlns:a16="http://schemas.microsoft.com/office/drawing/2014/main" val="404414898"/>
                     </a:ext>
                   </a:extLst>
                 </a:gridCol>
-                <a:gridCol w="1317380">
+                <a:gridCol w="1440985">
                   <a:extLst>
                     <a:ext uri="{9D8B030D-6E8A-4147-A177-3AD203B41FA5}">
                       <a16:colId xmlns:a16="http://schemas.microsoft.com/office/drawing/2014/main" val="398279872"/>
@@ -30502,7 +30949,7 @@
                   </a:extLst>
                 </a:gridCol>
               </a:tblGrid>
-              <a:tr h="254254">
+              <a:tr h="270955">
                 <a:tc>
                   <a:txBody>
                     <a:bodyPr/>
@@ -30605,7 +31052,7 @@
                   </a:ext>
                 </a:extLst>
               </a:tr>
-              <a:tr h="258077">
+              <a:tr h="275029">
                 <a:tc>
                   <a:txBody>
                     <a:bodyPr/>
@@ -30708,7 +31155,7 @@
                   </a:ext>
                 </a:extLst>
               </a:tr>
-              <a:tr h="258077">
+              <a:tr h="275029">
                 <a:tc>
                   <a:txBody>
                     <a:bodyPr/>
@@ -30811,7 +31258,7 @@
                   </a:ext>
                 </a:extLst>
               </a:tr>
-              <a:tr h="258077">
+              <a:tr h="275029">
                 <a:tc>
                   <a:txBody>
                     <a:bodyPr/>
@@ -30914,7 +31361,7 @@
                   </a:ext>
                 </a:extLst>
               </a:tr>
-              <a:tr h="258077">
+              <a:tr h="275029">
                 <a:tc>
                   <a:txBody>
                     <a:bodyPr/>
@@ -31017,7 +31464,7 @@
                   </a:ext>
                 </a:extLst>
               </a:tr>
-              <a:tr h="258077">
+              <a:tr h="275029">
                 <a:tc>
                   <a:txBody>
                     <a:bodyPr/>
@@ -31120,7 +31567,7 @@
                   </a:ext>
                 </a:extLst>
               </a:tr>
-              <a:tr h="258077">
+              <a:tr h="275029">
                 <a:tc>
                   <a:txBody>
                     <a:bodyPr/>
@@ -31223,7 +31670,7 @@
                   </a:ext>
                 </a:extLst>
               </a:tr>
-              <a:tr h="258077">
+              <a:tr h="275029">
                 <a:tc>
                   <a:txBody>
                     <a:bodyPr/>
@@ -31326,7 +31773,7 @@
                   </a:ext>
                 </a:extLst>
               </a:tr>
-              <a:tr h="258077">
+              <a:tr h="275029">
                 <a:tc>
                   <a:txBody>
                     <a:bodyPr/>
@@ -31429,7 +31876,7 @@
                   </a:ext>
                 </a:extLst>
               </a:tr>
-              <a:tr h="258077">
+              <a:tr h="275029">
                 <a:tc>
                   <a:txBody>
                     <a:bodyPr/>
@@ -31551,14 +31998,14 @@
           <p:nvPr>
             <p:extLst>
               <p:ext uri="{D42A27DB-BD31-4B8C-83A1-F6EECF244321}">
-                <p14:modId xmlns:p14="http://schemas.microsoft.com/office/powerpoint/2010/main" val="934909870"/>
+                <p14:modId xmlns:p14="http://schemas.microsoft.com/office/powerpoint/2010/main" val="1023806745"/>
               </p:ext>
             </p:extLst>
           </p:nvPr>
         </p:nvGraphicFramePr>
         <p:xfrm>
-          <a:off x="1176129" y="2573550"/>
-          <a:ext cx="5267325" cy="2576945"/>
+          <a:off x="1142999" y="2573550"/>
+          <a:ext cx="5300455" cy="2758849"/>
         </p:xfrm>
         <a:graphic>
           <a:graphicData uri="http://schemas.openxmlformats.org/drawingml/2006/table">
@@ -31567,35 +32014,35 @@
                 <a:tableStyleId>{5C22544A-7EE6-4342-B048-85BDC9FD1C3A}</a:tableStyleId>
               </a:tblPr>
               <a:tblGrid>
-                <a:gridCol w="1053465">
+                <a:gridCol w="1060091">
                   <a:extLst>
                     <a:ext uri="{9D8B030D-6E8A-4147-A177-3AD203B41FA5}">
                       <a16:colId xmlns:a16="http://schemas.microsoft.com/office/drawing/2014/main" val="2344068713"/>
                     </a:ext>
                   </a:extLst>
                 </a:gridCol>
-                <a:gridCol w="1053465">
+                <a:gridCol w="1060091">
                   <a:extLst>
                     <a:ext uri="{9D8B030D-6E8A-4147-A177-3AD203B41FA5}">
                       <a16:colId xmlns:a16="http://schemas.microsoft.com/office/drawing/2014/main" val="2750834325"/>
                     </a:ext>
                   </a:extLst>
                 </a:gridCol>
-                <a:gridCol w="1053465">
+                <a:gridCol w="1060091">
                   <a:extLst>
                     <a:ext uri="{9D8B030D-6E8A-4147-A177-3AD203B41FA5}">
                       <a16:colId xmlns:a16="http://schemas.microsoft.com/office/drawing/2014/main" val="1118621150"/>
                     </a:ext>
                   </a:extLst>
                 </a:gridCol>
-                <a:gridCol w="1053465">
+                <a:gridCol w="1060091">
                   <a:extLst>
                     <a:ext uri="{9D8B030D-6E8A-4147-A177-3AD203B41FA5}">
                       <a16:colId xmlns:a16="http://schemas.microsoft.com/office/drawing/2014/main" val="2409032804"/>
                     </a:ext>
                   </a:extLst>
                 </a:gridCol>
-                <a:gridCol w="1053465">
+                <a:gridCol w="1060091">
                   <a:extLst>
                     <a:ext uri="{9D8B030D-6E8A-4147-A177-3AD203B41FA5}">
                       <a16:colId xmlns:a16="http://schemas.microsoft.com/office/drawing/2014/main" val="1861688370"/>
@@ -31603,7 +32050,7 @@
                   </a:extLst>
                 </a:gridCol>
               </a:tblGrid>
-              <a:tr h="253409">
+              <a:tr h="271297">
                 <a:tc>
                   <a:txBody>
                     <a:bodyPr/>
@@ -31770,7 +32217,7 @@
                   </a:ext>
                 </a:extLst>
               </a:tr>
-              <a:tr h="387256">
+              <a:tr h="414592">
                 <a:tc>
                   <a:txBody>
                     <a:bodyPr/>
@@ -31937,7 +32384,7 @@
                   </a:ext>
                 </a:extLst>
               </a:tr>
-              <a:tr h="387256">
+              <a:tr h="414592">
                 <a:tc>
                   <a:txBody>
                     <a:bodyPr/>
@@ -32104,7 +32551,7 @@
                   </a:ext>
                 </a:extLst>
               </a:tr>
-              <a:tr h="387256">
+              <a:tr h="414592">
                 <a:tc>
                   <a:txBody>
                     <a:bodyPr/>
@@ -32271,7 +32718,7 @@
                   </a:ext>
                 </a:extLst>
               </a:tr>
-              <a:tr h="387256">
+              <a:tr h="414592">
                 <a:tc>
                   <a:txBody>
                     <a:bodyPr/>
@@ -32438,7 +32885,7 @@
                   </a:ext>
                 </a:extLst>
               </a:tr>
-              <a:tr h="387256">
+              <a:tr h="414592">
                 <a:tc>
                   <a:txBody>
                     <a:bodyPr/>
@@ -32605,7 +33052,7 @@
                   </a:ext>
                 </a:extLst>
               </a:tr>
-              <a:tr h="387256">
+              <a:tr h="414592">
                 <a:tc>
                   <a:txBody>
                     <a:bodyPr/>
@@ -32816,388 +33263,6 @@
       </p:grpSpPr>
       <p:sp>
         <p:nvSpPr>
-          <p:cNvPr id="10" name="Rectangle 9">
-            <a:extLst>
-              <a:ext uri="{FF2B5EF4-FFF2-40B4-BE49-F238E27FC236}">
-                <a16:creationId xmlns:a16="http://schemas.microsoft.com/office/drawing/2014/main" id="{368A5362-EC3B-4BE3-804B-E6B289AF8A36}"/>
-              </a:ext>
-              <a:ext uri="{C183D7F6-B498-43B3-948B-1728B52AA6E4}">
-                <adec:decorative xmlns:adec="http://schemas.microsoft.com/office/drawing/2017/decorative" val="1"/>
-              </a:ext>
-            </a:extLst>
-          </p:cNvPr>
-          <p:cNvSpPr>
-            <a:spLocks noGrp="1" noRot="1" noChangeAspect="1" noMove="1" noResize="1" noEditPoints="1" noAdjustHandles="1" noChangeArrowheads="1" noChangeShapeType="1" noTextEdit="1"/>
-          </p:cNvSpPr>
-          <p:nvPr>
-            <p:extLst>
-              <p:ext uri="{386F3935-93C4-4BCD-93E2-E3B085C9AB24}">
-                <p16:designElem xmlns:p16="http://schemas.microsoft.com/office/powerpoint/2015/main" val="1"/>
-              </p:ext>
-            </p:extLst>
-          </p:nvPr>
-        </p:nvSpPr>
-        <p:spPr>
-          <a:xfrm>
-            <a:off x="231140" y="243840"/>
-            <a:ext cx="11724640" cy="6377939"/>
-          </a:xfrm>
-          <a:prstGeom prst="rect">
-            <a:avLst/>
-          </a:prstGeom>
-          <a:solidFill>
-            <a:schemeClr val="bg1"/>
-          </a:solidFill>
-          <a:ln w="12700">
-            <a:noFill/>
-          </a:ln>
-        </p:spPr>
-        <p:style>
-          <a:lnRef idx="2">
-            <a:schemeClr val="accent1">
-              <a:shade val="50000"/>
-            </a:schemeClr>
-          </a:lnRef>
-          <a:fillRef idx="1">
-            <a:schemeClr val="accent1"/>
-          </a:fillRef>
-          <a:effectRef idx="0">
-            <a:schemeClr val="accent1"/>
-          </a:effectRef>
-          <a:fontRef idx="minor">
-            <a:schemeClr val="lt1"/>
-          </a:fontRef>
-        </p:style>
-      </p:sp>
-      <p:sp>
-        <p:nvSpPr>
-          <p:cNvPr id="12" name="Rectangle 11">
-            <a:extLst>
-              <a:ext uri="{FF2B5EF4-FFF2-40B4-BE49-F238E27FC236}">
-                <a16:creationId xmlns:a16="http://schemas.microsoft.com/office/drawing/2014/main" id="{1D37744E-F5F6-4ED5-9F5F-21183A8FE771}"/>
-              </a:ext>
-              <a:ext uri="{C183D7F6-B498-43B3-948B-1728B52AA6E4}">
-                <adec:decorative xmlns:adec="http://schemas.microsoft.com/office/drawing/2017/decorative" val="1"/>
-              </a:ext>
-            </a:extLst>
-          </p:cNvPr>
-          <p:cNvSpPr>
-            <a:spLocks noGrp="1" noRot="1" noChangeAspect="1" noMove="1" noResize="1" noEditPoints="1" noAdjustHandles="1" noChangeArrowheads="1" noChangeShapeType="1" noTextEdit="1"/>
-          </p:cNvSpPr>
-          <p:nvPr>
-            <p:extLst>
-              <p:ext uri="{386F3935-93C4-4BCD-93E2-E3B085C9AB24}">
-                <p16:designElem xmlns:p16="http://schemas.microsoft.com/office/powerpoint/2015/main" val="1"/>
-              </p:ext>
-            </p:extLst>
-          </p:nvPr>
-        </p:nvSpPr>
-        <p:spPr>
-          <a:xfrm>
-            <a:off x="231140" y="243840"/>
-            <a:ext cx="11724640" cy="6377939"/>
-          </a:xfrm>
-          <a:prstGeom prst="rect">
-            <a:avLst/>
-          </a:prstGeom>
-          <a:solidFill>
-            <a:schemeClr val="accent1"/>
-          </a:solidFill>
-          <a:ln w="12700">
-            <a:solidFill>
-              <a:srgbClr val="FFFFFF"/>
-            </a:solidFill>
-          </a:ln>
-        </p:spPr>
-        <p:style>
-          <a:lnRef idx="2">
-            <a:schemeClr val="accent1">
-              <a:shade val="50000"/>
-            </a:schemeClr>
-          </a:lnRef>
-          <a:fillRef idx="1">
-            <a:schemeClr val="accent1"/>
-          </a:fillRef>
-          <a:effectRef idx="0">
-            <a:schemeClr val="accent1"/>
-          </a:effectRef>
-          <a:fontRef idx="minor">
-            <a:schemeClr val="lt1"/>
-          </a:fontRef>
-        </p:style>
-      </p:sp>
-      <p:cxnSp>
-        <p:nvCxnSpPr>
-          <p:cNvPr id="14" name="Straight Connector 13">
-            <a:extLst>
-              <a:ext uri="{FF2B5EF4-FFF2-40B4-BE49-F238E27FC236}">
-                <a16:creationId xmlns:a16="http://schemas.microsoft.com/office/drawing/2014/main" id="{DD9D7C55-D0C1-4B48-ADC5-A9E322B19608}"/>
-              </a:ext>
-              <a:ext uri="{C183D7F6-B498-43B3-948B-1728B52AA6E4}">
-                <adec:decorative xmlns:adec="http://schemas.microsoft.com/office/drawing/2017/decorative" val="1"/>
-              </a:ext>
-            </a:extLst>
-          </p:cNvPr>
-          <p:cNvCxnSpPr>
-            <a:cxnSpLocks noGrp="1" noRot="1" noChangeAspect="1" noMove="1" noResize="1" noEditPoints="1" noAdjustHandles="1" noChangeArrowheads="1" noChangeShapeType="1"/>
-          </p:cNvCxnSpPr>
-          <p:nvPr>
-            <p:extLst>
-              <p:ext uri="{386F3935-93C4-4BCD-93E2-E3B085C9AB24}">
-                <p16:designElem xmlns:p16="http://schemas.microsoft.com/office/powerpoint/2015/main" val="1"/>
-              </p:ext>
-            </p:extLst>
-          </p:nvPr>
-        </p:nvCxnSpPr>
-        <p:spPr>
-          <a:xfrm>
-            <a:off x="1978660" y="3733800"/>
-            <a:ext cx="8229601" cy="0"/>
-          </a:xfrm>
-          <a:prstGeom prst="line">
-            <a:avLst/>
-          </a:prstGeom>
-          <a:ln>
-            <a:solidFill>
-              <a:srgbClr val="FFFFFF"/>
-            </a:solidFill>
-          </a:ln>
-        </p:spPr>
-        <p:style>
-          <a:lnRef idx="1">
-            <a:schemeClr val="accent1"/>
-          </a:lnRef>
-          <a:fillRef idx="0">
-            <a:schemeClr val="accent1"/>
-          </a:fillRef>
-          <a:effectRef idx="0">
-            <a:schemeClr val="accent1"/>
-          </a:effectRef>
-          <a:fontRef idx="minor">
-            <a:schemeClr val="tx1"/>
-          </a:fontRef>
-        </p:style>
-      </p:cxnSp>
-      <p:sp>
-        <p:nvSpPr>
-          <p:cNvPr id="16" name="Rectangle 15">
-            <a:extLst>
-              <a:ext uri="{FF2B5EF4-FFF2-40B4-BE49-F238E27FC236}">
-                <a16:creationId xmlns:a16="http://schemas.microsoft.com/office/drawing/2014/main" id="{0BCB6D3E-2815-49BC-A13F-4EFD1750965D}"/>
-              </a:ext>
-              <a:ext uri="{C183D7F6-B498-43B3-948B-1728B52AA6E4}">
-                <adec:decorative xmlns:adec="http://schemas.microsoft.com/office/drawing/2017/decorative" val="1"/>
-              </a:ext>
-            </a:extLst>
-          </p:cNvPr>
-          <p:cNvSpPr>
-            <a:spLocks noGrp="1" noRot="1" noChangeAspect="1" noMove="1" noResize="1" noEditPoints="1" noAdjustHandles="1" noChangeArrowheads="1" noChangeShapeType="1" noTextEdit="1"/>
-          </p:cNvSpPr>
-          <p:nvPr>
-            <p:extLst>
-              <p:ext uri="{386F3935-93C4-4BCD-93E2-E3B085C9AB24}">
-                <p16:designElem xmlns:p16="http://schemas.microsoft.com/office/powerpoint/2015/main" val="1"/>
-              </p:ext>
-            </p:extLst>
-          </p:nvPr>
-        </p:nvSpPr>
-        <p:spPr>
-          <a:xfrm>
-            <a:off x="231140" y="243840"/>
-            <a:ext cx="11722100" cy="6377939"/>
-          </a:xfrm>
-          <a:prstGeom prst="rect">
-            <a:avLst/>
-          </a:prstGeom>
-          <a:solidFill>
-            <a:schemeClr val="bg1"/>
-          </a:solidFill>
-          <a:ln w="12700">
-            <a:solidFill>
-              <a:srgbClr val="FFFFFF"/>
-            </a:solidFill>
-          </a:ln>
-        </p:spPr>
-        <p:style>
-          <a:lnRef idx="2">
-            <a:schemeClr val="accent1">
-              <a:shade val="50000"/>
-            </a:schemeClr>
-          </a:lnRef>
-          <a:fillRef idx="1">
-            <a:schemeClr val="accent1"/>
-          </a:fillRef>
-          <a:effectRef idx="0">
-            <a:schemeClr val="accent1"/>
-          </a:effectRef>
-          <a:fontRef idx="minor">
-            <a:schemeClr val="lt1"/>
-          </a:fontRef>
-        </p:style>
-      </p:sp>
-      <p:sp useBgFill="1">
-        <p:nvSpPr>
-          <p:cNvPr id="18" name="Rectangle 17">
-            <a:extLst>
-              <a:ext uri="{FF2B5EF4-FFF2-40B4-BE49-F238E27FC236}">
-                <a16:creationId xmlns:a16="http://schemas.microsoft.com/office/drawing/2014/main" id="{C77A9593-26A9-4234-8351-9339ABF91361}"/>
-              </a:ext>
-              <a:ext uri="{C183D7F6-B498-43B3-948B-1728B52AA6E4}">
-                <adec:decorative xmlns:adec="http://schemas.microsoft.com/office/drawing/2017/decorative" val="1"/>
-              </a:ext>
-            </a:extLst>
-          </p:cNvPr>
-          <p:cNvSpPr>
-            <a:spLocks noGrp="1" noRot="1" noChangeAspect="1" noMove="1" noResize="1" noEditPoints="1" noAdjustHandles="1" noChangeArrowheads="1" noChangeShapeType="1" noTextEdit="1"/>
-          </p:cNvSpPr>
-          <p:nvPr>
-            <p:extLst>
-              <p:ext uri="{386F3935-93C4-4BCD-93E2-E3B085C9AB24}">
-                <p16:designElem xmlns:p16="http://schemas.microsoft.com/office/powerpoint/2015/main" val="1"/>
-              </p:ext>
-            </p:extLst>
-          </p:nvPr>
-        </p:nvSpPr>
-        <p:spPr>
-          <a:xfrm>
-            <a:off x="7552944" y="246887"/>
-            <a:ext cx="4397755" cy="6377939"/>
-          </a:xfrm>
-          <a:prstGeom prst="rect">
-            <a:avLst/>
-          </a:prstGeom>
-          <a:ln w="12700">
-            <a:solidFill>
-              <a:srgbClr val="FFFFFF"/>
-            </a:solidFill>
-          </a:ln>
-        </p:spPr>
-        <p:style>
-          <a:lnRef idx="2">
-            <a:schemeClr val="accent1">
-              <a:shade val="50000"/>
-            </a:schemeClr>
-          </a:lnRef>
-          <a:fillRef idx="1">
-            <a:schemeClr val="accent1"/>
-          </a:fillRef>
-          <a:effectRef idx="0">
-            <a:schemeClr val="accent1"/>
-          </a:effectRef>
-          <a:fontRef idx="minor">
-            <a:schemeClr val="lt1"/>
-          </a:fontRef>
-        </p:style>
-      </p:sp>
-      <p:cxnSp>
-        <p:nvCxnSpPr>
-          <p:cNvPr id="20" name="Straight Connector 19">
-            <a:extLst>
-              <a:ext uri="{FF2B5EF4-FFF2-40B4-BE49-F238E27FC236}">
-                <a16:creationId xmlns:a16="http://schemas.microsoft.com/office/drawing/2014/main" id="{6E1AD3BD-190E-448E-9100-7E7AAB9BB996}"/>
-              </a:ext>
-              <a:ext uri="{C183D7F6-B498-43B3-948B-1728B52AA6E4}">
-                <adec:decorative xmlns:adec="http://schemas.microsoft.com/office/drawing/2017/decorative" val="1"/>
-              </a:ext>
-            </a:extLst>
-          </p:cNvPr>
-          <p:cNvCxnSpPr>
-            <a:cxnSpLocks noGrp="1" noRot="1" noChangeAspect="1" noMove="1" noResize="1" noEditPoints="1" noAdjustHandles="1" noChangeArrowheads="1" noChangeShapeType="1"/>
-          </p:cNvCxnSpPr>
-          <p:nvPr>
-            <p:extLst>
-              <p:ext uri="{386F3935-93C4-4BCD-93E2-E3B085C9AB24}">
-                <p16:designElem xmlns:p16="http://schemas.microsoft.com/office/powerpoint/2015/main" val="1"/>
-              </p:ext>
-            </p:extLst>
-          </p:nvPr>
-        </p:nvCxnSpPr>
-        <p:spPr>
-          <a:xfrm>
-            <a:off x="8370284" y="4405863"/>
-            <a:ext cx="2763075" cy="0"/>
-          </a:xfrm>
-          <a:prstGeom prst="line">
-            <a:avLst/>
-          </a:prstGeom>
-          <a:ln>
-            <a:solidFill>
-              <a:srgbClr val="FFFFFF"/>
-            </a:solidFill>
-          </a:ln>
-        </p:spPr>
-        <p:style>
-          <a:lnRef idx="1">
-            <a:schemeClr val="accent1"/>
-          </a:lnRef>
-          <a:fillRef idx="0">
-            <a:schemeClr val="accent1"/>
-          </a:fillRef>
-          <a:effectRef idx="0">
-            <a:schemeClr val="accent1"/>
-          </a:effectRef>
-          <a:fontRef idx="minor">
-            <a:schemeClr val="tx1"/>
-          </a:fontRef>
-        </p:style>
-      </p:cxnSp>
-      <p:sp>
-        <p:nvSpPr>
-          <p:cNvPr id="22" name="Rectangle 21">
-            <a:extLst>
-              <a:ext uri="{FF2B5EF4-FFF2-40B4-BE49-F238E27FC236}">
-                <a16:creationId xmlns:a16="http://schemas.microsoft.com/office/drawing/2014/main" id="{7723AC0F-348F-4B67-BAC9-F3049BD209A9}"/>
-              </a:ext>
-              <a:ext uri="{C183D7F6-B498-43B3-948B-1728B52AA6E4}">
-                <adec:decorative xmlns:adec="http://schemas.microsoft.com/office/drawing/2017/decorative" val="1"/>
-              </a:ext>
-            </a:extLst>
-          </p:cNvPr>
-          <p:cNvSpPr>
-            <a:spLocks noGrp="1" noRot="1" noChangeAspect="1" noMove="1" noResize="1" noEditPoints="1" noAdjustHandles="1" noChangeArrowheads="1" noChangeShapeType="1" noTextEdit="1"/>
-          </p:cNvSpPr>
-          <p:nvPr>
-            <p:extLst>
-              <p:ext uri="{386F3935-93C4-4BCD-93E2-E3B085C9AB24}">
-                <p16:designElem xmlns:p16="http://schemas.microsoft.com/office/powerpoint/2015/main" val="1"/>
-              </p:ext>
-            </p:extLst>
-          </p:nvPr>
-        </p:nvSpPr>
-        <p:spPr>
-          <a:xfrm>
-            <a:off x="228600" y="246888"/>
-            <a:ext cx="11724640" cy="6377939"/>
-          </a:xfrm>
-          <a:prstGeom prst="rect">
-            <a:avLst/>
-          </a:prstGeom>
-          <a:noFill/>
-          <a:ln w="12700">
-            <a:solidFill>
-              <a:srgbClr val="FFFFFF"/>
-            </a:solidFill>
-          </a:ln>
-        </p:spPr>
-        <p:style>
-          <a:lnRef idx="2">
-            <a:schemeClr val="accent1">
-              <a:shade val="50000"/>
-            </a:schemeClr>
-          </a:lnRef>
-          <a:fillRef idx="1">
-            <a:schemeClr val="accent1"/>
-          </a:fillRef>
-          <a:effectRef idx="0">
-            <a:schemeClr val="accent1"/>
-          </a:effectRef>
-          <a:fontRef idx="minor">
-            <a:schemeClr val="lt1"/>
-          </a:fontRef>
-        </p:style>
-      </p:sp>
-      <p:sp>
-        <p:nvSpPr>
           <p:cNvPr id="2" name="Title 1">
             <a:extLst>
               <a:ext uri="{FF2B5EF4-FFF2-40B4-BE49-F238E27FC236}">
@@ -33214,47 +33279,42 @@
         </p:nvSpPr>
         <p:spPr>
           <a:xfrm>
-            <a:off x="8195138" y="857675"/>
-            <a:ext cx="3113366" cy="3622844"/>
+            <a:off x="7742864" y="4991100"/>
+            <a:ext cx="6993914" cy="1356360"/>
           </a:xfrm>
         </p:spPr>
         <p:txBody>
-          <a:bodyPr vert="horz" lIns="91440" tIns="45720" rIns="91440" bIns="45720" rtlCol="0" anchor="b">
+          <a:bodyPr vert="horz" lIns="91440" tIns="45720" rIns="91440" bIns="45720" rtlCol="0">
             <a:normAutofit/>
           </a:bodyPr>
           <a:lstStyle/>
           <a:p>
-            <a:pPr algn="ctr" rtl="0">
-              <a:lnSpc>
-                <a:spcPct val="85000"/>
-              </a:lnSpc>
-            </a:pPr>
+            <a:pPr rtl="0"/>
             <a:r>
-              <a:rPr lang="en-US" sz="5400" b="1" cap="all">
-                <a:solidFill>
-                  <a:srgbClr val="FFFFFF"/>
-                </a:solidFill>
-              </a:rPr>
-              <a:t>הכשרת היחידות</a:t>
+              <a:rPr lang="en-US" b="1" cap="all" dirty="0"/>
+              <a:t>הכשרת </a:t>
             </a:r>
+            <a:r>
+              <a:rPr lang="en-US" b="1" cap="all" dirty="0" err="1"/>
+              <a:t>היחידות</a:t>
+            </a:r>
+            <a:endParaRPr lang="en-US" b="1" cap="all" dirty="0"/>
           </a:p>
         </p:txBody>
       </p:sp>
       <p:pic>
         <p:nvPicPr>
-          <p:cNvPr id="5" name="Content Placeholder 4" descr="Graphical user interface&#10;&#10;Description automatically generated">
+          <p:cNvPr id="7" name="מציין מיקום תוכן 6">
             <a:extLst>
               <a:ext uri="{FF2B5EF4-FFF2-40B4-BE49-F238E27FC236}">
-                <a16:creationId xmlns:a16="http://schemas.microsoft.com/office/drawing/2014/main" id="{0B021E29-3A5F-46DB-AB4C-17BCB9C8ABD2}"/>
+                <a16:creationId xmlns:a16="http://schemas.microsoft.com/office/drawing/2014/main" id="{10E8D7CE-4D8D-483D-8EF4-B9C98B1CA8C2}"/>
               </a:ext>
             </a:extLst>
           </p:cNvPr>
           <p:cNvPicPr>
-            <a:picLocks noGrp="1" noChangeAspect="1"/>
+            <a:picLocks noChangeAspect="1"/>
           </p:cNvPicPr>
-          <p:nvPr>
-            <p:ph idx="1"/>
-          </p:nvPr>
+          <p:nvPr/>
         </p:nvPicPr>
         <p:blipFill>
           <a:blip r:embed="rId2">
@@ -33270,8 +33330,8 @@
         </p:blipFill>
         <p:spPr>
           <a:xfrm>
-            <a:off x="240171" y="240792"/>
-            <a:ext cx="7310231" cy="6370320"/>
+            <a:off x="1841500" y="303326"/>
+            <a:ext cx="8539724" cy="6298045"/>
           </a:xfrm>
           <a:prstGeom prst="rect">
             <a:avLst/>

--- a/דוחות/מצגות/מצגת התקדמות.pptx
+++ b/דוחות/מצגות/מצגת התקדמות.pptx
@@ -5691,7 +5691,7 @@
         <a:lstStyle/>
         <a:p>
           <a:r>
-            <a:rPr lang="en-US"/>
+            <a:rPr lang="en-US" dirty="0"/>
             <a:t>Total War</a:t>
           </a:r>
         </a:p>
@@ -6191,7 +6191,7 @@
             </a:lnSpc>
           </a:pPr>
           <a:r>
-            <a:rPr lang="he-IL"/>
+            <a:rPr lang="he-IL" dirty="0"/>
             <a:t>שלב בנייה</a:t>
           </a:r>
           <a:endParaRPr lang="en-US" dirty="0"/>
@@ -6237,10 +6237,10 @@
             </a:lnSpc>
           </a:pPr>
           <a:r>
-            <a:rPr lang="he-IL"/>
+            <a:rPr lang="he-IL" dirty="0"/>
             <a:t>שלב הכשרה</a:t>
           </a:r>
-          <a:endParaRPr lang="en-US"/>
+          <a:endParaRPr lang="en-US" dirty="0"/>
         </a:p>
       </dgm:t>
     </dgm:pt>
@@ -6283,10 +6283,10 @@
             </a:lnSpc>
           </a:pPr>
           <a:r>
-            <a:rPr lang="he-IL"/>
+            <a:rPr lang="he-IL" dirty="0"/>
             <a:t>שלב טקטיקה</a:t>
           </a:r>
-          <a:endParaRPr lang="en-US"/>
+          <a:endParaRPr lang="en-US" dirty="0"/>
         </a:p>
       </dgm:t>
     </dgm:pt>
@@ -6329,10 +6329,10 @@
             </a:lnSpc>
           </a:pPr>
           <a:r>
-            <a:rPr lang="he-IL"/>
+            <a:rPr lang="he-IL" dirty="0"/>
             <a:t>שלב מלחמה</a:t>
           </a:r>
-          <a:endParaRPr lang="en-US"/>
+          <a:endParaRPr lang="en-US" dirty="0"/>
         </a:p>
       </dgm:t>
     </dgm:pt>
@@ -6829,13 +6829,13 @@
         <a:p>
           <a:pPr rtl="1"/>
           <a:r>
-            <a:rPr lang="he-IL">
+            <a:rPr lang="he-IL" dirty="0">
               <a:latin typeface="Arial" panose="020B0604020202020204" pitchFamily="34" charset="0"/>
               <a:cs typeface="Arial" panose="020B0604020202020204" pitchFamily="34" charset="0"/>
             </a:rPr>
             <a:t>עיצוב פשוט ומותאם לכלל השחקנים</a:t>
           </a:r>
-          <a:endParaRPr lang="en-US">
+          <a:endParaRPr lang="en-US" dirty="0">
             <a:latin typeface="Arial" panose="020B0604020202020204" pitchFamily="34" charset="0"/>
             <a:cs typeface="Arial" panose="020B0604020202020204" pitchFamily="34" charset="0"/>
           </a:endParaRPr>
@@ -7289,7 +7289,7 @@
             </a:lnSpc>
           </a:pPr>
           <a:r>
-            <a:rPr lang="he-IL"/>
+            <a:rPr lang="he-IL" dirty="0"/>
             <a:t>גיאומטריה חישובית</a:t>
           </a:r>
           <a:endParaRPr lang="en-US" dirty="0"/>
@@ -7373,7 +7373,7 @@
             </a:lnSpc>
           </a:pPr>
           <a:r>
-            <a:rPr lang="he-IL"/>
+            <a:rPr lang="he-IL" dirty="0"/>
             <a:t>עיצוב</a:t>
           </a:r>
           <a:endParaRPr lang="en-US" dirty="0"/>
@@ -7415,7 +7415,7 @@
             </a:lnSpc>
           </a:pPr>
           <a:r>
-            <a:rPr lang="he-IL"/>
+            <a:rPr lang="he-IL" dirty="0"/>
             <a:t>סאונד ומוזיקה</a:t>
           </a:r>
           <a:endParaRPr lang="en-US" dirty="0"/>
@@ -7458,7 +7458,7 @@
       <dgm:spPr/>
     </dgm:pt>
     <dgm:pt modelId="{CF98267A-1190-455D-A3D8-E28356A6FCA7}" type="pres">
-      <dgm:prSet presAssocID="{34DF8030-7A11-4FB8-A48D-7A21A703A2FC}" presName="bgRect" presStyleLbl="bgShp" presStyleIdx="0" presStyleCnt="5" custLinFactNeighborX="0" custLinFactNeighborY="-38838"/>
+      <dgm:prSet presAssocID="{34DF8030-7A11-4FB8-A48D-7A21A703A2FC}" presName="bgRect" presStyleLbl="bgShp" presStyleIdx="0" presStyleCnt="5" custLinFactNeighborY="-469"/>
       <dgm:spPr/>
     </dgm:pt>
     <dgm:pt modelId="{54A4BD59-04B5-4433-A41C-237527A20ED0}" type="pres">
@@ -7511,7 +7511,7 @@
       <dgm:spPr/>
     </dgm:pt>
     <dgm:pt modelId="{124D2EEC-2F46-4A53-8110-D3CB614F9081}" type="pres">
-      <dgm:prSet presAssocID="{4A73DA13-6FF5-4BB9-A6D7-E45AEA54155F}" presName="bgRect" presStyleLbl="bgShp" presStyleIdx="1" presStyleCnt="5"/>
+      <dgm:prSet presAssocID="{4A73DA13-6FF5-4BB9-A6D7-E45AEA54155F}" presName="bgRect" presStyleLbl="bgShp" presStyleIdx="1" presStyleCnt="5" custLinFactNeighborY="0"/>
       <dgm:spPr/>
     </dgm:pt>
     <dgm:pt modelId="{A81C2EA5-17CC-4A27-A363-E5C38CA7964E}" type="pres">
@@ -7600,7 +7600,7 @@
       <dgm:spPr/>
     </dgm:pt>
     <dgm:pt modelId="{1940E2BC-8F02-48D2-8DD9-E863E05E53E0}" type="pres">
-      <dgm:prSet presAssocID="{C14317A8-904B-4D1A-8AD3-65CDC43D15CA}" presName="parTx" presStyleLbl="revTx" presStyleIdx="2" presStyleCnt="5">
+      <dgm:prSet presAssocID="{C14317A8-904B-4D1A-8AD3-65CDC43D15CA}" presName="parTx" presStyleLbl="revTx" presStyleIdx="2" presStyleCnt="5" custLinFactNeighborY="0">
         <dgm:presLayoutVars>
           <dgm:chMax val="0"/>
           <dgm:chPref val="0"/>
@@ -8098,7 +8098,7 @@
             <a:buNone/>
           </a:pPr>
           <a:r>
-            <a:rPr lang="en-US" sz="3200" kern="1200"/>
+            <a:rPr lang="en-US" sz="3200" kern="1200" dirty="0"/>
             <a:t>Total War</a:t>
           </a:r>
         </a:p>
@@ -8757,7 +8757,7 @@
             <a:buNone/>
           </a:pPr>
           <a:r>
-            <a:rPr lang="he-IL" sz="2200" kern="1200"/>
+            <a:rPr lang="he-IL" sz="2200" kern="1200" dirty="0"/>
             <a:t>שלב בנייה</a:t>
           </a:r>
           <a:endParaRPr lang="en-US" sz="2200" kern="1200" dirty="0"/>
@@ -8913,10 +8913,10 @@
             <a:buNone/>
           </a:pPr>
           <a:r>
-            <a:rPr lang="he-IL" sz="2200" kern="1200"/>
+            <a:rPr lang="he-IL" sz="2200" kern="1200" dirty="0"/>
             <a:t>שלב הכשרה</a:t>
           </a:r>
-          <a:endParaRPr lang="en-US" sz="2200" kern="1200"/>
+          <a:endParaRPr lang="en-US" sz="2200" kern="1200" dirty="0"/>
         </a:p>
       </dsp:txBody>
       <dsp:txXfrm>
@@ -9069,10 +9069,10 @@
             <a:buNone/>
           </a:pPr>
           <a:r>
-            <a:rPr lang="he-IL" sz="2200" kern="1200"/>
+            <a:rPr lang="he-IL" sz="2200" kern="1200" dirty="0"/>
             <a:t>שלב טקטיקה</a:t>
           </a:r>
-          <a:endParaRPr lang="en-US" sz="2200" kern="1200"/>
+          <a:endParaRPr lang="en-US" sz="2200" kern="1200" dirty="0"/>
         </a:p>
       </dsp:txBody>
       <dsp:txXfrm>
@@ -9226,10 +9226,10 @@
             <a:buNone/>
           </a:pPr>
           <a:r>
-            <a:rPr lang="he-IL" sz="2200" kern="1200"/>
+            <a:rPr lang="he-IL" sz="2200" kern="1200" dirty="0"/>
             <a:t>שלב מלחמה</a:t>
           </a:r>
-          <a:endParaRPr lang="en-US" sz="2200" kern="1200"/>
+          <a:endParaRPr lang="en-US" sz="2200" kern="1200" dirty="0"/>
         </a:p>
       </dsp:txBody>
       <dsp:txXfrm>
@@ -9805,13 +9805,13 @@
             <a:buNone/>
           </a:pPr>
           <a:r>
-            <a:rPr lang="he-IL" sz="2100" kern="1200">
+            <a:rPr lang="he-IL" sz="2100" kern="1200" dirty="0">
               <a:latin typeface="Arial" panose="020B0604020202020204" pitchFamily="34" charset="0"/>
               <a:cs typeface="Arial" panose="020B0604020202020204" pitchFamily="34" charset="0"/>
             </a:rPr>
             <a:t>עיצוב פשוט ומותאם לכלל השחקנים</a:t>
           </a:r>
-          <a:endParaRPr lang="en-US" sz="2100" kern="1200">
+          <a:endParaRPr lang="en-US" sz="2100" kern="1200" dirty="0">
             <a:latin typeface="Arial" panose="020B0604020202020204" pitchFamily="34" charset="0"/>
             <a:cs typeface="Arial" panose="020B0604020202020204" pitchFamily="34" charset="0"/>
           </a:endParaRPr>
@@ -10084,7 +10084,7 @@
       </dsp:nvSpPr>
       <dsp:spPr>
         <a:xfrm>
-          <a:off x="0" y="0"/>
+          <a:off x="0" y="3"/>
           <a:ext cx="6451943" cy="743484"/>
         </a:xfrm>
         <a:prstGeom prst="roundRect">
@@ -10370,7 +10370,7 @@
             <a:buNone/>
           </a:pPr>
           <a:r>
-            <a:rPr lang="he-IL" sz="1900" kern="1200"/>
+            <a:rPr lang="he-IL" sz="1900" kern="1200" dirty="0"/>
             <a:t>גיאומטריה חישובית</a:t>
           </a:r>
           <a:endParaRPr lang="en-US" sz="1900" kern="1200" dirty="0"/>
@@ -10674,7 +10674,7 @@
             <a:buNone/>
           </a:pPr>
           <a:r>
-            <a:rPr lang="he-IL" sz="1900" kern="1200"/>
+            <a:rPr lang="he-IL" sz="1900" kern="1200" dirty="0"/>
             <a:t>עיצוב</a:t>
           </a:r>
           <a:endParaRPr lang="en-US" sz="1900" kern="1200" dirty="0"/>
@@ -10826,7 +10826,7 @@
             <a:buNone/>
           </a:pPr>
           <a:r>
-            <a:rPr lang="he-IL" sz="1900" kern="1200"/>
+            <a:rPr lang="he-IL" sz="1900" kern="1200" dirty="0"/>
             <a:t>סאונד ומוזיקה</a:t>
           </a:r>
           <a:endParaRPr lang="en-US" sz="1900" kern="1200" dirty="0"/>
@@ -25646,7 +25646,7 @@
               </a:tabLst>
             </a:pPr>
             <a:r>
-              <a:rPr lang="he-IL" b="1">
+              <a:rPr lang="he-IL" b="1" dirty="0">
                 <a:latin typeface="Arial" panose="020B0604020202020204" pitchFamily="34" charset="0"/>
                 <a:cs typeface="Arial" panose="020B0604020202020204" pitchFamily="34" charset="0"/>
               </a:rPr>
@@ -25675,7 +25675,7 @@
             <p:ph idx="1"/>
             <p:extLst>
               <p:ext uri="{D42A27DB-BD31-4B8C-83A1-F6EECF244321}">
-                <p14:modId xmlns:p14="http://schemas.microsoft.com/office/powerpoint/2010/main" val="3420696088"/>
+                <p14:modId xmlns:p14="http://schemas.microsoft.com/office/powerpoint/2010/main" val="2398853088"/>
               </p:ext>
             </p:extLst>
           </p:nvPr>
@@ -30557,7 +30557,7 @@
           <a:p>
             <a:pPr algn="r"/>
             <a:r>
-              <a:rPr lang="he-IL" sz="6000">
+              <a:rPr lang="he-IL" sz="6000" dirty="0">
                 <a:solidFill>
                   <a:srgbClr val="FFFFFF"/>
                 </a:solidFill>
@@ -30911,7 +30911,7 @@
           <p:nvPr>
             <p:extLst>
               <p:ext uri="{D42A27DB-BD31-4B8C-83A1-F6EECF244321}">
-                <p14:modId xmlns:p14="http://schemas.microsoft.com/office/powerpoint/2010/main" val="2009136598"/>
+                <p14:modId xmlns:p14="http://schemas.microsoft.com/office/powerpoint/2010/main" val="363961096"/>
               </p:ext>
             </p:extLst>
           </p:nvPr>
